--- a/assets/posts/2022-12-15-homomorphism-illustrated/canvas.pptx
+++ b/assets/posts/2022-12-15-homomorphism-illustrated/canvas.pptx
@@ -3855,9 +3855,7 @@
             <a:avLst/>
           </a:prstGeom>
           <a:solidFill>
-            <a:schemeClr val="accent5">
-              <a:lumMod val="50000"/>
-            </a:schemeClr>
+            <a:srgbClr val="050244"/>
           </a:solidFill>
           <a:ln>
             <a:noFill/>
@@ -5632,50 +5630,6 @@
           </a:p>
         </p:txBody>
       </p:sp>
-      <p:cxnSp>
-        <p:nvCxnSpPr>
-          <p:cNvPr id="85" name="Straight Arrow Connector 84">
-            <a:extLst>
-              <a:ext uri="{FF2B5EF4-FFF2-40B4-BE49-F238E27FC236}">
-                <a16:creationId xmlns:a16="http://schemas.microsoft.com/office/drawing/2014/main" id="{16E00C57-76D6-5C1E-A95C-4729E5CE6B7A}"/>
-              </a:ext>
-            </a:extLst>
-          </p:cNvPr>
-          <p:cNvCxnSpPr>
-            <a:cxnSpLocks/>
-          </p:cNvCxnSpPr>
-          <p:nvPr/>
-        </p:nvCxnSpPr>
-        <p:spPr>
-          <a:xfrm>
-            <a:off x="5253036" y="2827659"/>
-            <a:ext cx="479968" cy="0"/>
-          </a:xfrm>
-          <a:prstGeom prst="straightConnector1">
-            <a:avLst/>
-          </a:prstGeom>
-          <a:ln w="34925">
-            <a:solidFill>
-              <a:srgbClr val="EF5E4F"/>
-            </a:solidFill>
-            <a:tailEnd type="triangle"/>
-          </a:ln>
-        </p:spPr>
-        <p:style>
-          <a:lnRef idx="1">
-            <a:schemeClr val="accent1"/>
-          </a:lnRef>
-          <a:fillRef idx="0">
-            <a:schemeClr val="accent1"/>
-          </a:fillRef>
-          <a:effectRef idx="0">
-            <a:schemeClr val="accent1"/>
-          </a:effectRef>
-          <a:fontRef idx="minor">
-            <a:schemeClr val="tx1"/>
-          </a:fontRef>
-        </p:style>
-      </p:cxnSp>
       <p:pic>
         <p:nvPicPr>
           <p:cNvPr id="1026" name="Picture 2">
@@ -5788,6 +5742,48 @@
           </a:extLst>
         </p:spPr>
       </p:pic>
+      <p:cxnSp>
+        <p:nvCxnSpPr>
+          <p:cNvPr id="1024" name="Straight Arrow Connector 1023">
+            <a:extLst>
+              <a:ext uri="{FF2B5EF4-FFF2-40B4-BE49-F238E27FC236}">
+                <a16:creationId xmlns:a16="http://schemas.microsoft.com/office/drawing/2014/main" id="{90D2A8DA-FD92-969C-AA12-26FC7D048E61}"/>
+              </a:ext>
+            </a:extLst>
+          </p:cNvPr>
+          <p:cNvCxnSpPr/>
+          <p:nvPr/>
+        </p:nvCxnSpPr>
+        <p:spPr>
+          <a:xfrm>
+            <a:off x="5292182" y="2827659"/>
+            <a:ext cx="413293" cy="0"/>
+          </a:xfrm>
+          <a:prstGeom prst="straightConnector1">
+            <a:avLst/>
+          </a:prstGeom>
+          <a:ln>
+            <a:solidFill>
+              <a:schemeClr val="bg1"/>
+            </a:solidFill>
+            <a:tailEnd type="triangle"/>
+          </a:ln>
+        </p:spPr>
+        <p:style>
+          <a:lnRef idx="1">
+            <a:schemeClr val="accent1"/>
+          </a:lnRef>
+          <a:fillRef idx="0">
+            <a:schemeClr val="accent1"/>
+          </a:fillRef>
+          <a:effectRef idx="0">
+            <a:schemeClr val="accent1"/>
+          </a:effectRef>
+          <a:fontRef idx="minor">
+            <a:schemeClr val="tx1"/>
+          </a:fontRef>
+        </p:style>
+      </p:cxnSp>
     </p:spTree>
     <p:extLst>
       <p:ext uri="{BB962C8B-B14F-4D97-AF65-F5344CB8AC3E}">

--- a/assets/posts/2022-12-15-homomorphism-illustrated/canvas.pptx
+++ b/assets/posts/2022-12-15-homomorphism-illustrated/canvas.pptx
@@ -25618,7 +25618,7 @@
         </p:nvSpPr>
         <p:spPr>
           <a:xfrm>
-            <a:off x="9808749" y="182945"/>
+            <a:off x="10197057" y="282358"/>
             <a:ext cx="599222" cy="1518920"/>
           </a:xfrm>
           <a:custGeom>
@@ -31201,4620 +31201,6 @@
           </a:p>
         </p:txBody>
       </p:sp>
-      <p:grpSp>
-        <p:nvGrpSpPr>
-          <p:cNvPr id="1095" name="Group 1094">
-            <a:extLst>
-              <a:ext uri="{FF2B5EF4-FFF2-40B4-BE49-F238E27FC236}">
-                <a16:creationId xmlns:a16="http://schemas.microsoft.com/office/drawing/2014/main" id="{D6DFAAFD-FE84-9EDA-EDCA-0273C6B5CA56}"/>
-              </a:ext>
-            </a:extLst>
-          </p:cNvPr>
-          <p:cNvGrpSpPr/>
-          <p:nvPr/>
-        </p:nvGrpSpPr>
-        <p:grpSpPr>
-          <a:xfrm>
-            <a:off x="869868" y="2810359"/>
-            <a:ext cx="1107803" cy="1384869"/>
-            <a:chOff x="2939425" y="2652266"/>
-            <a:chExt cx="1107803" cy="1384869"/>
-          </a:xfrm>
-        </p:grpSpPr>
-        <p:sp>
-          <p:nvSpPr>
-            <p:cNvPr id="1072" name="Freeform: Shape 1071">
-              <a:extLst>
-                <a:ext uri="{FF2B5EF4-FFF2-40B4-BE49-F238E27FC236}">
-                  <a16:creationId xmlns:a16="http://schemas.microsoft.com/office/drawing/2014/main" id="{86899F2E-533B-F567-78FB-373FE2270DAB}"/>
-                </a:ext>
-              </a:extLst>
-            </p:cNvPr>
-            <p:cNvSpPr>
-              <a:spLocks noChangeAspect="1"/>
-            </p:cNvSpPr>
-            <p:nvPr/>
-          </p:nvSpPr>
-          <p:spPr>
-            <a:xfrm>
-              <a:off x="2950465" y="2652266"/>
-              <a:ext cx="1096763" cy="1384869"/>
-            </a:xfrm>
-            <a:custGeom>
-              <a:avLst/>
-              <a:gdLst>
-                <a:gd name="connsiteX0" fmla="*/ 191293 w 849675"/>
-                <a:gd name="connsiteY0" fmla="*/ 0 h 1969804"/>
-                <a:gd name="connsiteX1" fmla="*/ 849675 w 849675"/>
-                <a:gd name="connsiteY1" fmla="*/ 0 h 1969804"/>
-                <a:gd name="connsiteX2" fmla="*/ 658382 w 849675"/>
-                <a:gd name="connsiteY2" fmla="*/ 985044 h 1969804"/>
-                <a:gd name="connsiteX3" fmla="*/ 849675 w 849675"/>
-                <a:gd name="connsiteY3" fmla="*/ 1969804 h 1969804"/>
-                <a:gd name="connsiteX4" fmla="*/ 191293 w 849675"/>
-                <a:gd name="connsiteY4" fmla="*/ 1969804 h 1969804"/>
-                <a:gd name="connsiteX5" fmla="*/ 0 w 849675"/>
-                <a:gd name="connsiteY5" fmla="*/ 985044 h 1969804"/>
-                <a:gd name="connsiteX6" fmla="*/ 191293 w 849675"/>
-                <a:gd name="connsiteY6" fmla="*/ 0 h 1969804"/>
-                <a:gd name="connsiteX0" fmla="*/ 191293 w 972484"/>
-                <a:gd name="connsiteY0" fmla="*/ 5486 h 1975290"/>
-                <a:gd name="connsiteX1" fmla="*/ 972484 w 972484"/>
-                <a:gd name="connsiteY1" fmla="*/ 0 h 1975290"/>
-                <a:gd name="connsiteX2" fmla="*/ 658382 w 972484"/>
-                <a:gd name="connsiteY2" fmla="*/ 990530 h 1975290"/>
-                <a:gd name="connsiteX3" fmla="*/ 849675 w 972484"/>
-                <a:gd name="connsiteY3" fmla="*/ 1975290 h 1975290"/>
-                <a:gd name="connsiteX4" fmla="*/ 191293 w 972484"/>
-                <a:gd name="connsiteY4" fmla="*/ 1975290 h 1975290"/>
-                <a:gd name="connsiteX5" fmla="*/ 0 w 972484"/>
-                <a:gd name="connsiteY5" fmla="*/ 990530 h 1975290"/>
-                <a:gd name="connsiteX6" fmla="*/ 191293 w 972484"/>
-                <a:gd name="connsiteY6" fmla="*/ 5486 h 1975290"/>
-                <a:gd name="connsiteX0" fmla="*/ 191293 w 972484"/>
-                <a:gd name="connsiteY0" fmla="*/ 5486 h 1975290"/>
-                <a:gd name="connsiteX1" fmla="*/ 972484 w 972484"/>
-                <a:gd name="connsiteY1" fmla="*/ 0 h 1975290"/>
-                <a:gd name="connsiteX2" fmla="*/ 658382 w 972484"/>
-                <a:gd name="connsiteY2" fmla="*/ 990530 h 1975290"/>
-                <a:gd name="connsiteX3" fmla="*/ 963711 w 972484"/>
-                <a:gd name="connsiteY3" fmla="*/ 1958833 h 1975290"/>
-                <a:gd name="connsiteX4" fmla="*/ 191293 w 972484"/>
-                <a:gd name="connsiteY4" fmla="*/ 1975290 h 1975290"/>
-                <a:gd name="connsiteX5" fmla="*/ 0 w 972484"/>
-                <a:gd name="connsiteY5" fmla="*/ 990530 h 1975290"/>
-                <a:gd name="connsiteX6" fmla="*/ 191293 w 972484"/>
-                <a:gd name="connsiteY6" fmla="*/ 5486 h 1975290"/>
-                <a:gd name="connsiteX0" fmla="*/ 191293 w 972484"/>
-                <a:gd name="connsiteY0" fmla="*/ 5486 h 1975290"/>
-                <a:gd name="connsiteX1" fmla="*/ 972484 w 972484"/>
-                <a:gd name="connsiteY1" fmla="*/ 0 h 1975290"/>
-                <a:gd name="connsiteX2" fmla="*/ 772418 w 972484"/>
-                <a:gd name="connsiteY2" fmla="*/ 1017962 h 1975290"/>
-                <a:gd name="connsiteX3" fmla="*/ 963711 w 972484"/>
-                <a:gd name="connsiteY3" fmla="*/ 1958833 h 1975290"/>
-                <a:gd name="connsiteX4" fmla="*/ 191293 w 972484"/>
-                <a:gd name="connsiteY4" fmla="*/ 1975290 h 1975290"/>
-                <a:gd name="connsiteX5" fmla="*/ 0 w 972484"/>
-                <a:gd name="connsiteY5" fmla="*/ 990530 h 1975290"/>
-                <a:gd name="connsiteX6" fmla="*/ 191293 w 972484"/>
-                <a:gd name="connsiteY6" fmla="*/ 5486 h 1975290"/>
-                <a:gd name="connsiteX0" fmla="*/ 191293 w 1596994"/>
-                <a:gd name="connsiteY0" fmla="*/ 5486 h 1975290"/>
-                <a:gd name="connsiteX1" fmla="*/ 972484 w 1596994"/>
-                <a:gd name="connsiteY1" fmla="*/ 0 h 1975290"/>
-                <a:gd name="connsiteX2" fmla="*/ 1596994 w 1596994"/>
-                <a:gd name="connsiteY2" fmla="*/ 968586 h 1975290"/>
-                <a:gd name="connsiteX3" fmla="*/ 963711 w 1596994"/>
-                <a:gd name="connsiteY3" fmla="*/ 1958833 h 1975290"/>
-                <a:gd name="connsiteX4" fmla="*/ 191293 w 1596994"/>
-                <a:gd name="connsiteY4" fmla="*/ 1975290 h 1975290"/>
-                <a:gd name="connsiteX5" fmla="*/ 0 w 1596994"/>
-                <a:gd name="connsiteY5" fmla="*/ 990530 h 1975290"/>
-                <a:gd name="connsiteX6" fmla="*/ 191293 w 1596994"/>
-                <a:gd name="connsiteY6" fmla="*/ 5486 h 1975290"/>
-                <a:gd name="connsiteX0" fmla="*/ 191293 w 1814604"/>
-                <a:gd name="connsiteY0" fmla="*/ 5486 h 1986264"/>
-                <a:gd name="connsiteX1" fmla="*/ 972484 w 1814604"/>
-                <a:gd name="connsiteY1" fmla="*/ 0 h 1986264"/>
-                <a:gd name="connsiteX2" fmla="*/ 1596994 w 1814604"/>
-                <a:gd name="connsiteY2" fmla="*/ 968586 h 1986264"/>
-                <a:gd name="connsiteX3" fmla="*/ 1814604 w 1814604"/>
-                <a:gd name="connsiteY3" fmla="*/ 1986264 h 1986264"/>
-                <a:gd name="connsiteX4" fmla="*/ 191293 w 1814604"/>
-                <a:gd name="connsiteY4" fmla="*/ 1975290 h 1986264"/>
-                <a:gd name="connsiteX5" fmla="*/ 0 w 1814604"/>
-                <a:gd name="connsiteY5" fmla="*/ 990530 h 1986264"/>
-                <a:gd name="connsiteX6" fmla="*/ 191293 w 1814604"/>
-                <a:gd name="connsiteY6" fmla="*/ 5486 h 1986264"/>
-                <a:gd name="connsiteX0" fmla="*/ 191293 w 1814604"/>
-                <a:gd name="connsiteY0" fmla="*/ 0 h 1980778"/>
-                <a:gd name="connsiteX1" fmla="*/ 1779516 w 1814604"/>
-                <a:gd name="connsiteY1" fmla="*/ 16459 h 1980778"/>
-                <a:gd name="connsiteX2" fmla="*/ 1596994 w 1814604"/>
-                <a:gd name="connsiteY2" fmla="*/ 963100 h 1980778"/>
-                <a:gd name="connsiteX3" fmla="*/ 1814604 w 1814604"/>
-                <a:gd name="connsiteY3" fmla="*/ 1980778 h 1980778"/>
-                <a:gd name="connsiteX4" fmla="*/ 191293 w 1814604"/>
-                <a:gd name="connsiteY4" fmla="*/ 1969804 h 1980778"/>
-                <a:gd name="connsiteX5" fmla="*/ 0 w 1814604"/>
-                <a:gd name="connsiteY5" fmla="*/ 985044 h 1980778"/>
-                <a:gd name="connsiteX6" fmla="*/ 191293 w 1814604"/>
-                <a:gd name="connsiteY6" fmla="*/ 0 h 1980778"/>
-                <a:gd name="connsiteX0" fmla="*/ 191293 w 1814604"/>
-                <a:gd name="connsiteY0" fmla="*/ 0 h 1980778"/>
-                <a:gd name="connsiteX1" fmla="*/ 1139154 w 1814604"/>
-                <a:gd name="connsiteY1" fmla="*/ 93269 h 1980778"/>
-                <a:gd name="connsiteX2" fmla="*/ 1596994 w 1814604"/>
-                <a:gd name="connsiteY2" fmla="*/ 963100 h 1980778"/>
-                <a:gd name="connsiteX3" fmla="*/ 1814604 w 1814604"/>
-                <a:gd name="connsiteY3" fmla="*/ 1980778 h 1980778"/>
-                <a:gd name="connsiteX4" fmla="*/ 191293 w 1814604"/>
-                <a:gd name="connsiteY4" fmla="*/ 1969804 h 1980778"/>
-                <a:gd name="connsiteX5" fmla="*/ 0 w 1814604"/>
-                <a:gd name="connsiteY5" fmla="*/ 985044 h 1980778"/>
-                <a:gd name="connsiteX6" fmla="*/ 191293 w 1814604"/>
-                <a:gd name="connsiteY6" fmla="*/ 0 h 1980778"/>
-                <a:gd name="connsiteX0" fmla="*/ 191293 w 1814604"/>
-                <a:gd name="connsiteY0" fmla="*/ 0 h 1980778"/>
-                <a:gd name="connsiteX1" fmla="*/ 1244419 w 1814604"/>
-                <a:gd name="connsiteY1" fmla="*/ 32919 h 1980778"/>
-                <a:gd name="connsiteX2" fmla="*/ 1596994 w 1814604"/>
-                <a:gd name="connsiteY2" fmla="*/ 963100 h 1980778"/>
-                <a:gd name="connsiteX3" fmla="*/ 1814604 w 1814604"/>
-                <a:gd name="connsiteY3" fmla="*/ 1980778 h 1980778"/>
-                <a:gd name="connsiteX4" fmla="*/ 191293 w 1814604"/>
-                <a:gd name="connsiteY4" fmla="*/ 1969804 h 1980778"/>
-                <a:gd name="connsiteX5" fmla="*/ 0 w 1814604"/>
-                <a:gd name="connsiteY5" fmla="*/ 985044 h 1980778"/>
-                <a:gd name="connsiteX6" fmla="*/ 191293 w 1814604"/>
-                <a:gd name="connsiteY6" fmla="*/ 0 h 1980778"/>
-                <a:gd name="connsiteX0" fmla="*/ 191293 w 1814604"/>
-                <a:gd name="connsiteY0" fmla="*/ 0 h 1980778"/>
-                <a:gd name="connsiteX1" fmla="*/ 1244419 w 1814604"/>
-                <a:gd name="connsiteY1" fmla="*/ 32919 h 1980778"/>
-                <a:gd name="connsiteX2" fmla="*/ 1009265 w 1814604"/>
-                <a:gd name="connsiteY2" fmla="*/ 963100 h 1980778"/>
-                <a:gd name="connsiteX3" fmla="*/ 1814604 w 1814604"/>
-                <a:gd name="connsiteY3" fmla="*/ 1980778 h 1980778"/>
-                <a:gd name="connsiteX4" fmla="*/ 191293 w 1814604"/>
-                <a:gd name="connsiteY4" fmla="*/ 1969804 h 1980778"/>
-                <a:gd name="connsiteX5" fmla="*/ 0 w 1814604"/>
-                <a:gd name="connsiteY5" fmla="*/ 985044 h 1980778"/>
-                <a:gd name="connsiteX6" fmla="*/ 191293 w 1814604"/>
-                <a:gd name="connsiteY6" fmla="*/ 0 h 1980778"/>
-                <a:gd name="connsiteX0" fmla="*/ 191293 w 1814604"/>
-                <a:gd name="connsiteY0" fmla="*/ 0 h 1980778"/>
-                <a:gd name="connsiteX1" fmla="*/ 1244419 w 1814604"/>
-                <a:gd name="connsiteY1" fmla="*/ 32919 h 1980778"/>
-                <a:gd name="connsiteX2" fmla="*/ 1066283 w 1814604"/>
-                <a:gd name="connsiteY2" fmla="*/ 1078311 h 1980778"/>
-                <a:gd name="connsiteX3" fmla="*/ 1814604 w 1814604"/>
-                <a:gd name="connsiteY3" fmla="*/ 1980778 h 1980778"/>
-                <a:gd name="connsiteX4" fmla="*/ 191293 w 1814604"/>
-                <a:gd name="connsiteY4" fmla="*/ 1969804 h 1980778"/>
-                <a:gd name="connsiteX5" fmla="*/ 0 w 1814604"/>
-                <a:gd name="connsiteY5" fmla="*/ 985044 h 1980778"/>
-                <a:gd name="connsiteX6" fmla="*/ 191293 w 1814604"/>
-                <a:gd name="connsiteY6" fmla="*/ 0 h 1980778"/>
-                <a:gd name="connsiteX0" fmla="*/ 191293 w 1310210"/>
-                <a:gd name="connsiteY0" fmla="*/ 0 h 1969804"/>
-                <a:gd name="connsiteX1" fmla="*/ 1244419 w 1310210"/>
-                <a:gd name="connsiteY1" fmla="*/ 32919 h 1969804"/>
-                <a:gd name="connsiteX2" fmla="*/ 1066283 w 1310210"/>
-                <a:gd name="connsiteY2" fmla="*/ 1078311 h 1969804"/>
-                <a:gd name="connsiteX3" fmla="*/ 1310210 w 1310210"/>
-                <a:gd name="connsiteY3" fmla="*/ 1920428 h 1969804"/>
-                <a:gd name="connsiteX4" fmla="*/ 191293 w 1310210"/>
-                <a:gd name="connsiteY4" fmla="*/ 1969804 h 1969804"/>
-                <a:gd name="connsiteX5" fmla="*/ 0 w 1310210"/>
-                <a:gd name="connsiteY5" fmla="*/ 985044 h 1969804"/>
-                <a:gd name="connsiteX6" fmla="*/ 191293 w 1310210"/>
-                <a:gd name="connsiteY6" fmla="*/ 0 h 1969804"/>
-                <a:gd name="connsiteX0" fmla="*/ 191293 w 1257577"/>
-                <a:gd name="connsiteY0" fmla="*/ 0 h 1986263"/>
-                <a:gd name="connsiteX1" fmla="*/ 1244419 w 1257577"/>
-                <a:gd name="connsiteY1" fmla="*/ 32919 h 1986263"/>
-                <a:gd name="connsiteX2" fmla="*/ 1066283 w 1257577"/>
-                <a:gd name="connsiteY2" fmla="*/ 1078311 h 1986263"/>
-                <a:gd name="connsiteX3" fmla="*/ 1257577 w 1257577"/>
-                <a:gd name="connsiteY3" fmla="*/ 1986263 h 1986263"/>
-                <a:gd name="connsiteX4" fmla="*/ 191293 w 1257577"/>
-                <a:gd name="connsiteY4" fmla="*/ 1969804 h 1986263"/>
-                <a:gd name="connsiteX5" fmla="*/ 0 w 1257577"/>
-                <a:gd name="connsiteY5" fmla="*/ 985044 h 1986263"/>
-                <a:gd name="connsiteX6" fmla="*/ 191293 w 1257577"/>
-                <a:gd name="connsiteY6" fmla="*/ 0 h 1986263"/>
-              </a:gdLst>
-              <a:ahLst/>
-              <a:cxnLst>
-                <a:cxn ang="0">
-                  <a:pos x="connsiteX0" y="connsiteY0"/>
-                </a:cxn>
-                <a:cxn ang="0">
-                  <a:pos x="connsiteX1" y="connsiteY1"/>
-                </a:cxn>
-                <a:cxn ang="0">
-                  <a:pos x="connsiteX2" y="connsiteY2"/>
-                </a:cxn>
-                <a:cxn ang="0">
-                  <a:pos x="connsiteX3" y="connsiteY3"/>
-                </a:cxn>
-                <a:cxn ang="0">
-                  <a:pos x="connsiteX4" y="connsiteY4"/>
-                </a:cxn>
-                <a:cxn ang="0">
-                  <a:pos x="connsiteX5" y="connsiteY5"/>
-                </a:cxn>
-                <a:cxn ang="0">
-                  <a:pos x="connsiteX6" y="connsiteY6"/>
-                </a:cxn>
-              </a:cxnLst>
-              <a:rect l="l" t="t" r="r" b="b"/>
-              <a:pathLst>
-                <a:path w="1257577" h="1986263">
-                  <a:moveTo>
-                    <a:pt x="191293" y="0"/>
-                  </a:moveTo>
-                  <a:lnTo>
-                    <a:pt x="1244419" y="32919"/>
-                  </a:lnTo>
-                  <a:cubicBezTo>
-                    <a:pt x="1243361" y="344598"/>
-                    <a:pt x="1067341" y="766632"/>
-                    <a:pt x="1066283" y="1078311"/>
-                  </a:cubicBezTo>
-                  <a:cubicBezTo>
-                    <a:pt x="1067341" y="1423233"/>
-                    <a:pt x="1256519" y="1641341"/>
-                    <a:pt x="1257577" y="1986263"/>
-                  </a:cubicBezTo>
-                  <a:lnTo>
-                    <a:pt x="191293" y="1969804"/>
-                  </a:lnTo>
-                  <a:cubicBezTo>
-                    <a:pt x="190235" y="1624882"/>
-                    <a:pt x="1058" y="1329966"/>
-                    <a:pt x="0" y="985044"/>
-                  </a:cubicBezTo>
-                  <a:cubicBezTo>
-                    <a:pt x="1058" y="673365"/>
-                    <a:pt x="190235" y="311679"/>
-                    <a:pt x="191293" y="0"/>
-                  </a:cubicBezTo>
-                  <a:close/>
-                </a:path>
-              </a:pathLst>
-            </a:custGeom>
-            <a:solidFill>
-              <a:srgbClr val="A8E2C5"/>
-            </a:solidFill>
-            <a:ln>
-              <a:noFill/>
-            </a:ln>
-          </p:spPr>
-          <p:style>
-            <a:lnRef idx="2">
-              <a:schemeClr val="accent1">
-                <a:shade val="50000"/>
-              </a:schemeClr>
-            </a:lnRef>
-            <a:fillRef idx="1">
-              <a:schemeClr val="accent1"/>
-            </a:fillRef>
-            <a:effectRef idx="0">
-              <a:schemeClr val="accent1"/>
-            </a:effectRef>
-            <a:fontRef idx="minor">
-              <a:schemeClr val="lt1"/>
-            </a:fontRef>
-          </p:style>
-          <p:txBody>
-            <a:bodyPr wrap="square" rtlCol="0" anchor="ctr">
-              <a:noAutofit/>
-            </a:bodyPr>
-            <a:lstStyle/>
-            <a:p>
-              <a:pPr algn="ctr"/>
-              <a:endParaRPr lang="en-SG"/>
-            </a:p>
-          </p:txBody>
-        </p:sp>
-        <p:sp>
-          <p:nvSpPr>
-            <p:cNvPr id="1085" name="Freeform: Shape 1084">
-              <a:extLst>
-                <a:ext uri="{FF2B5EF4-FFF2-40B4-BE49-F238E27FC236}">
-                  <a16:creationId xmlns:a16="http://schemas.microsoft.com/office/drawing/2014/main" id="{9D7E2BE4-997D-67A8-8238-F0F874A305EA}"/>
-                </a:ext>
-              </a:extLst>
-            </p:cNvPr>
-            <p:cNvSpPr>
-              <a:spLocks noChangeAspect="1"/>
-            </p:cNvSpPr>
-            <p:nvPr/>
-          </p:nvSpPr>
-          <p:spPr>
-            <a:xfrm>
-              <a:off x="2939425" y="2656092"/>
-              <a:ext cx="166831" cy="1373393"/>
-            </a:xfrm>
-            <a:custGeom>
-              <a:avLst/>
-              <a:gdLst>
-                <a:gd name="connsiteX0" fmla="*/ 191293 w 849675"/>
-                <a:gd name="connsiteY0" fmla="*/ 0 h 1969804"/>
-                <a:gd name="connsiteX1" fmla="*/ 849675 w 849675"/>
-                <a:gd name="connsiteY1" fmla="*/ 0 h 1969804"/>
-                <a:gd name="connsiteX2" fmla="*/ 658382 w 849675"/>
-                <a:gd name="connsiteY2" fmla="*/ 985044 h 1969804"/>
-                <a:gd name="connsiteX3" fmla="*/ 849675 w 849675"/>
-                <a:gd name="connsiteY3" fmla="*/ 1969804 h 1969804"/>
-                <a:gd name="connsiteX4" fmla="*/ 191293 w 849675"/>
-                <a:gd name="connsiteY4" fmla="*/ 1969804 h 1969804"/>
-                <a:gd name="connsiteX5" fmla="*/ 0 w 849675"/>
-                <a:gd name="connsiteY5" fmla="*/ 985044 h 1969804"/>
-                <a:gd name="connsiteX6" fmla="*/ 191293 w 849675"/>
-                <a:gd name="connsiteY6" fmla="*/ 0 h 1969804"/>
-                <a:gd name="connsiteX0" fmla="*/ 658382 w 849675"/>
-                <a:gd name="connsiteY0" fmla="*/ 985044 h 1969804"/>
-                <a:gd name="connsiteX1" fmla="*/ 849675 w 849675"/>
-                <a:gd name="connsiteY1" fmla="*/ 1969804 h 1969804"/>
-                <a:gd name="connsiteX2" fmla="*/ 191293 w 849675"/>
-                <a:gd name="connsiteY2" fmla="*/ 1969804 h 1969804"/>
-                <a:gd name="connsiteX3" fmla="*/ 0 w 849675"/>
-                <a:gd name="connsiteY3" fmla="*/ 985044 h 1969804"/>
-                <a:gd name="connsiteX4" fmla="*/ 191293 w 849675"/>
-                <a:gd name="connsiteY4" fmla="*/ 0 h 1969804"/>
-                <a:gd name="connsiteX5" fmla="*/ 849675 w 849675"/>
-                <a:gd name="connsiteY5" fmla="*/ 0 h 1969804"/>
-                <a:gd name="connsiteX6" fmla="*/ 826806 w 849675"/>
-                <a:gd name="connsiteY6" fmla="*/ 1103628 h 1969804"/>
-                <a:gd name="connsiteX0" fmla="*/ 658382 w 849675"/>
-                <a:gd name="connsiteY0" fmla="*/ 985044 h 1969804"/>
-                <a:gd name="connsiteX1" fmla="*/ 849675 w 849675"/>
-                <a:gd name="connsiteY1" fmla="*/ 1969804 h 1969804"/>
-                <a:gd name="connsiteX2" fmla="*/ 191293 w 849675"/>
-                <a:gd name="connsiteY2" fmla="*/ 1969804 h 1969804"/>
-                <a:gd name="connsiteX3" fmla="*/ 0 w 849675"/>
-                <a:gd name="connsiteY3" fmla="*/ 985044 h 1969804"/>
-                <a:gd name="connsiteX4" fmla="*/ 191293 w 849675"/>
-                <a:gd name="connsiteY4" fmla="*/ 0 h 1969804"/>
-                <a:gd name="connsiteX5" fmla="*/ 849675 w 849675"/>
-                <a:gd name="connsiteY5" fmla="*/ 0 h 1969804"/>
-                <a:gd name="connsiteX0" fmla="*/ 849675 w 849675"/>
-                <a:gd name="connsiteY0" fmla="*/ 1969804 h 1969804"/>
-                <a:gd name="connsiteX1" fmla="*/ 191293 w 849675"/>
-                <a:gd name="connsiteY1" fmla="*/ 1969804 h 1969804"/>
-                <a:gd name="connsiteX2" fmla="*/ 0 w 849675"/>
-                <a:gd name="connsiteY2" fmla="*/ 985044 h 1969804"/>
-                <a:gd name="connsiteX3" fmla="*/ 191293 w 849675"/>
-                <a:gd name="connsiteY3" fmla="*/ 0 h 1969804"/>
-                <a:gd name="connsiteX4" fmla="*/ 849675 w 849675"/>
-                <a:gd name="connsiteY4" fmla="*/ 0 h 1969804"/>
-                <a:gd name="connsiteX0" fmla="*/ 849675 w 849675"/>
-                <a:gd name="connsiteY0" fmla="*/ 1969804 h 1969804"/>
-                <a:gd name="connsiteX1" fmla="*/ 191293 w 849675"/>
-                <a:gd name="connsiteY1" fmla="*/ 1969804 h 1969804"/>
-                <a:gd name="connsiteX2" fmla="*/ 0 w 849675"/>
-                <a:gd name="connsiteY2" fmla="*/ 985044 h 1969804"/>
-                <a:gd name="connsiteX3" fmla="*/ 191293 w 849675"/>
-                <a:gd name="connsiteY3" fmla="*/ 0 h 1969804"/>
-                <a:gd name="connsiteX0" fmla="*/ 191293 w 191293"/>
-                <a:gd name="connsiteY0" fmla="*/ 1969804 h 1969804"/>
-                <a:gd name="connsiteX1" fmla="*/ 0 w 191293"/>
-                <a:gd name="connsiteY1" fmla="*/ 985044 h 1969804"/>
-                <a:gd name="connsiteX2" fmla="*/ 191293 w 191293"/>
-                <a:gd name="connsiteY2" fmla="*/ 0 h 1969804"/>
-              </a:gdLst>
-              <a:ahLst/>
-              <a:cxnLst>
-                <a:cxn ang="0">
-                  <a:pos x="connsiteX0" y="connsiteY0"/>
-                </a:cxn>
-                <a:cxn ang="0">
-                  <a:pos x="connsiteX1" y="connsiteY1"/>
-                </a:cxn>
-                <a:cxn ang="0">
-                  <a:pos x="connsiteX2" y="connsiteY2"/>
-                </a:cxn>
-              </a:cxnLst>
-              <a:rect l="l" t="t" r="r" b="b"/>
-              <a:pathLst>
-                <a:path w="191293" h="1969804">
-                  <a:moveTo>
-                    <a:pt x="191293" y="1969804"/>
-                  </a:moveTo>
-                  <a:cubicBezTo>
-                    <a:pt x="190235" y="1624882"/>
-                    <a:pt x="1058" y="1329966"/>
-                    <a:pt x="0" y="985044"/>
-                  </a:cubicBezTo>
-                  <a:cubicBezTo>
-                    <a:pt x="1058" y="673365"/>
-                    <a:pt x="190235" y="311679"/>
-                    <a:pt x="191293" y="0"/>
-                  </a:cubicBezTo>
-                </a:path>
-              </a:pathLst>
-            </a:custGeom>
-            <a:noFill/>
-            <a:ln>
-              <a:solidFill>
-                <a:schemeClr val="tx1"/>
-              </a:solidFill>
-            </a:ln>
-          </p:spPr>
-          <p:style>
-            <a:lnRef idx="2">
-              <a:schemeClr val="accent1">
-                <a:shade val="50000"/>
-              </a:schemeClr>
-            </a:lnRef>
-            <a:fillRef idx="1">
-              <a:schemeClr val="accent1"/>
-            </a:fillRef>
-            <a:effectRef idx="0">
-              <a:schemeClr val="accent1"/>
-            </a:effectRef>
-            <a:fontRef idx="minor">
-              <a:schemeClr val="lt1"/>
-            </a:fontRef>
-          </p:style>
-          <p:txBody>
-            <a:bodyPr wrap="square" rtlCol="0" anchor="ctr">
-              <a:noAutofit/>
-            </a:bodyPr>
-            <a:lstStyle/>
-            <a:p>
-              <a:pPr algn="ctr"/>
-              <a:endParaRPr lang="en-SG"/>
-            </a:p>
-          </p:txBody>
-        </p:sp>
-      </p:grpSp>
-      <p:grpSp>
-        <p:nvGrpSpPr>
-          <p:cNvPr id="1094" name="Group 1093">
-            <a:extLst>
-              <a:ext uri="{FF2B5EF4-FFF2-40B4-BE49-F238E27FC236}">
-                <a16:creationId xmlns:a16="http://schemas.microsoft.com/office/drawing/2014/main" id="{C5B28A5C-65DA-D2FE-BA1B-D16F244054E0}"/>
-              </a:ext>
-            </a:extLst>
-          </p:cNvPr>
-          <p:cNvGrpSpPr/>
-          <p:nvPr/>
-        </p:nvGrpSpPr>
-        <p:grpSpPr>
-          <a:xfrm>
-            <a:off x="1805771" y="2819547"/>
-            <a:ext cx="849954" cy="1377218"/>
-            <a:chOff x="876522" y="2660998"/>
-            <a:chExt cx="849954" cy="1377218"/>
-          </a:xfrm>
-        </p:grpSpPr>
-        <p:sp>
-          <p:nvSpPr>
-            <p:cNvPr id="1075" name="Freeform: Shape 1074">
-              <a:extLst>
-                <a:ext uri="{FF2B5EF4-FFF2-40B4-BE49-F238E27FC236}">
-                  <a16:creationId xmlns:a16="http://schemas.microsoft.com/office/drawing/2014/main" id="{4E11D7A8-7875-EE42-89CF-72C0072372D7}"/>
-                </a:ext>
-              </a:extLst>
-            </p:cNvPr>
-            <p:cNvSpPr>
-              <a:spLocks noChangeAspect="1"/>
-            </p:cNvSpPr>
-            <p:nvPr/>
-          </p:nvSpPr>
-          <p:spPr>
-            <a:xfrm>
-              <a:off x="878350" y="2660998"/>
-              <a:ext cx="848126" cy="1377218"/>
-            </a:xfrm>
-            <a:custGeom>
-              <a:avLst/>
-              <a:gdLst>
-                <a:gd name="connsiteX0" fmla="*/ 191293 w 849675"/>
-                <a:gd name="connsiteY0" fmla="*/ 0 h 1969804"/>
-                <a:gd name="connsiteX1" fmla="*/ 849675 w 849675"/>
-                <a:gd name="connsiteY1" fmla="*/ 0 h 1969804"/>
-                <a:gd name="connsiteX2" fmla="*/ 658382 w 849675"/>
-                <a:gd name="connsiteY2" fmla="*/ 985044 h 1969804"/>
-                <a:gd name="connsiteX3" fmla="*/ 849675 w 849675"/>
-                <a:gd name="connsiteY3" fmla="*/ 1969804 h 1969804"/>
-                <a:gd name="connsiteX4" fmla="*/ 191293 w 849675"/>
-                <a:gd name="connsiteY4" fmla="*/ 1969804 h 1969804"/>
-                <a:gd name="connsiteX5" fmla="*/ 0 w 849675"/>
-                <a:gd name="connsiteY5" fmla="*/ 985044 h 1969804"/>
-                <a:gd name="connsiteX6" fmla="*/ 191293 w 849675"/>
-                <a:gd name="connsiteY6" fmla="*/ 0 h 1969804"/>
-                <a:gd name="connsiteX0" fmla="*/ 191293 w 972484"/>
-                <a:gd name="connsiteY0" fmla="*/ 5486 h 1975290"/>
-                <a:gd name="connsiteX1" fmla="*/ 972484 w 972484"/>
-                <a:gd name="connsiteY1" fmla="*/ 0 h 1975290"/>
-                <a:gd name="connsiteX2" fmla="*/ 658382 w 972484"/>
-                <a:gd name="connsiteY2" fmla="*/ 990530 h 1975290"/>
-                <a:gd name="connsiteX3" fmla="*/ 849675 w 972484"/>
-                <a:gd name="connsiteY3" fmla="*/ 1975290 h 1975290"/>
-                <a:gd name="connsiteX4" fmla="*/ 191293 w 972484"/>
-                <a:gd name="connsiteY4" fmla="*/ 1975290 h 1975290"/>
-                <a:gd name="connsiteX5" fmla="*/ 0 w 972484"/>
-                <a:gd name="connsiteY5" fmla="*/ 990530 h 1975290"/>
-                <a:gd name="connsiteX6" fmla="*/ 191293 w 972484"/>
-                <a:gd name="connsiteY6" fmla="*/ 5486 h 1975290"/>
-                <a:gd name="connsiteX0" fmla="*/ 191293 w 972484"/>
-                <a:gd name="connsiteY0" fmla="*/ 5486 h 1975290"/>
-                <a:gd name="connsiteX1" fmla="*/ 972484 w 972484"/>
-                <a:gd name="connsiteY1" fmla="*/ 0 h 1975290"/>
-                <a:gd name="connsiteX2" fmla="*/ 658382 w 972484"/>
-                <a:gd name="connsiteY2" fmla="*/ 990530 h 1975290"/>
-                <a:gd name="connsiteX3" fmla="*/ 963711 w 972484"/>
-                <a:gd name="connsiteY3" fmla="*/ 1958833 h 1975290"/>
-                <a:gd name="connsiteX4" fmla="*/ 191293 w 972484"/>
-                <a:gd name="connsiteY4" fmla="*/ 1975290 h 1975290"/>
-                <a:gd name="connsiteX5" fmla="*/ 0 w 972484"/>
-                <a:gd name="connsiteY5" fmla="*/ 990530 h 1975290"/>
-                <a:gd name="connsiteX6" fmla="*/ 191293 w 972484"/>
-                <a:gd name="connsiteY6" fmla="*/ 5486 h 1975290"/>
-                <a:gd name="connsiteX0" fmla="*/ 191293 w 972484"/>
-                <a:gd name="connsiteY0" fmla="*/ 5486 h 1975290"/>
-                <a:gd name="connsiteX1" fmla="*/ 972484 w 972484"/>
-                <a:gd name="connsiteY1" fmla="*/ 0 h 1975290"/>
-                <a:gd name="connsiteX2" fmla="*/ 772418 w 972484"/>
-                <a:gd name="connsiteY2" fmla="*/ 1017962 h 1975290"/>
-                <a:gd name="connsiteX3" fmla="*/ 963711 w 972484"/>
-                <a:gd name="connsiteY3" fmla="*/ 1958833 h 1975290"/>
-                <a:gd name="connsiteX4" fmla="*/ 191293 w 972484"/>
-                <a:gd name="connsiteY4" fmla="*/ 1975290 h 1975290"/>
-                <a:gd name="connsiteX5" fmla="*/ 0 w 972484"/>
-                <a:gd name="connsiteY5" fmla="*/ 990530 h 1975290"/>
-                <a:gd name="connsiteX6" fmla="*/ 191293 w 972484"/>
-                <a:gd name="connsiteY6" fmla="*/ 5486 h 1975290"/>
-              </a:gdLst>
-              <a:ahLst/>
-              <a:cxnLst>
-                <a:cxn ang="0">
-                  <a:pos x="connsiteX0" y="connsiteY0"/>
-                </a:cxn>
-                <a:cxn ang="0">
-                  <a:pos x="connsiteX1" y="connsiteY1"/>
-                </a:cxn>
-                <a:cxn ang="0">
-                  <a:pos x="connsiteX2" y="connsiteY2"/>
-                </a:cxn>
-                <a:cxn ang="0">
-                  <a:pos x="connsiteX3" y="connsiteY3"/>
-                </a:cxn>
-                <a:cxn ang="0">
-                  <a:pos x="connsiteX4" y="connsiteY4"/>
-                </a:cxn>
-                <a:cxn ang="0">
-                  <a:pos x="connsiteX5" y="connsiteY5"/>
-                </a:cxn>
-                <a:cxn ang="0">
-                  <a:pos x="connsiteX6" y="connsiteY6"/>
-                </a:cxn>
-              </a:cxnLst>
-              <a:rect l="l" t="t" r="r" b="b"/>
-              <a:pathLst>
-                <a:path w="972484" h="1975290">
-                  <a:moveTo>
-                    <a:pt x="191293" y="5486"/>
-                  </a:moveTo>
-                  <a:lnTo>
-                    <a:pt x="972484" y="0"/>
-                  </a:lnTo>
-                  <a:cubicBezTo>
-                    <a:pt x="971426" y="311679"/>
-                    <a:pt x="773476" y="706283"/>
-                    <a:pt x="772418" y="1017962"/>
-                  </a:cubicBezTo>
-                  <a:cubicBezTo>
-                    <a:pt x="773476" y="1362884"/>
-                    <a:pt x="962653" y="1613911"/>
-                    <a:pt x="963711" y="1958833"/>
-                  </a:cubicBezTo>
-                  <a:lnTo>
-                    <a:pt x="191293" y="1975290"/>
-                  </a:lnTo>
-                  <a:cubicBezTo>
-                    <a:pt x="190235" y="1630368"/>
-                    <a:pt x="1058" y="1335452"/>
-                    <a:pt x="0" y="990530"/>
-                  </a:cubicBezTo>
-                  <a:cubicBezTo>
-                    <a:pt x="1058" y="678851"/>
-                    <a:pt x="190235" y="317165"/>
-                    <a:pt x="191293" y="5486"/>
-                  </a:cubicBezTo>
-                  <a:close/>
-                </a:path>
-              </a:pathLst>
-            </a:custGeom>
-            <a:solidFill>
-              <a:srgbClr val="FA958A"/>
-            </a:solidFill>
-            <a:ln>
-              <a:noFill/>
-            </a:ln>
-          </p:spPr>
-          <p:style>
-            <a:lnRef idx="2">
-              <a:schemeClr val="accent1">
-                <a:shade val="50000"/>
-              </a:schemeClr>
-            </a:lnRef>
-            <a:fillRef idx="1">
-              <a:schemeClr val="accent1"/>
-            </a:fillRef>
-            <a:effectRef idx="0">
-              <a:schemeClr val="accent1"/>
-            </a:effectRef>
-            <a:fontRef idx="minor">
-              <a:schemeClr val="lt1"/>
-            </a:fontRef>
-          </p:style>
-          <p:txBody>
-            <a:bodyPr wrap="square" rtlCol="0" anchor="ctr">
-              <a:noAutofit/>
-            </a:bodyPr>
-            <a:lstStyle/>
-            <a:p>
-              <a:pPr algn="ctr"/>
-              <a:endParaRPr lang="en-SG"/>
-            </a:p>
-          </p:txBody>
-        </p:sp>
-        <p:sp>
-          <p:nvSpPr>
-            <p:cNvPr id="1080" name="Freeform: Shape 1079">
-              <a:extLst>
-                <a:ext uri="{FF2B5EF4-FFF2-40B4-BE49-F238E27FC236}">
-                  <a16:creationId xmlns:a16="http://schemas.microsoft.com/office/drawing/2014/main" id="{79FE1CCD-B13B-8E07-1B28-17C42CAACB2C}"/>
-                </a:ext>
-              </a:extLst>
-            </p:cNvPr>
-            <p:cNvSpPr>
-              <a:spLocks noChangeAspect="1"/>
-            </p:cNvSpPr>
-            <p:nvPr/>
-          </p:nvSpPr>
-          <p:spPr>
-            <a:xfrm>
-              <a:off x="876522" y="2662651"/>
-              <a:ext cx="166831" cy="1373392"/>
-            </a:xfrm>
-            <a:custGeom>
-              <a:avLst/>
-              <a:gdLst>
-                <a:gd name="connsiteX0" fmla="*/ 191293 w 849675"/>
-                <a:gd name="connsiteY0" fmla="*/ 0 h 1969804"/>
-                <a:gd name="connsiteX1" fmla="*/ 849675 w 849675"/>
-                <a:gd name="connsiteY1" fmla="*/ 0 h 1969804"/>
-                <a:gd name="connsiteX2" fmla="*/ 658382 w 849675"/>
-                <a:gd name="connsiteY2" fmla="*/ 985044 h 1969804"/>
-                <a:gd name="connsiteX3" fmla="*/ 849675 w 849675"/>
-                <a:gd name="connsiteY3" fmla="*/ 1969804 h 1969804"/>
-                <a:gd name="connsiteX4" fmla="*/ 191293 w 849675"/>
-                <a:gd name="connsiteY4" fmla="*/ 1969804 h 1969804"/>
-                <a:gd name="connsiteX5" fmla="*/ 0 w 849675"/>
-                <a:gd name="connsiteY5" fmla="*/ 985044 h 1969804"/>
-                <a:gd name="connsiteX6" fmla="*/ 191293 w 849675"/>
-                <a:gd name="connsiteY6" fmla="*/ 0 h 1969804"/>
-                <a:gd name="connsiteX0" fmla="*/ 658382 w 849675"/>
-                <a:gd name="connsiteY0" fmla="*/ 985044 h 1969804"/>
-                <a:gd name="connsiteX1" fmla="*/ 849675 w 849675"/>
-                <a:gd name="connsiteY1" fmla="*/ 1969804 h 1969804"/>
-                <a:gd name="connsiteX2" fmla="*/ 191293 w 849675"/>
-                <a:gd name="connsiteY2" fmla="*/ 1969804 h 1969804"/>
-                <a:gd name="connsiteX3" fmla="*/ 0 w 849675"/>
-                <a:gd name="connsiteY3" fmla="*/ 985044 h 1969804"/>
-                <a:gd name="connsiteX4" fmla="*/ 191293 w 849675"/>
-                <a:gd name="connsiteY4" fmla="*/ 0 h 1969804"/>
-                <a:gd name="connsiteX5" fmla="*/ 849675 w 849675"/>
-                <a:gd name="connsiteY5" fmla="*/ 0 h 1969804"/>
-                <a:gd name="connsiteX6" fmla="*/ 826806 w 849675"/>
-                <a:gd name="connsiteY6" fmla="*/ 1103628 h 1969804"/>
-                <a:gd name="connsiteX0" fmla="*/ 658382 w 849675"/>
-                <a:gd name="connsiteY0" fmla="*/ 985044 h 1969804"/>
-                <a:gd name="connsiteX1" fmla="*/ 849675 w 849675"/>
-                <a:gd name="connsiteY1" fmla="*/ 1969804 h 1969804"/>
-                <a:gd name="connsiteX2" fmla="*/ 191293 w 849675"/>
-                <a:gd name="connsiteY2" fmla="*/ 1969804 h 1969804"/>
-                <a:gd name="connsiteX3" fmla="*/ 0 w 849675"/>
-                <a:gd name="connsiteY3" fmla="*/ 985044 h 1969804"/>
-                <a:gd name="connsiteX4" fmla="*/ 191293 w 849675"/>
-                <a:gd name="connsiteY4" fmla="*/ 0 h 1969804"/>
-                <a:gd name="connsiteX5" fmla="*/ 849675 w 849675"/>
-                <a:gd name="connsiteY5" fmla="*/ 0 h 1969804"/>
-                <a:gd name="connsiteX0" fmla="*/ 849675 w 849675"/>
-                <a:gd name="connsiteY0" fmla="*/ 1969804 h 1969804"/>
-                <a:gd name="connsiteX1" fmla="*/ 191293 w 849675"/>
-                <a:gd name="connsiteY1" fmla="*/ 1969804 h 1969804"/>
-                <a:gd name="connsiteX2" fmla="*/ 0 w 849675"/>
-                <a:gd name="connsiteY2" fmla="*/ 985044 h 1969804"/>
-                <a:gd name="connsiteX3" fmla="*/ 191293 w 849675"/>
-                <a:gd name="connsiteY3" fmla="*/ 0 h 1969804"/>
-                <a:gd name="connsiteX4" fmla="*/ 849675 w 849675"/>
-                <a:gd name="connsiteY4" fmla="*/ 0 h 1969804"/>
-                <a:gd name="connsiteX0" fmla="*/ 849675 w 849675"/>
-                <a:gd name="connsiteY0" fmla="*/ 1969804 h 1969804"/>
-                <a:gd name="connsiteX1" fmla="*/ 191293 w 849675"/>
-                <a:gd name="connsiteY1" fmla="*/ 1969804 h 1969804"/>
-                <a:gd name="connsiteX2" fmla="*/ 0 w 849675"/>
-                <a:gd name="connsiteY2" fmla="*/ 985044 h 1969804"/>
-                <a:gd name="connsiteX3" fmla="*/ 191293 w 849675"/>
-                <a:gd name="connsiteY3" fmla="*/ 0 h 1969804"/>
-                <a:gd name="connsiteX0" fmla="*/ 191293 w 191293"/>
-                <a:gd name="connsiteY0" fmla="*/ 1969804 h 1969804"/>
-                <a:gd name="connsiteX1" fmla="*/ 0 w 191293"/>
-                <a:gd name="connsiteY1" fmla="*/ 985044 h 1969804"/>
-                <a:gd name="connsiteX2" fmla="*/ 191293 w 191293"/>
-                <a:gd name="connsiteY2" fmla="*/ 0 h 1969804"/>
-              </a:gdLst>
-              <a:ahLst/>
-              <a:cxnLst>
-                <a:cxn ang="0">
-                  <a:pos x="connsiteX0" y="connsiteY0"/>
-                </a:cxn>
-                <a:cxn ang="0">
-                  <a:pos x="connsiteX1" y="connsiteY1"/>
-                </a:cxn>
-                <a:cxn ang="0">
-                  <a:pos x="connsiteX2" y="connsiteY2"/>
-                </a:cxn>
-              </a:cxnLst>
-              <a:rect l="l" t="t" r="r" b="b"/>
-              <a:pathLst>
-                <a:path w="191293" h="1969804">
-                  <a:moveTo>
-                    <a:pt x="191293" y="1969804"/>
-                  </a:moveTo>
-                  <a:cubicBezTo>
-                    <a:pt x="190235" y="1624882"/>
-                    <a:pt x="1058" y="1329966"/>
-                    <a:pt x="0" y="985044"/>
-                  </a:cubicBezTo>
-                  <a:cubicBezTo>
-                    <a:pt x="1058" y="673365"/>
-                    <a:pt x="190235" y="311679"/>
-                    <a:pt x="191293" y="0"/>
-                  </a:cubicBezTo>
-                </a:path>
-              </a:pathLst>
-            </a:custGeom>
-            <a:noFill/>
-            <a:ln>
-              <a:solidFill>
-                <a:schemeClr val="tx1"/>
-              </a:solidFill>
-            </a:ln>
-          </p:spPr>
-          <p:style>
-            <a:lnRef idx="2">
-              <a:schemeClr val="accent1">
-                <a:shade val="50000"/>
-              </a:schemeClr>
-            </a:lnRef>
-            <a:fillRef idx="1">
-              <a:schemeClr val="accent1"/>
-            </a:fillRef>
-            <a:effectRef idx="0">
-              <a:schemeClr val="accent1"/>
-            </a:effectRef>
-            <a:fontRef idx="minor">
-              <a:schemeClr val="lt1"/>
-            </a:fontRef>
-          </p:style>
-          <p:txBody>
-            <a:bodyPr wrap="square" rtlCol="0" anchor="ctr">
-              <a:noAutofit/>
-            </a:bodyPr>
-            <a:lstStyle/>
-            <a:p>
-              <a:pPr algn="ctr"/>
-              <a:endParaRPr lang="en-SG"/>
-            </a:p>
-          </p:txBody>
-        </p:sp>
-      </p:grpSp>
-      <p:grpSp>
-        <p:nvGrpSpPr>
-          <p:cNvPr id="1093" name="Group 1092">
-            <a:extLst>
-              <a:ext uri="{FF2B5EF4-FFF2-40B4-BE49-F238E27FC236}">
-                <a16:creationId xmlns:a16="http://schemas.microsoft.com/office/drawing/2014/main" id="{98D888B6-1C30-F3BA-FCED-C69118601417}"/>
-              </a:ext>
-            </a:extLst>
-          </p:cNvPr>
-          <p:cNvGrpSpPr/>
-          <p:nvPr/>
-        </p:nvGrpSpPr>
-        <p:grpSpPr>
-          <a:xfrm>
-            <a:off x="2481670" y="2810909"/>
-            <a:ext cx="1582559" cy="1385850"/>
-            <a:chOff x="1542792" y="2658006"/>
-            <a:chExt cx="1582559" cy="1385850"/>
-          </a:xfrm>
-        </p:grpSpPr>
-        <p:sp>
-          <p:nvSpPr>
-            <p:cNvPr id="1074" name="Freeform: Shape 1073">
-              <a:extLst>
-                <a:ext uri="{FF2B5EF4-FFF2-40B4-BE49-F238E27FC236}">
-                  <a16:creationId xmlns:a16="http://schemas.microsoft.com/office/drawing/2014/main" id="{C457F298-222D-9BC0-D6A1-A3DE66F0E0D6}"/>
-                </a:ext>
-              </a:extLst>
-            </p:cNvPr>
-            <p:cNvSpPr>
-              <a:spLocks noChangeAspect="1"/>
-            </p:cNvSpPr>
-            <p:nvPr/>
-          </p:nvSpPr>
-          <p:spPr>
-            <a:xfrm>
-              <a:off x="1542792" y="2658006"/>
-              <a:ext cx="1582559" cy="1381044"/>
-            </a:xfrm>
-            <a:custGeom>
-              <a:avLst/>
-              <a:gdLst>
-                <a:gd name="connsiteX0" fmla="*/ 191293 w 849675"/>
-                <a:gd name="connsiteY0" fmla="*/ 0 h 1969804"/>
-                <a:gd name="connsiteX1" fmla="*/ 849675 w 849675"/>
-                <a:gd name="connsiteY1" fmla="*/ 0 h 1969804"/>
-                <a:gd name="connsiteX2" fmla="*/ 658382 w 849675"/>
-                <a:gd name="connsiteY2" fmla="*/ 985044 h 1969804"/>
-                <a:gd name="connsiteX3" fmla="*/ 849675 w 849675"/>
-                <a:gd name="connsiteY3" fmla="*/ 1969804 h 1969804"/>
-                <a:gd name="connsiteX4" fmla="*/ 191293 w 849675"/>
-                <a:gd name="connsiteY4" fmla="*/ 1969804 h 1969804"/>
-                <a:gd name="connsiteX5" fmla="*/ 0 w 849675"/>
-                <a:gd name="connsiteY5" fmla="*/ 985044 h 1969804"/>
-                <a:gd name="connsiteX6" fmla="*/ 191293 w 849675"/>
-                <a:gd name="connsiteY6" fmla="*/ 0 h 1969804"/>
-                <a:gd name="connsiteX0" fmla="*/ 191293 w 972484"/>
-                <a:gd name="connsiteY0" fmla="*/ 5486 h 1975290"/>
-                <a:gd name="connsiteX1" fmla="*/ 972484 w 972484"/>
-                <a:gd name="connsiteY1" fmla="*/ 0 h 1975290"/>
-                <a:gd name="connsiteX2" fmla="*/ 658382 w 972484"/>
-                <a:gd name="connsiteY2" fmla="*/ 990530 h 1975290"/>
-                <a:gd name="connsiteX3" fmla="*/ 849675 w 972484"/>
-                <a:gd name="connsiteY3" fmla="*/ 1975290 h 1975290"/>
-                <a:gd name="connsiteX4" fmla="*/ 191293 w 972484"/>
-                <a:gd name="connsiteY4" fmla="*/ 1975290 h 1975290"/>
-                <a:gd name="connsiteX5" fmla="*/ 0 w 972484"/>
-                <a:gd name="connsiteY5" fmla="*/ 990530 h 1975290"/>
-                <a:gd name="connsiteX6" fmla="*/ 191293 w 972484"/>
-                <a:gd name="connsiteY6" fmla="*/ 5486 h 1975290"/>
-                <a:gd name="connsiteX0" fmla="*/ 191293 w 972484"/>
-                <a:gd name="connsiteY0" fmla="*/ 5486 h 1975290"/>
-                <a:gd name="connsiteX1" fmla="*/ 972484 w 972484"/>
-                <a:gd name="connsiteY1" fmla="*/ 0 h 1975290"/>
-                <a:gd name="connsiteX2" fmla="*/ 658382 w 972484"/>
-                <a:gd name="connsiteY2" fmla="*/ 990530 h 1975290"/>
-                <a:gd name="connsiteX3" fmla="*/ 963711 w 972484"/>
-                <a:gd name="connsiteY3" fmla="*/ 1958833 h 1975290"/>
-                <a:gd name="connsiteX4" fmla="*/ 191293 w 972484"/>
-                <a:gd name="connsiteY4" fmla="*/ 1975290 h 1975290"/>
-                <a:gd name="connsiteX5" fmla="*/ 0 w 972484"/>
-                <a:gd name="connsiteY5" fmla="*/ 990530 h 1975290"/>
-                <a:gd name="connsiteX6" fmla="*/ 191293 w 972484"/>
-                <a:gd name="connsiteY6" fmla="*/ 5486 h 1975290"/>
-                <a:gd name="connsiteX0" fmla="*/ 191293 w 972484"/>
-                <a:gd name="connsiteY0" fmla="*/ 5486 h 1975290"/>
-                <a:gd name="connsiteX1" fmla="*/ 972484 w 972484"/>
-                <a:gd name="connsiteY1" fmla="*/ 0 h 1975290"/>
-                <a:gd name="connsiteX2" fmla="*/ 772418 w 972484"/>
-                <a:gd name="connsiteY2" fmla="*/ 1017962 h 1975290"/>
-                <a:gd name="connsiteX3" fmla="*/ 963711 w 972484"/>
-                <a:gd name="connsiteY3" fmla="*/ 1958833 h 1975290"/>
-                <a:gd name="connsiteX4" fmla="*/ 191293 w 972484"/>
-                <a:gd name="connsiteY4" fmla="*/ 1975290 h 1975290"/>
-                <a:gd name="connsiteX5" fmla="*/ 0 w 972484"/>
-                <a:gd name="connsiteY5" fmla="*/ 990530 h 1975290"/>
-                <a:gd name="connsiteX6" fmla="*/ 191293 w 972484"/>
-                <a:gd name="connsiteY6" fmla="*/ 5486 h 1975290"/>
-                <a:gd name="connsiteX0" fmla="*/ 191293 w 1596994"/>
-                <a:gd name="connsiteY0" fmla="*/ 5486 h 1975290"/>
-                <a:gd name="connsiteX1" fmla="*/ 972484 w 1596994"/>
-                <a:gd name="connsiteY1" fmla="*/ 0 h 1975290"/>
-                <a:gd name="connsiteX2" fmla="*/ 1596994 w 1596994"/>
-                <a:gd name="connsiteY2" fmla="*/ 968586 h 1975290"/>
-                <a:gd name="connsiteX3" fmla="*/ 963711 w 1596994"/>
-                <a:gd name="connsiteY3" fmla="*/ 1958833 h 1975290"/>
-                <a:gd name="connsiteX4" fmla="*/ 191293 w 1596994"/>
-                <a:gd name="connsiteY4" fmla="*/ 1975290 h 1975290"/>
-                <a:gd name="connsiteX5" fmla="*/ 0 w 1596994"/>
-                <a:gd name="connsiteY5" fmla="*/ 990530 h 1975290"/>
-                <a:gd name="connsiteX6" fmla="*/ 191293 w 1596994"/>
-                <a:gd name="connsiteY6" fmla="*/ 5486 h 1975290"/>
-                <a:gd name="connsiteX0" fmla="*/ 191293 w 1814604"/>
-                <a:gd name="connsiteY0" fmla="*/ 5486 h 1986264"/>
-                <a:gd name="connsiteX1" fmla="*/ 972484 w 1814604"/>
-                <a:gd name="connsiteY1" fmla="*/ 0 h 1986264"/>
-                <a:gd name="connsiteX2" fmla="*/ 1596994 w 1814604"/>
-                <a:gd name="connsiteY2" fmla="*/ 968586 h 1986264"/>
-                <a:gd name="connsiteX3" fmla="*/ 1814604 w 1814604"/>
-                <a:gd name="connsiteY3" fmla="*/ 1986264 h 1986264"/>
-                <a:gd name="connsiteX4" fmla="*/ 191293 w 1814604"/>
-                <a:gd name="connsiteY4" fmla="*/ 1975290 h 1986264"/>
-                <a:gd name="connsiteX5" fmla="*/ 0 w 1814604"/>
-                <a:gd name="connsiteY5" fmla="*/ 990530 h 1986264"/>
-                <a:gd name="connsiteX6" fmla="*/ 191293 w 1814604"/>
-                <a:gd name="connsiteY6" fmla="*/ 5486 h 1986264"/>
-                <a:gd name="connsiteX0" fmla="*/ 191293 w 1814604"/>
-                <a:gd name="connsiteY0" fmla="*/ 0 h 1980778"/>
-                <a:gd name="connsiteX1" fmla="*/ 1779516 w 1814604"/>
-                <a:gd name="connsiteY1" fmla="*/ 16459 h 1980778"/>
-                <a:gd name="connsiteX2" fmla="*/ 1596994 w 1814604"/>
-                <a:gd name="connsiteY2" fmla="*/ 963100 h 1980778"/>
-                <a:gd name="connsiteX3" fmla="*/ 1814604 w 1814604"/>
-                <a:gd name="connsiteY3" fmla="*/ 1980778 h 1980778"/>
-                <a:gd name="connsiteX4" fmla="*/ 191293 w 1814604"/>
-                <a:gd name="connsiteY4" fmla="*/ 1969804 h 1980778"/>
-                <a:gd name="connsiteX5" fmla="*/ 0 w 1814604"/>
-                <a:gd name="connsiteY5" fmla="*/ 985044 h 1980778"/>
-                <a:gd name="connsiteX6" fmla="*/ 191293 w 1814604"/>
-                <a:gd name="connsiteY6" fmla="*/ 0 h 1980778"/>
-              </a:gdLst>
-              <a:ahLst/>
-              <a:cxnLst>
-                <a:cxn ang="0">
-                  <a:pos x="connsiteX0" y="connsiteY0"/>
-                </a:cxn>
-                <a:cxn ang="0">
-                  <a:pos x="connsiteX1" y="connsiteY1"/>
-                </a:cxn>
-                <a:cxn ang="0">
-                  <a:pos x="connsiteX2" y="connsiteY2"/>
-                </a:cxn>
-                <a:cxn ang="0">
-                  <a:pos x="connsiteX3" y="connsiteY3"/>
-                </a:cxn>
-                <a:cxn ang="0">
-                  <a:pos x="connsiteX4" y="connsiteY4"/>
-                </a:cxn>
-                <a:cxn ang="0">
-                  <a:pos x="connsiteX5" y="connsiteY5"/>
-                </a:cxn>
-                <a:cxn ang="0">
-                  <a:pos x="connsiteX6" y="connsiteY6"/>
-                </a:cxn>
-              </a:cxnLst>
-              <a:rect l="l" t="t" r="r" b="b"/>
-              <a:pathLst>
-                <a:path w="1814604" h="1980778">
-                  <a:moveTo>
-                    <a:pt x="191293" y="0"/>
-                  </a:moveTo>
-                  <a:lnTo>
-                    <a:pt x="1779516" y="16459"/>
-                  </a:lnTo>
-                  <a:cubicBezTo>
-                    <a:pt x="1778458" y="328138"/>
-                    <a:pt x="1598052" y="651421"/>
-                    <a:pt x="1596994" y="963100"/>
-                  </a:cubicBezTo>
-                  <a:cubicBezTo>
-                    <a:pt x="1598052" y="1308022"/>
-                    <a:pt x="1813546" y="1635856"/>
-                    <a:pt x="1814604" y="1980778"/>
-                  </a:cubicBezTo>
-                  <a:lnTo>
-                    <a:pt x="191293" y="1969804"/>
-                  </a:lnTo>
-                  <a:cubicBezTo>
-                    <a:pt x="190235" y="1624882"/>
-                    <a:pt x="1058" y="1329966"/>
-                    <a:pt x="0" y="985044"/>
-                  </a:cubicBezTo>
-                  <a:cubicBezTo>
-                    <a:pt x="1058" y="673365"/>
-                    <a:pt x="190235" y="311679"/>
-                    <a:pt x="191293" y="0"/>
-                  </a:cubicBezTo>
-                  <a:close/>
-                </a:path>
-              </a:pathLst>
-            </a:custGeom>
-            <a:solidFill>
-              <a:srgbClr val="FEB782"/>
-            </a:solidFill>
-            <a:ln>
-              <a:noFill/>
-            </a:ln>
-          </p:spPr>
-          <p:style>
-            <a:lnRef idx="2">
-              <a:schemeClr val="accent1">
-                <a:shade val="50000"/>
-              </a:schemeClr>
-            </a:lnRef>
-            <a:fillRef idx="1">
-              <a:schemeClr val="accent1"/>
-            </a:fillRef>
-            <a:effectRef idx="0">
-              <a:schemeClr val="accent1"/>
-            </a:effectRef>
-            <a:fontRef idx="minor">
-              <a:schemeClr val="lt1"/>
-            </a:fontRef>
-          </p:style>
-          <p:txBody>
-            <a:bodyPr wrap="square" rtlCol="0" anchor="ctr">
-              <a:noAutofit/>
-            </a:bodyPr>
-            <a:lstStyle/>
-            <a:p>
-              <a:pPr algn="ctr"/>
-              <a:endParaRPr lang="en-SG"/>
-            </a:p>
-          </p:txBody>
-        </p:sp>
-        <p:sp>
-          <p:nvSpPr>
-            <p:cNvPr id="1084" name="Freeform: Shape 1083">
-              <a:extLst>
-                <a:ext uri="{FF2B5EF4-FFF2-40B4-BE49-F238E27FC236}">
-                  <a16:creationId xmlns:a16="http://schemas.microsoft.com/office/drawing/2014/main" id="{FE862FEA-8D48-53CB-5161-0934A52C58F3}"/>
-                </a:ext>
-              </a:extLst>
-            </p:cNvPr>
-            <p:cNvSpPr>
-              <a:spLocks noChangeAspect="1"/>
-            </p:cNvSpPr>
-            <p:nvPr/>
-          </p:nvSpPr>
-          <p:spPr>
-            <a:xfrm>
-              <a:off x="1547767" y="2670463"/>
-              <a:ext cx="166831" cy="1373393"/>
-            </a:xfrm>
-            <a:custGeom>
-              <a:avLst/>
-              <a:gdLst>
-                <a:gd name="connsiteX0" fmla="*/ 191293 w 849675"/>
-                <a:gd name="connsiteY0" fmla="*/ 0 h 1969804"/>
-                <a:gd name="connsiteX1" fmla="*/ 849675 w 849675"/>
-                <a:gd name="connsiteY1" fmla="*/ 0 h 1969804"/>
-                <a:gd name="connsiteX2" fmla="*/ 658382 w 849675"/>
-                <a:gd name="connsiteY2" fmla="*/ 985044 h 1969804"/>
-                <a:gd name="connsiteX3" fmla="*/ 849675 w 849675"/>
-                <a:gd name="connsiteY3" fmla="*/ 1969804 h 1969804"/>
-                <a:gd name="connsiteX4" fmla="*/ 191293 w 849675"/>
-                <a:gd name="connsiteY4" fmla="*/ 1969804 h 1969804"/>
-                <a:gd name="connsiteX5" fmla="*/ 0 w 849675"/>
-                <a:gd name="connsiteY5" fmla="*/ 985044 h 1969804"/>
-                <a:gd name="connsiteX6" fmla="*/ 191293 w 849675"/>
-                <a:gd name="connsiteY6" fmla="*/ 0 h 1969804"/>
-                <a:gd name="connsiteX0" fmla="*/ 658382 w 849675"/>
-                <a:gd name="connsiteY0" fmla="*/ 985044 h 1969804"/>
-                <a:gd name="connsiteX1" fmla="*/ 849675 w 849675"/>
-                <a:gd name="connsiteY1" fmla="*/ 1969804 h 1969804"/>
-                <a:gd name="connsiteX2" fmla="*/ 191293 w 849675"/>
-                <a:gd name="connsiteY2" fmla="*/ 1969804 h 1969804"/>
-                <a:gd name="connsiteX3" fmla="*/ 0 w 849675"/>
-                <a:gd name="connsiteY3" fmla="*/ 985044 h 1969804"/>
-                <a:gd name="connsiteX4" fmla="*/ 191293 w 849675"/>
-                <a:gd name="connsiteY4" fmla="*/ 0 h 1969804"/>
-                <a:gd name="connsiteX5" fmla="*/ 849675 w 849675"/>
-                <a:gd name="connsiteY5" fmla="*/ 0 h 1969804"/>
-                <a:gd name="connsiteX6" fmla="*/ 826806 w 849675"/>
-                <a:gd name="connsiteY6" fmla="*/ 1103628 h 1969804"/>
-                <a:gd name="connsiteX0" fmla="*/ 658382 w 849675"/>
-                <a:gd name="connsiteY0" fmla="*/ 985044 h 1969804"/>
-                <a:gd name="connsiteX1" fmla="*/ 849675 w 849675"/>
-                <a:gd name="connsiteY1" fmla="*/ 1969804 h 1969804"/>
-                <a:gd name="connsiteX2" fmla="*/ 191293 w 849675"/>
-                <a:gd name="connsiteY2" fmla="*/ 1969804 h 1969804"/>
-                <a:gd name="connsiteX3" fmla="*/ 0 w 849675"/>
-                <a:gd name="connsiteY3" fmla="*/ 985044 h 1969804"/>
-                <a:gd name="connsiteX4" fmla="*/ 191293 w 849675"/>
-                <a:gd name="connsiteY4" fmla="*/ 0 h 1969804"/>
-                <a:gd name="connsiteX5" fmla="*/ 849675 w 849675"/>
-                <a:gd name="connsiteY5" fmla="*/ 0 h 1969804"/>
-                <a:gd name="connsiteX0" fmla="*/ 849675 w 849675"/>
-                <a:gd name="connsiteY0" fmla="*/ 1969804 h 1969804"/>
-                <a:gd name="connsiteX1" fmla="*/ 191293 w 849675"/>
-                <a:gd name="connsiteY1" fmla="*/ 1969804 h 1969804"/>
-                <a:gd name="connsiteX2" fmla="*/ 0 w 849675"/>
-                <a:gd name="connsiteY2" fmla="*/ 985044 h 1969804"/>
-                <a:gd name="connsiteX3" fmla="*/ 191293 w 849675"/>
-                <a:gd name="connsiteY3" fmla="*/ 0 h 1969804"/>
-                <a:gd name="connsiteX4" fmla="*/ 849675 w 849675"/>
-                <a:gd name="connsiteY4" fmla="*/ 0 h 1969804"/>
-                <a:gd name="connsiteX0" fmla="*/ 849675 w 849675"/>
-                <a:gd name="connsiteY0" fmla="*/ 1969804 h 1969804"/>
-                <a:gd name="connsiteX1" fmla="*/ 191293 w 849675"/>
-                <a:gd name="connsiteY1" fmla="*/ 1969804 h 1969804"/>
-                <a:gd name="connsiteX2" fmla="*/ 0 w 849675"/>
-                <a:gd name="connsiteY2" fmla="*/ 985044 h 1969804"/>
-                <a:gd name="connsiteX3" fmla="*/ 191293 w 849675"/>
-                <a:gd name="connsiteY3" fmla="*/ 0 h 1969804"/>
-                <a:gd name="connsiteX0" fmla="*/ 191293 w 191293"/>
-                <a:gd name="connsiteY0" fmla="*/ 1969804 h 1969804"/>
-                <a:gd name="connsiteX1" fmla="*/ 0 w 191293"/>
-                <a:gd name="connsiteY1" fmla="*/ 985044 h 1969804"/>
-                <a:gd name="connsiteX2" fmla="*/ 191293 w 191293"/>
-                <a:gd name="connsiteY2" fmla="*/ 0 h 1969804"/>
-              </a:gdLst>
-              <a:ahLst/>
-              <a:cxnLst>
-                <a:cxn ang="0">
-                  <a:pos x="connsiteX0" y="connsiteY0"/>
-                </a:cxn>
-                <a:cxn ang="0">
-                  <a:pos x="connsiteX1" y="connsiteY1"/>
-                </a:cxn>
-                <a:cxn ang="0">
-                  <a:pos x="connsiteX2" y="connsiteY2"/>
-                </a:cxn>
-              </a:cxnLst>
-              <a:rect l="l" t="t" r="r" b="b"/>
-              <a:pathLst>
-                <a:path w="191293" h="1969804">
-                  <a:moveTo>
-                    <a:pt x="191293" y="1969804"/>
-                  </a:moveTo>
-                  <a:cubicBezTo>
-                    <a:pt x="190235" y="1624882"/>
-                    <a:pt x="1058" y="1329966"/>
-                    <a:pt x="0" y="985044"/>
-                  </a:cubicBezTo>
-                  <a:cubicBezTo>
-                    <a:pt x="1058" y="673365"/>
-                    <a:pt x="190235" y="311679"/>
-                    <a:pt x="191293" y="0"/>
-                  </a:cubicBezTo>
-                </a:path>
-              </a:pathLst>
-            </a:custGeom>
-            <a:noFill/>
-            <a:ln>
-              <a:solidFill>
-                <a:schemeClr val="tx1"/>
-              </a:solidFill>
-            </a:ln>
-          </p:spPr>
-          <p:style>
-            <a:lnRef idx="2">
-              <a:schemeClr val="accent1">
-                <a:shade val="50000"/>
-              </a:schemeClr>
-            </a:lnRef>
-            <a:fillRef idx="1">
-              <a:schemeClr val="accent1"/>
-            </a:fillRef>
-            <a:effectRef idx="0">
-              <a:schemeClr val="accent1"/>
-            </a:effectRef>
-            <a:fontRef idx="minor">
-              <a:schemeClr val="lt1"/>
-            </a:fontRef>
-          </p:style>
-          <p:txBody>
-            <a:bodyPr wrap="square" rtlCol="0" anchor="ctr">
-              <a:noAutofit/>
-            </a:bodyPr>
-            <a:lstStyle/>
-            <a:p>
-              <a:pPr algn="ctr"/>
-              <a:endParaRPr lang="en-SG"/>
-            </a:p>
-          </p:txBody>
-        </p:sp>
-      </p:grpSp>
-      <p:sp>
-        <p:nvSpPr>
-          <p:cNvPr id="1070" name="Rectangle 1">
-            <a:extLst>
-              <a:ext uri="{FF2B5EF4-FFF2-40B4-BE49-F238E27FC236}">
-                <a16:creationId xmlns:a16="http://schemas.microsoft.com/office/drawing/2014/main" id="{0723ED89-7E4C-D6F1-8212-05FA7971E203}"/>
-              </a:ext>
-            </a:extLst>
-          </p:cNvPr>
-          <p:cNvSpPr>
-            <a:spLocks noChangeAspect="1"/>
-          </p:cNvSpPr>
-          <p:nvPr/>
-        </p:nvSpPr>
-        <p:spPr>
-          <a:xfrm>
-            <a:off x="3872601" y="2817491"/>
-            <a:ext cx="717762" cy="1373393"/>
-          </a:xfrm>
-          <a:custGeom>
-            <a:avLst/>
-            <a:gdLst>
-              <a:gd name="connsiteX0" fmla="*/ 0 w 912420"/>
-              <a:gd name="connsiteY0" fmla="*/ 0 h 1969804"/>
-              <a:gd name="connsiteX1" fmla="*/ 912420 w 912420"/>
-              <a:gd name="connsiteY1" fmla="*/ 0 h 1969804"/>
-              <a:gd name="connsiteX2" fmla="*/ 912420 w 912420"/>
-              <a:gd name="connsiteY2" fmla="*/ 1969804 h 1969804"/>
-              <a:gd name="connsiteX3" fmla="*/ 0 w 912420"/>
-              <a:gd name="connsiteY3" fmla="*/ 1969804 h 1969804"/>
-              <a:gd name="connsiteX4" fmla="*/ 0 w 912420"/>
-              <a:gd name="connsiteY4" fmla="*/ 0 h 1969804"/>
-              <a:gd name="connsiteX0" fmla="*/ 3175 w 915595"/>
-              <a:gd name="connsiteY0" fmla="*/ 0 h 1969804"/>
-              <a:gd name="connsiteX1" fmla="*/ 915595 w 915595"/>
-              <a:gd name="connsiteY1" fmla="*/ 0 h 1969804"/>
-              <a:gd name="connsiteX2" fmla="*/ 915595 w 915595"/>
-              <a:gd name="connsiteY2" fmla="*/ 1969804 h 1969804"/>
-              <a:gd name="connsiteX3" fmla="*/ 3175 w 915595"/>
-              <a:gd name="connsiteY3" fmla="*/ 1969804 h 1969804"/>
-              <a:gd name="connsiteX4" fmla="*/ 0 w 915595"/>
-              <a:gd name="connsiteY4" fmla="*/ 935038 h 1969804"/>
-              <a:gd name="connsiteX5" fmla="*/ 3175 w 915595"/>
-              <a:gd name="connsiteY5" fmla="*/ 0 h 1969804"/>
-              <a:gd name="connsiteX0" fmla="*/ 177006 w 1089426"/>
-              <a:gd name="connsiteY0" fmla="*/ 0 h 1969804"/>
-              <a:gd name="connsiteX1" fmla="*/ 1089426 w 1089426"/>
-              <a:gd name="connsiteY1" fmla="*/ 0 h 1969804"/>
-              <a:gd name="connsiteX2" fmla="*/ 1089426 w 1089426"/>
-              <a:gd name="connsiteY2" fmla="*/ 1969804 h 1969804"/>
-              <a:gd name="connsiteX3" fmla="*/ 177006 w 1089426"/>
-              <a:gd name="connsiteY3" fmla="*/ 1969804 h 1969804"/>
-              <a:gd name="connsiteX4" fmla="*/ 0 w 1089426"/>
-              <a:gd name="connsiteY4" fmla="*/ 956469 h 1969804"/>
-              <a:gd name="connsiteX5" fmla="*/ 177006 w 1089426"/>
-              <a:gd name="connsiteY5" fmla="*/ 0 h 1969804"/>
-              <a:gd name="connsiteX0" fmla="*/ 191293 w 1103713"/>
-              <a:gd name="connsiteY0" fmla="*/ 0 h 1969804"/>
-              <a:gd name="connsiteX1" fmla="*/ 1103713 w 1103713"/>
-              <a:gd name="connsiteY1" fmla="*/ 0 h 1969804"/>
-              <a:gd name="connsiteX2" fmla="*/ 1103713 w 1103713"/>
-              <a:gd name="connsiteY2" fmla="*/ 1969804 h 1969804"/>
-              <a:gd name="connsiteX3" fmla="*/ 191293 w 1103713"/>
-              <a:gd name="connsiteY3" fmla="*/ 1969804 h 1969804"/>
-              <a:gd name="connsiteX4" fmla="*/ 0 w 1103713"/>
-              <a:gd name="connsiteY4" fmla="*/ 985044 h 1969804"/>
-              <a:gd name="connsiteX5" fmla="*/ 191293 w 1103713"/>
-              <a:gd name="connsiteY5" fmla="*/ 0 h 1969804"/>
-              <a:gd name="connsiteX0" fmla="*/ 11 w 912431"/>
-              <a:gd name="connsiteY0" fmla="*/ 0 h 1969804"/>
-              <a:gd name="connsiteX1" fmla="*/ 912431 w 912431"/>
-              <a:gd name="connsiteY1" fmla="*/ 0 h 1969804"/>
-              <a:gd name="connsiteX2" fmla="*/ 912431 w 912431"/>
-              <a:gd name="connsiteY2" fmla="*/ 1969804 h 1969804"/>
-              <a:gd name="connsiteX3" fmla="*/ 11 w 912431"/>
-              <a:gd name="connsiteY3" fmla="*/ 1969804 h 1969804"/>
-              <a:gd name="connsiteX4" fmla="*/ 89425 w 912431"/>
-              <a:gd name="connsiteY4" fmla="*/ 1006990 h 1969804"/>
-              <a:gd name="connsiteX5" fmla="*/ 11 w 912431"/>
-              <a:gd name="connsiteY5" fmla="*/ 0 h 1969804"/>
-              <a:gd name="connsiteX0" fmla="*/ 302648 w 912429"/>
-              <a:gd name="connsiteY0" fmla="*/ 16459 h 1969804"/>
-              <a:gd name="connsiteX1" fmla="*/ 912429 w 912429"/>
-              <a:gd name="connsiteY1" fmla="*/ 0 h 1969804"/>
-              <a:gd name="connsiteX2" fmla="*/ 912429 w 912429"/>
-              <a:gd name="connsiteY2" fmla="*/ 1969804 h 1969804"/>
-              <a:gd name="connsiteX3" fmla="*/ 9 w 912429"/>
-              <a:gd name="connsiteY3" fmla="*/ 1969804 h 1969804"/>
-              <a:gd name="connsiteX4" fmla="*/ 89423 w 912429"/>
-              <a:gd name="connsiteY4" fmla="*/ 1006990 h 1969804"/>
-              <a:gd name="connsiteX5" fmla="*/ 302648 w 912429"/>
-              <a:gd name="connsiteY5" fmla="*/ 16459 h 1969804"/>
-              <a:gd name="connsiteX0" fmla="*/ 213225 w 823006"/>
-              <a:gd name="connsiteY0" fmla="*/ 16459 h 1986263"/>
-              <a:gd name="connsiteX1" fmla="*/ 823006 w 823006"/>
-              <a:gd name="connsiteY1" fmla="*/ 0 h 1986263"/>
-              <a:gd name="connsiteX2" fmla="*/ 823006 w 823006"/>
-              <a:gd name="connsiteY2" fmla="*/ 1969804 h 1986263"/>
-              <a:gd name="connsiteX3" fmla="*/ 134275 w 823006"/>
-              <a:gd name="connsiteY3" fmla="*/ 1986263 h 1986263"/>
-              <a:gd name="connsiteX4" fmla="*/ 0 w 823006"/>
-              <a:gd name="connsiteY4" fmla="*/ 1006990 h 1986263"/>
-              <a:gd name="connsiteX5" fmla="*/ 213225 w 823006"/>
-              <a:gd name="connsiteY5" fmla="*/ 16459 h 1986263"/>
-              <a:gd name="connsiteX0" fmla="*/ 213225 w 823006"/>
-              <a:gd name="connsiteY0" fmla="*/ 16459 h 1969804"/>
-              <a:gd name="connsiteX1" fmla="*/ 823006 w 823006"/>
-              <a:gd name="connsiteY1" fmla="*/ 0 h 1969804"/>
-              <a:gd name="connsiteX2" fmla="*/ 823006 w 823006"/>
-              <a:gd name="connsiteY2" fmla="*/ 1969804 h 1969804"/>
-              <a:gd name="connsiteX3" fmla="*/ 173749 w 823006"/>
-              <a:gd name="connsiteY3" fmla="*/ 1936887 h 1969804"/>
-              <a:gd name="connsiteX4" fmla="*/ 0 w 823006"/>
-              <a:gd name="connsiteY4" fmla="*/ 1006990 h 1969804"/>
-              <a:gd name="connsiteX5" fmla="*/ 213225 w 823006"/>
-              <a:gd name="connsiteY5" fmla="*/ 16459 h 1969804"/>
-              <a:gd name="connsiteX0" fmla="*/ 187741 w 823006"/>
-              <a:gd name="connsiteY0" fmla="*/ 11906 h 1969804"/>
-              <a:gd name="connsiteX1" fmla="*/ 823006 w 823006"/>
-              <a:gd name="connsiteY1" fmla="*/ 0 h 1969804"/>
-              <a:gd name="connsiteX2" fmla="*/ 823006 w 823006"/>
-              <a:gd name="connsiteY2" fmla="*/ 1969804 h 1969804"/>
-              <a:gd name="connsiteX3" fmla="*/ 173749 w 823006"/>
-              <a:gd name="connsiteY3" fmla="*/ 1936887 h 1969804"/>
-              <a:gd name="connsiteX4" fmla="*/ 0 w 823006"/>
-              <a:gd name="connsiteY4" fmla="*/ 1006990 h 1969804"/>
-              <a:gd name="connsiteX5" fmla="*/ 187741 w 823006"/>
-              <a:gd name="connsiteY5" fmla="*/ 11906 h 1969804"/>
-              <a:gd name="connsiteX0" fmla="*/ 187741 w 823006"/>
-              <a:gd name="connsiteY0" fmla="*/ 11906 h 1969804"/>
-              <a:gd name="connsiteX1" fmla="*/ 823006 w 823006"/>
-              <a:gd name="connsiteY1" fmla="*/ 0 h 1969804"/>
-              <a:gd name="connsiteX2" fmla="*/ 823006 w 823006"/>
-              <a:gd name="connsiteY2" fmla="*/ 1969804 h 1969804"/>
-              <a:gd name="connsiteX3" fmla="*/ 191951 w 823006"/>
-              <a:gd name="connsiteY3" fmla="*/ 1959657 h 1969804"/>
-              <a:gd name="connsiteX4" fmla="*/ 0 w 823006"/>
-              <a:gd name="connsiteY4" fmla="*/ 1006990 h 1969804"/>
-              <a:gd name="connsiteX5" fmla="*/ 187741 w 823006"/>
-              <a:gd name="connsiteY5" fmla="*/ 11906 h 1969804"/>
-            </a:gdLst>
-            <a:ahLst/>
-            <a:cxnLst>
-              <a:cxn ang="0">
-                <a:pos x="connsiteX0" y="connsiteY0"/>
-              </a:cxn>
-              <a:cxn ang="0">
-                <a:pos x="connsiteX1" y="connsiteY1"/>
-              </a:cxn>
-              <a:cxn ang="0">
-                <a:pos x="connsiteX2" y="connsiteY2"/>
-              </a:cxn>
-              <a:cxn ang="0">
-                <a:pos x="connsiteX3" y="connsiteY3"/>
-              </a:cxn>
-              <a:cxn ang="0">
-                <a:pos x="connsiteX4" y="connsiteY4"/>
-              </a:cxn>
-              <a:cxn ang="0">
-                <a:pos x="connsiteX5" y="connsiteY5"/>
-              </a:cxn>
-            </a:cxnLst>
-            <a:rect l="l" t="t" r="r" b="b"/>
-            <a:pathLst>
-              <a:path w="823006" h="1969804">
-                <a:moveTo>
-                  <a:pt x="187741" y="11906"/>
-                </a:moveTo>
-                <a:lnTo>
-                  <a:pt x="823006" y="0"/>
-                </a:lnTo>
-                <a:lnTo>
-                  <a:pt x="823006" y="1969804"/>
-                </a:lnTo>
-                <a:lnTo>
-                  <a:pt x="191951" y="1959657"/>
-                </a:lnTo>
-                <a:cubicBezTo>
-                  <a:pt x="190893" y="1614735"/>
-                  <a:pt x="1058" y="1351912"/>
-                  <a:pt x="0" y="1006990"/>
-                </a:cubicBezTo>
-                <a:cubicBezTo>
-                  <a:pt x="1058" y="695311"/>
-                  <a:pt x="186683" y="323585"/>
-                  <a:pt x="187741" y="11906"/>
-                </a:cubicBezTo>
-                <a:close/>
-              </a:path>
-            </a:pathLst>
-          </a:custGeom>
-          <a:solidFill>
-            <a:schemeClr val="accent6">
-              <a:lumMod val="60000"/>
-              <a:lumOff val="40000"/>
-            </a:schemeClr>
-          </a:solidFill>
-          <a:ln>
-            <a:noFill/>
-          </a:ln>
-        </p:spPr>
-        <p:style>
-          <a:lnRef idx="2">
-            <a:schemeClr val="accent1">
-              <a:shade val="50000"/>
-            </a:schemeClr>
-          </a:lnRef>
-          <a:fillRef idx="1">
-            <a:schemeClr val="accent1"/>
-          </a:fillRef>
-          <a:effectRef idx="0">
-            <a:schemeClr val="accent1"/>
-          </a:effectRef>
-          <a:fontRef idx="minor">
-            <a:schemeClr val="lt1"/>
-          </a:fontRef>
-        </p:style>
-        <p:txBody>
-          <a:bodyPr rtlCol="0" anchor="ctr"/>
-          <a:lstStyle/>
-          <a:p>
-            <a:pPr algn="ctr"/>
-            <a:endParaRPr lang="en-SG"/>
-          </a:p>
-        </p:txBody>
-      </p:sp>
-      <p:sp>
-        <p:nvSpPr>
-          <p:cNvPr id="1027" name="Rectangle 1">
-            <a:extLst>
-              <a:ext uri="{FF2B5EF4-FFF2-40B4-BE49-F238E27FC236}">
-                <a16:creationId xmlns:a16="http://schemas.microsoft.com/office/drawing/2014/main" id="{012C1E6F-7FA6-4D76-FE86-572149919560}"/>
-              </a:ext>
-            </a:extLst>
-          </p:cNvPr>
-          <p:cNvSpPr>
-            <a:spLocks noChangeAspect="1"/>
-          </p:cNvSpPr>
-          <p:nvPr/>
-        </p:nvSpPr>
-        <p:spPr>
-          <a:xfrm>
-            <a:off x="3872214" y="722019"/>
-            <a:ext cx="717762" cy="1373393"/>
-          </a:xfrm>
-          <a:custGeom>
-            <a:avLst/>
-            <a:gdLst>
-              <a:gd name="connsiteX0" fmla="*/ 0 w 912420"/>
-              <a:gd name="connsiteY0" fmla="*/ 0 h 1969804"/>
-              <a:gd name="connsiteX1" fmla="*/ 912420 w 912420"/>
-              <a:gd name="connsiteY1" fmla="*/ 0 h 1969804"/>
-              <a:gd name="connsiteX2" fmla="*/ 912420 w 912420"/>
-              <a:gd name="connsiteY2" fmla="*/ 1969804 h 1969804"/>
-              <a:gd name="connsiteX3" fmla="*/ 0 w 912420"/>
-              <a:gd name="connsiteY3" fmla="*/ 1969804 h 1969804"/>
-              <a:gd name="connsiteX4" fmla="*/ 0 w 912420"/>
-              <a:gd name="connsiteY4" fmla="*/ 0 h 1969804"/>
-              <a:gd name="connsiteX0" fmla="*/ 3175 w 915595"/>
-              <a:gd name="connsiteY0" fmla="*/ 0 h 1969804"/>
-              <a:gd name="connsiteX1" fmla="*/ 915595 w 915595"/>
-              <a:gd name="connsiteY1" fmla="*/ 0 h 1969804"/>
-              <a:gd name="connsiteX2" fmla="*/ 915595 w 915595"/>
-              <a:gd name="connsiteY2" fmla="*/ 1969804 h 1969804"/>
-              <a:gd name="connsiteX3" fmla="*/ 3175 w 915595"/>
-              <a:gd name="connsiteY3" fmla="*/ 1969804 h 1969804"/>
-              <a:gd name="connsiteX4" fmla="*/ 0 w 915595"/>
-              <a:gd name="connsiteY4" fmla="*/ 935038 h 1969804"/>
-              <a:gd name="connsiteX5" fmla="*/ 3175 w 915595"/>
-              <a:gd name="connsiteY5" fmla="*/ 0 h 1969804"/>
-              <a:gd name="connsiteX0" fmla="*/ 177006 w 1089426"/>
-              <a:gd name="connsiteY0" fmla="*/ 0 h 1969804"/>
-              <a:gd name="connsiteX1" fmla="*/ 1089426 w 1089426"/>
-              <a:gd name="connsiteY1" fmla="*/ 0 h 1969804"/>
-              <a:gd name="connsiteX2" fmla="*/ 1089426 w 1089426"/>
-              <a:gd name="connsiteY2" fmla="*/ 1969804 h 1969804"/>
-              <a:gd name="connsiteX3" fmla="*/ 177006 w 1089426"/>
-              <a:gd name="connsiteY3" fmla="*/ 1969804 h 1969804"/>
-              <a:gd name="connsiteX4" fmla="*/ 0 w 1089426"/>
-              <a:gd name="connsiteY4" fmla="*/ 956469 h 1969804"/>
-              <a:gd name="connsiteX5" fmla="*/ 177006 w 1089426"/>
-              <a:gd name="connsiteY5" fmla="*/ 0 h 1969804"/>
-              <a:gd name="connsiteX0" fmla="*/ 191293 w 1103713"/>
-              <a:gd name="connsiteY0" fmla="*/ 0 h 1969804"/>
-              <a:gd name="connsiteX1" fmla="*/ 1103713 w 1103713"/>
-              <a:gd name="connsiteY1" fmla="*/ 0 h 1969804"/>
-              <a:gd name="connsiteX2" fmla="*/ 1103713 w 1103713"/>
-              <a:gd name="connsiteY2" fmla="*/ 1969804 h 1969804"/>
-              <a:gd name="connsiteX3" fmla="*/ 191293 w 1103713"/>
-              <a:gd name="connsiteY3" fmla="*/ 1969804 h 1969804"/>
-              <a:gd name="connsiteX4" fmla="*/ 0 w 1103713"/>
-              <a:gd name="connsiteY4" fmla="*/ 985044 h 1969804"/>
-              <a:gd name="connsiteX5" fmla="*/ 191293 w 1103713"/>
-              <a:gd name="connsiteY5" fmla="*/ 0 h 1969804"/>
-              <a:gd name="connsiteX0" fmla="*/ 11 w 912431"/>
-              <a:gd name="connsiteY0" fmla="*/ 0 h 1969804"/>
-              <a:gd name="connsiteX1" fmla="*/ 912431 w 912431"/>
-              <a:gd name="connsiteY1" fmla="*/ 0 h 1969804"/>
-              <a:gd name="connsiteX2" fmla="*/ 912431 w 912431"/>
-              <a:gd name="connsiteY2" fmla="*/ 1969804 h 1969804"/>
-              <a:gd name="connsiteX3" fmla="*/ 11 w 912431"/>
-              <a:gd name="connsiteY3" fmla="*/ 1969804 h 1969804"/>
-              <a:gd name="connsiteX4" fmla="*/ 89425 w 912431"/>
-              <a:gd name="connsiteY4" fmla="*/ 1006990 h 1969804"/>
-              <a:gd name="connsiteX5" fmla="*/ 11 w 912431"/>
-              <a:gd name="connsiteY5" fmla="*/ 0 h 1969804"/>
-              <a:gd name="connsiteX0" fmla="*/ 302648 w 912429"/>
-              <a:gd name="connsiteY0" fmla="*/ 16459 h 1969804"/>
-              <a:gd name="connsiteX1" fmla="*/ 912429 w 912429"/>
-              <a:gd name="connsiteY1" fmla="*/ 0 h 1969804"/>
-              <a:gd name="connsiteX2" fmla="*/ 912429 w 912429"/>
-              <a:gd name="connsiteY2" fmla="*/ 1969804 h 1969804"/>
-              <a:gd name="connsiteX3" fmla="*/ 9 w 912429"/>
-              <a:gd name="connsiteY3" fmla="*/ 1969804 h 1969804"/>
-              <a:gd name="connsiteX4" fmla="*/ 89423 w 912429"/>
-              <a:gd name="connsiteY4" fmla="*/ 1006990 h 1969804"/>
-              <a:gd name="connsiteX5" fmla="*/ 302648 w 912429"/>
-              <a:gd name="connsiteY5" fmla="*/ 16459 h 1969804"/>
-              <a:gd name="connsiteX0" fmla="*/ 213225 w 823006"/>
-              <a:gd name="connsiteY0" fmla="*/ 16459 h 1986263"/>
-              <a:gd name="connsiteX1" fmla="*/ 823006 w 823006"/>
-              <a:gd name="connsiteY1" fmla="*/ 0 h 1986263"/>
-              <a:gd name="connsiteX2" fmla="*/ 823006 w 823006"/>
-              <a:gd name="connsiteY2" fmla="*/ 1969804 h 1986263"/>
-              <a:gd name="connsiteX3" fmla="*/ 134275 w 823006"/>
-              <a:gd name="connsiteY3" fmla="*/ 1986263 h 1986263"/>
-              <a:gd name="connsiteX4" fmla="*/ 0 w 823006"/>
-              <a:gd name="connsiteY4" fmla="*/ 1006990 h 1986263"/>
-              <a:gd name="connsiteX5" fmla="*/ 213225 w 823006"/>
-              <a:gd name="connsiteY5" fmla="*/ 16459 h 1986263"/>
-              <a:gd name="connsiteX0" fmla="*/ 213225 w 823006"/>
-              <a:gd name="connsiteY0" fmla="*/ 16459 h 1969804"/>
-              <a:gd name="connsiteX1" fmla="*/ 823006 w 823006"/>
-              <a:gd name="connsiteY1" fmla="*/ 0 h 1969804"/>
-              <a:gd name="connsiteX2" fmla="*/ 823006 w 823006"/>
-              <a:gd name="connsiteY2" fmla="*/ 1969804 h 1969804"/>
-              <a:gd name="connsiteX3" fmla="*/ 173749 w 823006"/>
-              <a:gd name="connsiteY3" fmla="*/ 1936887 h 1969804"/>
-              <a:gd name="connsiteX4" fmla="*/ 0 w 823006"/>
-              <a:gd name="connsiteY4" fmla="*/ 1006990 h 1969804"/>
-              <a:gd name="connsiteX5" fmla="*/ 213225 w 823006"/>
-              <a:gd name="connsiteY5" fmla="*/ 16459 h 1969804"/>
-              <a:gd name="connsiteX0" fmla="*/ 187741 w 823006"/>
-              <a:gd name="connsiteY0" fmla="*/ 11906 h 1969804"/>
-              <a:gd name="connsiteX1" fmla="*/ 823006 w 823006"/>
-              <a:gd name="connsiteY1" fmla="*/ 0 h 1969804"/>
-              <a:gd name="connsiteX2" fmla="*/ 823006 w 823006"/>
-              <a:gd name="connsiteY2" fmla="*/ 1969804 h 1969804"/>
-              <a:gd name="connsiteX3" fmla="*/ 173749 w 823006"/>
-              <a:gd name="connsiteY3" fmla="*/ 1936887 h 1969804"/>
-              <a:gd name="connsiteX4" fmla="*/ 0 w 823006"/>
-              <a:gd name="connsiteY4" fmla="*/ 1006990 h 1969804"/>
-              <a:gd name="connsiteX5" fmla="*/ 187741 w 823006"/>
-              <a:gd name="connsiteY5" fmla="*/ 11906 h 1969804"/>
-              <a:gd name="connsiteX0" fmla="*/ 187741 w 823006"/>
-              <a:gd name="connsiteY0" fmla="*/ 11906 h 1969804"/>
-              <a:gd name="connsiteX1" fmla="*/ 823006 w 823006"/>
-              <a:gd name="connsiteY1" fmla="*/ 0 h 1969804"/>
-              <a:gd name="connsiteX2" fmla="*/ 823006 w 823006"/>
-              <a:gd name="connsiteY2" fmla="*/ 1969804 h 1969804"/>
-              <a:gd name="connsiteX3" fmla="*/ 191951 w 823006"/>
-              <a:gd name="connsiteY3" fmla="*/ 1959657 h 1969804"/>
-              <a:gd name="connsiteX4" fmla="*/ 0 w 823006"/>
-              <a:gd name="connsiteY4" fmla="*/ 1006990 h 1969804"/>
-              <a:gd name="connsiteX5" fmla="*/ 187741 w 823006"/>
-              <a:gd name="connsiteY5" fmla="*/ 11906 h 1969804"/>
-            </a:gdLst>
-            <a:ahLst/>
-            <a:cxnLst>
-              <a:cxn ang="0">
-                <a:pos x="connsiteX0" y="connsiteY0"/>
-              </a:cxn>
-              <a:cxn ang="0">
-                <a:pos x="connsiteX1" y="connsiteY1"/>
-              </a:cxn>
-              <a:cxn ang="0">
-                <a:pos x="connsiteX2" y="connsiteY2"/>
-              </a:cxn>
-              <a:cxn ang="0">
-                <a:pos x="connsiteX3" y="connsiteY3"/>
-              </a:cxn>
-              <a:cxn ang="0">
-                <a:pos x="connsiteX4" y="connsiteY4"/>
-              </a:cxn>
-              <a:cxn ang="0">
-                <a:pos x="connsiteX5" y="connsiteY5"/>
-              </a:cxn>
-            </a:cxnLst>
-            <a:rect l="l" t="t" r="r" b="b"/>
-            <a:pathLst>
-              <a:path w="823006" h="1969804">
-                <a:moveTo>
-                  <a:pt x="187741" y="11906"/>
-                </a:moveTo>
-                <a:lnTo>
-                  <a:pt x="823006" y="0"/>
-                </a:lnTo>
-                <a:lnTo>
-                  <a:pt x="823006" y="1969804"/>
-                </a:lnTo>
-                <a:lnTo>
-                  <a:pt x="191951" y="1959657"/>
-                </a:lnTo>
-                <a:cubicBezTo>
-                  <a:pt x="190893" y="1614735"/>
-                  <a:pt x="1058" y="1351912"/>
-                  <a:pt x="0" y="1006990"/>
-                </a:cubicBezTo>
-                <a:cubicBezTo>
-                  <a:pt x="1058" y="695311"/>
-                  <a:pt x="186683" y="323585"/>
-                  <a:pt x="187741" y="11906"/>
-                </a:cubicBezTo>
-                <a:close/>
-              </a:path>
-            </a:pathLst>
-          </a:custGeom>
-          <a:solidFill>
-            <a:schemeClr val="accent6">
-              <a:lumMod val="60000"/>
-              <a:lumOff val="40000"/>
-            </a:schemeClr>
-          </a:solidFill>
-          <a:ln>
-            <a:noFill/>
-          </a:ln>
-        </p:spPr>
-        <p:style>
-          <a:lnRef idx="2">
-            <a:schemeClr val="accent1">
-              <a:shade val="50000"/>
-            </a:schemeClr>
-          </a:lnRef>
-          <a:fillRef idx="1">
-            <a:schemeClr val="accent1"/>
-          </a:fillRef>
-          <a:effectRef idx="0">
-            <a:schemeClr val="accent1"/>
-          </a:effectRef>
-          <a:fontRef idx="minor">
-            <a:schemeClr val="lt1"/>
-          </a:fontRef>
-        </p:style>
-        <p:txBody>
-          <a:bodyPr rtlCol="0" anchor="ctr"/>
-          <a:lstStyle/>
-          <a:p>
-            <a:pPr algn="ctr"/>
-            <a:endParaRPr lang="en-SG"/>
-          </a:p>
-        </p:txBody>
-      </p:sp>
-      <p:sp>
-        <p:nvSpPr>
-          <p:cNvPr id="95" name="Freeform: Shape 94">
-            <a:extLst>
-              <a:ext uri="{FF2B5EF4-FFF2-40B4-BE49-F238E27FC236}">
-                <a16:creationId xmlns:a16="http://schemas.microsoft.com/office/drawing/2014/main" id="{DAB00C8C-67ED-8CA9-29DA-0F5B44C45118}"/>
-              </a:ext>
-            </a:extLst>
-          </p:cNvPr>
-          <p:cNvSpPr>
-            <a:spLocks noChangeAspect="1"/>
-          </p:cNvSpPr>
-          <p:nvPr/>
-        </p:nvSpPr>
-        <p:spPr>
-          <a:xfrm>
-            <a:off x="2950078" y="709194"/>
-            <a:ext cx="1096763" cy="1384869"/>
-          </a:xfrm>
-          <a:custGeom>
-            <a:avLst/>
-            <a:gdLst>
-              <a:gd name="connsiteX0" fmla="*/ 191293 w 849675"/>
-              <a:gd name="connsiteY0" fmla="*/ 0 h 1969804"/>
-              <a:gd name="connsiteX1" fmla="*/ 849675 w 849675"/>
-              <a:gd name="connsiteY1" fmla="*/ 0 h 1969804"/>
-              <a:gd name="connsiteX2" fmla="*/ 658382 w 849675"/>
-              <a:gd name="connsiteY2" fmla="*/ 985044 h 1969804"/>
-              <a:gd name="connsiteX3" fmla="*/ 849675 w 849675"/>
-              <a:gd name="connsiteY3" fmla="*/ 1969804 h 1969804"/>
-              <a:gd name="connsiteX4" fmla="*/ 191293 w 849675"/>
-              <a:gd name="connsiteY4" fmla="*/ 1969804 h 1969804"/>
-              <a:gd name="connsiteX5" fmla="*/ 0 w 849675"/>
-              <a:gd name="connsiteY5" fmla="*/ 985044 h 1969804"/>
-              <a:gd name="connsiteX6" fmla="*/ 191293 w 849675"/>
-              <a:gd name="connsiteY6" fmla="*/ 0 h 1969804"/>
-              <a:gd name="connsiteX0" fmla="*/ 191293 w 972484"/>
-              <a:gd name="connsiteY0" fmla="*/ 5486 h 1975290"/>
-              <a:gd name="connsiteX1" fmla="*/ 972484 w 972484"/>
-              <a:gd name="connsiteY1" fmla="*/ 0 h 1975290"/>
-              <a:gd name="connsiteX2" fmla="*/ 658382 w 972484"/>
-              <a:gd name="connsiteY2" fmla="*/ 990530 h 1975290"/>
-              <a:gd name="connsiteX3" fmla="*/ 849675 w 972484"/>
-              <a:gd name="connsiteY3" fmla="*/ 1975290 h 1975290"/>
-              <a:gd name="connsiteX4" fmla="*/ 191293 w 972484"/>
-              <a:gd name="connsiteY4" fmla="*/ 1975290 h 1975290"/>
-              <a:gd name="connsiteX5" fmla="*/ 0 w 972484"/>
-              <a:gd name="connsiteY5" fmla="*/ 990530 h 1975290"/>
-              <a:gd name="connsiteX6" fmla="*/ 191293 w 972484"/>
-              <a:gd name="connsiteY6" fmla="*/ 5486 h 1975290"/>
-              <a:gd name="connsiteX0" fmla="*/ 191293 w 972484"/>
-              <a:gd name="connsiteY0" fmla="*/ 5486 h 1975290"/>
-              <a:gd name="connsiteX1" fmla="*/ 972484 w 972484"/>
-              <a:gd name="connsiteY1" fmla="*/ 0 h 1975290"/>
-              <a:gd name="connsiteX2" fmla="*/ 658382 w 972484"/>
-              <a:gd name="connsiteY2" fmla="*/ 990530 h 1975290"/>
-              <a:gd name="connsiteX3" fmla="*/ 963711 w 972484"/>
-              <a:gd name="connsiteY3" fmla="*/ 1958833 h 1975290"/>
-              <a:gd name="connsiteX4" fmla="*/ 191293 w 972484"/>
-              <a:gd name="connsiteY4" fmla="*/ 1975290 h 1975290"/>
-              <a:gd name="connsiteX5" fmla="*/ 0 w 972484"/>
-              <a:gd name="connsiteY5" fmla="*/ 990530 h 1975290"/>
-              <a:gd name="connsiteX6" fmla="*/ 191293 w 972484"/>
-              <a:gd name="connsiteY6" fmla="*/ 5486 h 1975290"/>
-              <a:gd name="connsiteX0" fmla="*/ 191293 w 972484"/>
-              <a:gd name="connsiteY0" fmla="*/ 5486 h 1975290"/>
-              <a:gd name="connsiteX1" fmla="*/ 972484 w 972484"/>
-              <a:gd name="connsiteY1" fmla="*/ 0 h 1975290"/>
-              <a:gd name="connsiteX2" fmla="*/ 772418 w 972484"/>
-              <a:gd name="connsiteY2" fmla="*/ 1017962 h 1975290"/>
-              <a:gd name="connsiteX3" fmla="*/ 963711 w 972484"/>
-              <a:gd name="connsiteY3" fmla="*/ 1958833 h 1975290"/>
-              <a:gd name="connsiteX4" fmla="*/ 191293 w 972484"/>
-              <a:gd name="connsiteY4" fmla="*/ 1975290 h 1975290"/>
-              <a:gd name="connsiteX5" fmla="*/ 0 w 972484"/>
-              <a:gd name="connsiteY5" fmla="*/ 990530 h 1975290"/>
-              <a:gd name="connsiteX6" fmla="*/ 191293 w 972484"/>
-              <a:gd name="connsiteY6" fmla="*/ 5486 h 1975290"/>
-              <a:gd name="connsiteX0" fmla="*/ 191293 w 1596994"/>
-              <a:gd name="connsiteY0" fmla="*/ 5486 h 1975290"/>
-              <a:gd name="connsiteX1" fmla="*/ 972484 w 1596994"/>
-              <a:gd name="connsiteY1" fmla="*/ 0 h 1975290"/>
-              <a:gd name="connsiteX2" fmla="*/ 1596994 w 1596994"/>
-              <a:gd name="connsiteY2" fmla="*/ 968586 h 1975290"/>
-              <a:gd name="connsiteX3" fmla="*/ 963711 w 1596994"/>
-              <a:gd name="connsiteY3" fmla="*/ 1958833 h 1975290"/>
-              <a:gd name="connsiteX4" fmla="*/ 191293 w 1596994"/>
-              <a:gd name="connsiteY4" fmla="*/ 1975290 h 1975290"/>
-              <a:gd name="connsiteX5" fmla="*/ 0 w 1596994"/>
-              <a:gd name="connsiteY5" fmla="*/ 990530 h 1975290"/>
-              <a:gd name="connsiteX6" fmla="*/ 191293 w 1596994"/>
-              <a:gd name="connsiteY6" fmla="*/ 5486 h 1975290"/>
-              <a:gd name="connsiteX0" fmla="*/ 191293 w 1814604"/>
-              <a:gd name="connsiteY0" fmla="*/ 5486 h 1986264"/>
-              <a:gd name="connsiteX1" fmla="*/ 972484 w 1814604"/>
-              <a:gd name="connsiteY1" fmla="*/ 0 h 1986264"/>
-              <a:gd name="connsiteX2" fmla="*/ 1596994 w 1814604"/>
-              <a:gd name="connsiteY2" fmla="*/ 968586 h 1986264"/>
-              <a:gd name="connsiteX3" fmla="*/ 1814604 w 1814604"/>
-              <a:gd name="connsiteY3" fmla="*/ 1986264 h 1986264"/>
-              <a:gd name="connsiteX4" fmla="*/ 191293 w 1814604"/>
-              <a:gd name="connsiteY4" fmla="*/ 1975290 h 1986264"/>
-              <a:gd name="connsiteX5" fmla="*/ 0 w 1814604"/>
-              <a:gd name="connsiteY5" fmla="*/ 990530 h 1986264"/>
-              <a:gd name="connsiteX6" fmla="*/ 191293 w 1814604"/>
-              <a:gd name="connsiteY6" fmla="*/ 5486 h 1986264"/>
-              <a:gd name="connsiteX0" fmla="*/ 191293 w 1814604"/>
-              <a:gd name="connsiteY0" fmla="*/ 0 h 1980778"/>
-              <a:gd name="connsiteX1" fmla="*/ 1779516 w 1814604"/>
-              <a:gd name="connsiteY1" fmla="*/ 16459 h 1980778"/>
-              <a:gd name="connsiteX2" fmla="*/ 1596994 w 1814604"/>
-              <a:gd name="connsiteY2" fmla="*/ 963100 h 1980778"/>
-              <a:gd name="connsiteX3" fmla="*/ 1814604 w 1814604"/>
-              <a:gd name="connsiteY3" fmla="*/ 1980778 h 1980778"/>
-              <a:gd name="connsiteX4" fmla="*/ 191293 w 1814604"/>
-              <a:gd name="connsiteY4" fmla="*/ 1969804 h 1980778"/>
-              <a:gd name="connsiteX5" fmla="*/ 0 w 1814604"/>
-              <a:gd name="connsiteY5" fmla="*/ 985044 h 1980778"/>
-              <a:gd name="connsiteX6" fmla="*/ 191293 w 1814604"/>
-              <a:gd name="connsiteY6" fmla="*/ 0 h 1980778"/>
-              <a:gd name="connsiteX0" fmla="*/ 191293 w 1814604"/>
-              <a:gd name="connsiteY0" fmla="*/ 0 h 1980778"/>
-              <a:gd name="connsiteX1" fmla="*/ 1139154 w 1814604"/>
-              <a:gd name="connsiteY1" fmla="*/ 93269 h 1980778"/>
-              <a:gd name="connsiteX2" fmla="*/ 1596994 w 1814604"/>
-              <a:gd name="connsiteY2" fmla="*/ 963100 h 1980778"/>
-              <a:gd name="connsiteX3" fmla="*/ 1814604 w 1814604"/>
-              <a:gd name="connsiteY3" fmla="*/ 1980778 h 1980778"/>
-              <a:gd name="connsiteX4" fmla="*/ 191293 w 1814604"/>
-              <a:gd name="connsiteY4" fmla="*/ 1969804 h 1980778"/>
-              <a:gd name="connsiteX5" fmla="*/ 0 w 1814604"/>
-              <a:gd name="connsiteY5" fmla="*/ 985044 h 1980778"/>
-              <a:gd name="connsiteX6" fmla="*/ 191293 w 1814604"/>
-              <a:gd name="connsiteY6" fmla="*/ 0 h 1980778"/>
-              <a:gd name="connsiteX0" fmla="*/ 191293 w 1814604"/>
-              <a:gd name="connsiteY0" fmla="*/ 0 h 1980778"/>
-              <a:gd name="connsiteX1" fmla="*/ 1244419 w 1814604"/>
-              <a:gd name="connsiteY1" fmla="*/ 32919 h 1980778"/>
-              <a:gd name="connsiteX2" fmla="*/ 1596994 w 1814604"/>
-              <a:gd name="connsiteY2" fmla="*/ 963100 h 1980778"/>
-              <a:gd name="connsiteX3" fmla="*/ 1814604 w 1814604"/>
-              <a:gd name="connsiteY3" fmla="*/ 1980778 h 1980778"/>
-              <a:gd name="connsiteX4" fmla="*/ 191293 w 1814604"/>
-              <a:gd name="connsiteY4" fmla="*/ 1969804 h 1980778"/>
-              <a:gd name="connsiteX5" fmla="*/ 0 w 1814604"/>
-              <a:gd name="connsiteY5" fmla="*/ 985044 h 1980778"/>
-              <a:gd name="connsiteX6" fmla="*/ 191293 w 1814604"/>
-              <a:gd name="connsiteY6" fmla="*/ 0 h 1980778"/>
-              <a:gd name="connsiteX0" fmla="*/ 191293 w 1814604"/>
-              <a:gd name="connsiteY0" fmla="*/ 0 h 1980778"/>
-              <a:gd name="connsiteX1" fmla="*/ 1244419 w 1814604"/>
-              <a:gd name="connsiteY1" fmla="*/ 32919 h 1980778"/>
-              <a:gd name="connsiteX2" fmla="*/ 1009265 w 1814604"/>
-              <a:gd name="connsiteY2" fmla="*/ 963100 h 1980778"/>
-              <a:gd name="connsiteX3" fmla="*/ 1814604 w 1814604"/>
-              <a:gd name="connsiteY3" fmla="*/ 1980778 h 1980778"/>
-              <a:gd name="connsiteX4" fmla="*/ 191293 w 1814604"/>
-              <a:gd name="connsiteY4" fmla="*/ 1969804 h 1980778"/>
-              <a:gd name="connsiteX5" fmla="*/ 0 w 1814604"/>
-              <a:gd name="connsiteY5" fmla="*/ 985044 h 1980778"/>
-              <a:gd name="connsiteX6" fmla="*/ 191293 w 1814604"/>
-              <a:gd name="connsiteY6" fmla="*/ 0 h 1980778"/>
-              <a:gd name="connsiteX0" fmla="*/ 191293 w 1814604"/>
-              <a:gd name="connsiteY0" fmla="*/ 0 h 1980778"/>
-              <a:gd name="connsiteX1" fmla="*/ 1244419 w 1814604"/>
-              <a:gd name="connsiteY1" fmla="*/ 32919 h 1980778"/>
-              <a:gd name="connsiteX2" fmla="*/ 1066283 w 1814604"/>
-              <a:gd name="connsiteY2" fmla="*/ 1078311 h 1980778"/>
-              <a:gd name="connsiteX3" fmla="*/ 1814604 w 1814604"/>
-              <a:gd name="connsiteY3" fmla="*/ 1980778 h 1980778"/>
-              <a:gd name="connsiteX4" fmla="*/ 191293 w 1814604"/>
-              <a:gd name="connsiteY4" fmla="*/ 1969804 h 1980778"/>
-              <a:gd name="connsiteX5" fmla="*/ 0 w 1814604"/>
-              <a:gd name="connsiteY5" fmla="*/ 985044 h 1980778"/>
-              <a:gd name="connsiteX6" fmla="*/ 191293 w 1814604"/>
-              <a:gd name="connsiteY6" fmla="*/ 0 h 1980778"/>
-              <a:gd name="connsiteX0" fmla="*/ 191293 w 1310210"/>
-              <a:gd name="connsiteY0" fmla="*/ 0 h 1969804"/>
-              <a:gd name="connsiteX1" fmla="*/ 1244419 w 1310210"/>
-              <a:gd name="connsiteY1" fmla="*/ 32919 h 1969804"/>
-              <a:gd name="connsiteX2" fmla="*/ 1066283 w 1310210"/>
-              <a:gd name="connsiteY2" fmla="*/ 1078311 h 1969804"/>
-              <a:gd name="connsiteX3" fmla="*/ 1310210 w 1310210"/>
-              <a:gd name="connsiteY3" fmla="*/ 1920428 h 1969804"/>
-              <a:gd name="connsiteX4" fmla="*/ 191293 w 1310210"/>
-              <a:gd name="connsiteY4" fmla="*/ 1969804 h 1969804"/>
-              <a:gd name="connsiteX5" fmla="*/ 0 w 1310210"/>
-              <a:gd name="connsiteY5" fmla="*/ 985044 h 1969804"/>
-              <a:gd name="connsiteX6" fmla="*/ 191293 w 1310210"/>
-              <a:gd name="connsiteY6" fmla="*/ 0 h 1969804"/>
-              <a:gd name="connsiteX0" fmla="*/ 191293 w 1257577"/>
-              <a:gd name="connsiteY0" fmla="*/ 0 h 1986263"/>
-              <a:gd name="connsiteX1" fmla="*/ 1244419 w 1257577"/>
-              <a:gd name="connsiteY1" fmla="*/ 32919 h 1986263"/>
-              <a:gd name="connsiteX2" fmla="*/ 1066283 w 1257577"/>
-              <a:gd name="connsiteY2" fmla="*/ 1078311 h 1986263"/>
-              <a:gd name="connsiteX3" fmla="*/ 1257577 w 1257577"/>
-              <a:gd name="connsiteY3" fmla="*/ 1986263 h 1986263"/>
-              <a:gd name="connsiteX4" fmla="*/ 191293 w 1257577"/>
-              <a:gd name="connsiteY4" fmla="*/ 1969804 h 1986263"/>
-              <a:gd name="connsiteX5" fmla="*/ 0 w 1257577"/>
-              <a:gd name="connsiteY5" fmla="*/ 985044 h 1986263"/>
-              <a:gd name="connsiteX6" fmla="*/ 191293 w 1257577"/>
-              <a:gd name="connsiteY6" fmla="*/ 0 h 1986263"/>
-            </a:gdLst>
-            <a:ahLst/>
-            <a:cxnLst>
-              <a:cxn ang="0">
-                <a:pos x="connsiteX0" y="connsiteY0"/>
-              </a:cxn>
-              <a:cxn ang="0">
-                <a:pos x="connsiteX1" y="connsiteY1"/>
-              </a:cxn>
-              <a:cxn ang="0">
-                <a:pos x="connsiteX2" y="connsiteY2"/>
-              </a:cxn>
-              <a:cxn ang="0">
-                <a:pos x="connsiteX3" y="connsiteY3"/>
-              </a:cxn>
-              <a:cxn ang="0">
-                <a:pos x="connsiteX4" y="connsiteY4"/>
-              </a:cxn>
-              <a:cxn ang="0">
-                <a:pos x="connsiteX5" y="connsiteY5"/>
-              </a:cxn>
-              <a:cxn ang="0">
-                <a:pos x="connsiteX6" y="connsiteY6"/>
-              </a:cxn>
-            </a:cxnLst>
-            <a:rect l="l" t="t" r="r" b="b"/>
-            <a:pathLst>
-              <a:path w="1257577" h="1986263">
-                <a:moveTo>
-                  <a:pt x="191293" y="0"/>
-                </a:moveTo>
-                <a:lnTo>
-                  <a:pt x="1244419" y="32919"/>
-                </a:lnTo>
-                <a:cubicBezTo>
-                  <a:pt x="1243361" y="344598"/>
-                  <a:pt x="1067341" y="766632"/>
-                  <a:pt x="1066283" y="1078311"/>
-                </a:cubicBezTo>
-                <a:cubicBezTo>
-                  <a:pt x="1067341" y="1423233"/>
-                  <a:pt x="1256519" y="1641341"/>
-                  <a:pt x="1257577" y="1986263"/>
-                </a:cubicBezTo>
-                <a:lnTo>
-                  <a:pt x="191293" y="1969804"/>
-                </a:lnTo>
-                <a:cubicBezTo>
-                  <a:pt x="190235" y="1624882"/>
-                  <a:pt x="1058" y="1329966"/>
-                  <a:pt x="0" y="985044"/>
-                </a:cubicBezTo>
-                <a:cubicBezTo>
-                  <a:pt x="1058" y="673365"/>
-                  <a:pt x="190235" y="311679"/>
-                  <a:pt x="191293" y="0"/>
-                </a:cubicBezTo>
-                <a:close/>
-              </a:path>
-            </a:pathLst>
-          </a:custGeom>
-          <a:solidFill>
-            <a:srgbClr val="A8E2C5"/>
-          </a:solidFill>
-          <a:ln>
-            <a:noFill/>
-          </a:ln>
-        </p:spPr>
-        <p:style>
-          <a:lnRef idx="2">
-            <a:schemeClr val="accent1">
-              <a:shade val="50000"/>
-            </a:schemeClr>
-          </a:lnRef>
-          <a:fillRef idx="1">
-            <a:schemeClr val="accent1"/>
-          </a:fillRef>
-          <a:effectRef idx="0">
-            <a:schemeClr val="accent1"/>
-          </a:effectRef>
-          <a:fontRef idx="minor">
-            <a:schemeClr val="lt1"/>
-          </a:fontRef>
-        </p:style>
-        <p:txBody>
-          <a:bodyPr wrap="square" rtlCol="0" anchor="ctr">
-            <a:noAutofit/>
-          </a:bodyPr>
-          <a:lstStyle/>
-          <a:p>
-            <a:pPr algn="ctr"/>
-            <a:endParaRPr lang="en-SG"/>
-          </a:p>
-        </p:txBody>
-      </p:sp>
-      <p:sp>
-        <p:nvSpPr>
-          <p:cNvPr id="94" name="Freeform: Shape 93">
-            <a:extLst>
-              <a:ext uri="{FF2B5EF4-FFF2-40B4-BE49-F238E27FC236}">
-                <a16:creationId xmlns:a16="http://schemas.microsoft.com/office/drawing/2014/main" id="{73FC13A6-4F90-75A8-7481-AD7EED17BE46}"/>
-              </a:ext>
-            </a:extLst>
-          </p:cNvPr>
-          <p:cNvSpPr>
-            <a:spLocks noChangeAspect="1"/>
-          </p:cNvSpPr>
-          <p:nvPr/>
-        </p:nvSpPr>
-        <p:spPr>
-          <a:xfrm>
-            <a:off x="1542405" y="714934"/>
-            <a:ext cx="1582559" cy="1381044"/>
-          </a:xfrm>
-          <a:custGeom>
-            <a:avLst/>
-            <a:gdLst>
-              <a:gd name="connsiteX0" fmla="*/ 191293 w 849675"/>
-              <a:gd name="connsiteY0" fmla="*/ 0 h 1969804"/>
-              <a:gd name="connsiteX1" fmla="*/ 849675 w 849675"/>
-              <a:gd name="connsiteY1" fmla="*/ 0 h 1969804"/>
-              <a:gd name="connsiteX2" fmla="*/ 658382 w 849675"/>
-              <a:gd name="connsiteY2" fmla="*/ 985044 h 1969804"/>
-              <a:gd name="connsiteX3" fmla="*/ 849675 w 849675"/>
-              <a:gd name="connsiteY3" fmla="*/ 1969804 h 1969804"/>
-              <a:gd name="connsiteX4" fmla="*/ 191293 w 849675"/>
-              <a:gd name="connsiteY4" fmla="*/ 1969804 h 1969804"/>
-              <a:gd name="connsiteX5" fmla="*/ 0 w 849675"/>
-              <a:gd name="connsiteY5" fmla="*/ 985044 h 1969804"/>
-              <a:gd name="connsiteX6" fmla="*/ 191293 w 849675"/>
-              <a:gd name="connsiteY6" fmla="*/ 0 h 1969804"/>
-              <a:gd name="connsiteX0" fmla="*/ 191293 w 972484"/>
-              <a:gd name="connsiteY0" fmla="*/ 5486 h 1975290"/>
-              <a:gd name="connsiteX1" fmla="*/ 972484 w 972484"/>
-              <a:gd name="connsiteY1" fmla="*/ 0 h 1975290"/>
-              <a:gd name="connsiteX2" fmla="*/ 658382 w 972484"/>
-              <a:gd name="connsiteY2" fmla="*/ 990530 h 1975290"/>
-              <a:gd name="connsiteX3" fmla="*/ 849675 w 972484"/>
-              <a:gd name="connsiteY3" fmla="*/ 1975290 h 1975290"/>
-              <a:gd name="connsiteX4" fmla="*/ 191293 w 972484"/>
-              <a:gd name="connsiteY4" fmla="*/ 1975290 h 1975290"/>
-              <a:gd name="connsiteX5" fmla="*/ 0 w 972484"/>
-              <a:gd name="connsiteY5" fmla="*/ 990530 h 1975290"/>
-              <a:gd name="connsiteX6" fmla="*/ 191293 w 972484"/>
-              <a:gd name="connsiteY6" fmla="*/ 5486 h 1975290"/>
-              <a:gd name="connsiteX0" fmla="*/ 191293 w 972484"/>
-              <a:gd name="connsiteY0" fmla="*/ 5486 h 1975290"/>
-              <a:gd name="connsiteX1" fmla="*/ 972484 w 972484"/>
-              <a:gd name="connsiteY1" fmla="*/ 0 h 1975290"/>
-              <a:gd name="connsiteX2" fmla="*/ 658382 w 972484"/>
-              <a:gd name="connsiteY2" fmla="*/ 990530 h 1975290"/>
-              <a:gd name="connsiteX3" fmla="*/ 963711 w 972484"/>
-              <a:gd name="connsiteY3" fmla="*/ 1958833 h 1975290"/>
-              <a:gd name="connsiteX4" fmla="*/ 191293 w 972484"/>
-              <a:gd name="connsiteY4" fmla="*/ 1975290 h 1975290"/>
-              <a:gd name="connsiteX5" fmla="*/ 0 w 972484"/>
-              <a:gd name="connsiteY5" fmla="*/ 990530 h 1975290"/>
-              <a:gd name="connsiteX6" fmla="*/ 191293 w 972484"/>
-              <a:gd name="connsiteY6" fmla="*/ 5486 h 1975290"/>
-              <a:gd name="connsiteX0" fmla="*/ 191293 w 972484"/>
-              <a:gd name="connsiteY0" fmla="*/ 5486 h 1975290"/>
-              <a:gd name="connsiteX1" fmla="*/ 972484 w 972484"/>
-              <a:gd name="connsiteY1" fmla="*/ 0 h 1975290"/>
-              <a:gd name="connsiteX2" fmla="*/ 772418 w 972484"/>
-              <a:gd name="connsiteY2" fmla="*/ 1017962 h 1975290"/>
-              <a:gd name="connsiteX3" fmla="*/ 963711 w 972484"/>
-              <a:gd name="connsiteY3" fmla="*/ 1958833 h 1975290"/>
-              <a:gd name="connsiteX4" fmla="*/ 191293 w 972484"/>
-              <a:gd name="connsiteY4" fmla="*/ 1975290 h 1975290"/>
-              <a:gd name="connsiteX5" fmla="*/ 0 w 972484"/>
-              <a:gd name="connsiteY5" fmla="*/ 990530 h 1975290"/>
-              <a:gd name="connsiteX6" fmla="*/ 191293 w 972484"/>
-              <a:gd name="connsiteY6" fmla="*/ 5486 h 1975290"/>
-              <a:gd name="connsiteX0" fmla="*/ 191293 w 1596994"/>
-              <a:gd name="connsiteY0" fmla="*/ 5486 h 1975290"/>
-              <a:gd name="connsiteX1" fmla="*/ 972484 w 1596994"/>
-              <a:gd name="connsiteY1" fmla="*/ 0 h 1975290"/>
-              <a:gd name="connsiteX2" fmla="*/ 1596994 w 1596994"/>
-              <a:gd name="connsiteY2" fmla="*/ 968586 h 1975290"/>
-              <a:gd name="connsiteX3" fmla="*/ 963711 w 1596994"/>
-              <a:gd name="connsiteY3" fmla="*/ 1958833 h 1975290"/>
-              <a:gd name="connsiteX4" fmla="*/ 191293 w 1596994"/>
-              <a:gd name="connsiteY4" fmla="*/ 1975290 h 1975290"/>
-              <a:gd name="connsiteX5" fmla="*/ 0 w 1596994"/>
-              <a:gd name="connsiteY5" fmla="*/ 990530 h 1975290"/>
-              <a:gd name="connsiteX6" fmla="*/ 191293 w 1596994"/>
-              <a:gd name="connsiteY6" fmla="*/ 5486 h 1975290"/>
-              <a:gd name="connsiteX0" fmla="*/ 191293 w 1814604"/>
-              <a:gd name="connsiteY0" fmla="*/ 5486 h 1986264"/>
-              <a:gd name="connsiteX1" fmla="*/ 972484 w 1814604"/>
-              <a:gd name="connsiteY1" fmla="*/ 0 h 1986264"/>
-              <a:gd name="connsiteX2" fmla="*/ 1596994 w 1814604"/>
-              <a:gd name="connsiteY2" fmla="*/ 968586 h 1986264"/>
-              <a:gd name="connsiteX3" fmla="*/ 1814604 w 1814604"/>
-              <a:gd name="connsiteY3" fmla="*/ 1986264 h 1986264"/>
-              <a:gd name="connsiteX4" fmla="*/ 191293 w 1814604"/>
-              <a:gd name="connsiteY4" fmla="*/ 1975290 h 1986264"/>
-              <a:gd name="connsiteX5" fmla="*/ 0 w 1814604"/>
-              <a:gd name="connsiteY5" fmla="*/ 990530 h 1986264"/>
-              <a:gd name="connsiteX6" fmla="*/ 191293 w 1814604"/>
-              <a:gd name="connsiteY6" fmla="*/ 5486 h 1986264"/>
-              <a:gd name="connsiteX0" fmla="*/ 191293 w 1814604"/>
-              <a:gd name="connsiteY0" fmla="*/ 0 h 1980778"/>
-              <a:gd name="connsiteX1" fmla="*/ 1779516 w 1814604"/>
-              <a:gd name="connsiteY1" fmla="*/ 16459 h 1980778"/>
-              <a:gd name="connsiteX2" fmla="*/ 1596994 w 1814604"/>
-              <a:gd name="connsiteY2" fmla="*/ 963100 h 1980778"/>
-              <a:gd name="connsiteX3" fmla="*/ 1814604 w 1814604"/>
-              <a:gd name="connsiteY3" fmla="*/ 1980778 h 1980778"/>
-              <a:gd name="connsiteX4" fmla="*/ 191293 w 1814604"/>
-              <a:gd name="connsiteY4" fmla="*/ 1969804 h 1980778"/>
-              <a:gd name="connsiteX5" fmla="*/ 0 w 1814604"/>
-              <a:gd name="connsiteY5" fmla="*/ 985044 h 1980778"/>
-              <a:gd name="connsiteX6" fmla="*/ 191293 w 1814604"/>
-              <a:gd name="connsiteY6" fmla="*/ 0 h 1980778"/>
-            </a:gdLst>
-            <a:ahLst/>
-            <a:cxnLst>
-              <a:cxn ang="0">
-                <a:pos x="connsiteX0" y="connsiteY0"/>
-              </a:cxn>
-              <a:cxn ang="0">
-                <a:pos x="connsiteX1" y="connsiteY1"/>
-              </a:cxn>
-              <a:cxn ang="0">
-                <a:pos x="connsiteX2" y="connsiteY2"/>
-              </a:cxn>
-              <a:cxn ang="0">
-                <a:pos x="connsiteX3" y="connsiteY3"/>
-              </a:cxn>
-              <a:cxn ang="0">
-                <a:pos x="connsiteX4" y="connsiteY4"/>
-              </a:cxn>
-              <a:cxn ang="0">
-                <a:pos x="connsiteX5" y="connsiteY5"/>
-              </a:cxn>
-              <a:cxn ang="0">
-                <a:pos x="connsiteX6" y="connsiteY6"/>
-              </a:cxn>
-            </a:cxnLst>
-            <a:rect l="l" t="t" r="r" b="b"/>
-            <a:pathLst>
-              <a:path w="1814604" h="1980778">
-                <a:moveTo>
-                  <a:pt x="191293" y="0"/>
-                </a:moveTo>
-                <a:lnTo>
-                  <a:pt x="1779516" y="16459"/>
-                </a:lnTo>
-                <a:cubicBezTo>
-                  <a:pt x="1778458" y="328138"/>
-                  <a:pt x="1598052" y="651421"/>
-                  <a:pt x="1596994" y="963100"/>
-                </a:cubicBezTo>
-                <a:cubicBezTo>
-                  <a:pt x="1598052" y="1308022"/>
-                  <a:pt x="1813546" y="1635856"/>
-                  <a:pt x="1814604" y="1980778"/>
-                </a:cubicBezTo>
-                <a:lnTo>
-                  <a:pt x="191293" y="1969804"/>
-                </a:lnTo>
-                <a:cubicBezTo>
-                  <a:pt x="190235" y="1624882"/>
-                  <a:pt x="1058" y="1329966"/>
-                  <a:pt x="0" y="985044"/>
-                </a:cubicBezTo>
-                <a:cubicBezTo>
-                  <a:pt x="1058" y="673365"/>
-                  <a:pt x="190235" y="311679"/>
-                  <a:pt x="191293" y="0"/>
-                </a:cubicBezTo>
-                <a:close/>
-              </a:path>
-            </a:pathLst>
-          </a:custGeom>
-          <a:solidFill>
-            <a:srgbClr val="FEB782"/>
-          </a:solidFill>
-          <a:ln>
-            <a:noFill/>
-          </a:ln>
-        </p:spPr>
-        <p:style>
-          <a:lnRef idx="2">
-            <a:schemeClr val="accent1">
-              <a:shade val="50000"/>
-            </a:schemeClr>
-          </a:lnRef>
-          <a:fillRef idx="1">
-            <a:schemeClr val="accent1"/>
-          </a:fillRef>
-          <a:effectRef idx="0">
-            <a:schemeClr val="accent1"/>
-          </a:effectRef>
-          <a:fontRef idx="minor">
-            <a:schemeClr val="lt1"/>
-          </a:fontRef>
-        </p:style>
-        <p:txBody>
-          <a:bodyPr wrap="square" rtlCol="0" anchor="ctr">
-            <a:noAutofit/>
-          </a:bodyPr>
-          <a:lstStyle/>
-          <a:p>
-            <a:pPr algn="ctr"/>
-            <a:endParaRPr lang="en-SG"/>
-          </a:p>
-        </p:txBody>
-      </p:sp>
-      <p:sp>
-        <p:nvSpPr>
-          <p:cNvPr id="83" name="Freeform: Shape 82">
-            <a:extLst>
-              <a:ext uri="{FF2B5EF4-FFF2-40B4-BE49-F238E27FC236}">
-                <a16:creationId xmlns:a16="http://schemas.microsoft.com/office/drawing/2014/main" id="{9270BE12-5339-3EB8-F704-6E2E4C021513}"/>
-              </a:ext>
-            </a:extLst>
-          </p:cNvPr>
-          <p:cNvSpPr>
-            <a:spLocks noChangeAspect="1"/>
-          </p:cNvSpPr>
-          <p:nvPr/>
-        </p:nvSpPr>
-        <p:spPr>
-          <a:xfrm>
-            <a:off x="892693" y="717666"/>
-            <a:ext cx="848126" cy="1377218"/>
-          </a:xfrm>
-          <a:custGeom>
-            <a:avLst/>
-            <a:gdLst>
-              <a:gd name="connsiteX0" fmla="*/ 191293 w 849675"/>
-              <a:gd name="connsiteY0" fmla="*/ 0 h 1969804"/>
-              <a:gd name="connsiteX1" fmla="*/ 849675 w 849675"/>
-              <a:gd name="connsiteY1" fmla="*/ 0 h 1969804"/>
-              <a:gd name="connsiteX2" fmla="*/ 658382 w 849675"/>
-              <a:gd name="connsiteY2" fmla="*/ 985044 h 1969804"/>
-              <a:gd name="connsiteX3" fmla="*/ 849675 w 849675"/>
-              <a:gd name="connsiteY3" fmla="*/ 1969804 h 1969804"/>
-              <a:gd name="connsiteX4" fmla="*/ 191293 w 849675"/>
-              <a:gd name="connsiteY4" fmla="*/ 1969804 h 1969804"/>
-              <a:gd name="connsiteX5" fmla="*/ 0 w 849675"/>
-              <a:gd name="connsiteY5" fmla="*/ 985044 h 1969804"/>
-              <a:gd name="connsiteX6" fmla="*/ 191293 w 849675"/>
-              <a:gd name="connsiteY6" fmla="*/ 0 h 1969804"/>
-              <a:gd name="connsiteX0" fmla="*/ 191293 w 972484"/>
-              <a:gd name="connsiteY0" fmla="*/ 5486 h 1975290"/>
-              <a:gd name="connsiteX1" fmla="*/ 972484 w 972484"/>
-              <a:gd name="connsiteY1" fmla="*/ 0 h 1975290"/>
-              <a:gd name="connsiteX2" fmla="*/ 658382 w 972484"/>
-              <a:gd name="connsiteY2" fmla="*/ 990530 h 1975290"/>
-              <a:gd name="connsiteX3" fmla="*/ 849675 w 972484"/>
-              <a:gd name="connsiteY3" fmla="*/ 1975290 h 1975290"/>
-              <a:gd name="connsiteX4" fmla="*/ 191293 w 972484"/>
-              <a:gd name="connsiteY4" fmla="*/ 1975290 h 1975290"/>
-              <a:gd name="connsiteX5" fmla="*/ 0 w 972484"/>
-              <a:gd name="connsiteY5" fmla="*/ 990530 h 1975290"/>
-              <a:gd name="connsiteX6" fmla="*/ 191293 w 972484"/>
-              <a:gd name="connsiteY6" fmla="*/ 5486 h 1975290"/>
-              <a:gd name="connsiteX0" fmla="*/ 191293 w 972484"/>
-              <a:gd name="connsiteY0" fmla="*/ 5486 h 1975290"/>
-              <a:gd name="connsiteX1" fmla="*/ 972484 w 972484"/>
-              <a:gd name="connsiteY1" fmla="*/ 0 h 1975290"/>
-              <a:gd name="connsiteX2" fmla="*/ 658382 w 972484"/>
-              <a:gd name="connsiteY2" fmla="*/ 990530 h 1975290"/>
-              <a:gd name="connsiteX3" fmla="*/ 963711 w 972484"/>
-              <a:gd name="connsiteY3" fmla="*/ 1958833 h 1975290"/>
-              <a:gd name="connsiteX4" fmla="*/ 191293 w 972484"/>
-              <a:gd name="connsiteY4" fmla="*/ 1975290 h 1975290"/>
-              <a:gd name="connsiteX5" fmla="*/ 0 w 972484"/>
-              <a:gd name="connsiteY5" fmla="*/ 990530 h 1975290"/>
-              <a:gd name="connsiteX6" fmla="*/ 191293 w 972484"/>
-              <a:gd name="connsiteY6" fmla="*/ 5486 h 1975290"/>
-              <a:gd name="connsiteX0" fmla="*/ 191293 w 972484"/>
-              <a:gd name="connsiteY0" fmla="*/ 5486 h 1975290"/>
-              <a:gd name="connsiteX1" fmla="*/ 972484 w 972484"/>
-              <a:gd name="connsiteY1" fmla="*/ 0 h 1975290"/>
-              <a:gd name="connsiteX2" fmla="*/ 772418 w 972484"/>
-              <a:gd name="connsiteY2" fmla="*/ 1017962 h 1975290"/>
-              <a:gd name="connsiteX3" fmla="*/ 963711 w 972484"/>
-              <a:gd name="connsiteY3" fmla="*/ 1958833 h 1975290"/>
-              <a:gd name="connsiteX4" fmla="*/ 191293 w 972484"/>
-              <a:gd name="connsiteY4" fmla="*/ 1975290 h 1975290"/>
-              <a:gd name="connsiteX5" fmla="*/ 0 w 972484"/>
-              <a:gd name="connsiteY5" fmla="*/ 990530 h 1975290"/>
-              <a:gd name="connsiteX6" fmla="*/ 191293 w 972484"/>
-              <a:gd name="connsiteY6" fmla="*/ 5486 h 1975290"/>
-            </a:gdLst>
-            <a:ahLst/>
-            <a:cxnLst>
-              <a:cxn ang="0">
-                <a:pos x="connsiteX0" y="connsiteY0"/>
-              </a:cxn>
-              <a:cxn ang="0">
-                <a:pos x="connsiteX1" y="connsiteY1"/>
-              </a:cxn>
-              <a:cxn ang="0">
-                <a:pos x="connsiteX2" y="connsiteY2"/>
-              </a:cxn>
-              <a:cxn ang="0">
-                <a:pos x="connsiteX3" y="connsiteY3"/>
-              </a:cxn>
-              <a:cxn ang="0">
-                <a:pos x="connsiteX4" y="connsiteY4"/>
-              </a:cxn>
-              <a:cxn ang="0">
-                <a:pos x="connsiteX5" y="connsiteY5"/>
-              </a:cxn>
-              <a:cxn ang="0">
-                <a:pos x="connsiteX6" y="connsiteY6"/>
-              </a:cxn>
-            </a:cxnLst>
-            <a:rect l="l" t="t" r="r" b="b"/>
-            <a:pathLst>
-              <a:path w="972484" h="1975290">
-                <a:moveTo>
-                  <a:pt x="191293" y="5486"/>
-                </a:moveTo>
-                <a:lnTo>
-                  <a:pt x="972484" y="0"/>
-                </a:lnTo>
-                <a:cubicBezTo>
-                  <a:pt x="971426" y="311679"/>
-                  <a:pt x="773476" y="706283"/>
-                  <a:pt x="772418" y="1017962"/>
-                </a:cubicBezTo>
-                <a:cubicBezTo>
-                  <a:pt x="773476" y="1362884"/>
-                  <a:pt x="962653" y="1613911"/>
-                  <a:pt x="963711" y="1958833"/>
-                </a:cubicBezTo>
-                <a:lnTo>
-                  <a:pt x="191293" y="1975290"/>
-                </a:lnTo>
-                <a:cubicBezTo>
-                  <a:pt x="190235" y="1630368"/>
-                  <a:pt x="1058" y="1335452"/>
-                  <a:pt x="0" y="990530"/>
-                </a:cubicBezTo>
-                <a:cubicBezTo>
-                  <a:pt x="1058" y="678851"/>
-                  <a:pt x="190235" y="317165"/>
-                  <a:pt x="191293" y="5486"/>
-                </a:cubicBezTo>
-                <a:close/>
-              </a:path>
-            </a:pathLst>
-          </a:custGeom>
-          <a:solidFill>
-            <a:srgbClr val="FA958A"/>
-          </a:solidFill>
-          <a:ln>
-            <a:noFill/>
-          </a:ln>
-        </p:spPr>
-        <p:style>
-          <a:lnRef idx="2">
-            <a:schemeClr val="accent1">
-              <a:shade val="50000"/>
-            </a:schemeClr>
-          </a:lnRef>
-          <a:fillRef idx="1">
-            <a:schemeClr val="accent1"/>
-          </a:fillRef>
-          <a:effectRef idx="0">
-            <a:schemeClr val="accent1"/>
-          </a:effectRef>
-          <a:fontRef idx="minor">
-            <a:schemeClr val="lt1"/>
-          </a:fontRef>
-        </p:style>
-        <p:txBody>
-          <a:bodyPr wrap="square" rtlCol="0" anchor="ctr">
-            <a:noAutofit/>
-          </a:bodyPr>
-          <a:lstStyle/>
-          <a:p>
-            <a:pPr algn="ctr"/>
-            <a:endParaRPr lang="en-SG"/>
-          </a:p>
-        </p:txBody>
-      </p:sp>
-      <p:grpSp>
-        <p:nvGrpSpPr>
-          <p:cNvPr id="42" name="Group 41">
-            <a:extLst>
-              <a:ext uri="{FF2B5EF4-FFF2-40B4-BE49-F238E27FC236}">
-                <a16:creationId xmlns:a16="http://schemas.microsoft.com/office/drawing/2014/main" id="{8EA289C4-F624-6F8C-4836-DC7895930313}"/>
-              </a:ext>
-            </a:extLst>
-          </p:cNvPr>
-          <p:cNvGrpSpPr/>
-          <p:nvPr/>
-        </p:nvGrpSpPr>
-        <p:grpSpPr>
-          <a:xfrm>
-            <a:off x="876135" y="719579"/>
-            <a:ext cx="3718354" cy="1374439"/>
-            <a:chOff x="693593" y="2291354"/>
-            <a:chExt cx="2314753" cy="1520078"/>
-          </a:xfrm>
-        </p:grpSpPr>
-        <p:sp>
-          <p:nvSpPr>
-            <p:cNvPr id="39" name="Freeform: Shape 38">
-              <a:extLst>
-                <a:ext uri="{FF2B5EF4-FFF2-40B4-BE49-F238E27FC236}">
-                  <a16:creationId xmlns:a16="http://schemas.microsoft.com/office/drawing/2014/main" id="{EB3D60F4-4A5A-3FC8-FBF4-6E44DBA64314}"/>
-                </a:ext>
-              </a:extLst>
-            </p:cNvPr>
-            <p:cNvSpPr>
-              <a:spLocks noChangeAspect="1"/>
-            </p:cNvSpPr>
-            <p:nvPr/>
-          </p:nvSpPr>
-          <p:spPr>
-            <a:xfrm>
-              <a:off x="693593" y="2291354"/>
-              <a:ext cx="103856" cy="1518920"/>
-            </a:xfrm>
-            <a:custGeom>
-              <a:avLst/>
-              <a:gdLst>
-                <a:gd name="connsiteX0" fmla="*/ 191293 w 849675"/>
-                <a:gd name="connsiteY0" fmla="*/ 0 h 1969804"/>
-                <a:gd name="connsiteX1" fmla="*/ 849675 w 849675"/>
-                <a:gd name="connsiteY1" fmla="*/ 0 h 1969804"/>
-                <a:gd name="connsiteX2" fmla="*/ 658382 w 849675"/>
-                <a:gd name="connsiteY2" fmla="*/ 985044 h 1969804"/>
-                <a:gd name="connsiteX3" fmla="*/ 849675 w 849675"/>
-                <a:gd name="connsiteY3" fmla="*/ 1969804 h 1969804"/>
-                <a:gd name="connsiteX4" fmla="*/ 191293 w 849675"/>
-                <a:gd name="connsiteY4" fmla="*/ 1969804 h 1969804"/>
-                <a:gd name="connsiteX5" fmla="*/ 0 w 849675"/>
-                <a:gd name="connsiteY5" fmla="*/ 985044 h 1969804"/>
-                <a:gd name="connsiteX6" fmla="*/ 191293 w 849675"/>
-                <a:gd name="connsiteY6" fmla="*/ 0 h 1969804"/>
-                <a:gd name="connsiteX0" fmla="*/ 658382 w 849675"/>
-                <a:gd name="connsiteY0" fmla="*/ 985044 h 1969804"/>
-                <a:gd name="connsiteX1" fmla="*/ 849675 w 849675"/>
-                <a:gd name="connsiteY1" fmla="*/ 1969804 h 1969804"/>
-                <a:gd name="connsiteX2" fmla="*/ 191293 w 849675"/>
-                <a:gd name="connsiteY2" fmla="*/ 1969804 h 1969804"/>
-                <a:gd name="connsiteX3" fmla="*/ 0 w 849675"/>
-                <a:gd name="connsiteY3" fmla="*/ 985044 h 1969804"/>
-                <a:gd name="connsiteX4" fmla="*/ 191293 w 849675"/>
-                <a:gd name="connsiteY4" fmla="*/ 0 h 1969804"/>
-                <a:gd name="connsiteX5" fmla="*/ 849675 w 849675"/>
-                <a:gd name="connsiteY5" fmla="*/ 0 h 1969804"/>
-                <a:gd name="connsiteX6" fmla="*/ 826806 w 849675"/>
-                <a:gd name="connsiteY6" fmla="*/ 1103628 h 1969804"/>
-                <a:gd name="connsiteX0" fmla="*/ 658382 w 849675"/>
-                <a:gd name="connsiteY0" fmla="*/ 985044 h 1969804"/>
-                <a:gd name="connsiteX1" fmla="*/ 849675 w 849675"/>
-                <a:gd name="connsiteY1" fmla="*/ 1969804 h 1969804"/>
-                <a:gd name="connsiteX2" fmla="*/ 191293 w 849675"/>
-                <a:gd name="connsiteY2" fmla="*/ 1969804 h 1969804"/>
-                <a:gd name="connsiteX3" fmla="*/ 0 w 849675"/>
-                <a:gd name="connsiteY3" fmla="*/ 985044 h 1969804"/>
-                <a:gd name="connsiteX4" fmla="*/ 191293 w 849675"/>
-                <a:gd name="connsiteY4" fmla="*/ 0 h 1969804"/>
-                <a:gd name="connsiteX5" fmla="*/ 849675 w 849675"/>
-                <a:gd name="connsiteY5" fmla="*/ 0 h 1969804"/>
-                <a:gd name="connsiteX0" fmla="*/ 849675 w 849675"/>
-                <a:gd name="connsiteY0" fmla="*/ 1969804 h 1969804"/>
-                <a:gd name="connsiteX1" fmla="*/ 191293 w 849675"/>
-                <a:gd name="connsiteY1" fmla="*/ 1969804 h 1969804"/>
-                <a:gd name="connsiteX2" fmla="*/ 0 w 849675"/>
-                <a:gd name="connsiteY2" fmla="*/ 985044 h 1969804"/>
-                <a:gd name="connsiteX3" fmla="*/ 191293 w 849675"/>
-                <a:gd name="connsiteY3" fmla="*/ 0 h 1969804"/>
-                <a:gd name="connsiteX4" fmla="*/ 849675 w 849675"/>
-                <a:gd name="connsiteY4" fmla="*/ 0 h 1969804"/>
-                <a:gd name="connsiteX0" fmla="*/ 849675 w 849675"/>
-                <a:gd name="connsiteY0" fmla="*/ 1969804 h 1969804"/>
-                <a:gd name="connsiteX1" fmla="*/ 191293 w 849675"/>
-                <a:gd name="connsiteY1" fmla="*/ 1969804 h 1969804"/>
-                <a:gd name="connsiteX2" fmla="*/ 0 w 849675"/>
-                <a:gd name="connsiteY2" fmla="*/ 985044 h 1969804"/>
-                <a:gd name="connsiteX3" fmla="*/ 191293 w 849675"/>
-                <a:gd name="connsiteY3" fmla="*/ 0 h 1969804"/>
-                <a:gd name="connsiteX0" fmla="*/ 191293 w 191293"/>
-                <a:gd name="connsiteY0" fmla="*/ 1969804 h 1969804"/>
-                <a:gd name="connsiteX1" fmla="*/ 0 w 191293"/>
-                <a:gd name="connsiteY1" fmla="*/ 985044 h 1969804"/>
-                <a:gd name="connsiteX2" fmla="*/ 191293 w 191293"/>
-                <a:gd name="connsiteY2" fmla="*/ 0 h 1969804"/>
-              </a:gdLst>
-              <a:ahLst/>
-              <a:cxnLst>
-                <a:cxn ang="0">
-                  <a:pos x="connsiteX0" y="connsiteY0"/>
-                </a:cxn>
-                <a:cxn ang="0">
-                  <a:pos x="connsiteX1" y="connsiteY1"/>
-                </a:cxn>
-                <a:cxn ang="0">
-                  <a:pos x="connsiteX2" y="connsiteY2"/>
-                </a:cxn>
-              </a:cxnLst>
-              <a:rect l="l" t="t" r="r" b="b"/>
-              <a:pathLst>
-                <a:path w="191293" h="1969804">
-                  <a:moveTo>
-                    <a:pt x="191293" y="1969804"/>
-                  </a:moveTo>
-                  <a:cubicBezTo>
-                    <a:pt x="190235" y="1624882"/>
-                    <a:pt x="1058" y="1329966"/>
-                    <a:pt x="0" y="985044"/>
-                  </a:cubicBezTo>
-                  <a:cubicBezTo>
-                    <a:pt x="1058" y="673365"/>
-                    <a:pt x="190235" y="311679"/>
-                    <a:pt x="191293" y="0"/>
-                  </a:cubicBezTo>
-                </a:path>
-              </a:pathLst>
-            </a:custGeom>
-            <a:noFill/>
-            <a:ln>
-              <a:solidFill>
-                <a:schemeClr val="tx1"/>
-              </a:solidFill>
-            </a:ln>
-          </p:spPr>
-          <p:style>
-            <a:lnRef idx="2">
-              <a:schemeClr val="accent1">
-                <a:shade val="50000"/>
-              </a:schemeClr>
-            </a:lnRef>
-            <a:fillRef idx="1">
-              <a:schemeClr val="accent1"/>
-            </a:fillRef>
-            <a:effectRef idx="0">
-              <a:schemeClr val="accent1"/>
-            </a:effectRef>
-            <a:fontRef idx="minor">
-              <a:schemeClr val="lt1"/>
-            </a:fontRef>
-          </p:style>
-          <p:txBody>
-            <a:bodyPr wrap="square" rtlCol="0" anchor="ctr">
-              <a:noAutofit/>
-            </a:bodyPr>
-            <a:lstStyle/>
-            <a:p>
-              <a:pPr algn="ctr"/>
-              <a:endParaRPr lang="en-SG"/>
-            </a:p>
-          </p:txBody>
-        </p:sp>
-        <p:sp>
-          <p:nvSpPr>
-            <p:cNvPr id="41" name="Rectangle 1">
-              <a:extLst>
-                <a:ext uri="{FF2B5EF4-FFF2-40B4-BE49-F238E27FC236}">
-                  <a16:creationId xmlns:a16="http://schemas.microsoft.com/office/drawing/2014/main" id="{04FB7440-4B17-79C4-CFD7-C4370C7ADD81}"/>
-                </a:ext>
-              </a:extLst>
-            </p:cNvPr>
-            <p:cNvSpPr>
-              <a:spLocks noChangeAspect="1"/>
-            </p:cNvSpPr>
-            <p:nvPr/>
-          </p:nvSpPr>
-          <p:spPr>
-            <a:xfrm>
-              <a:off x="790576" y="2292512"/>
-              <a:ext cx="2217770" cy="1518920"/>
-            </a:xfrm>
-            <a:custGeom>
-              <a:avLst/>
-              <a:gdLst>
-                <a:gd name="connsiteX0" fmla="*/ 0 w 912420"/>
-                <a:gd name="connsiteY0" fmla="*/ 0 h 1969804"/>
-                <a:gd name="connsiteX1" fmla="*/ 912420 w 912420"/>
-                <a:gd name="connsiteY1" fmla="*/ 0 h 1969804"/>
-                <a:gd name="connsiteX2" fmla="*/ 912420 w 912420"/>
-                <a:gd name="connsiteY2" fmla="*/ 1969804 h 1969804"/>
-                <a:gd name="connsiteX3" fmla="*/ 0 w 912420"/>
-                <a:gd name="connsiteY3" fmla="*/ 1969804 h 1969804"/>
-                <a:gd name="connsiteX4" fmla="*/ 0 w 912420"/>
-                <a:gd name="connsiteY4" fmla="*/ 0 h 1969804"/>
-                <a:gd name="connsiteX0" fmla="*/ 3175 w 915595"/>
-                <a:gd name="connsiteY0" fmla="*/ 0 h 1969804"/>
-                <a:gd name="connsiteX1" fmla="*/ 915595 w 915595"/>
-                <a:gd name="connsiteY1" fmla="*/ 0 h 1969804"/>
-                <a:gd name="connsiteX2" fmla="*/ 915595 w 915595"/>
-                <a:gd name="connsiteY2" fmla="*/ 1969804 h 1969804"/>
-                <a:gd name="connsiteX3" fmla="*/ 3175 w 915595"/>
-                <a:gd name="connsiteY3" fmla="*/ 1969804 h 1969804"/>
-                <a:gd name="connsiteX4" fmla="*/ 0 w 915595"/>
-                <a:gd name="connsiteY4" fmla="*/ 935038 h 1969804"/>
-                <a:gd name="connsiteX5" fmla="*/ 3175 w 915595"/>
-                <a:gd name="connsiteY5" fmla="*/ 0 h 1969804"/>
-                <a:gd name="connsiteX0" fmla="*/ 177006 w 1089426"/>
-                <a:gd name="connsiteY0" fmla="*/ 0 h 1969804"/>
-                <a:gd name="connsiteX1" fmla="*/ 1089426 w 1089426"/>
-                <a:gd name="connsiteY1" fmla="*/ 0 h 1969804"/>
-                <a:gd name="connsiteX2" fmla="*/ 1089426 w 1089426"/>
-                <a:gd name="connsiteY2" fmla="*/ 1969804 h 1969804"/>
-                <a:gd name="connsiteX3" fmla="*/ 177006 w 1089426"/>
-                <a:gd name="connsiteY3" fmla="*/ 1969804 h 1969804"/>
-                <a:gd name="connsiteX4" fmla="*/ 0 w 1089426"/>
-                <a:gd name="connsiteY4" fmla="*/ 956469 h 1969804"/>
-                <a:gd name="connsiteX5" fmla="*/ 177006 w 1089426"/>
-                <a:gd name="connsiteY5" fmla="*/ 0 h 1969804"/>
-                <a:gd name="connsiteX0" fmla="*/ 191293 w 1103713"/>
-                <a:gd name="connsiteY0" fmla="*/ 0 h 1969804"/>
-                <a:gd name="connsiteX1" fmla="*/ 1103713 w 1103713"/>
-                <a:gd name="connsiteY1" fmla="*/ 0 h 1969804"/>
-                <a:gd name="connsiteX2" fmla="*/ 1103713 w 1103713"/>
-                <a:gd name="connsiteY2" fmla="*/ 1969804 h 1969804"/>
-                <a:gd name="connsiteX3" fmla="*/ 191293 w 1103713"/>
-                <a:gd name="connsiteY3" fmla="*/ 1969804 h 1969804"/>
-                <a:gd name="connsiteX4" fmla="*/ 0 w 1103713"/>
-                <a:gd name="connsiteY4" fmla="*/ 985044 h 1969804"/>
-                <a:gd name="connsiteX5" fmla="*/ 191293 w 1103713"/>
-                <a:gd name="connsiteY5" fmla="*/ 0 h 1969804"/>
-                <a:gd name="connsiteX0" fmla="*/ 0 w 1103713"/>
-                <a:gd name="connsiteY0" fmla="*/ 985044 h 1969804"/>
-                <a:gd name="connsiteX1" fmla="*/ 191293 w 1103713"/>
-                <a:gd name="connsiteY1" fmla="*/ 0 h 1969804"/>
-                <a:gd name="connsiteX2" fmla="*/ 1103713 w 1103713"/>
-                <a:gd name="connsiteY2" fmla="*/ 0 h 1969804"/>
-                <a:gd name="connsiteX3" fmla="*/ 1103713 w 1103713"/>
-                <a:gd name="connsiteY3" fmla="*/ 1969804 h 1969804"/>
-                <a:gd name="connsiteX4" fmla="*/ 191293 w 1103713"/>
-                <a:gd name="connsiteY4" fmla="*/ 1969804 h 1969804"/>
-                <a:gd name="connsiteX5" fmla="*/ 168424 w 1103713"/>
-                <a:gd name="connsiteY5" fmla="*/ 1103628 h 1969804"/>
-                <a:gd name="connsiteX0" fmla="*/ 0 w 1103713"/>
-                <a:gd name="connsiteY0" fmla="*/ 985044 h 1969804"/>
-                <a:gd name="connsiteX1" fmla="*/ 191293 w 1103713"/>
-                <a:gd name="connsiteY1" fmla="*/ 0 h 1969804"/>
-                <a:gd name="connsiteX2" fmla="*/ 1103713 w 1103713"/>
-                <a:gd name="connsiteY2" fmla="*/ 0 h 1969804"/>
-                <a:gd name="connsiteX3" fmla="*/ 1103713 w 1103713"/>
-                <a:gd name="connsiteY3" fmla="*/ 1969804 h 1969804"/>
-                <a:gd name="connsiteX4" fmla="*/ 191293 w 1103713"/>
-                <a:gd name="connsiteY4" fmla="*/ 1969804 h 1969804"/>
-                <a:gd name="connsiteX0" fmla="*/ 0 w 912420"/>
-                <a:gd name="connsiteY0" fmla="*/ 0 h 1969804"/>
-                <a:gd name="connsiteX1" fmla="*/ 912420 w 912420"/>
-                <a:gd name="connsiteY1" fmla="*/ 0 h 1969804"/>
-                <a:gd name="connsiteX2" fmla="*/ 912420 w 912420"/>
-                <a:gd name="connsiteY2" fmla="*/ 1969804 h 1969804"/>
-                <a:gd name="connsiteX3" fmla="*/ 0 w 912420"/>
-                <a:gd name="connsiteY3" fmla="*/ 1969804 h 1969804"/>
-              </a:gdLst>
-              <a:ahLst/>
-              <a:cxnLst>
-                <a:cxn ang="0">
-                  <a:pos x="connsiteX0" y="connsiteY0"/>
-                </a:cxn>
-                <a:cxn ang="0">
-                  <a:pos x="connsiteX1" y="connsiteY1"/>
-                </a:cxn>
-                <a:cxn ang="0">
-                  <a:pos x="connsiteX2" y="connsiteY2"/>
-                </a:cxn>
-                <a:cxn ang="0">
-                  <a:pos x="connsiteX3" y="connsiteY3"/>
-                </a:cxn>
-              </a:cxnLst>
-              <a:rect l="l" t="t" r="r" b="b"/>
-              <a:pathLst>
-                <a:path w="912420" h="1969804">
-                  <a:moveTo>
-                    <a:pt x="0" y="0"/>
-                  </a:moveTo>
-                  <a:lnTo>
-                    <a:pt x="912420" y="0"/>
-                  </a:lnTo>
-                  <a:lnTo>
-                    <a:pt x="912420" y="1969804"/>
-                  </a:lnTo>
-                  <a:lnTo>
-                    <a:pt x="0" y="1969804"/>
-                  </a:lnTo>
-                </a:path>
-              </a:pathLst>
-            </a:custGeom>
-            <a:noFill/>
-            <a:ln>
-              <a:solidFill>
-                <a:schemeClr val="tx1"/>
-              </a:solidFill>
-            </a:ln>
-          </p:spPr>
-          <p:style>
-            <a:lnRef idx="2">
-              <a:schemeClr val="accent1">
-                <a:shade val="50000"/>
-              </a:schemeClr>
-            </a:lnRef>
-            <a:fillRef idx="1">
-              <a:schemeClr val="accent1"/>
-            </a:fillRef>
-            <a:effectRef idx="0">
-              <a:schemeClr val="accent1"/>
-            </a:effectRef>
-            <a:fontRef idx="minor">
-              <a:schemeClr val="lt1"/>
-            </a:fontRef>
-          </p:style>
-          <p:txBody>
-            <a:bodyPr rtlCol="0" anchor="ctr"/>
-            <a:lstStyle/>
-            <a:p>
-              <a:pPr algn="ctr"/>
-              <a:endParaRPr lang="en-SG"/>
-            </a:p>
-          </p:txBody>
-        </p:sp>
-      </p:grpSp>
-      <p:sp>
-        <p:nvSpPr>
-          <p:cNvPr id="22" name="TextBox 21">
-            <a:extLst>
-              <a:ext uri="{FF2B5EF4-FFF2-40B4-BE49-F238E27FC236}">
-                <a16:creationId xmlns:a16="http://schemas.microsoft.com/office/drawing/2014/main" id="{9FA6722B-FDBE-653E-6853-6925C4920D44}"/>
-              </a:ext>
-            </a:extLst>
-          </p:cNvPr>
-          <p:cNvSpPr txBox="1"/>
-          <p:nvPr/>
-        </p:nvSpPr>
-        <p:spPr>
-          <a:xfrm>
-            <a:off x="543105" y="1189870"/>
-            <a:ext cx="332481" cy="400110"/>
-          </a:xfrm>
-          <a:prstGeom prst="rect">
-            <a:avLst/>
-          </a:prstGeom>
-          <a:noFill/>
-        </p:spPr>
-        <p:txBody>
-          <a:bodyPr wrap="square" rtlCol="0">
-            <a:spAutoFit/>
-          </a:bodyPr>
-          <a:lstStyle/>
-          <a:p>
-            <a:r>
-              <a:rPr lang="en-SG" sz="2000">
-                <a:latin typeface="LM Roman 10" panose="00000500000000000000" pitchFamily="50" charset="0"/>
-                <a:ea typeface="CMU Serif Upright Italic" panose="02000603000000000000" pitchFamily="2" charset="0"/>
-                <a:cs typeface="CMU Serif Upright Italic" panose="02000603000000000000" pitchFamily="2" charset="0"/>
-              </a:rPr>
-              <a:t>1 </a:t>
-            </a:r>
-          </a:p>
-        </p:txBody>
-      </p:sp>
-      <p:sp>
-        <p:nvSpPr>
-          <p:cNvPr id="23" name="Oval 22">
-            <a:extLst>
-              <a:ext uri="{FF2B5EF4-FFF2-40B4-BE49-F238E27FC236}">
-                <a16:creationId xmlns:a16="http://schemas.microsoft.com/office/drawing/2014/main" id="{63752A0E-7440-FAD0-79C0-237220DCE076}"/>
-              </a:ext>
-            </a:extLst>
-          </p:cNvPr>
-          <p:cNvSpPr>
-            <a:spLocks/>
-          </p:cNvSpPr>
-          <p:nvPr/>
-        </p:nvSpPr>
-        <p:spPr>
-          <a:xfrm>
-            <a:off x="831353" y="1367358"/>
-            <a:ext cx="86291" cy="86744"/>
-          </a:xfrm>
-          <a:prstGeom prst="ellipse">
-            <a:avLst/>
-          </a:prstGeom>
-          <a:solidFill>
-            <a:schemeClr val="bg1"/>
-          </a:solidFill>
-          <a:ln>
-            <a:solidFill>
-              <a:schemeClr val="tx1"/>
-            </a:solidFill>
-          </a:ln>
-        </p:spPr>
-        <p:style>
-          <a:lnRef idx="2">
-            <a:schemeClr val="accent1">
-              <a:shade val="50000"/>
-            </a:schemeClr>
-          </a:lnRef>
-          <a:fillRef idx="1">
-            <a:schemeClr val="accent1"/>
-          </a:fillRef>
-          <a:effectRef idx="0">
-            <a:schemeClr val="accent1"/>
-          </a:effectRef>
-          <a:fontRef idx="minor">
-            <a:schemeClr val="lt1"/>
-          </a:fontRef>
-        </p:style>
-        <p:txBody>
-          <a:bodyPr rtlCol="0" anchor="ctr"/>
-          <a:lstStyle/>
-          <a:p>
-            <a:pPr algn="ctr"/>
-            <a:endParaRPr lang="en-SG"/>
-          </a:p>
-        </p:txBody>
-      </p:sp>
-      <p:sp>
-        <p:nvSpPr>
-          <p:cNvPr id="44" name="Freeform: Shape 43">
-            <a:extLst>
-              <a:ext uri="{FF2B5EF4-FFF2-40B4-BE49-F238E27FC236}">
-                <a16:creationId xmlns:a16="http://schemas.microsoft.com/office/drawing/2014/main" id="{ABE4C1F0-F606-66C0-F6CC-709EA7F912B8}"/>
-              </a:ext>
-            </a:extLst>
-          </p:cNvPr>
-          <p:cNvSpPr>
-            <a:spLocks noChangeAspect="1"/>
-          </p:cNvSpPr>
-          <p:nvPr/>
-        </p:nvSpPr>
-        <p:spPr>
-          <a:xfrm>
-            <a:off x="1547380" y="727391"/>
-            <a:ext cx="166831" cy="1373393"/>
-          </a:xfrm>
-          <a:custGeom>
-            <a:avLst/>
-            <a:gdLst>
-              <a:gd name="connsiteX0" fmla="*/ 191293 w 849675"/>
-              <a:gd name="connsiteY0" fmla="*/ 0 h 1969804"/>
-              <a:gd name="connsiteX1" fmla="*/ 849675 w 849675"/>
-              <a:gd name="connsiteY1" fmla="*/ 0 h 1969804"/>
-              <a:gd name="connsiteX2" fmla="*/ 658382 w 849675"/>
-              <a:gd name="connsiteY2" fmla="*/ 985044 h 1969804"/>
-              <a:gd name="connsiteX3" fmla="*/ 849675 w 849675"/>
-              <a:gd name="connsiteY3" fmla="*/ 1969804 h 1969804"/>
-              <a:gd name="connsiteX4" fmla="*/ 191293 w 849675"/>
-              <a:gd name="connsiteY4" fmla="*/ 1969804 h 1969804"/>
-              <a:gd name="connsiteX5" fmla="*/ 0 w 849675"/>
-              <a:gd name="connsiteY5" fmla="*/ 985044 h 1969804"/>
-              <a:gd name="connsiteX6" fmla="*/ 191293 w 849675"/>
-              <a:gd name="connsiteY6" fmla="*/ 0 h 1969804"/>
-              <a:gd name="connsiteX0" fmla="*/ 658382 w 849675"/>
-              <a:gd name="connsiteY0" fmla="*/ 985044 h 1969804"/>
-              <a:gd name="connsiteX1" fmla="*/ 849675 w 849675"/>
-              <a:gd name="connsiteY1" fmla="*/ 1969804 h 1969804"/>
-              <a:gd name="connsiteX2" fmla="*/ 191293 w 849675"/>
-              <a:gd name="connsiteY2" fmla="*/ 1969804 h 1969804"/>
-              <a:gd name="connsiteX3" fmla="*/ 0 w 849675"/>
-              <a:gd name="connsiteY3" fmla="*/ 985044 h 1969804"/>
-              <a:gd name="connsiteX4" fmla="*/ 191293 w 849675"/>
-              <a:gd name="connsiteY4" fmla="*/ 0 h 1969804"/>
-              <a:gd name="connsiteX5" fmla="*/ 849675 w 849675"/>
-              <a:gd name="connsiteY5" fmla="*/ 0 h 1969804"/>
-              <a:gd name="connsiteX6" fmla="*/ 826806 w 849675"/>
-              <a:gd name="connsiteY6" fmla="*/ 1103628 h 1969804"/>
-              <a:gd name="connsiteX0" fmla="*/ 658382 w 849675"/>
-              <a:gd name="connsiteY0" fmla="*/ 985044 h 1969804"/>
-              <a:gd name="connsiteX1" fmla="*/ 849675 w 849675"/>
-              <a:gd name="connsiteY1" fmla="*/ 1969804 h 1969804"/>
-              <a:gd name="connsiteX2" fmla="*/ 191293 w 849675"/>
-              <a:gd name="connsiteY2" fmla="*/ 1969804 h 1969804"/>
-              <a:gd name="connsiteX3" fmla="*/ 0 w 849675"/>
-              <a:gd name="connsiteY3" fmla="*/ 985044 h 1969804"/>
-              <a:gd name="connsiteX4" fmla="*/ 191293 w 849675"/>
-              <a:gd name="connsiteY4" fmla="*/ 0 h 1969804"/>
-              <a:gd name="connsiteX5" fmla="*/ 849675 w 849675"/>
-              <a:gd name="connsiteY5" fmla="*/ 0 h 1969804"/>
-              <a:gd name="connsiteX0" fmla="*/ 849675 w 849675"/>
-              <a:gd name="connsiteY0" fmla="*/ 1969804 h 1969804"/>
-              <a:gd name="connsiteX1" fmla="*/ 191293 w 849675"/>
-              <a:gd name="connsiteY1" fmla="*/ 1969804 h 1969804"/>
-              <a:gd name="connsiteX2" fmla="*/ 0 w 849675"/>
-              <a:gd name="connsiteY2" fmla="*/ 985044 h 1969804"/>
-              <a:gd name="connsiteX3" fmla="*/ 191293 w 849675"/>
-              <a:gd name="connsiteY3" fmla="*/ 0 h 1969804"/>
-              <a:gd name="connsiteX4" fmla="*/ 849675 w 849675"/>
-              <a:gd name="connsiteY4" fmla="*/ 0 h 1969804"/>
-              <a:gd name="connsiteX0" fmla="*/ 849675 w 849675"/>
-              <a:gd name="connsiteY0" fmla="*/ 1969804 h 1969804"/>
-              <a:gd name="connsiteX1" fmla="*/ 191293 w 849675"/>
-              <a:gd name="connsiteY1" fmla="*/ 1969804 h 1969804"/>
-              <a:gd name="connsiteX2" fmla="*/ 0 w 849675"/>
-              <a:gd name="connsiteY2" fmla="*/ 985044 h 1969804"/>
-              <a:gd name="connsiteX3" fmla="*/ 191293 w 849675"/>
-              <a:gd name="connsiteY3" fmla="*/ 0 h 1969804"/>
-              <a:gd name="connsiteX0" fmla="*/ 191293 w 191293"/>
-              <a:gd name="connsiteY0" fmla="*/ 1969804 h 1969804"/>
-              <a:gd name="connsiteX1" fmla="*/ 0 w 191293"/>
-              <a:gd name="connsiteY1" fmla="*/ 985044 h 1969804"/>
-              <a:gd name="connsiteX2" fmla="*/ 191293 w 191293"/>
-              <a:gd name="connsiteY2" fmla="*/ 0 h 1969804"/>
-            </a:gdLst>
-            <a:ahLst/>
-            <a:cxnLst>
-              <a:cxn ang="0">
-                <a:pos x="connsiteX0" y="connsiteY0"/>
-              </a:cxn>
-              <a:cxn ang="0">
-                <a:pos x="connsiteX1" y="connsiteY1"/>
-              </a:cxn>
-              <a:cxn ang="0">
-                <a:pos x="connsiteX2" y="connsiteY2"/>
-              </a:cxn>
-            </a:cxnLst>
-            <a:rect l="l" t="t" r="r" b="b"/>
-            <a:pathLst>
-              <a:path w="191293" h="1969804">
-                <a:moveTo>
-                  <a:pt x="191293" y="1969804"/>
-                </a:moveTo>
-                <a:cubicBezTo>
-                  <a:pt x="190235" y="1624882"/>
-                  <a:pt x="1058" y="1329966"/>
-                  <a:pt x="0" y="985044"/>
-                </a:cubicBezTo>
-                <a:cubicBezTo>
-                  <a:pt x="1058" y="673365"/>
-                  <a:pt x="190235" y="311679"/>
-                  <a:pt x="191293" y="0"/>
-                </a:cubicBezTo>
-              </a:path>
-            </a:pathLst>
-          </a:custGeom>
-          <a:noFill/>
-          <a:ln>
-            <a:solidFill>
-              <a:schemeClr val="tx1"/>
-            </a:solidFill>
-          </a:ln>
-        </p:spPr>
-        <p:style>
-          <a:lnRef idx="2">
-            <a:schemeClr val="accent1">
-              <a:shade val="50000"/>
-            </a:schemeClr>
-          </a:lnRef>
-          <a:fillRef idx="1">
-            <a:schemeClr val="accent1"/>
-          </a:fillRef>
-          <a:effectRef idx="0">
-            <a:schemeClr val="accent1"/>
-          </a:effectRef>
-          <a:fontRef idx="minor">
-            <a:schemeClr val="lt1"/>
-          </a:fontRef>
-        </p:style>
-        <p:txBody>
-          <a:bodyPr wrap="square" rtlCol="0" anchor="ctr">
-            <a:noAutofit/>
-          </a:bodyPr>
-          <a:lstStyle/>
-          <a:p>
-            <a:pPr algn="ctr"/>
-            <a:endParaRPr lang="en-SG"/>
-          </a:p>
-        </p:txBody>
-      </p:sp>
-      <p:sp>
-        <p:nvSpPr>
-          <p:cNvPr id="47" name="Freeform: Shape 46">
-            <a:extLst>
-              <a:ext uri="{FF2B5EF4-FFF2-40B4-BE49-F238E27FC236}">
-                <a16:creationId xmlns:a16="http://schemas.microsoft.com/office/drawing/2014/main" id="{74A0AF44-39DB-4807-E495-ADE148ED4825}"/>
-              </a:ext>
-            </a:extLst>
-          </p:cNvPr>
-          <p:cNvSpPr>
-            <a:spLocks noChangeAspect="1"/>
-          </p:cNvSpPr>
-          <p:nvPr/>
-        </p:nvSpPr>
-        <p:spPr>
-          <a:xfrm>
-            <a:off x="2939038" y="713020"/>
-            <a:ext cx="166831" cy="1373393"/>
-          </a:xfrm>
-          <a:custGeom>
-            <a:avLst/>
-            <a:gdLst>
-              <a:gd name="connsiteX0" fmla="*/ 191293 w 849675"/>
-              <a:gd name="connsiteY0" fmla="*/ 0 h 1969804"/>
-              <a:gd name="connsiteX1" fmla="*/ 849675 w 849675"/>
-              <a:gd name="connsiteY1" fmla="*/ 0 h 1969804"/>
-              <a:gd name="connsiteX2" fmla="*/ 658382 w 849675"/>
-              <a:gd name="connsiteY2" fmla="*/ 985044 h 1969804"/>
-              <a:gd name="connsiteX3" fmla="*/ 849675 w 849675"/>
-              <a:gd name="connsiteY3" fmla="*/ 1969804 h 1969804"/>
-              <a:gd name="connsiteX4" fmla="*/ 191293 w 849675"/>
-              <a:gd name="connsiteY4" fmla="*/ 1969804 h 1969804"/>
-              <a:gd name="connsiteX5" fmla="*/ 0 w 849675"/>
-              <a:gd name="connsiteY5" fmla="*/ 985044 h 1969804"/>
-              <a:gd name="connsiteX6" fmla="*/ 191293 w 849675"/>
-              <a:gd name="connsiteY6" fmla="*/ 0 h 1969804"/>
-              <a:gd name="connsiteX0" fmla="*/ 658382 w 849675"/>
-              <a:gd name="connsiteY0" fmla="*/ 985044 h 1969804"/>
-              <a:gd name="connsiteX1" fmla="*/ 849675 w 849675"/>
-              <a:gd name="connsiteY1" fmla="*/ 1969804 h 1969804"/>
-              <a:gd name="connsiteX2" fmla="*/ 191293 w 849675"/>
-              <a:gd name="connsiteY2" fmla="*/ 1969804 h 1969804"/>
-              <a:gd name="connsiteX3" fmla="*/ 0 w 849675"/>
-              <a:gd name="connsiteY3" fmla="*/ 985044 h 1969804"/>
-              <a:gd name="connsiteX4" fmla="*/ 191293 w 849675"/>
-              <a:gd name="connsiteY4" fmla="*/ 0 h 1969804"/>
-              <a:gd name="connsiteX5" fmla="*/ 849675 w 849675"/>
-              <a:gd name="connsiteY5" fmla="*/ 0 h 1969804"/>
-              <a:gd name="connsiteX6" fmla="*/ 826806 w 849675"/>
-              <a:gd name="connsiteY6" fmla="*/ 1103628 h 1969804"/>
-              <a:gd name="connsiteX0" fmla="*/ 658382 w 849675"/>
-              <a:gd name="connsiteY0" fmla="*/ 985044 h 1969804"/>
-              <a:gd name="connsiteX1" fmla="*/ 849675 w 849675"/>
-              <a:gd name="connsiteY1" fmla="*/ 1969804 h 1969804"/>
-              <a:gd name="connsiteX2" fmla="*/ 191293 w 849675"/>
-              <a:gd name="connsiteY2" fmla="*/ 1969804 h 1969804"/>
-              <a:gd name="connsiteX3" fmla="*/ 0 w 849675"/>
-              <a:gd name="connsiteY3" fmla="*/ 985044 h 1969804"/>
-              <a:gd name="connsiteX4" fmla="*/ 191293 w 849675"/>
-              <a:gd name="connsiteY4" fmla="*/ 0 h 1969804"/>
-              <a:gd name="connsiteX5" fmla="*/ 849675 w 849675"/>
-              <a:gd name="connsiteY5" fmla="*/ 0 h 1969804"/>
-              <a:gd name="connsiteX0" fmla="*/ 849675 w 849675"/>
-              <a:gd name="connsiteY0" fmla="*/ 1969804 h 1969804"/>
-              <a:gd name="connsiteX1" fmla="*/ 191293 w 849675"/>
-              <a:gd name="connsiteY1" fmla="*/ 1969804 h 1969804"/>
-              <a:gd name="connsiteX2" fmla="*/ 0 w 849675"/>
-              <a:gd name="connsiteY2" fmla="*/ 985044 h 1969804"/>
-              <a:gd name="connsiteX3" fmla="*/ 191293 w 849675"/>
-              <a:gd name="connsiteY3" fmla="*/ 0 h 1969804"/>
-              <a:gd name="connsiteX4" fmla="*/ 849675 w 849675"/>
-              <a:gd name="connsiteY4" fmla="*/ 0 h 1969804"/>
-              <a:gd name="connsiteX0" fmla="*/ 849675 w 849675"/>
-              <a:gd name="connsiteY0" fmla="*/ 1969804 h 1969804"/>
-              <a:gd name="connsiteX1" fmla="*/ 191293 w 849675"/>
-              <a:gd name="connsiteY1" fmla="*/ 1969804 h 1969804"/>
-              <a:gd name="connsiteX2" fmla="*/ 0 w 849675"/>
-              <a:gd name="connsiteY2" fmla="*/ 985044 h 1969804"/>
-              <a:gd name="connsiteX3" fmla="*/ 191293 w 849675"/>
-              <a:gd name="connsiteY3" fmla="*/ 0 h 1969804"/>
-              <a:gd name="connsiteX0" fmla="*/ 191293 w 191293"/>
-              <a:gd name="connsiteY0" fmla="*/ 1969804 h 1969804"/>
-              <a:gd name="connsiteX1" fmla="*/ 0 w 191293"/>
-              <a:gd name="connsiteY1" fmla="*/ 985044 h 1969804"/>
-              <a:gd name="connsiteX2" fmla="*/ 191293 w 191293"/>
-              <a:gd name="connsiteY2" fmla="*/ 0 h 1969804"/>
-            </a:gdLst>
-            <a:ahLst/>
-            <a:cxnLst>
-              <a:cxn ang="0">
-                <a:pos x="connsiteX0" y="connsiteY0"/>
-              </a:cxn>
-              <a:cxn ang="0">
-                <a:pos x="connsiteX1" y="connsiteY1"/>
-              </a:cxn>
-              <a:cxn ang="0">
-                <a:pos x="connsiteX2" y="connsiteY2"/>
-              </a:cxn>
-            </a:cxnLst>
-            <a:rect l="l" t="t" r="r" b="b"/>
-            <a:pathLst>
-              <a:path w="191293" h="1969804">
-                <a:moveTo>
-                  <a:pt x="191293" y="1969804"/>
-                </a:moveTo>
-                <a:cubicBezTo>
-                  <a:pt x="190235" y="1624882"/>
-                  <a:pt x="1058" y="1329966"/>
-                  <a:pt x="0" y="985044"/>
-                </a:cubicBezTo>
-                <a:cubicBezTo>
-                  <a:pt x="1058" y="673365"/>
-                  <a:pt x="190235" y="311679"/>
-                  <a:pt x="191293" y="0"/>
-                </a:cubicBezTo>
-              </a:path>
-            </a:pathLst>
-          </a:custGeom>
-          <a:noFill/>
-          <a:ln>
-            <a:solidFill>
-              <a:schemeClr val="tx1"/>
-            </a:solidFill>
-          </a:ln>
-        </p:spPr>
-        <p:style>
-          <a:lnRef idx="2">
-            <a:schemeClr val="accent1">
-              <a:shade val="50000"/>
-            </a:schemeClr>
-          </a:lnRef>
-          <a:fillRef idx="1">
-            <a:schemeClr val="accent1"/>
-          </a:fillRef>
-          <a:effectRef idx="0">
-            <a:schemeClr val="accent1"/>
-          </a:effectRef>
-          <a:fontRef idx="minor">
-            <a:schemeClr val="lt1"/>
-          </a:fontRef>
-        </p:style>
-        <p:txBody>
-          <a:bodyPr wrap="square" rtlCol="0" anchor="ctr">
-            <a:noAutofit/>
-          </a:bodyPr>
-          <a:lstStyle/>
-          <a:p>
-            <a:pPr algn="ctr"/>
-            <a:endParaRPr lang="en-SG"/>
-          </a:p>
-        </p:txBody>
-      </p:sp>
-      <p:sp>
-        <p:nvSpPr>
-          <p:cNvPr id="48" name="Freeform: Shape 47">
-            <a:extLst>
-              <a:ext uri="{FF2B5EF4-FFF2-40B4-BE49-F238E27FC236}">
-                <a16:creationId xmlns:a16="http://schemas.microsoft.com/office/drawing/2014/main" id="{104E951D-90BB-6BAB-41AC-14AAA1B05E20}"/>
-              </a:ext>
-            </a:extLst>
-          </p:cNvPr>
-          <p:cNvSpPr>
-            <a:spLocks noChangeAspect="1"/>
-          </p:cNvSpPr>
-          <p:nvPr/>
-        </p:nvSpPr>
-        <p:spPr>
-          <a:xfrm>
-            <a:off x="3874256" y="725577"/>
-            <a:ext cx="166831" cy="1373393"/>
-          </a:xfrm>
-          <a:custGeom>
-            <a:avLst/>
-            <a:gdLst>
-              <a:gd name="connsiteX0" fmla="*/ 191293 w 849675"/>
-              <a:gd name="connsiteY0" fmla="*/ 0 h 1969804"/>
-              <a:gd name="connsiteX1" fmla="*/ 849675 w 849675"/>
-              <a:gd name="connsiteY1" fmla="*/ 0 h 1969804"/>
-              <a:gd name="connsiteX2" fmla="*/ 658382 w 849675"/>
-              <a:gd name="connsiteY2" fmla="*/ 985044 h 1969804"/>
-              <a:gd name="connsiteX3" fmla="*/ 849675 w 849675"/>
-              <a:gd name="connsiteY3" fmla="*/ 1969804 h 1969804"/>
-              <a:gd name="connsiteX4" fmla="*/ 191293 w 849675"/>
-              <a:gd name="connsiteY4" fmla="*/ 1969804 h 1969804"/>
-              <a:gd name="connsiteX5" fmla="*/ 0 w 849675"/>
-              <a:gd name="connsiteY5" fmla="*/ 985044 h 1969804"/>
-              <a:gd name="connsiteX6" fmla="*/ 191293 w 849675"/>
-              <a:gd name="connsiteY6" fmla="*/ 0 h 1969804"/>
-              <a:gd name="connsiteX0" fmla="*/ 658382 w 849675"/>
-              <a:gd name="connsiteY0" fmla="*/ 985044 h 1969804"/>
-              <a:gd name="connsiteX1" fmla="*/ 849675 w 849675"/>
-              <a:gd name="connsiteY1" fmla="*/ 1969804 h 1969804"/>
-              <a:gd name="connsiteX2" fmla="*/ 191293 w 849675"/>
-              <a:gd name="connsiteY2" fmla="*/ 1969804 h 1969804"/>
-              <a:gd name="connsiteX3" fmla="*/ 0 w 849675"/>
-              <a:gd name="connsiteY3" fmla="*/ 985044 h 1969804"/>
-              <a:gd name="connsiteX4" fmla="*/ 191293 w 849675"/>
-              <a:gd name="connsiteY4" fmla="*/ 0 h 1969804"/>
-              <a:gd name="connsiteX5" fmla="*/ 849675 w 849675"/>
-              <a:gd name="connsiteY5" fmla="*/ 0 h 1969804"/>
-              <a:gd name="connsiteX6" fmla="*/ 826806 w 849675"/>
-              <a:gd name="connsiteY6" fmla="*/ 1103628 h 1969804"/>
-              <a:gd name="connsiteX0" fmla="*/ 658382 w 849675"/>
-              <a:gd name="connsiteY0" fmla="*/ 985044 h 1969804"/>
-              <a:gd name="connsiteX1" fmla="*/ 849675 w 849675"/>
-              <a:gd name="connsiteY1" fmla="*/ 1969804 h 1969804"/>
-              <a:gd name="connsiteX2" fmla="*/ 191293 w 849675"/>
-              <a:gd name="connsiteY2" fmla="*/ 1969804 h 1969804"/>
-              <a:gd name="connsiteX3" fmla="*/ 0 w 849675"/>
-              <a:gd name="connsiteY3" fmla="*/ 985044 h 1969804"/>
-              <a:gd name="connsiteX4" fmla="*/ 191293 w 849675"/>
-              <a:gd name="connsiteY4" fmla="*/ 0 h 1969804"/>
-              <a:gd name="connsiteX5" fmla="*/ 849675 w 849675"/>
-              <a:gd name="connsiteY5" fmla="*/ 0 h 1969804"/>
-              <a:gd name="connsiteX0" fmla="*/ 849675 w 849675"/>
-              <a:gd name="connsiteY0" fmla="*/ 1969804 h 1969804"/>
-              <a:gd name="connsiteX1" fmla="*/ 191293 w 849675"/>
-              <a:gd name="connsiteY1" fmla="*/ 1969804 h 1969804"/>
-              <a:gd name="connsiteX2" fmla="*/ 0 w 849675"/>
-              <a:gd name="connsiteY2" fmla="*/ 985044 h 1969804"/>
-              <a:gd name="connsiteX3" fmla="*/ 191293 w 849675"/>
-              <a:gd name="connsiteY3" fmla="*/ 0 h 1969804"/>
-              <a:gd name="connsiteX4" fmla="*/ 849675 w 849675"/>
-              <a:gd name="connsiteY4" fmla="*/ 0 h 1969804"/>
-              <a:gd name="connsiteX0" fmla="*/ 849675 w 849675"/>
-              <a:gd name="connsiteY0" fmla="*/ 1969804 h 1969804"/>
-              <a:gd name="connsiteX1" fmla="*/ 191293 w 849675"/>
-              <a:gd name="connsiteY1" fmla="*/ 1969804 h 1969804"/>
-              <a:gd name="connsiteX2" fmla="*/ 0 w 849675"/>
-              <a:gd name="connsiteY2" fmla="*/ 985044 h 1969804"/>
-              <a:gd name="connsiteX3" fmla="*/ 191293 w 849675"/>
-              <a:gd name="connsiteY3" fmla="*/ 0 h 1969804"/>
-              <a:gd name="connsiteX0" fmla="*/ 191293 w 191293"/>
-              <a:gd name="connsiteY0" fmla="*/ 1969804 h 1969804"/>
-              <a:gd name="connsiteX1" fmla="*/ 0 w 191293"/>
-              <a:gd name="connsiteY1" fmla="*/ 985044 h 1969804"/>
-              <a:gd name="connsiteX2" fmla="*/ 191293 w 191293"/>
-              <a:gd name="connsiteY2" fmla="*/ 0 h 1969804"/>
-            </a:gdLst>
-            <a:ahLst/>
-            <a:cxnLst>
-              <a:cxn ang="0">
-                <a:pos x="connsiteX0" y="connsiteY0"/>
-              </a:cxn>
-              <a:cxn ang="0">
-                <a:pos x="connsiteX1" y="connsiteY1"/>
-              </a:cxn>
-              <a:cxn ang="0">
-                <a:pos x="connsiteX2" y="connsiteY2"/>
-              </a:cxn>
-            </a:cxnLst>
-            <a:rect l="l" t="t" r="r" b="b"/>
-            <a:pathLst>
-              <a:path w="191293" h="1969804">
-                <a:moveTo>
-                  <a:pt x="191293" y="1969804"/>
-                </a:moveTo>
-                <a:cubicBezTo>
-                  <a:pt x="190235" y="1624882"/>
-                  <a:pt x="1058" y="1329966"/>
-                  <a:pt x="0" y="985044"/>
-                </a:cubicBezTo>
-                <a:cubicBezTo>
-                  <a:pt x="1058" y="673365"/>
-                  <a:pt x="190235" y="311679"/>
-                  <a:pt x="191293" y="0"/>
-                </a:cubicBezTo>
-              </a:path>
-            </a:pathLst>
-          </a:custGeom>
-          <a:noFill/>
-          <a:ln>
-            <a:solidFill>
-              <a:schemeClr val="tx1"/>
-            </a:solidFill>
-          </a:ln>
-        </p:spPr>
-        <p:style>
-          <a:lnRef idx="2">
-            <a:schemeClr val="accent1">
-              <a:shade val="50000"/>
-            </a:schemeClr>
-          </a:lnRef>
-          <a:fillRef idx="1">
-            <a:schemeClr val="accent1"/>
-          </a:fillRef>
-          <a:effectRef idx="0">
-            <a:schemeClr val="accent1"/>
-          </a:effectRef>
-          <a:fontRef idx="minor">
-            <a:schemeClr val="lt1"/>
-          </a:fontRef>
-        </p:style>
-        <p:txBody>
-          <a:bodyPr wrap="square" rtlCol="0" anchor="ctr">
-            <a:noAutofit/>
-          </a:bodyPr>
-          <a:lstStyle/>
-          <a:p>
-            <a:pPr algn="ctr"/>
-            <a:endParaRPr lang="en-SG"/>
-          </a:p>
-        </p:txBody>
-      </p:sp>
-      <p:sp>
-        <p:nvSpPr>
-          <p:cNvPr id="56" name="TextBox 55">
-            <a:extLst>
-              <a:ext uri="{FF2B5EF4-FFF2-40B4-BE49-F238E27FC236}">
-                <a16:creationId xmlns:a16="http://schemas.microsoft.com/office/drawing/2014/main" id="{9A55E86E-4082-1EEC-16A2-37A7AA015B77}"/>
-              </a:ext>
-            </a:extLst>
-          </p:cNvPr>
-          <p:cNvSpPr txBox="1"/>
-          <p:nvPr/>
-        </p:nvSpPr>
-        <p:spPr>
-          <a:xfrm>
-            <a:off x="4552663" y="1178758"/>
-            <a:ext cx="422479" cy="400110"/>
-          </a:xfrm>
-          <a:prstGeom prst="rect">
-            <a:avLst/>
-          </a:prstGeom>
-          <a:noFill/>
-        </p:spPr>
-        <p:txBody>
-          <a:bodyPr wrap="square" rtlCol="0">
-            <a:spAutoFit/>
-          </a:bodyPr>
-          <a:lstStyle/>
-          <a:p>
-            <a:r>
-              <a:rPr lang="en-SG" sz="2000" i="1">
-                <a:latin typeface="LM Roman 10" panose="00000500000000000000" pitchFamily="50" charset="0"/>
-                <a:ea typeface="CMU Serif Upright Italic" panose="02000603000000000000" pitchFamily="2" charset="0"/>
-                <a:cs typeface="CMU Serif Upright Italic" panose="02000603000000000000" pitchFamily="2" charset="0"/>
-              </a:rPr>
-              <a:t>G</a:t>
-            </a:r>
-            <a:endParaRPr lang="en-SG" sz="2000">
-              <a:latin typeface="LM Roman 10" panose="00000500000000000000" pitchFamily="50" charset="0"/>
-              <a:ea typeface="CMU Serif Upright Italic" panose="02000603000000000000" pitchFamily="2" charset="0"/>
-              <a:cs typeface="CMU Serif Upright Italic" panose="02000603000000000000" pitchFamily="2" charset="0"/>
-            </a:endParaRPr>
-          </a:p>
-        </p:txBody>
-      </p:sp>
-      <p:sp>
-        <p:nvSpPr>
-          <p:cNvPr id="71" name="TextBox 70">
-            <a:extLst>
-              <a:ext uri="{FF2B5EF4-FFF2-40B4-BE49-F238E27FC236}">
-                <a16:creationId xmlns:a16="http://schemas.microsoft.com/office/drawing/2014/main" id="{299A4F51-9525-7915-0164-9110B8CB0154}"/>
-              </a:ext>
-            </a:extLst>
-          </p:cNvPr>
-          <p:cNvSpPr txBox="1"/>
-          <p:nvPr/>
-        </p:nvSpPr>
-        <p:spPr>
-          <a:xfrm>
-            <a:off x="3838905" y="353396"/>
-            <a:ext cx="974361" cy="642725"/>
-          </a:xfrm>
-          <a:prstGeom prst="rect">
-            <a:avLst/>
-          </a:prstGeom>
-          <a:noFill/>
-        </p:spPr>
-        <p:txBody>
-          <a:bodyPr wrap="square" rtlCol="0">
-            <a:spAutoFit/>
-          </a:bodyPr>
-          <a:lstStyle/>
-          <a:p>
-            <a:r>
-              <a:rPr lang="en-SG" sz="2000" i="1">
-                <a:latin typeface="LM Roman 10" panose="00000500000000000000" pitchFamily="50" charset="0"/>
-                <a:ea typeface="CMU Serif Upright Italic" panose="02000603000000000000" pitchFamily="2" charset="0"/>
-                <a:cs typeface="CMU Serif Upright Italic" panose="02000603000000000000" pitchFamily="2" charset="0"/>
-              </a:rPr>
-              <a:t>N</a:t>
-            </a:r>
-            <a:r>
-              <a:rPr lang="en-SG" sz="2000" baseline="-25000">
-                <a:latin typeface="LM Roman 10" panose="00000500000000000000" pitchFamily="50" charset="0"/>
-                <a:ea typeface="CMU Serif Upright Italic" panose="02000603000000000000" pitchFamily="2" charset="0"/>
-                <a:cs typeface="CMU Serif Upright Italic" panose="02000603000000000000" pitchFamily="2" charset="0"/>
-              </a:rPr>
-              <a:t>3</a:t>
-            </a:r>
-            <a:endParaRPr lang="en-SG" sz="2000">
-              <a:latin typeface="LM Roman 10" panose="00000500000000000000" pitchFamily="50" charset="0"/>
-              <a:ea typeface="CMU Serif Upright Italic" panose="02000603000000000000" pitchFamily="2" charset="0"/>
-              <a:cs typeface="CMU Serif Upright Italic" panose="02000603000000000000" pitchFamily="2" charset="0"/>
-            </a:endParaRPr>
-          </a:p>
-        </p:txBody>
-      </p:sp>
-      <p:sp>
-        <p:nvSpPr>
-          <p:cNvPr id="76" name="TextBox 75">
-            <a:extLst>
-              <a:ext uri="{FF2B5EF4-FFF2-40B4-BE49-F238E27FC236}">
-                <a16:creationId xmlns:a16="http://schemas.microsoft.com/office/drawing/2014/main" id="{F5BC7ACB-B17A-26A3-A2B7-BF2CF749E058}"/>
-              </a:ext>
-            </a:extLst>
-          </p:cNvPr>
-          <p:cNvSpPr txBox="1"/>
-          <p:nvPr/>
-        </p:nvSpPr>
-        <p:spPr>
-          <a:xfrm>
-            <a:off x="2860043" y="353396"/>
-            <a:ext cx="974361" cy="642725"/>
-          </a:xfrm>
-          <a:prstGeom prst="rect">
-            <a:avLst/>
-          </a:prstGeom>
-          <a:noFill/>
-        </p:spPr>
-        <p:txBody>
-          <a:bodyPr wrap="square" rtlCol="0">
-            <a:spAutoFit/>
-          </a:bodyPr>
-          <a:lstStyle/>
-          <a:p>
-            <a:r>
-              <a:rPr lang="en-SG" sz="2000" i="1">
-                <a:latin typeface="LM Roman 10" panose="00000500000000000000" pitchFamily="50" charset="0"/>
-                <a:ea typeface="CMU Serif Upright Italic" panose="02000603000000000000" pitchFamily="2" charset="0"/>
-                <a:cs typeface="CMU Serif Upright Italic" panose="02000603000000000000" pitchFamily="2" charset="0"/>
-              </a:rPr>
-              <a:t>N</a:t>
-            </a:r>
-            <a:r>
-              <a:rPr lang="en-SG" sz="2000" baseline="-25000">
-                <a:latin typeface="LM Roman 10" panose="00000500000000000000" pitchFamily="50" charset="0"/>
-                <a:ea typeface="CMU Serif Upright Italic" panose="02000603000000000000" pitchFamily="2" charset="0"/>
-                <a:cs typeface="CMU Serif Upright Italic" panose="02000603000000000000" pitchFamily="2" charset="0"/>
-              </a:rPr>
-              <a:t>2</a:t>
-            </a:r>
-            <a:endParaRPr lang="en-SG" sz="2000">
-              <a:latin typeface="LM Roman 10" panose="00000500000000000000" pitchFamily="50" charset="0"/>
-              <a:ea typeface="CMU Serif Upright Italic" panose="02000603000000000000" pitchFamily="2" charset="0"/>
-              <a:cs typeface="CMU Serif Upright Italic" panose="02000603000000000000" pitchFamily="2" charset="0"/>
-            </a:endParaRPr>
-          </a:p>
-        </p:txBody>
-      </p:sp>
-      <p:sp>
-        <p:nvSpPr>
-          <p:cNvPr id="81" name="TextBox 80">
-            <a:extLst>
-              <a:ext uri="{FF2B5EF4-FFF2-40B4-BE49-F238E27FC236}">
-                <a16:creationId xmlns:a16="http://schemas.microsoft.com/office/drawing/2014/main" id="{01FD16E2-29DA-19C8-5B2F-B05D88C9572A}"/>
-              </a:ext>
-            </a:extLst>
-          </p:cNvPr>
-          <p:cNvSpPr txBox="1"/>
-          <p:nvPr/>
-        </p:nvSpPr>
-        <p:spPr>
-          <a:xfrm>
-            <a:off x="1494753" y="353396"/>
-            <a:ext cx="974361" cy="642725"/>
-          </a:xfrm>
-          <a:prstGeom prst="rect">
-            <a:avLst/>
-          </a:prstGeom>
-          <a:noFill/>
-        </p:spPr>
-        <p:txBody>
-          <a:bodyPr wrap="square" rtlCol="0">
-            <a:spAutoFit/>
-          </a:bodyPr>
-          <a:lstStyle/>
-          <a:p>
-            <a:r>
-              <a:rPr lang="en-SG" sz="2000" i="1">
-                <a:latin typeface="LM Roman 10" panose="00000500000000000000" pitchFamily="50" charset="0"/>
-                <a:ea typeface="CMU Serif Upright Italic" panose="02000603000000000000" pitchFamily="2" charset="0"/>
-                <a:cs typeface="CMU Serif Upright Italic" panose="02000603000000000000" pitchFamily="2" charset="0"/>
-              </a:rPr>
-              <a:t>N</a:t>
-            </a:r>
-            <a:r>
-              <a:rPr lang="en-SG" sz="2000" baseline="-25000">
-                <a:latin typeface="LM Roman 10" panose="00000500000000000000" pitchFamily="50" charset="0"/>
-                <a:ea typeface="CMU Serif Upright Italic" panose="02000603000000000000" pitchFamily="2" charset="0"/>
-                <a:cs typeface="CMU Serif Upright Italic" panose="02000603000000000000" pitchFamily="2" charset="0"/>
-              </a:rPr>
-              <a:t>1</a:t>
-            </a:r>
-            <a:endParaRPr lang="en-SG" sz="2000">
-              <a:latin typeface="LM Roman 10" panose="00000500000000000000" pitchFamily="50" charset="0"/>
-              <a:ea typeface="CMU Serif Upright Italic" panose="02000603000000000000" pitchFamily="2" charset="0"/>
-              <a:cs typeface="CMU Serif Upright Italic" panose="02000603000000000000" pitchFamily="2" charset="0"/>
-            </a:endParaRPr>
-          </a:p>
-        </p:txBody>
-      </p:sp>
-      <p:sp>
-        <p:nvSpPr>
-          <p:cNvPr id="1029" name="TextBox 1028">
-            <a:extLst>
-              <a:ext uri="{FF2B5EF4-FFF2-40B4-BE49-F238E27FC236}">
-                <a16:creationId xmlns:a16="http://schemas.microsoft.com/office/drawing/2014/main" id="{F7715478-5A0A-6C32-B011-6342127721F3}"/>
-              </a:ext>
-            </a:extLst>
-          </p:cNvPr>
-          <p:cNvSpPr txBox="1"/>
-          <p:nvPr/>
-        </p:nvSpPr>
-        <p:spPr>
-          <a:xfrm>
-            <a:off x="1802914" y="2244519"/>
-            <a:ext cx="2154757" cy="400110"/>
-          </a:xfrm>
-          <a:prstGeom prst="rect">
-            <a:avLst/>
-          </a:prstGeom>
-          <a:noFill/>
-        </p:spPr>
-        <p:txBody>
-          <a:bodyPr wrap="none" rtlCol="0">
-            <a:spAutoFit/>
-          </a:bodyPr>
-          <a:lstStyle/>
-          <a:p>
-            <a:r>
-              <a:rPr lang="en-SG" sz="2000" i="1">
-                <a:latin typeface="LM Roman 10" panose="00000500000000000000" pitchFamily="50" charset="0"/>
-                <a:ea typeface="CMU Serif Upright Italic" panose="02000603000000000000" pitchFamily="2" charset="0"/>
-                <a:cs typeface="CMU Serif Upright Italic" panose="02000603000000000000" pitchFamily="2" charset="0"/>
-              </a:rPr>
-              <a:t>N</a:t>
-            </a:r>
-            <a:r>
-              <a:rPr lang="en-SG" sz="2000" baseline="-25000">
-                <a:latin typeface="LM Roman 10" panose="00000500000000000000" pitchFamily="50" charset="0"/>
-                <a:ea typeface="CMU Serif Upright Italic" panose="02000603000000000000" pitchFamily="2" charset="0"/>
-                <a:cs typeface="CMU Serif Upright Italic" panose="02000603000000000000" pitchFamily="2" charset="0"/>
-              </a:rPr>
-              <a:t>2</a:t>
-            </a:r>
-            <a:r>
-              <a:rPr lang="en-SG" sz="2000">
-                <a:latin typeface="LM Roman 10" panose="00000500000000000000" pitchFamily="50" charset="0"/>
-                <a:ea typeface="CMU Serif Upright Italic" panose="02000603000000000000" pitchFamily="2" charset="0"/>
-                <a:cs typeface="CMU Serif Upright Italic" panose="02000603000000000000" pitchFamily="2" charset="0"/>
-              </a:rPr>
-              <a:t>/</a:t>
-            </a:r>
-            <a:r>
-              <a:rPr lang="en-SG" sz="2000" i="1">
-                <a:latin typeface="LM Roman 10" panose="00000500000000000000" pitchFamily="50" charset="0"/>
-                <a:ea typeface="CMU Serif Upright Italic" panose="02000603000000000000" pitchFamily="2" charset="0"/>
-                <a:cs typeface="CMU Serif Upright Italic" panose="02000603000000000000" pitchFamily="2" charset="0"/>
-              </a:rPr>
-              <a:t>N</a:t>
-            </a:r>
-            <a:r>
-              <a:rPr lang="en-SG" sz="2000" baseline="-25000">
-                <a:latin typeface="LM Roman 10" panose="00000500000000000000" pitchFamily="50" charset="0"/>
-                <a:ea typeface="CMU Serif Upright Italic" panose="02000603000000000000" pitchFamily="2" charset="0"/>
-                <a:cs typeface="CMU Serif Upright Italic" panose="02000603000000000000" pitchFamily="2" charset="0"/>
-              </a:rPr>
-              <a:t>1  </a:t>
-            </a:r>
-            <a:r>
-              <a:rPr lang="en-SG" sz="2000">
-                <a:latin typeface="LM Roman 10" panose="00000500000000000000" pitchFamily="50" charset="0"/>
-                <a:ea typeface="CMU Serif Upright Italic" panose="02000603000000000000" pitchFamily="2" charset="0"/>
-                <a:cs typeface="CMU Serif Upright Italic" panose="02000603000000000000" pitchFamily="2" charset="0"/>
-              </a:rPr>
-              <a:t>≅ </a:t>
-            </a:r>
-            <a:r>
-              <a:rPr lang="en-SG" sz="2000" i="1">
-                <a:latin typeface="LM Roman 10" panose="00000500000000000000" pitchFamily="50" charset="0"/>
-                <a:ea typeface="CMU Serif Upright Italic" panose="02000603000000000000" pitchFamily="2" charset="0"/>
-                <a:cs typeface="CMU Serif Upright Italic" panose="02000603000000000000" pitchFamily="2" charset="0"/>
-              </a:rPr>
-              <a:t>M</a:t>
-            </a:r>
-            <a:r>
-              <a:rPr lang="en-SG" sz="2000" baseline="-25000">
-                <a:latin typeface="LM Roman 10" panose="00000500000000000000" pitchFamily="50" charset="0"/>
-                <a:ea typeface="CMU Serif Upright Italic" panose="02000603000000000000" pitchFamily="2" charset="0"/>
-                <a:cs typeface="CMU Serif Upright Italic" panose="02000603000000000000" pitchFamily="2" charset="0"/>
-              </a:rPr>
-              <a:t>3</a:t>
-            </a:r>
-            <a:r>
-              <a:rPr lang="en-SG" sz="2000">
-                <a:latin typeface="LM Roman 10" panose="00000500000000000000" pitchFamily="50" charset="0"/>
-                <a:ea typeface="CMU Serif Upright Italic" panose="02000603000000000000" pitchFamily="2" charset="0"/>
-                <a:cs typeface="CMU Serif Upright Italic" panose="02000603000000000000" pitchFamily="2" charset="0"/>
-              </a:rPr>
-              <a:t>/</a:t>
-            </a:r>
-            <a:r>
-              <a:rPr lang="en-SG" sz="2000" i="1">
-                <a:latin typeface="LM Roman 10" panose="00000500000000000000" pitchFamily="50" charset="0"/>
-                <a:ea typeface="CMU Serif Upright Italic" panose="02000603000000000000" pitchFamily="2" charset="0"/>
-                <a:cs typeface="CMU Serif Upright Italic" panose="02000603000000000000" pitchFamily="2" charset="0"/>
-              </a:rPr>
-              <a:t>M</a:t>
-            </a:r>
-            <a:r>
-              <a:rPr lang="en-SG" sz="2000" baseline="-25000">
-                <a:latin typeface="LM Roman 10" panose="00000500000000000000" pitchFamily="50" charset="0"/>
-                <a:ea typeface="CMU Serif Upright Italic" panose="02000603000000000000" pitchFamily="2" charset="0"/>
-                <a:cs typeface="CMU Serif Upright Italic" panose="02000603000000000000" pitchFamily="2" charset="0"/>
-              </a:rPr>
-              <a:t>2 </a:t>
-            </a:r>
-            <a:endParaRPr lang="en-SG" sz="2000">
-              <a:latin typeface="LM Roman 10" panose="00000500000000000000" pitchFamily="50" charset="0"/>
-              <a:ea typeface="CMU Serif Upright Italic" panose="02000603000000000000" pitchFamily="2" charset="0"/>
-              <a:cs typeface="CMU Serif Upright Italic" panose="02000603000000000000" pitchFamily="2" charset="0"/>
-            </a:endParaRPr>
-          </a:p>
-        </p:txBody>
-      </p:sp>
-      <p:cxnSp>
-        <p:nvCxnSpPr>
-          <p:cNvPr id="1031" name="Straight Connector 1030">
-            <a:extLst>
-              <a:ext uri="{FF2B5EF4-FFF2-40B4-BE49-F238E27FC236}">
-                <a16:creationId xmlns:a16="http://schemas.microsoft.com/office/drawing/2014/main" id="{7754C7D7-A8B1-1B0D-614C-73624CF641E6}"/>
-              </a:ext>
-            </a:extLst>
-          </p:cNvPr>
-          <p:cNvCxnSpPr>
-            <a:cxnSpLocks/>
-          </p:cNvCxnSpPr>
-          <p:nvPr/>
-        </p:nvCxnSpPr>
-        <p:spPr>
-          <a:xfrm>
-            <a:off x="3315175" y="2663368"/>
-            <a:ext cx="0" cy="363508"/>
-          </a:xfrm>
-          <a:prstGeom prst="line">
-            <a:avLst/>
-          </a:prstGeom>
-          <a:ln w="6350">
-            <a:solidFill>
-              <a:schemeClr val="tx1"/>
-            </a:solidFill>
-          </a:ln>
-        </p:spPr>
-        <p:style>
-          <a:lnRef idx="1">
-            <a:schemeClr val="accent1"/>
-          </a:lnRef>
-          <a:fillRef idx="0">
-            <a:schemeClr val="accent1"/>
-          </a:fillRef>
-          <a:effectRef idx="0">
-            <a:schemeClr val="accent1"/>
-          </a:effectRef>
-          <a:fontRef idx="minor">
-            <a:schemeClr val="tx1"/>
-          </a:fontRef>
-        </p:style>
-      </p:cxnSp>
-      <p:sp>
-        <p:nvSpPr>
-          <p:cNvPr id="1082" name="TextBox 1081">
-            <a:extLst>
-              <a:ext uri="{FF2B5EF4-FFF2-40B4-BE49-F238E27FC236}">
-                <a16:creationId xmlns:a16="http://schemas.microsoft.com/office/drawing/2014/main" id="{4FCDB49E-599A-C078-7644-0B738CFCB666}"/>
-              </a:ext>
-            </a:extLst>
-          </p:cNvPr>
-          <p:cNvSpPr txBox="1"/>
-          <p:nvPr/>
-        </p:nvSpPr>
-        <p:spPr>
-          <a:xfrm>
-            <a:off x="543492" y="3291692"/>
-            <a:ext cx="332481" cy="400110"/>
-          </a:xfrm>
-          <a:prstGeom prst="rect">
-            <a:avLst/>
-          </a:prstGeom>
-          <a:noFill/>
-        </p:spPr>
-        <p:txBody>
-          <a:bodyPr wrap="square" rtlCol="0">
-            <a:spAutoFit/>
-          </a:bodyPr>
-          <a:lstStyle/>
-          <a:p>
-            <a:r>
-              <a:rPr lang="en-SG" sz="2000">
-                <a:latin typeface="LM Roman 10" panose="00000500000000000000" pitchFamily="50" charset="0"/>
-                <a:ea typeface="CMU Serif Upright Italic" panose="02000603000000000000" pitchFamily="2" charset="0"/>
-                <a:cs typeface="CMU Serif Upright Italic" panose="02000603000000000000" pitchFamily="2" charset="0"/>
-              </a:rPr>
-              <a:t>1 </a:t>
-            </a:r>
-          </a:p>
-        </p:txBody>
-      </p:sp>
-      <p:sp>
-        <p:nvSpPr>
-          <p:cNvPr id="1083" name="Oval 1082">
-            <a:extLst>
-              <a:ext uri="{FF2B5EF4-FFF2-40B4-BE49-F238E27FC236}">
-                <a16:creationId xmlns:a16="http://schemas.microsoft.com/office/drawing/2014/main" id="{DA3D9BE6-AAAF-0195-674B-D18A2C6AEF07}"/>
-              </a:ext>
-            </a:extLst>
-          </p:cNvPr>
-          <p:cNvSpPr>
-            <a:spLocks/>
-          </p:cNvSpPr>
-          <p:nvPr/>
-        </p:nvSpPr>
-        <p:spPr>
-          <a:xfrm>
-            <a:off x="831740" y="3469180"/>
-            <a:ext cx="86291" cy="86744"/>
-          </a:xfrm>
-          <a:prstGeom prst="ellipse">
-            <a:avLst/>
-          </a:prstGeom>
-          <a:solidFill>
-            <a:schemeClr val="bg1"/>
-          </a:solidFill>
-          <a:ln>
-            <a:solidFill>
-              <a:schemeClr val="tx1"/>
-            </a:solidFill>
-          </a:ln>
-        </p:spPr>
-        <p:style>
-          <a:lnRef idx="2">
-            <a:schemeClr val="accent1">
-              <a:shade val="50000"/>
-            </a:schemeClr>
-          </a:lnRef>
-          <a:fillRef idx="1">
-            <a:schemeClr val="accent1"/>
-          </a:fillRef>
-          <a:effectRef idx="0">
-            <a:schemeClr val="accent1"/>
-          </a:effectRef>
-          <a:fontRef idx="minor">
-            <a:schemeClr val="lt1"/>
-          </a:fontRef>
-        </p:style>
-        <p:txBody>
-          <a:bodyPr rtlCol="0" anchor="ctr"/>
-          <a:lstStyle/>
-          <a:p>
-            <a:pPr algn="ctr"/>
-            <a:endParaRPr lang="en-SG"/>
-          </a:p>
-        </p:txBody>
-      </p:sp>
-      <p:sp>
-        <p:nvSpPr>
-          <p:cNvPr id="1087" name="TextBox 1086">
-            <a:extLst>
-              <a:ext uri="{FF2B5EF4-FFF2-40B4-BE49-F238E27FC236}">
-                <a16:creationId xmlns:a16="http://schemas.microsoft.com/office/drawing/2014/main" id="{A9E1A668-C41C-98E6-1D89-9EABB7FE6109}"/>
-              </a:ext>
-            </a:extLst>
-          </p:cNvPr>
-          <p:cNvSpPr txBox="1"/>
-          <p:nvPr/>
-        </p:nvSpPr>
-        <p:spPr>
-          <a:xfrm>
-            <a:off x="4553050" y="3274230"/>
-            <a:ext cx="422479" cy="400110"/>
-          </a:xfrm>
-          <a:prstGeom prst="rect">
-            <a:avLst/>
-          </a:prstGeom>
-          <a:noFill/>
-        </p:spPr>
-        <p:txBody>
-          <a:bodyPr wrap="square" rtlCol="0">
-            <a:spAutoFit/>
-          </a:bodyPr>
-          <a:lstStyle/>
-          <a:p>
-            <a:r>
-              <a:rPr lang="en-SG" sz="2000" i="1">
-                <a:latin typeface="LM Roman 10" panose="00000500000000000000" pitchFamily="50" charset="0"/>
-                <a:ea typeface="CMU Serif Upright Italic" panose="02000603000000000000" pitchFamily="2" charset="0"/>
-                <a:cs typeface="CMU Serif Upright Italic" panose="02000603000000000000" pitchFamily="2" charset="0"/>
-              </a:rPr>
-              <a:t>G</a:t>
-            </a:r>
-            <a:endParaRPr lang="en-SG" sz="2000">
-              <a:latin typeface="LM Roman 10" panose="00000500000000000000" pitchFamily="50" charset="0"/>
-              <a:ea typeface="CMU Serif Upright Italic" panose="02000603000000000000" pitchFamily="2" charset="0"/>
-              <a:cs typeface="CMU Serif Upright Italic" panose="02000603000000000000" pitchFamily="2" charset="0"/>
-            </a:endParaRPr>
-          </a:p>
-        </p:txBody>
-      </p:sp>
-      <p:sp>
-        <p:nvSpPr>
-          <p:cNvPr id="1090" name="TextBox 1089">
-            <a:extLst>
-              <a:ext uri="{FF2B5EF4-FFF2-40B4-BE49-F238E27FC236}">
-                <a16:creationId xmlns:a16="http://schemas.microsoft.com/office/drawing/2014/main" id="{6C7E2BBA-FA11-AE7C-83D1-E318B0A4EB24}"/>
-              </a:ext>
-            </a:extLst>
-          </p:cNvPr>
-          <p:cNvSpPr txBox="1"/>
-          <p:nvPr/>
-        </p:nvSpPr>
-        <p:spPr>
-          <a:xfrm>
-            <a:off x="1695332" y="4149478"/>
-            <a:ext cx="497743" cy="400110"/>
-          </a:xfrm>
-          <a:prstGeom prst="rect">
-            <a:avLst/>
-          </a:prstGeom>
-          <a:noFill/>
-        </p:spPr>
-        <p:txBody>
-          <a:bodyPr wrap="square" rtlCol="0">
-            <a:spAutoFit/>
-          </a:bodyPr>
-          <a:lstStyle/>
-          <a:p>
-            <a:r>
-              <a:rPr lang="en-SG" sz="2000" i="1">
-                <a:latin typeface="LM Roman 10" panose="00000500000000000000" pitchFamily="50" charset="0"/>
-                <a:ea typeface="CMU Serif Upright Italic" panose="02000603000000000000" pitchFamily="2" charset="0"/>
-                <a:cs typeface="CMU Serif Upright Italic" panose="02000603000000000000" pitchFamily="2" charset="0"/>
-              </a:rPr>
-              <a:t>M</a:t>
-            </a:r>
-            <a:r>
-              <a:rPr lang="en-SG" sz="2000" baseline="-25000">
-                <a:latin typeface="LM Roman 10" panose="00000500000000000000" pitchFamily="50" charset="0"/>
-                <a:ea typeface="CMU Serif Upright Italic" panose="02000603000000000000" pitchFamily="2" charset="0"/>
-                <a:cs typeface="CMU Serif Upright Italic" panose="02000603000000000000" pitchFamily="2" charset="0"/>
-              </a:rPr>
-              <a:t>1</a:t>
-            </a:r>
-            <a:endParaRPr lang="en-SG" sz="2000">
-              <a:latin typeface="LM Roman 10" panose="00000500000000000000" pitchFamily="50" charset="0"/>
-              <a:ea typeface="CMU Serif Upright Italic" panose="02000603000000000000" pitchFamily="2" charset="0"/>
-              <a:cs typeface="CMU Serif Upright Italic" panose="02000603000000000000" pitchFamily="2" charset="0"/>
-            </a:endParaRPr>
-          </a:p>
-        </p:txBody>
-      </p:sp>
-      <p:sp>
-        <p:nvSpPr>
-          <p:cNvPr id="1081" name="Rectangle 1">
-            <a:extLst>
-              <a:ext uri="{FF2B5EF4-FFF2-40B4-BE49-F238E27FC236}">
-                <a16:creationId xmlns:a16="http://schemas.microsoft.com/office/drawing/2014/main" id="{DE646659-ECF1-1DC7-EE60-1F8DF970611D}"/>
-              </a:ext>
-            </a:extLst>
-          </p:cNvPr>
-          <p:cNvSpPr>
-            <a:spLocks noChangeAspect="1"/>
-          </p:cNvSpPr>
-          <p:nvPr/>
-        </p:nvSpPr>
-        <p:spPr>
-          <a:xfrm>
-            <a:off x="1032313" y="2816098"/>
-            <a:ext cx="3562563" cy="1373392"/>
-          </a:xfrm>
-          <a:custGeom>
-            <a:avLst/>
-            <a:gdLst>
-              <a:gd name="connsiteX0" fmla="*/ 0 w 912420"/>
-              <a:gd name="connsiteY0" fmla="*/ 0 h 1969804"/>
-              <a:gd name="connsiteX1" fmla="*/ 912420 w 912420"/>
-              <a:gd name="connsiteY1" fmla="*/ 0 h 1969804"/>
-              <a:gd name="connsiteX2" fmla="*/ 912420 w 912420"/>
-              <a:gd name="connsiteY2" fmla="*/ 1969804 h 1969804"/>
-              <a:gd name="connsiteX3" fmla="*/ 0 w 912420"/>
-              <a:gd name="connsiteY3" fmla="*/ 1969804 h 1969804"/>
-              <a:gd name="connsiteX4" fmla="*/ 0 w 912420"/>
-              <a:gd name="connsiteY4" fmla="*/ 0 h 1969804"/>
-              <a:gd name="connsiteX0" fmla="*/ 3175 w 915595"/>
-              <a:gd name="connsiteY0" fmla="*/ 0 h 1969804"/>
-              <a:gd name="connsiteX1" fmla="*/ 915595 w 915595"/>
-              <a:gd name="connsiteY1" fmla="*/ 0 h 1969804"/>
-              <a:gd name="connsiteX2" fmla="*/ 915595 w 915595"/>
-              <a:gd name="connsiteY2" fmla="*/ 1969804 h 1969804"/>
-              <a:gd name="connsiteX3" fmla="*/ 3175 w 915595"/>
-              <a:gd name="connsiteY3" fmla="*/ 1969804 h 1969804"/>
-              <a:gd name="connsiteX4" fmla="*/ 0 w 915595"/>
-              <a:gd name="connsiteY4" fmla="*/ 935038 h 1969804"/>
-              <a:gd name="connsiteX5" fmla="*/ 3175 w 915595"/>
-              <a:gd name="connsiteY5" fmla="*/ 0 h 1969804"/>
-              <a:gd name="connsiteX0" fmla="*/ 177006 w 1089426"/>
-              <a:gd name="connsiteY0" fmla="*/ 0 h 1969804"/>
-              <a:gd name="connsiteX1" fmla="*/ 1089426 w 1089426"/>
-              <a:gd name="connsiteY1" fmla="*/ 0 h 1969804"/>
-              <a:gd name="connsiteX2" fmla="*/ 1089426 w 1089426"/>
-              <a:gd name="connsiteY2" fmla="*/ 1969804 h 1969804"/>
-              <a:gd name="connsiteX3" fmla="*/ 177006 w 1089426"/>
-              <a:gd name="connsiteY3" fmla="*/ 1969804 h 1969804"/>
-              <a:gd name="connsiteX4" fmla="*/ 0 w 1089426"/>
-              <a:gd name="connsiteY4" fmla="*/ 956469 h 1969804"/>
-              <a:gd name="connsiteX5" fmla="*/ 177006 w 1089426"/>
-              <a:gd name="connsiteY5" fmla="*/ 0 h 1969804"/>
-              <a:gd name="connsiteX0" fmla="*/ 191293 w 1103713"/>
-              <a:gd name="connsiteY0" fmla="*/ 0 h 1969804"/>
-              <a:gd name="connsiteX1" fmla="*/ 1103713 w 1103713"/>
-              <a:gd name="connsiteY1" fmla="*/ 0 h 1969804"/>
-              <a:gd name="connsiteX2" fmla="*/ 1103713 w 1103713"/>
-              <a:gd name="connsiteY2" fmla="*/ 1969804 h 1969804"/>
-              <a:gd name="connsiteX3" fmla="*/ 191293 w 1103713"/>
-              <a:gd name="connsiteY3" fmla="*/ 1969804 h 1969804"/>
-              <a:gd name="connsiteX4" fmla="*/ 0 w 1103713"/>
-              <a:gd name="connsiteY4" fmla="*/ 985044 h 1969804"/>
-              <a:gd name="connsiteX5" fmla="*/ 191293 w 1103713"/>
-              <a:gd name="connsiteY5" fmla="*/ 0 h 1969804"/>
-              <a:gd name="connsiteX0" fmla="*/ 0 w 1103713"/>
-              <a:gd name="connsiteY0" fmla="*/ 985044 h 1969804"/>
-              <a:gd name="connsiteX1" fmla="*/ 191293 w 1103713"/>
-              <a:gd name="connsiteY1" fmla="*/ 0 h 1969804"/>
-              <a:gd name="connsiteX2" fmla="*/ 1103713 w 1103713"/>
-              <a:gd name="connsiteY2" fmla="*/ 0 h 1969804"/>
-              <a:gd name="connsiteX3" fmla="*/ 1103713 w 1103713"/>
-              <a:gd name="connsiteY3" fmla="*/ 1969804 h 1969804"/>
-              <a:gd name="connsiteX4" fmla="*/ 191293 w 1103713"/>
-              <a:gd name="connsiteY4" fmla="*/ 1969804 h 1969804"/>
-              <a:gd name="connsiteX5" fmla="*/ 168424 w 1103713"/>
-              <a:gd name="connsiteY5" fmla="*/ 1103628 h 1969804"/>
-              <a:gd name="connsiteX0" fmla="*/ 0 w 1103713"/>
-              <a:gd name="connsiteY0" fmla="*/ 985044 h 1969804"/>
-              <a:gd name="connsiteX1" fmla="*/ 191293 w 1103713"/>
-              <a:gd name="connsiteY1" fmla="*/ 0 h 1969804"/>
-              <a:gd name="connsiteX2" fmla="*/ 1103713 w 1103713"/>
-              <a:gd name="connsiteY2" fmla="*/ 0 h 1969804"/>
-              <a:gd name="connsiteX3" fmla="*/ 1103713 w 1103713"/>
-              <a:gd name="connsiteY3" fmla="*/ 1969804 h 1969804"/>
-              <a:gd name="connsiteX4" fmla="*/ 191293 w 1103713"/>
-              <a:gd name="connsiteY4" fmla="*/ 1969804 h 1969804"/>
-              <a:gd name="connsiteX0" fmla="*/ 0 w 912420"/>
-              <a:gd name="connsiteY0" fmla="*/ 0 h 1969804"/>
-              <a:gd name="connsiteX1" fmla="*/ 912420 w 912420"/>
-              <a:gd name="connsiteY1" fmla="*/ 0 h 1969804"/>
-              <a:gd name="connsiteX2" fmla="*/ 912420 w 912420"/>
-              <a:gd name="connsiteY2" fmla="*/ 1969804 h 1969804"/>
-              <a:gd name="connsiteX3" fmla="*/ 0 w 912420"/>
-              <a:gd name="connsiteY3" fmla="*/ 1969804 h 1969804"/>
-            </a:gdLst>
-            <a:ahLst/>
-            <a:cxnLst>
-              <a:cxn ang="0">
-                <a:pos x="connsiteX0" y="connsiteY0"/>
-              </a:cxn>
-              <a:cxn ang="0">
-                <a:pos x="connsiteX1" y="connsiteY1"/>
-              </a:cxn>
-              <a:cxn ang="0">
-                <a:pos x="connsiteX2" y="connsiteY2"/>
-              </a:cxn>
-              <a:cxn ang="0">
-                <a:pos x="connsiteX3" y="connsiteY3"/>
-              </a:cxn>
-            </a:cxnLst>
-            <a:rect l="l" t="t" r="r" b="b"/>
-            <a:pathLst>
-              <a:path w="912420" h="1969804">
-                <a:moveTo>
-                  <a:pt x="0" y="0"/>
-                </a:moveTo>
-                <a:lnTo>
-                  <a:pt x="912420" y="0"/>
-                </a:lnTo>
-                <a:lnTo>
-                  <a:pt x="912420" y="1969804"/>
-                </a:lnTo>
-                <a:lnTo>
-                  <a:pt x="0" y="1969804"/>
-                </a:lnTo>
-              </a:path>
-            </a:pathLst>
-          </a:custGeom>
-          <a:noFill/>
-          <a:ln>
-            <a:solidFill>
-              <a:schemeClr val="tx1"/>
-            </a:solidFill>
-          </a:ln>
-        </p:spPr>
-        <p:style>
-          <a:lnRef idx="2">
-            <a:schemeClr val="accent1">
-              <a:shade val="50000"/>
-            </a:schemeClr>
-          </a:lnRef>
-          <a:fillRef idx="1">
-            <a:schemeClr val="accent1"/>
-          </a:fillRef>
-          <a:effectRef idx="0">
-            <a:schemeClr val="accent1"/>
-          </a:effectRef>
-          <a:fontRef idx="minor">
-            <a:schemeClr val="lt1"/>
-          </a:fontRef>
-        </p:style>
-        <p:txBody>
-          <a:bodyPr rtlCol="0" anchor="ctr"/>
-          <a:lstStyle/>
-          <a:p>
-            <a:pPr algn="ctr"/>
-            <a:endParaRPr lang="en-SG"/>
-          </a:p>
-        </p:txBody>
-      </p:sp>
-      <p:sp>
-        <p:nvSpPr>
-          <p:cNvPr id="1086" name="Freeform: Shape 1085">
-            <a:extLst>
-              <a:ext uri="{FF2B5EF4-FFF2-40B4-BE49-F238E27FC236}">
-                <a16:creationId xmlns:a16="http://schemas.microsoft.com/office/drawing/2014/main" id="{54FE6F6E-31AC-BDED-9335-00097B96AB2D}"/>
-              </a:ext>
-            </a:extLst>
-          </p:cNvPr>
-          <p:cNvSpPr>
-            <a:spLocks noChangeAspect="1"/>
-          </p:cNvSpPr>
-          <p:nvPr/>
-        </p:nvSpPr>
-        <p:spPr>
-          <a:xfrm>
-            <a:off x="3874643" y="2821049"/>
-            <a:ext cx="166831" cy="1373393"/>
-          </a:xfrm>
-          <a:custGeom>
-            <a:avLst/>
-            <a:gdLst>
-              <a:gd name="connsiteX0" fmla="*/ 191293 w 849675"/>
-              <a:gd name="connsiteY0" fmla="*/ 0 h 1969804"/>
-              <a:gd name="connsiteX1" fmla="*/ 849675 w 849675"/>
-              <a:gd name="connsiteY1" fmla="*/ 0 h 1969804"/>
-              <a:gd name="connsiteX2" fmla="*/ 658382 w 849675"/>
-              <a:gd name="connsiteY2" fmla="*/ 985044 h 1969804"/>
-              <a:gd name="connsiteX3" fmla="*/ 849675 w 849675"/>
-              <a:gd name="connsiteY3" fmla="*/ 1969804 h 1969804"/>
-              <a:gd name="connsiteX4" fmla="*/ 191293 w 849675"/>
-              <a:gd name="connsiteY4" fmla="*/ 1969804 h 1969804"/>
-              <a:gd name="connsiteX5" fmla="*/ 0 w 849675"/>
-              <a:gd name="connsiteY5" fmla="*/ 985044 h 1969804"/>
-              <a:gd name="connsiteX6" fmla="*/ 191293 w 849675"/>
-              <a:gd name="connsiteY6" fmla="*/ 0 h 1969804"/>
-              <a:gd name="connsiteX0" fmla="*/ 658382 w 849675"/>
-              <a:gd name="connsiteY0" fmla="*/ 985044 h 1969804"/>
-              <a:gd name="connsiteX1" fmla="*/ 849675 w 849675"/>
-              <a:gd name="connsiteY1" fmla="*/ 1969804 h 1969804"/>
-              <a:gd name="connsiteX2" fmla="*/ 191293 w 849675"/>
-              <a:gd name="connsiteY2" fmla="*/ 1969804 h 1969804"/>
-              <a:gd name="connsiteX3" fmla="*/ 0 w 849675"/>
-              <a:gd name="connsiteY3" fmla="*/ 985044 h 1969804"/>
-              <a:gd name="connsiteX4" fmla="*/ 191293 w 849675"/>
-              <a:gd name="connsiteY4" fmla="*/ 0 h 1969804"/>
-              <a:gd name="connsiteX5" fmla="*/ 849675 w 849675"/>
-              <a:gd name="connsiteY5" fmla="*/ 0 h 1969804"/>
-              <a:gd name="connsiteX6" fmla="*/ 826806 w 849675"/>
-              <a:gd name="connsiteY6" fmla="*/ 1103628 h 1969804"/>
-              <a:gd name="connsiteX0" fmla="*/ 658382 w 849675"/>
-              <a:gd name="connsiteY0" fmla="*/ 985044 h 1969804"/>
-              <a:gd name="connsiteX1" fmla="*/ 849675 w 849675"/>
-              <a:gd name="connsiteY1" fmla="*/ 1969804 h 1969804"/>
-              <a:gd name="connsiteX2" fmla="*/ 191293 w 849675"/>
-              <a:gd name="connsiteY2" fmla="*/ 1969804 h 1969804"/>
-              <a:gd name="connsiteX3" fmla="*/ 0 w 849675"/>
-              <a:gd name="connsiteY3" fmla="*/ 985044 h 1969804"/>
-              <a:gd name="connsiteX4" fmla="*/ 191293 w 849675"/>
-              <a:gd name="connsiteY4" fmla="*/ 0 h 1969804"/>
-              <a:gd name="connsiteX5" fmla="*/ 849675 w 849675"/>
-              <a:gd name="connsiteY5" fmla="*/ 0 h 1969804"/>
-              <a:gd name="connsiteX0" fmla="*/ 849675 w 849675"/>
-              <a:gd name="connsiteY0" fmla="*/ 1969804 h 1969804"/>
-              <a:gd name="connsiteX1" fmla="*/ 191293 w 849675"/>
-              <a:gd name="connsiteY1" fmla="*/ 1969804 h 1969804"/>
-              <a:gd name="connsiteX2" fmla="*/ 0 w 849675"/>
-              <a:gd name="connsiteY2" fmla="*/ 985044 h 1969804"/>
-              <a:gd name="connsiteX3" fmla="*/ 191293 w 849675"/>
-              <a:gd name="connsiteY3" fmla="*/ 0 h 1969804"/>
-              <a:gd name="connsiteX4" fmla="*/ 849675 w 849675"/>
-              <a:gd name="connsiteY4" fmla="*/ 0 h 1969804"/>
-              <a:gd name="connsiteX0" fmla="*/ 849675 w 849675"/>
-              <a:gd name="connsiteY0" fmla="*/ 1969804 h 1969804"/>
-              <a:gd name="connsiteX1" fmla="*/ 191293 w 849675"/>
-              <a:gd name="connsiteY1" fmla="*/ 1969804 h 1969804"/>
-              <a:gd name="connsiteX2" fmla="*/ 0 w 849675"/>
-              <a:gd name="connsiteY2" fmla="*/ 985044 h 1969804"/>
-              <a:gd name="connsiteX3" fmla="*/ 191293 w 849675"/>
-              <a:gd name="connsiteY3" fmla="*/ 0 h 1969804"/>
-              <a:gd name="connsiteX0" fmla="*/ 191293 w 191293"/>
-              <a:gd name="connsiteY0" fmla="*/ 1969804 h 1969804"/>
-              <a:gd name="connsiteX1" fmla="*/ 0 w 191293"/>
-              <a:gd name="connsiteY1" fmla="*/ 985044 h 1969804"/>
-              <a:gd name="connsiteX2" fmla="*/ 191293 w 191293"/>
-              <a:gd name="connsiteY2" fmla="*/ 0 h 1969804"/>
-            </a:gdLst>
-            <a:ahLst/>
-            <a:cxnLst>
-              <a:cxn ang="0">
-                <a:pos x="connsiteX0" y="connsiteY0"/>
-              </a:cxn>
-              <a:cxn ang="0">
-                <a:pos x="connsiteX1" y="connsiteY1"/>
-              </a:cxn>
-              <a:cxn ang="0">
-                <a:pos x="connsiteX2" y="connsiteY2"/>
-              </a:cxn>
-            </a:cxnLst>
-            <a:rect l="l" t="t" r="r" b="b"/>
-            <a:pathLst>
-              <a:path w="191293" h="1969804">
-                <a:moveTo>
-                  <a:pt x="191293" y="1969804"/>
-                </a:moveTo>
-                <a:cubicBezTo>
-                  <a:pt x="190235" y="1624882"/>
-                  <a:pt x="1058" y="1329966"/>
-                  <a:pt x="0" y="985044"/>
-                </a:cubicBezTo>
-                <a:cubicBezTo>
-                  <a:pt x="1058" y="673365"/>
-                  <a:pt x="190235" y="311679"/>
-                  <a:pt x="191293" y="0"/>
-                </a:cubicBezTo>
-              </a:path>
-            </a:pathLst>
-          </a:custGeom>
-          <a:noFill/>
-          <a:ln>
-            <a:solidFill>
-              <a:schemeClr val="tx1"/>
-            </a:solidFill>
-          </a:ln>
-        </p:spPr>
-        <p:style>
-          <a:lnRef idx="2">
-            <a:schemeClr val="accent1">
-              <a:shade val="50000"/>
-            </a:schemeClr>
-          </a:lnRef>
-          <a:fillRef idx="1">
-            <a:schemeClr val="accent1"/>
-          </a:fillRef>
-          <a:effectRef idx="0">
-            <a:schemeClr val="accent1"/>
-          </a:effectRef>
-          <a:fontRef idx="minor">
-            <a:schemeClr val="lt1"/>
-          </a:fontRef>
-        </p:style>
-        <p:txBody>
-          <a:bodyPr wrap="square" rtlCol="0" anchor="ctr">
-            <a:noAutofit/>
-          </a:bodyPr>
-          <a:lstStyle/>
-          <a:p>
-            <a:pPr algn="ctr"/>
-            <a:endParaRPr lang="en-SG"/>
-          </a:p>
-        </p:txBody>
-      </p:sp>
-      <p:sp>
-        <p:nvSpPr>
-          <p:cNvPr id="1096" name="TextBox 1095">
-            <a:extLst>
-              <a:ext uri="{FF2B5EF4-FFF2-40B4-BE49-F238E27FC236}">
-                <a16:creationId xmlns:a16="http://schemas.microsoft.com/office/drawing/2014/main" id="{6AE59D2B-52CB-7106-23B9-31FBD5309C0F}"/>
-              </a:ext>
-            </a:extLst>
-          </p:cNvPr>
-          <p:cNvSpPr txBox="1"/>
-          <p:nvPr/>
-        </p:nvSpPr>
-        <p:spPr>
-          <a:xfrm>
-            <a:off x="2399112" y="4149478"/>
-            <a:ext cx="497743" cy="400110"/>
-          </a:xfrm>
-          <a:prstGeom prst="rect">
-            <a:avLst/>
-          </a:prstGeom>
-          <a:noFill/>
-        </p:spPr>
-        <p:txBody>
-          <a:bodyPr wrap="square" rtlCol="0">
-            <a:spAutoFit/>
-          </a:bodyPr>
-          <a:lstStyle/>
-          <a:p>
-            <a:r>
-              <a:rPr lang="en-SG" sz="2000" i="1">
-                <a:latin typeface="LM Roman 10" panose="00000500000000000000" pitchFamily="50" charset="0"/>
-                <a:ea typeface="CMU Serif Upright Italic" panose="02000603000000000000" pitchFamily="2" charset="0"/>
-                <a:cs typeface="CMU Serif Upright Italic" panose="02000603000000000000" pitchFamily="2" charset="0"/>
-              </a:rPr>
-              <a:t>M</a:t>
-            </a:r>
-            <a:r>
-              <a:rPr lang="en-SG" sz="2000" baseline="-25000">
-                <a:latin typeface="LM Roman 10" panose="00000500000000000000" pitchFamily="50" charset="0"/>
-                <a:ea typeface="CMU Serif Upright Italic" panose="02000603000000000000" pitchFamily="2" charset="0"/>
-                <a:cs typeface="CMU Serif Upright Italic" panose="02000603000000000000" pitchFamily="2" charset="0"/>
-              </a:rPr>
-              <a:t>2</a:t>
-            </a:r>
-            <a:endParaRPr lang="en-SG" sz="2000">
-              <a:latin typeface="LM Roman 10" panose="00000500000000000000" pitchFamily="50" charset="0"/>
-              <a:ea typeface="CMU Serif Upright Italic" panose="02000603000000000000" pitchFamily="2" charset="0"/>
-              <a:cs typeface="CMU Serif Upright Italic" panose="02000603000000000000" pitchFamily="2" charset="0"/>
-            </a:endParaRPr>
-          </a:p>
-        </p:txBody>
-      </p:sp>
-      <p:sp>
-        <p:nvSpPr>
-          <p:cNvPr id="1097" name="TextBox 1096">
-            <a:extLst>
-              <a:ext uri="{FF2B5EF4-FFF2-40B4-BE49-F238E27FC236}">
-                <a16:creationId xmlns:a16="http://schemas.microsoft.com/office/drawing/2014/main" id="{6C014806-16F7-34EB-BCA0-A7A6B6A29446}"/>
-              </a:ext>
-            </a:extLst>
-          </p:cNvPr>
-          <p:cNvSpPr txBox="1"/>
-          <p:nvPr/>
-        </p:nvSpPr>
-        <p:spPr>
-          <a:xfrm>
-            <a:off x="3752086" y="4168327"/>
-            <a:ext cx="497743" cy="400110"/>
-          </a:xfrm>
-          <a:prstGeom prst="rect">
-            <a:avLst/>
-          </a:prstGeom>
-          <a:noFill/>
-        </p:spPr>
-        <p:txBody>
-          <a:bodyPr wrap="square" rtlCol="0">
-            <a:spAutoFit/>
-          </a:bodyPr>
-          <a:lstStyle/>
-          <a:p>
-            <a:r>
-              <a:rPr lang="en-SG" sz="2000" i="1">
-                <a:latin typeface="LM Roman 10" panose="00000500000000000000" pitchFamily="50" charset="0"/>
-                <a:ea typeface="CMU Serif Upright Italic" panose="02000603000000000000" pitchFamily="2" charset="0"/>
-                <a:cs typeface="CMU Serif Upright Italic" panose="02000603000000000000" pitchFamily="2" charset="0"/>
-              </a:rPr>
-              <a:t>M</a:t>
-            </a:r>
-            <a:r>
-              <a:rPr lang="en-SG" sz="2000" baseline="-25000">
-                <a:latin typeface="LM Roman 10" panose="00000500000000000000" pitchFamily="50" charset="0"/>
-                <a:ea typeface="CMU Serif Upright Italic" panose="02000603000000000000" pitchFamily="2" charset="0"/>
-                <a:cs typeface="CMU Serif Upright Italic" panose="02000603000000000000" pitchFamily="2" charset="0"/>
-              </a:rPr>
-              <a:t>3</a:t>
-            </a:r>
-            <a:endParaRPr lang="en-SG" sz="2000">
-              <a:latin typeface="LM Roman 10" panose="00000500000000000000" pitchFamily="50" charset="0"/>
-              <a:ea typeface="CMU Serif Upright Italic" panose="02000603000000000000" pitchFamily="2" charset="0"/>
-              <a:cs typeface="CMU Serif Upright Italic" panose="02000603000000000000" pitchFamily="2" charset="0"/>
-            </a:endParaRPr>
-          </a:p>
-        </p:txBody>
-      </p:sp>
-      <p:cxnSp>
-        <p:nvCxnSpPr>
-          <p:cNvPr id="1098" name="Straight Connector 1097">
-            <a:extLst>
-              <a:ext uri="{FF2B5EF4-FFF2-40B4-BE49-F238E27FC236}">
-                <a16:creationId xmlns:a16="http://schemas.microsoft.com/office/drawing/2014/main" id="{03E71CAD-76B9-81B5-099D-2E9593EC6DC7}"/>
-              </a:ext>
-            </a:extLst>
-          </p:cNvPr>
-          <p:cNvCxnSpPr>
-            <a:cxnSpLocks/>
-          </p:cNvCxnSpPr>
-          <p:nvPr/>
-        </p:nvCxnSpPr>
-        <p:spPr>
-          <a:xfrm>
-            <a:off x="2273775" y="1881011"/>
-            <a:ext cx="0" cy="363508"/>
-          </a:xfrm>
-          <a:prstGeom prst="line">
-            <a:avLst/>
-          </a:prstGeom>
-          <a:ln w="6350">
-            <a:solidFill>
-              <a:schemeClr val="tx1"/>
-            </a:solidFill>
-          </a:ln>
-        </p:spPr>
-        <p:style>
-          <a:lnRef idx="1">
-            <a:schemeClr val="accent1"/>
-          </a:lnRef>
-          <a:fillRef idx="0">
-            <a:schemeClr val="accent1"/>
-          </a:fillRef>
-          <a:effectRef idx="0">
-            <a:schemeClr val="accent1"/>
-          </a:effectRef>
-          <a:fontRef idx="minor">
-            <a:schemeClr val="tx1"/>
-          </a:fontRef>
-        </p:style>
-      </p:cxnSp>
-      <p:cxnSp>
-        <p:nvCxnSpPr>
-          <p:cNvPr id="1099" name="Straight Arrow Connector 1098">
-            <a:extLst>
-              <a:ext uri="{FF2B5EF4-FFF2-40B4-BE49-F238E27FC236}">
-                <a16:creationId xmlns:a16="http://schemas.microsoft.com/office/drawing/2014/main" id="{0720A97E-CFFB-49DD-2915-80DF77CEF107}"/>
-              </a:ext>
-            </a:extLst>
-          </p:cNvPr>
-          <p:cNvCxnSpPr>
-            <a:cxnSpLocks/>
-          </p:cNvCxnSpPr>
-          <p:nvPr/>
-        </p:nvCxnSpPr>
-        <p:spPr>
-          <a:xfrm>
-            <a:off x="1021480" y="865530"/>
-            <a:ext cx="660712" cy="0"/>
-          </a:xfrm>
-          <a:prstGeom prst="straightConnector1">
-            <a:avLst/>
-          </a:prstGeom>
-          <a:ln>
-            <a:solidFill>
-              <a:schemeClr val="tx1"/>
-            </a:solidFill>
-            <a:headEnd w="sm" len="sm"/>
-            <a:tailEnd type="arrow" w="sm" len="sm"/>
-          </a:ln>
-        </p:spPr>
-        <p:style>
-          <a:lnRef idx="1">
-            <a:schemeClr val="accent1"/>
-          </a:lnRef>
-          <a:fillRef idx="0">
-            <a:schemeClr val="accent1"/>
-          </a:fillRef>
-          <a:effectRef idx="0">
-            <a:schemeClr val="accent1"/>
-          </a:effectRef>
-          <a:fontRef idx="minor">
-            <a:schemeClr val="tx1"/>
-          </a:fontRef>
-        </p:style>
-      </p:cxnSp>
-      <p:cxnSp>
-        <p:nvCxnSpPr>
-          <p:cNvPr id="1101" name="Straight Arrow Connector 1100">
-            <a:extLst>
-              <a:ext uri="{FF2B5EF4-FFF2-40B4-BE49-F238E27FC236}">
-                <a16:creationId xmlns:a16="http://schemas.microsoft.com/office/drawing/2014/main" id="{0D876DEB-2B34-788D-FCEC-7D675D67F630}"/>
-              </a:ext>
-            </a:extLst>
-          </p:cNvPr>
-          <p:cNvCxnSpPr>
-            <a:cxnSpLocks/>
-          </p:cNvCxnSpPr>
-          <p:nvPr/>
-        </p:nvCxnSpPr>
-        <p:spPr>
-          <a:xfrm>
-            <a:off x="1695332" y="865530"/>
-            <a:ext cx="1376481" cy="0"/>
-          </a:xfrm>
-          <a:prstGeom prst="straightConnector1">
-            <a:avLst/>
-          </a:prstGeom>
-          <a:ln>
-            <a:solidFill>
-              <a:schemeClr val="tx1"/>
-            </a:solidFill>
-            <a:headEnd w="sm" len="sm"/>
-            <a:tailEnd type="arrow" w="sm" len="sm"/>
-          </a:ln>
-        </p:spPr>
-        <p:style>
-          <a:lnRef idx="1">
-            <a:schemeClr val="accent1"/>
-          </a:lnRef>
-          <a:fillRef idx="0">
-            <a:schemeClr val="accent1"/>
-          </a:fillRef>
-          <a:effectRef idx="0">
-            <a:schemeClr val="accent1"/>
-          </a:effectRef>
-          <a:fontRef idx="minor">
-            <a:schemeClr val="tx1"/>
-          </a:fontRef>
-        </p:style>
-      </p:cxnSp>
-      <p:cxnSp>
-        <p:nvCxnSpPr>
-          <p:cNvPr id="1105" name="Straight Arrow Connector 1104">
-            <a:extLst>
-              <a:ext uri="{FF2B5EF4-FFF2-40B4-BE49-F238E27FC236}">
-                <a16:creationId xmlns:a16="http://schemas.microsoft.com/office/drawing/2014/main" id="{523C4557-C495-A908-DFA6-7FF792993B39}"/>
-              </a:ext>
-            </a:extLst>
-          </p:cNvPr>
-          <p:cNvCxnSpPr>
-            <a:cxnSpLocks/>
-          </p:cNvCxnSpPr>
-          <p:nvPr/>
-        </p:nvCxnSpPr>
-        <p:spPr>
-          <a:xfrm>
-            <a:off x="3086573" y="865530"/>
-            <a:ext cx="935358" cy="0"/>
-          </a:xfrm>
-          <a:prstGeom prst="straightConnector1">
-            <a:avLst/>
-          </a:prstGeom>
-          <a:ln>
-            <a:solidFill>
-              <a:schemeClr val="tx1"/>
-            </a:solidFill>
-            <a:headEnd w="sm" len="sm"/>
-            <a:tailEnd type="arrow" w="sm" len="sm"/>
-          </a:ln>
-        </p:spPr>
-        <p:style>
-          <a:lnRef idx="1">
-            <a:schemeClr val="accent1"/>
-          </a:lnRef>
-          <a:fillRef idx="0">
-            <a:schemeClr val="accent1"/>
-          </a:fillRef>
-          <a:effectRef idx="0">
-            <a:schemeClr val="accent1"/>
-          </a:effectRef>
-          <a:fontRef idx="minor">
-            <a:schemeClr val="tx1"/>
-          </a:fontRef>
-        </p:style>
-      </p:cxnSp>
-      <p:cxnSp>
-        <p:nvCxnSpPr>
-          <p:cNvPr id="1107" name="Straight Arrow Connector 1106">
-            <a:extLst>
-              <a:ext uri="{FF2B5EF4-FFF2-40B4-BE49-F238E27FC236}">
-                <a16:creationId xmlns:a16="http://schemas.microsoft.com/office/drawing/2014/main" id="{EF665450-5570-EBD8-4FC1-661290CEAC7A}"/>
-              </a:ext>
-            </a:extLst>
-          </p:cNvPr>
-          <p:cNvCxnSpPr>
-            <a:cxnSpLocks/>
-          </p:cNvCxnSpPr>
-          <p:nvPr/>
-        </p:nvCxnSpPr>
-        <p:spPr>
-          <a:xfrm>
-            <a:off x="4021931" y="865530"/>
-            <a:ext cx="568045" cy="0"/>
-          </a:xfrm>
-          <a:prstGeom prst="straightConnector1">
-            <a:avLst/>
-          </a:prstGeom>
-          <a:ln>
-            <a:solidFill>
-              <a:schemeClr val="tx1"/>
-            </a:solidFill>
-            <a:headEnd w="sm" len="sm"/>
-            <a:tailEnd type="arrow" w="sm" len="sm"/>
-          </a:ln>
-        </p:spPr>
-        <p:style>
-          <a:lnRef idx="1">
-            <a:schemeClr val="accent1"/>
-          </a:lnRef>
-          <a:fillRef idx="0">
-            <a:schemeClr val="accent1"/>
-          </a:fillRef>
-          <a:effectRef idx="0">
-            <a:schemeClr val="accent1"/>
-          </a:effectRef>
-          <a:fontRef idx="minor">
-            <a:schemeClr val="tx1"/>
-          </a:fontRef>
-        </p:style>
-      </p:cxnSp>
-      <p:cxnSp>
-        <p:nvCxnSpPr>
-          <p:cNvPr id="1109" name="Straight Arrow Connector 1108">
-            <a:extLst>
-              <a:ext uri="{FF2B5EF4-FFF2-40B4-BE49-F238E27FC236}">
-                <a16:creationId xmlns:a16="http://schemas.microsoft.com/office/drawing/2014/main" id="{4F7F8357-A19A-9A0C-3CDD-6A56B3F4E951}"/>
-              </a:ext>
-            </a:extLst>
-          </p:cNvPr>
-          <p:cNvCxnSpPr>
-            <a:cxnSpLocks/>
-          </p:cNvCxnSpPr>
-          <p:nvPr/>
-        </p:nvCxnSpPr>
-        <p:spPr>
-          <a:xfrm>
-            <a:off x="1954239" y="4048100"/>
-            <a:ext cx="660712" cy="0"/>
-          </a:xfrm>
-          <a:prstGeom prst="straightConnector1">
-            <a:avLst/>
-          </a:prstGeom>
-          <a:ln>
-            <a:solidFill>
-              <a:schemeClr val="tx1"/>
-            </a:solidFill>
-            <a:headEnd w="sm" len="sm"/>
-            <a:tailEnd type="arrow" w="sm" len="sm"/>
-          </a:ln>
-        </p:spPr>
-        <p:style>
-          <a:lnRef idx="1">
-            <a:schemeClr val="accent1"/>
-          </a:lnRef>
-          <a:fillRef idx="0">
-            <a:schemeClr val="accent1"/>
-          </a:fillRef>
-          <a:effectRef idx="0">
-            <a:schemeClr val="accent1"/>
-          </a:effectRef>
-          <a:fontRef idx="minor">
-            <a:schemeClr val="tx1"/>
-          </a:fontRef>
-        </p:style>
-      </p:cxnSp>
-      <p:cxnSp>
-        <p:nvCxnSpPr>
-          <p:cNvPr id="1110" name="Straight Arrow Connector 1109">
-            <a:extLst>
-              <a:ext uri="{FF2B5EF4-FFF2-40B4-BE49-F238E27FC236}">
-                <a16:creationId xmlns:a16="http://schemas.microsoft.com/office/drawing/2014/main" id="{E933FAF8-01AD-5808-6684-EC4884F503AB}"/>
-              </a:ext>
-            </a:extLst>
-          </p:cNvPr>
-          <p:cNvCxnSpPr>
-            <a:cxnSpLocks/>
-          </p:cNvCxnSpPr>
-          <p:nvPr/>
-        </p:nvCxnSpPr>
-        <p:spPr>
-          <a:xfrm>
-            <a:off x="2627651" y="4048100"/>
-            <a:ext cx="1376481" cy="0"/>
-          </a:xfrm>
-          <a:prstGeom prst="straightConnector1">
-            <a:avLst/>
-          </a:prstGeom>
-          <a:ln>
-            <a:solidFill>
-              <a:schemeClr val="tx1"/>
-            </a:solidFill>
-            <a:headEnd w="sm" len="sm"/>
-            <a:tailEnd type="arrow" w="sm" len="sm"/>
-          </a:ln>
-        </p:spPr>
-        <p:style>
-          <a:lnRef idx="1">
-            <a:schemeClr val="accent1"/>
-          </a:lnRef>
-          <a:fillRef idx="0">
-            <a:schemeClr val="accent1"/>
-          </a:fillRef>
-          <a:effectRef idx="0">
-            <a:schemeClr val="accent1"/>
-          </a:effectRef>
-          <a:fontRef idx="minor">
-            <a:schemeClr val="tx1"/>
-          </a:fontRef>
-        </p:style>
-      </p:cxnSp>
-      <p:cxnSp>
-        <p:nvCxnSpPr>
-          <p:cNvPr id="1111" name="Straight Arrow Connector 1110">
-            <a:extLst>
-              <a:ext uri="{FF2B5EF4-FFF2-40B4-BE49-F238E27FC236}">
-                <a16:creationId xmlns:a16="http://schemas.microsoft.com/office/drawing/2014/main" id="{9C93A9A7-AE96-D2D2-EEEF-547821E064E5}"/>
-              </a:ext>
-            </a:extLst>
-          </p:cNvPr>
-          <p:cNvCxnSpPr>
-            <a:cxnSpLocks/>
-          </p:cNvCxnSpPr>
-          <p:nvPr/>
-        </p:nvCxnSpPr>
-        <p:spPr>
-          <a:xfrm>
-            <a:off x="1019226" y="4048100"/>
-            <a:ext cx="935358" cy="0"/>
-          </a:xfrm>
-          <a:prstGeom prst="straightConnector1">
-            <a:avLst/>
-          </a:prstGeom>
-          <a:ln>
-            <a:solidFill>
-              <a:schemeClr val="tx1"/>
-            </a:solidFill>
-            <a:headEnd w="sm" len="sm"/>
-            <a:tailEnd type="arrow" w="sm" len="sm"/>
-          </a:ln>
-        </p:spPr>
-        <p:style>
-          <a:lnRef idx="1">
-            <a:schemeClr val="accent1"/>
-          </a:lnRef>
-          <a:fillRef idx="0">
-            <a:schemeClr val="accent1"/>
-          </a:fillRef>
-          <a:effectRef idx="0">
-            <a:schemeClr val="accent1"/>
-          </a:effectRef>
-          <a:fontRef idx="minor">
-            <a:schemeClr val="tx1"/>
-          </a:fontRef>
-        </p:style>
-      </p:cxnSp>
-      <p:cxnSp>
-        <p:nvCxnSpPr>
-          <p:cNvPr id="1112" name="Straight Arrow Connector 1111">
-            <a:extLst>
-              <a:ext uri="{FF2B5EF4-FFF2-40B4-BE49-F238E27FC236}">
-                <a16:creationId xmlns:a16="http://schemas.microsoft.com/office/drawing/2014/main" id="{27011604-AD86-6A5E-1FEA-F9DB47D1BDA4}"/>
-              </a:ext>
-            </a:extLst>
-          </p:cNvPr>
-          <p:cNvCxnSpPr>
-            <a:cxnSpLocks/>
-          </p:cNvCxnSpPr>
-          <p:nvPr/>
-        </p:nvCxnSpPr>
-        <p:spPr>
-          <a:xfrm>
-            <a:off x="4021931" y="4048100"/>
-            <a:ext cx="568045" cy="0"/>
-          </a:xfrm>
-          <a:prstGeom prst="straightConnector1">
-            <a:avLst/>
-          </a:prstGeom>
-          <a:ln>
-            <a:solidFill>
-              <a:schemeClr val="tx1"/>
-            </a:solidFill>
-            <a:headEnd w="sm" len="sm"/>
-            <a:tailEnd type="arrow" w="sm" len="sm"/>
-          </a:ln>
-        </p:spPr>
-        <p:style>
-          <a:lnRef idx="1">
-            <a:schemeClr val="accent1"/>
-          </a:lnRef>
-          <a:fillRef idx="0">
-            <a:schemeClr val="accent1"/>
-          </a:fillRef>
-          <a:effectRef idx="0">
-            <a:schemeClr val="accent1"/>
-          </a:effectRef>
-          <a:fontRef idx="minor">
-            <a:schemeClr val="tx1"/>
-          </a:fontRef>
-        </p:style>
-      </p:cxnSp>
       <p:sp>
         <p:nvSpPr>
           <p:cNvPr id="2" name="Rectangle 1">
@@ -39366,6 +34752,635 @@
           </a:p>
         </p:txBody>
       </p:sp>
+      <p:grpSp>
+        <p:nvGrpSpPr>
+          <p:cNvPr id="1045" name="Group 1044">
+            <a:extLst>
+              <a:ext uri="{FF2B5EF4-FFF2-40B4-BE49-F238E27FC236}">
+                <a16:creationId xmlns:a16="http://schemas.microsoft.com/office/drawing/2014/main" id="{8F8DA43B-A2E2-2D19-A982-6B40307C9873}"/>
+              </a:ext>
+            </a:extLst>
+          </p:cNvPr>
+          <p:cNvGrpSpPr/>
+          <p:nvPr/>
+        </p:nvGrpSpPr>
+        <p:grpSpPr>
+          <a:xfrm>
+            <a:off x="1047683" y="825500"/>
+            <a:ext cx="1531688" cy="1151513"/>
+            <a:chOff x="1055464" y="825500"/>
+            <a:chExt cx="1881853" cy="1526009"/>
+          </a:xfrm>
+        </p:grpSpPr>
+        <p:grpSp>
+          <p:nvGrpSpPr>
+            <p:cNvPr id="1042" name="Group 1041">
+              <a:extLst>
+                <a:ext uri="{FF2B5EF4-FFF2-40B4-BE49-F238E27FC236}">
+                  <a16:creationId xmlns:a16="http://schemas.microsoft.com/office/drawing/2014/main" id="{8B5F6C90-3617-6842-C27D-C828F86C1839}"/>
+                </a:ext>
+              </a:extLst>
+            </p:cNvPr>
+            <p:cNvGrpSpPr/>
+            <p:nvPr/>
+          </p:nvGrpSpPr>
+          <p:grpSpPr>
+            <a:xfrm>
+              <a:off x="1346201" y="825500"/>
+              <a:ext cx="1591116" cy="1526009"/>
+              <a:chOff x="1346200" y="825500"/>
+              <a:chExt cx="1017505" cy="878920"/>
+            </a:xfrm>
+          </p:grpSpPr>
+          <p:sp>
+            <p:nvSpPr>
+              <p:cNvPr id="1038" name="Rectangle 1037">
+                <a:extLst>
+                  <a:ext uri="{FF2B5EF4-FFF2-40B4-BE49-F238E27FC236}">
+                    <a16:creationId xmlns:a16="http://schemas.microsoft.com/office/drawing/2014/main" id="{F152F8A1-6D0A-1F7C-8A2A-5DBE41E283C1}"/>
+                  </a:ext>
+                </a:extLst>
+              </p:cNvPr>
+              <p:cNvSpPr/>
+              <p:nvPr/>
+            </p:nvSpPr>
+            <p:spPr>
+              <a:xfrm>
+                <a:off x="1346200" y="825500"/>
+                <a:ext cx="1017505" cy="876300"/>
+              </a:xfrm>
+              <a:prstGeom prst="rect">
+                <a:avLst/>
+              </a:prstGeom>
+              <a:noFill/>
+              <a:ln>
+                <a:solidFill>
+                  <a:schemeClr val="tx1"/>
+                </a:solidFill>
+              </a:ln>
+            </p:spPr>
+            <p:style>
+              <a:lnRef idx="2">
+                <a:schemeClr val="accent1">
+                  <a:shade val="50000"/>
+                </a:schemeClr>
+              </a:lnRef>
+              <a:fillRef idx="1">
+                <a:schemeClr val="accent1"/>
+              </a:fillRef>
+              <a:effectRef idx="0">
+                <a:schemeClr val="accent1"/>
+              </a:effectRef>
+              <a:fontRef idx="minor">
+                <a:schemeClr val="lt1"/>
+              </a:fontRef>
+            </p:style>
+            <p:txBody>
+              <a:bodyPr rtlCol="0" anchor="ctr"/>
+              <a:lstStyle/>
+              <a:p>
+                <a:pPr algn="ctr"/>
+                <a:endParaRPr lang="en-SG"/>
+              </a:p>
+            </p:txBody>
+          </p:sp>
+          <p:sp>
+            <p:nvSpPr>
+              <p:cNvPr id="1041" name="Freeform: Shape 1040">
+                <a:extLst>
+                  <a:ext uri="{FF2B5EF4-FFF2-40B4-BE49-F238E27FC236}">
+                    <a16:creationId xmlns:a16="http://schemas.microsoft.com/office/drawing/2014/main" id="{81955396-2131-5759-DBDA-5D7D10510229}"/>
+                  </a:ext>
+                </a:extLst>
+              </p:cNvPr>
+              <p:cNvSpPr/>
+              <p:nvPr/>
+            </p:nvSpPr>
+            <p:spPr>
+              <a:xfrm>
+                <a:off x="1828964" y="831752"/>
+                <a:ext cx="135504" cy="872668"/>
+              </a:xfrm>
+              <a:custGeom>
+                <a:avLst/>
+                <a:gdLst>
+                  <a:gd name="connsiteX0" fmla="*/ 0 w 6350"/>
+                  <a:gd name="connsiteY0" fmla="*/ 0 h 863600"/>
+                  <a:gd name="connsiteX1" fmla="*/ 6350 w 6350"/>
+                  <a:gd name="connsiteY1" fmla="*/ 863600 h 863600"/>
+                  <a:gd name="connsiteX0" fmla="*/ 0 w 10000"/>
+                  <a:gd name="connsiteY0" fmla="*/ 0 h 10000"/>
+                  <a:gd name="connsiteX1" fmla="*/ 5000 w 10000"/>
+                  <a:gd name="connsiteY1" fmla="*/ 4908 h 10000"/>
+                  <a:gd name="connsiteX2" fmla="*/ 10000 w 10000"/>
+                  <a:gd name="connsiteY2" fmla="*/ 10000 h 10000"/>
+                  <a:gd name="connsiteX0" fmla="*/ 0 w 10000"/>
+                  <a:gd name="connsiteY0" fmla="*/ 0 h 10000"/>
+                  <a:gd name="connsiteX1" fmla="*/ 5000 w 10000"/>
+                  <a:gd name="connsiteY1" fmla="*/ 4908 h 10000"/>
+                  <a:gd name="connsiteX2" fmla="*/ 5000 w 10000"/>
+                  <a:gd name="connsiteY2" fmla="*/ 5487 h 10000"/>
+                  <a:gd name="connsiteX3" fmla="*/ 10000 w 10000"/>
+                  <a:gd name="connsiteY3" fmla="*/ 10000 h 10000"/>
+                  <a:gd name="connsiteX0" fmla="*/ 0 w 10000"/>
+                  <a:gd name="connsiteY0" fmla="*/ 0 h 10000"/>
+                  <a:gd name="connsiteX1" fmla="*/ 5000 w 10000"/>
+                  <a:gd name="connsiteY1" fmla="*/ 4329 h 10000"/>
+                  <a:gd name="connsiteX2" fmla="*/ 5000 w 10000"/>
+                  <a:gd name="connsiteY2" fmla="*/ 4908 h 10000"/>
+                  <a:gd name="connsiteX3" fmla="*/ 5000 w 10000"/>
+                  <a:gd name="connsiteY3" fmla="*/ 5487 h 10000"/>
+                  <a:gd name="connsiteX4" fmla="*/ 10000 w 10000"/>
+                  <a:gd name="connsiteY4" fmla="*/ 10000 h 10000"/>
+                  <a:gd name="connsiteX0" fmla="*/ 0 w 215002"/>
+                  <a:gd name="connsiteY0" fmla="*/ 0 h 10000"/>
+                  <a:gd name="connsiteX1" fmla="*/ 5000 w 215002"/>
+                  <a:gd name="connsiteY1" fmla="*/ 4329 h 10000"/>
+                  <a:gd name="connsiteX2" fmla="*/ 215000 w 215002"/>
+                  <a:gd name="connsiteY2" fmla="*/ 4577 h 10000"/>
+                  <a:gd name="connsiteX3" fmla="*/ 5000 w 215002"/>
+                  <a:gd name="connsiteY3" fmla="*/ 5487 h 10000"/>
+                  <a:gd name="connsiteX4" fmla="*/ 10000 w 215002"/>
+                  <a:gd name="connsiteY4" fmla="*/ 10000 h 10000"/>
+                  <a:gd name="connsiteX0" fmla="*/ 0 w 215002"/>
+                  <a:gd name="connsiteY0" fmla="*/ 0 h 10000"/>
+                  <a:gd name="connsiteX1" fmla="*/ 5000 w 215002"/>
+                  <a:gd name="connsiteY1" fmla="*/ 4329 h 10000"/>
+                  <a:gd name="connsiteX2" fmla="*/ 215000 w 215002"/>
+                  <a:gd name="connsiteY2" fmla="*/ 4577 h 10000"/>
+                  <a:gd name="connsiteX3" fmla="*/ 5000 w 215002"/>
+                  <a:gd name="connsiteY3" fmla="*/ 5487 h 10000"/>
+                  <a:gd name="connsiteX4" fmla="*/ 10000 w 215002"/>
+                  <a:gd name="connsiteY4" fmla="*/ 10000 h 10000"/>
+                  <a:gd name="connsiteX0" fmla="*/ 0 w 215000"/>
+                  <a:gd name="connsiteY0" fmla="*/ 0 h 10000"/>
+                  <a:gd name="connsiteX1" fmla="*/ 5000 w 215000"/>
+                  <a:gd name="connsiteY1" fmla="*/ 4329 h 10000"/>
+                  <a:gd name="connsiteX2" fmla="*/ 215000 w 215000"/>
+                  <a:gd name="connsiteY2" fmla="*/ 4577 h 10000"/>
+                  <a:gd name="connsiteX3" fmla="*/ 5000 w 215000"/>
+                  <a:gd name="connsiteY3" fmla="*/ 5487 h 10000"/>
+                  <a:gd name="connsiteX4" fmla="*/ 10000 w 215000"/>
+                  <a:gd name="connsiteY4" fmla="*/ 10000 h 10000"/>
+                  <a:gd name="connsiteX0" fmla="*/ 0 w 215057"/>
+                  <a:gd name="connsiteY0" fmla="*/ 0 h 10000"/>
+                  <a:gd name="connsiteX1" fmla="*/ 5000 w 215057"/>
+                  <a:gd name="connsiteY1" fmla="*/ 4329 h 10000"/>
+                  <a:gd name="connsiteX2" fmla="*/ 215000 w 215057"/>
+                  <a:gd name="connsiteY2" fmla="*/ 4577 h 10000"/>
+                  <a:gd name="connsiteX3" fmla="*/ 5000 w 215057"/>
+                  <a:gd name="connsiteY3" fmla="*/ 5487 h 10000"/>
+                  <a:gd name="connsiteX4" fmla="*/ 10000 w 215057"/>
+                  <a:gd name="connsiteY4" fmla="*/ 10000 h 10000"/>
+                  <a:gd name="connsiteX0" fmla="*/ 0 w 215057"/>
+                  <a:gd name="connsiteY0" fmla="*/ 0 h 10000"/>
+                  <a:gd name="connsiteX1" fmla="*/ 5000 w 215057"/>
+                  <a:gd name="connsiteY1" fmla="*/ 4329 h 10000"/>
+                  <a:gd name="connsiteX2" fmla="*/ 215000 w 215057"/>
+                  <a:gd name="connsiteY2" fmla="*/ 4660 h 10000"/>
+                  <a:gd name="connsiteX3" fmla="*/ 5000 w 215057"/>
+                  <a:gd name="connsiteY3" fmla="*/ 5487 h 10000"/>
+                  <a:gd name="connsiteX4" fmla="*/ 10000 w 215057"/>
+                  <a:gd name="connsiteY4" fmla="*/ 10000 h 10000"/>
+                  <a:gd name="connsiteX0" fmla="*/ 0 w 166329"/>
+                  <a:gd name="connsiteY0" fmla="*/ 0 h 10000"/>
+                  <a:gd name="connsiteX1" fmla="*/ 5000 w 166329"/>
+                  <a:gd name="connsiteY1" fmla="*/ 4329 h 10000"/>
+                  <a:gd name="connsiteX2" fmla="*/ 166251 w 166329"/>
+                  <a:gd name="connsiteY2" fmla="*/ 4853 h 10000"/>
+                  <a:gd name="connsiteX3" fmla="*/ 5000 w 166329"/>
+                  <a:gd name="connsiteY3" fmla="*/ 5487 h 10000"/>
+                  <a:gd name="connsiteX4" fmla="*/ 10000 w 166329"/>
+                  <a:gd name="connsiteY4" fmla="*/ 10000 h 10000"/>
+                  <a:gd name="connsiteX0" fmla="*/ 0 w 166330"/>
+                  <a:gd name="connsiteY0" fmla="*/ 0 h 10105"/>
+                  <a:gd name="connsiteX1" fmla="*/ 5000 w 166330"/>
+                  <a:gd name="connsiteY1" fmla="*/ 4329 h 10105"/>
+                  <a:gd name="connsiteX2" fmla="*/ 166251 w 166330"/>
+                  <a:gd name="connsiteY2" fmla="*/ 4853 h 10105"/>
+                  <a:gd name="connsiteX3" fmla="*/ 5000 w 166330"/>
+                  <a:gd name="connsiteY3" fmla="*/ 5487 h 10105"/>
+                  <a:gd name="connsiteX4" fmla="*/ 7054 w 166330"/>
+                  <a:gd name="connsiteY4" fmla="*/ 10105 h 10105"/>
+                  <a:gd name="connsiteX0" fmla="*/ 0 w 166251"/>
+                  <a:gd name="connsiteY0" fmla="*/ 0 h 10105"/>
+                  <a:gd name="connsiteX1" fmla="*/ 5000 w 166251"/>
+                  <a:gd name="connsiteY1" fmla="*/ 3445 h 10105"/>
+                  <a:gd name="connsiteX2" fmla="*/ 166251 w 166251"/>
+                  <a:gd name="connsiteY2" fmla="*/ 4853 h 10105"/>
+                  <a:gd name="connsiteX3" fmla="*/ 5000 w 166251"/>
+                  <a:gd name="connsiteY3" fmla="*/ 5487 h 10105"/>
+                  <a:gd name="connsiteX4" fmla="*/ 7054 w 166251"/>
+                  <a:gd name="connsiteY4" fmla="*/ 10105 h 10105"/>
+                  <a:gd name="connsiteX0" fmla="*/ 0 w 166251"/>
+                  <a:gd name="connsiteY0" fmla="*/ 0 h 10105"/>
+                  <a:gd name="connsiteX1" fmla="*/ 5000 w 166251"/>
+                  <a:gd name="connsiteY1" fmla="*/ 3445 h 10105"/>
+                  <a:gd name="connsiteX2" fmla="*/ 166251 w 166251"/>
+                  <a:gd name="connsiteY2" fmla="*/ 4853 h 10105"/>
+                  <a:gd name="connsiteX3" fmla="*/ 5000 w 166251"/>
+                  <a:gd name="connsiteY3" fmla="*/ 6118 h 10105"/>
+                  <a:gd name="connsiteX4" fmla="*/ 7054 w 166251"/>
+                  <a:gd name="connsiteY4" fmla="*/ 10105 h 10105"/>
+                  <a:gd name="connsiteX0" fmla="*/ 0 w 204553"/>
+                  <a:gd name="connsiteY0" fmla="*/ 0 h 10105"/>
+                  <a:gd name="connsiteX1" fmla="*/ 5000 w 204553"/>
+                  <a:gd name="connsiteY1" fmla="*/ 3445 h 10105"/>
+                  <a:gd name="connsiteX2" fmla="*/ 204553 w 204553"/>
+                  <a:gd name="connsiteY2" fmla="*/ 4558 h 10105"/>
+                  <a:gd name="connsiteX3" fmla="*/ 5000 w 204553"/>
+                  <a:gd name="connsiteY3" fmla="*/ 6118 h 10105"/>
+                  <a:gd name="connsiteX4" fmla="*/ 7054 w 204553"/>
+                  <a:gd name="connsiteY4" fmla="*/ 10105 h 10105"/>
+                  <a:gd name="connsiteX0" fmla="*/ 0 w 204553"/>
+                  <a:gd name="connsiteY0" fmla="*/ 0 h 10105"/>
+                  <a:gd name="connsiteX1" fmla="*/ 5000 w 204553"/>
+                  <a:gd name="connsiteY1" fmla="*/ 3445 h 10105"/>
+                  <a:gd name="connsiteX2" fmla="*/ 204553 w 204553"/>
+                  <a:gd name="connsiteY2" fmla="*/ 4558 h 10105"/>
+                  <a:gd name="connsiteX3" fmla="*/ 5000 w 204553"/>
+                  <a:gd name="connsiteY3" fmla="*/ 6118 h 10105"/>
+                  <a:gd name="connsiteX4" fmla="*/ 7054 w 204553"/>
+                  <a:gd name="connsiteY4" fmla="*/ 10105 h 10105"/>
+                  <a:gd name="connsiteX0" fmla="*/ 0 w 204553"/>
+                  <a:gd name="connsiteY0" fmla="*/ 0 h 10105"/>
+                  <a:gd name="connsiteX1" fmla="*/ 5000 w 204553"/>
+                  <a:gd name="connsiteY1" fmla="*/ 3445 h 10105"/>
+                  <a:gd name="connsiteX2" fmla="*/ 204553 w 204553"/>
+                  <a:gd name="connsiteY2" fmla="*/ 4768 h 10105"/>
+                  <a:gd name="connsiteX3" fmla="*/ 5000 w 204553"/>
+                  <a:gd name="connsiteY3" fmla="*/ 6118 h 10105"/>
+                  <a:gd name="connsiteX4" fmla="*/ 7054 w 204553"/>
+                  <a:gd name="connsiteY4" fmla="*/ 10105 h 10105"/>
+                  <a:gd name="connsiteX0" fmla="*/ 0 w 204701"/>
+                  <a:gd name="connsiteY0" fmla="*/ 0 h 10105"/>
+                  <a:gd name="connsiteX1" fmla="*/ 5000 w 204701"/>
+                  <a:gd name="connsiteY1" fmla="*/ 3445 h 10105"/>
+                  <a:gd name="connsiteX2" fmla="*/ 204553 w 204701"/>
+                  <a:gd name="connsiteY2" fmla="*/ 4768 h 10105"/>
+                  <a:gd name="connsiteX3" fmla="*/ 5000 w 204701"/>
+                  <a:gd name="connsiteY3" fmla="*/ 6118 h 10105"/>
+                  <a:gd name="connsiteX4" fmla="*/ 7054 w 204701"/>
+                  <a:gd name="connsiteY4" fmla="*/ 10105 h 10105"/>
+                  <a:gd name="connsiteX0" fmla="*/ 0 w 204553"/>
+                  <a:gd name="connsiteY0" fmla="*/ 0 h 10105"/>
+                  <a:gd name="connsiteX1" fmla="*/ 5000 w 204553"/>
+                  <a:gd name="connsiteY1" fmla="*/ 3445 h 10105"/>
+                  <a:gd name="connsiteX2" fmla="*/ 204553 w 204553"/>
+                  <a:gd name="connsiteY2" fmla="*/ 4768 h 10105"/>
+                  <a:gd name="connsiteX3" fmla="*/ 5000 w 204553"/>
+                  <a:gd name="connsiteY3" fmla="*/ 6371 h 10105"/>
+                  <a:gd name="connsiteX4" fmla="*/ 7054 w 204553"/>
+                  <a:gd name="connsiteY4" fmla="*/ 10105 h 10105"/>
+                  <a:gd name="connsiteX0" fmla="*/ 0 w 216338"/>
+                  <a:gd name="connsiteY0" fmla="*/ 0 h 10105"/>
+                  <a:gd name="connsiteX1" fmla="*/ 5000 w 216338"/>
+                  <a:gd name="connsiteY1" fmla="*/ 3445 h 10105"/>
+                  <a:gd name="connsiteX2" fmla="*/ 216338 w 216338"/>
+                  <a:gd name="connsiteY2" fmla="*/ 5000 h 10105"/>
+                  <a:gd name="connsiteX3" fmla="*/ 5000 w 216338"/>
+                  <a:gd name="connsiteY3" fmla="*/ 6371 h 10105"/>
+                  <a:gd name="connsiteX4" fmla="*/ 7054 w 216338"/>
+                  <a:gd name="connsiteY4" fmla="*/ 10105 h 10105"/>
+                  <a:gd name="connsiteX0" fmla="*/ 0 w 213392"/>
+                  <a:gd name="connsiteY0" fmla="*/ 0 h 10105"/>
+                  <a:gd name="connsiteX1" fmla="*/ 5000 w 213392"/>
+                  <a:gd name="connsiteY1" fmla="*/ 3445 h 10105"/>
+                  <a:gd name="connsiteX2" fmla="*/ 213392 w 213392"/>
+                  <a:gd name="connsiteY2" fmla="*/ 4790 h 10105"/>
+                  <a:gd name="connsiteX3" fmla="*/ 5000 w 213392"/>
+                  <a:gd name="connsiteY3" fmla="*/ 6371 h 10105"/>
+                  <a:gd name="connsiteX4" fmla="*/ 7054 w 213392"/>
+                  <a:gd name="connsiteY4" fmla="*/ 10105 h 10105"/>
+                </a:gdLst>
+                <a:ahLst/>
+                <a:cxnLst>
+                  <a:cxn ang="0">
+                    <a:pos x="connsiteX0" y="connsiteY0"/>
+                  </a:cxn>
+                  <a:cxn ang="0">
+                    <a:pos x="connsiteX1" y="connsiteY1"/>
+                  </a:cxn>
+                  <a:cxn ang="0">
+                    <a:pos x="connsiteX2" y="connsiteY2"/>
+                  </a:cxn>
+                  <a:cxn ang="0">
+                    <a:pos x="connsiteX3" y="connsiteY3"/>
+                  </a:cxn>
+                  <a:cxn ang="0">
+                    <a:pos x="connsiteX4" y="connsiteY4"/>
+                  </a:cxn>
+                </a:cxnLst>
+                <a:rect l="l" t="t" r="r" b="b"/>
+                <a:pathLst>
+                  <a:path w="213392" h="10105">
+                    <a:moveTo>
+                      <a:pt x="0" y="0"/>
+                    </a:moveTo>
+                    <a:lnTo>
+                      <a:pt x="5000" y="3445"/>
+                    </a:lnTo>
+                    <a:cubicBezTo>
+                      <a:pt x="40833" y="4208"/>
+                      <a:pt x="213392" y="4302"/>
+                      <a:pt x="213392" y="4790"/>
+                    </a:cubicBezTo>
+                    <a:cubicBezTo>
+                      <a:pt x="213392" y="5278"/>
+                      <a:pt x="39167" y="5467"/>
+                      <a:pt x="5000" y="6371"/>
+                    </a:cubicBezTo>
+                    <a:cubicBezTo>
+                      <a:pt x="5833" y="7220"/>
+                      <a:pt x="6221" y="9353"/>
+                      <a:pt x="7054" y="10105"/>
+                    </a:cubicBezTo>
+                  </a:path>
+                </a:pathLst>
+              </a:custGeom>
+              <a:noFill/>
+              <a:ln>
+                <a:solidFill>
+                  <a:schemeClr val="tx1"/>
+                </a:solidFill>
+              </a:ln>
+            </p:spPr>
+            <p:style>
+              <a:lnRef idx="2">
+                <a:schemeClr val="accent1">
+                  <a:shade val="50000"/>
+                </a:schemeClr>
+              </a:lnRef>
+              <a:fillRef idx="1">
+                <a:schemeClr val="accent1"/>
+              </a:fillRef>
+              <a:effectRef idx="0">
+                <a:schemeClr val="accent1"/>
+              </a:effectRef>
+              <a:fontRef idx="minor">
+                <a:schemeClr val="lt1"/>
+              </a:fontRef>
+            </p:style>
+            <p:txBody>
+              <a:bodyPr rtlCol="0" anchor="ctr"/>
+              <a:lstStyle/>
+              <a:p>
+                <a:pPr algn="ctr"/>
+                <a:endParaRPr lang="en-SG"/>
+              </a:p>
+            </p:txBody>
+          </p:sp>
+        </p:grpSp>
+        <p:sp>
+          <p:nvSpPr>
+            <p:cNvPr id="1043" name="TextBox 1042">
+              <a:extLst>
+                <a:ext uri="{FF2B5EF4-FFF2-40B4-BE49-F238E27FC236}">
+                  <a16:creationId xmlns:a16="http://schemas.microsoft.com/office/drawing/2014/main" id="{FAC798BC-1A19-CC88-DF02-D766FEB67686}"/>
+                </a:ext>
+              </a:extLst>
+            </p:cNvPr>
+            <p:cNvSpPr txBox="1"/>
+            <p:nvPr/>
+          </p:nvSpPr>
+          <p:spPr>
+            <a:xfrm>
+              <a:off x="1055464" y="1398337"/>
+              <a:ext cx="332481" cy="407872"/>
+            </a:xfrm>
+            <a:prstGeom prst="rect">
+              <a:avLst/>
+            </a:prstGeom>
+            <a:noFill/>
+          </p:spPr>
+          <p:txBody>
+            <a:bodyPr wrap="square" rtlCol="0">
+              <a:spAutoFit/>
+            </a:bodyPr>
+            <a:lstStyle/>
+            <a:p>
+              <a:r>
+                <a:rPr lang="en-SG" sz="1400">
+                  <a:latin typeface="LM Roman 10" panose="00000500000000000000" pitchFamily="50" charset="0"/>
+                  <a:ea typeface="CMU Serif Upright Italic" panose="02000603000000000000" pitchFamily="2" charset="0"/>
+                  <a:cs typeface="CMU Serif Upright Italic" panose="02000603000000000000" pitchFamily="2" charset="0"/>
+                </a:rPr>
+                <a:t>1 </a:t>
+              </a:r>
+            </a:p>
+          </p:txBody>
+        </p:sp>
+        <p:sp>
+          <p:nvSpPr>
+            <p:cNvPr id="1044" name="Oval 1043">
+              <a:extLst>
+                <a:ext uri="{FF2B5EF4-FFF2-40B4-BE49-F238E27FC236}">
+                  <a16:creationId xmlns:a16="http://schemas.microsoft.com/office/drawing/2014/main" id="{8E60117A-2F0F-25F4-3A40-A2A9EC5A640A}"/>
+                </a:ext>
+              </a:extLst>
+            </p:cNvPr>
+            <p:cNvSpPr>
+              <a:spLocks/>
+            </p:cNvSpPr>
+            <p:nvPr/>
+          </p:nvSpPr>
+          <p:spPr>
+            <a:xfrm>
+              <a:off x="1301890" y="1561673"/>
+              <a:ext cx="79614" cy="86744"/>
+            </a:xfrm>
+            <a:prstGeom prst="ellipse">
+              <a:avLst/>
+            </a:prstGeom>
+            <a:solidFill>
+              <a:schemeClr val="bg1"/>
+            </a:solidFill>
+            <a:ln>
+              <a:solidFill>
+                <a:schemeClr val="tx1"/>
+              </a:solidFill>
+            </a:ln>
+          </p:spPr>
+          <p:style>
+            <a:lnRef idx="2">
+              <a:schemeClr val="accent1">
+                <a:shade val="50000"/>
+              </a:schemeClr>
+            </a:lnRef>
+            <a:fillRef idx="1">
+              <a:schemeClr val="accent1"/>
+            </a:fillRef>
+            <a:effectRef idx="0">
+              <a:schemeClr val="accent1"/>
+            </a:effectRef>
+            <a:fontRef idx="minor">
+              <a:schemeClr val="lt1"/>
+            </a:fontRef>
+          </p:style>
+          <p:txBody>
+            <a:bodyPr rtlCol="0" anchor="ctr"/>
+            <a:lstStyle/>
+            <a:p>
+              <a:pPr algn="ctr"/>
+              <a:endParaRPr lang="en-SG"/>
+            </a:p>
+          </p:txBody>
+        </p:sp>
+      </p:grpSp>
+      <p:sp>
+        <p:nvSpPr>
+          <p:cNvPr id="1047" name="TextBox 1046">
+            <a:extLst>
+              <a:ext uri="{FF2B5EF4-FFF2-40B4-BE49-F238E27FC236}">
+                <a16:creationId xmlns:a16="http://schemas.microsoft.com/office/drawing/2014/main" id="{35383F17-DA30-EEE3-47AA-A8BC6516E4E2}"/>
+              </a:ext>
+            </a:extLst>
+          </p:cNvPr>
+          <p:cNvSpPr txBox="1"/>
+          <p:nvPr/>
+        </p:nvSpPr>
+        <p:spPr>
+          <a:xfrm>
+            <a:off x="1414385" y="1265570"/>
+            <a:ext cx="270615" cy="307777"/>
+          </a:xfrm>
+          <a:prstGeom prst="rect">
+            <a:avLst/>
+          </a:prstGeom>
+          <a:noFill/>
+        </p:spPr>
+        <p:txBody>
+          <a:bodyPr wrap="square" rtlCol="0">
+            <a:spAutoFit/>
+          </a:bodyPr>
+          <a:lstStyle/>
+          <a:p>
+            <a:r>
+              <a:rPr lang="en-SG" sz="1400" i="1">
+                <a:latin typeface="LM Roman 10" panose="00000500000000000000" pitchFamily="50" charset="0"/>
+                <a:ea typeface="CMU Serif Upright Italic" panose="02000603000000000000" pitchFamily="2" charset="0"/>
+                <a:cs typeface="CMU Serif Upright Italic" panose="02000603000000000000" pitchFamily="2" charset="0"/>
+              </a:rPr>
+              <a:t>H</a:t>
+            </a:r>
+            <a:r>
+              <a:rPr lang="en-SG" sz="1400">
+                <a:latin typeface="LM Roman 10" panose="00000500000000000000" pitchFamily="50" charset="0"/>
+                <a:ea typeface="CMU Serif Upright Italic" panose="02000603000000000000" pitchFamily="2" charset="0"/>
+                <a:cs typeface="CMU Serif Upright Italic" panose="02000603000000000000" pitchFamily="2" charset="0"/>
+              </a:rPr>
+              <a:t> </a:t>
+            </a:r>
+          </a:p>
+        </p:txBody>
+      </p:sp>
+      <p:sp>
+        <p:nvSpPr>
+          <p:cNvPr id="1048" name="TextBox 1047">
+            <a:extLst>
+              <a:ext uri="{FF2B5EF4-FFF2-40B4-BE49-F238E27FC236}">
+                <a16:creationId xmlns:a16="http://schemas.microsoft.com/office/drawing/2014/main" id="{3E9838B0-AB73-793C-F826-CF0DAF12D9B8}"/>
+              </a:ext>
+            </a:extLst>
+          </p:cNvPr>
+          <p:cNvSpPr txBox="1"/>
+          <p:nvPr/>
+        </p:nvSpPr>
+        <p:spPr>
+          <a:xfrm>
+            <a:off x="2021059" y="1241408"/>
+            <a:ext cx="594378" cy="307777"/>
+          </a:xfrm>
+          <a:prstGeom prst="rect">
+            <a:avLst/>
+          </a:prstGeom>
+          <a:noFill/>
+        </p:spPr>
+        <p:txBody>
+          <a:bodyPr wrap="square" rtlCol="0">
+            <a:spAutoFit/>
+          </a:bodyPr>
+          <a:lstStyle/>
+          <a:p>
+            <a:r>
+              <a:rPr lang="en-SG" sz="1400" i="1">
+                <a:latin typeface="LM Roman 10" panose="00000500000000000000" pitchFamily="50" charset="0"/>
+                <a:ea typeface="CMU Serif Upright Italic" panose="02000603000000000000" pitchFamily="2" charset="0"/>
+                <a:cs typeface="CMU Serif Upright Italic" panose="02000603000000000000" pitchFamily="2" charset="0"/>
+              </a:rPr>
+              <a:t>G</a:t>
+            </a:r>
+            <a:r>
+              <a:rPr lang="en-SG" sz="1400">
+                <a:latin typeface="LM Roman 10" panose="00000500000000000000" pitchFamily="50" charset="0"/>
+                <a:ea typeface="CMU Serif Upright Italic" panose="02000603000000000000" pitchFamily="2" charset="0"/>
+                <a:cs typeface="CMU Serif Upright Italic" panose="02000603000000000000" pitchFamily="2" charset="0"/>
+              </a:rPr>
+              <a:t>/</a:t>
+            </a:r>
+            <a:r>
+              <a:rPr lang="en-SG" sz="1400" i="1">
+                <a:latin typeface="LM Roman 10" panose="00000500000000000000" pitchFamily="50" charset="0"/>
+                <a:ea typeface="CMU Serif Upright Italic" panose="02000603000000000000" pitchFamily="2" charset="0"/>
+                <a:cs typeface="CMU Serif Upright Italic" panose="02000603000000000000" pitchFamily="2" charset="0"/>
+              </a:rPr>
+              <a:t>H</a:t>
+            </a:r>
+            <a:r>
+              <a:rPr lang="en-SG" sz="1400">
+                <a:latin typeface="LM Roman 10" panose="00000500000000000000" pitchFamily="50" charset="0"/>
+                <a:ea typeface="CMU Serif Upright Italic" panose="02000603000000000000" pitchFamily="2" charset="0"/>
+                <a:cs typeface="CMU Serif Upright Italic" panose="02000603000000000000" pitchFamily="2" charset="0"/>
+              </a:rPr>
+              <a:t> </a:t>
+            </a:r>
+          </a:p>
+        </p:txBody>
+      </p:sp>
+      <p:sp>
+        <p:nvSpPr>
+          <p:cNvPr id="1049" name="TextBox 1048">
+            <a:extLst>
+              <a:ext uri="{FF2B5EF4-FFF2-40B4-BE49-F238E27FC236}">
+                <a16:creationId xmlns:a16="http://schemas.microsoft.com/office/drawing/2014/main" id="{34A57AD9-A5C3-FA46-B518-1D3313DDF619}"/>
+              </a:ext>
+            </a:extLst>
+          </p:cNvPr>
+          <p:cNvSpPr txBox="1"/>
+          <p:nvPr/>
+        </p:nvSpPr>
+        <p:spPr>
+          <a:xfrm>
+            <a:off x="2518820" y="1796448"/>
+            <a:ext cx="332311" cy="307777"/>
+          </a:xfrm>
+          <a:prstGeom prst="rect">
+            <a:avLst/>
+          </a:prstGeom>
+          <a:noFill/>
+        </p:spPr>
+        <p:txBody>
+          <a:bodyPr wrap="square" rtlCol="0">
+            <a:spAutoFit/>
+          </a:bodyPr>
+          <a:lstStyle/>
+          <a:p>
+            <a:r>
+              <a:rPr lang="en-SG" sz="1400" i="1">
+                <a:latin typeface="LM Roman 10" panose="00000500000000000000" pitchFamily="50" charset="0"/>
+                <a:ea typeface="CMU Serif Upright Italic" panose="02000603000000000000" pitchFamily="2" charset="0"/>
+                <a:cs typeface="CMU Serif Upright Italic" panose="02000603000000000000" pitchFamily="2" charset="0"/>
+              </a:rPr>
+              <a:t>G</a:t>
+            </a:r>
+            <a:endParaRPr lang="en-SG" sz="1400">
+              <a:latin typeface="LM Roman 10" panose="00000500000000000000" pitchFamily="50" charset="0"/>
+              <a:ea typeface="CMU Serif Upright Italic" panose="02000603000000000000" pitchFamily="2" charset="0"/>
+              <a:cs typeface="CMU Serif Upright Italic" panose="02000603000000000000" pitchFamily="2" charset="0"/>
+            </a:endParaRPr>
+          </a:p>
+        </p:txBody>
+      </p:sp>
     </p:spTree>
     <p:extLst>
       <p:ext uri="{BB962C8B-B14F-4D97-AF65-F5344CB8AC3E}">

--- a/assets/posts/2022-12-15-homomorphism-illustrated/canvas.pptx
+++ b/assets/posts/2022-12-15-homomorphism-illustrated/canvas.pptx
@@ -41005,60 +41005,6 @@
       </p:sp>
       <p:sp>
         <p:nvSpPr>
-          <p:cNvPr id="1141" name="Oval 1140">
-            <a:extLst>
-              <a:ext uri="{FF2B5EF4-FFF2-40B4-BE49-F238E27FC236}">
-                <a16:creationId xmlns:a16="http://schemas.microsoft.com/office/drawing/2014/main" id="{367B4125-7431-6E6B-0A3C-B2EA97A8B2AB}"/>
-              </a:ext>
-            </a:extLst>
-          </p:cNvPr>
-          <p:cNvSpPr/>
-          <p:nvPr/>
-        </p:nvSpPr>
-        <p:spPr>
-          <a:xfrm>
-            <a:off x="537805" y="4983504"/>
-            <a:ext cx="53718" cy="54000"/>
-          </a:xfrm>
-          <a:prstGeom prst="ellipse">
-            <a:avLst/>
-          </a:prstGeom>
-          <a:solidFill>
-            <a:schemeClr val="bg1"/>
-          </a:solidFill>
-          <a:ln>
-            <a:solidFill>
-              <a:schemeClr val="tx1"/>
-            </a:solidFill>
-          </a:ln>
-        </p:spPr>
-        <p:style>
-          <a:lnRef idx="2">
-            <a:schemeClr val="accent1">
-              <a:shade val="50000"/>
-            </a:schemeClr>
-          </a:lnRef>
-          <a:fillRef idx="1">
-            <a:schemeClr val="accent1"/>
-          </a:fillRef>
-          <a:effectRef idx="0">
-            <a:schemeClr val="accent1"/>
-          </a:effectRef>
-          <a:fontRef idx="minor">
-            <a:schemeClr val="lt1"/>
-          </a:fontRef>
-        </p:style>
-        <p:txBody>
-          <a:bodyPr rtlCol="0" anchor="ctr"/>
-          <a:lstStyle/>
-          <a:p>
-            <a:pPr algn="ctr"/>
-            <a:endParaRPr lang="en-SG"/>
-          </a:p>
-        </p:txBody>
-      </p:sp>
-      <p:sp>
-        <p:nvSpPr>
           <p:cNvPr id="1159" name="TextBox 1158">
             <a:extLst>
               <a:ext uri="{FF2B5EF4-FFF2-40B4-BE49-F238E27FC236}">
@@ -41106,7 +41052,7 @@
                 <a:ea typeface="CMU Serif Upright Italic" panose="02000603000000000000" pitchFamily="2" charset="0"/>
                 <a:cs typeface="CMU Serif Upright Italic" panose="02000603000000000000" pitchFamily="2" charset="0"/>
               </a:rPr>
-              <a:t>= </a:t>
+              <a:t>≅ </a:t>
             </a:r>
             <a:r>
               <a:rPr lang="en-SG" sz="1200" i="1">
@@ -41132,7 +41078,7 @@
                 <a:ea typeface="CMU Serif Upright Italic" panose="02000603000000000000" pitchFamily="2" charset="0"/>
                 <a:cs typeface="CMU Serif Upright Italic" panose="02000603000000000000" pitchFamily="2" charset="0"/>
               </a:rPr>
-              <a:t>= </a:t>
+              <a:t>≅ </a:t>
             </a:r>
             <a:r>
               <a:rPr lang="en-SG" sz="1200" i="1">
@@ -41194,129 +41140,79 @@
           </a:fontRef>
         </p:style>
       </p:cxnSp>
-      <p:grpSp>
-        <p:nvGrpSpPr>
-          <p:cNvPr id="1173" name="Group 1172">
+      <p:sp>
+        <p:nvSpPr>
+          <p:cNvPr id="1165" name="TextBox 1164">
             <a:extLst>
               <a:ext uri="{FF2B5EF4-FFF2-40B4-BE49-F238E27FC236}">
-                <a16:creationId xmlns:a16="http://schemas.microsoft.com/office/drawing/2014/main" id="{8FBA24A6-EA0E-B430-0815-F960B359C122}"/>
+                <a16:creationId xmlns:a16="http://schemas.microsoft.com/office/drawing/2014/main" id="{FD722BA0-59C3-B7BF-6229-1863C6AC3745}"/>
               </a:ext>
             </a:extLst>
           </p:cNvPr>
-          <p:cNvGrpSpPr/>
+          <p:cNvSpPr txBox="1"/>
           <p:nvPr/>
-        </p:nvGrpSpPr>
-        <p:grpSpPr>
+        </p:nvSpPr>
+        <p:spPr>
           <a:xfrm>
             <a:off x="2523221" y="4601033"/>
             <a:ext cx="601447" cy="461665"/>
-            <a:chOff x="2544781" y="4775972"/>
-            <a:chExt cx="601447" cy="461665"/>
           </a:xfrm>
-        </p:grpSpPr>
-        <p:sp>
-          <p:nvSpPr>
-            <p:cNvPr id="1165" name="TextBox 1164">
-              <a:extLst>
-                <a:ext uri="{FF2B5EF4-FFF2-40B4-BE49-F238E27FC236}">
-                  <a16:creationId xmlns:a16="http://schemas.microsoft.com/office/drawing/2014/main" id="{FD722BA0-59C3-B7BF-6229-1863C6AC3745}"/>
-                </a:ext>
-              </a:extLst>
-            </p:cNvPr>
-            <p:cNvSpPr txBox="1"/>
-            <p:nvPr/>
-          </p:nvSpPr>
-          <p:spPr>
-            <a:xfrm>
-              <a:off x="2544781" y="4775972"/>
-              <a:ext cx="601447" cy="461665"/>
-            </a:xfrm>
-            <a:prstGeom prst="rect">
-              <a:avLst/>
-            </a:prstGeom>
-            <a:noFill/>
-          </p:spPr>
-          <p:txBody>
-            <a:bodyPr wrap="none" rtlCol="0">
-              <a:spAutoFit/>
-            </a:bodyPr>
-            <a:lstStyle/>
-            <a:p>
-              <a:r>
-                <a:rPr lang="en-SG" sz="1200">
-                  <a:latin typeface="LM Roman 10" panose="00000500000000000000" pitchFamily="50" charset="0"/>
-                  <a:ea typeface="CMU Serif Upright Italic" panose="02000603000000000000" pitchFamily="2" charset="0"/>
-                  <a:cs typeface="CMU Serif Upright Italic" panose="02000603000000000000" pitchFamily="2" charset="0"/>
-                </a:rPr>
-                <a:t>1</a:t>
-              </a:r>
-              <a:r>
-                <a:rPr lang="en-SG" sz="1200" baseline="-25000">
-                  <a:latin typeface="LM Roman 10" panose="00000500000000000000" pitchFamily="50" charset="0"/>
-                  <a:ea typeface="CMU Serif Upright Italic" panose="02000603000000000000" pitchFamily="2" charset="0"/>
-                  <a:cs typeface="CMU Serif Upright Italic" panose="02000603000000000000" pitchFamily="2" charset="0"/>
-                </a:rPr>
-                <a:t> </a:t>
-              </a:r>
-            </a:p>
-            <a:p>
-              <a:r>
-                <a:rPr lang="en-SG" sz="1200">
-                  <a:latin typeface="LM Roman 10" panose="00000500000000000000" pitchFamily="50" charset="0"/>
-                  <a:ea typeface="CMU Serif Upright Italic" panose="02000603000000000000" pitchFamily="2" charset="0"/>
-                  <a:cs typeface="CMU Serif Upright Italic" panose="02000603000000000000" pitchFamily="2" charset="0"/>
-                </a:rPr>
-                <a:t>= </a:t>
-              </a:r>
-              <a:r>
-                <a:rPr lang="en-SG" sz="1200" i="1">
-                  <a:latin typeface="LM Roman 10" panose="00000500000000000000" pitchFamily="50" charset="0"/>
-                  <a:ea typeface="CMU Serif Upright Italic" panose="02000603000000000000" pitchFamily="2" charset="0"/>
-                  <a:cs typeface="CMU Serif Upright Italic" panose="02000603000000000000" pitchFamily="2" charset="0"/>
-                </a:rPr>
-                <a:t>X</a:t>
-              </a:r>
-              <a:r>
-                <a:rPr lang="en-SG" sz="1200" baseline="-25000">
-                  <a:latin typeface="LM Roman 10" panose="00000500000000000000" pitchFamily="50" charset="0"/>
-                  <a:ea typeface="CMU Serif Upright Italic" panose="02000603000000000000" pitchFamily="2" charset="0"/>
-                  <a:cs typeface="CMU Serif Upright Italic" panose="02000603000000000000" pitchFamily="2" charset="0"/>
-                </a:rPr>
-                <a:t>3,1</a:t>
-              </a:r>
-            </a:p>
-          </p:txBody>
-        </p:sp>
-        <p:pic>
-          <p:nvPicPr>
-            <p:cNvPr id="1168" name="Picture 1167">
-              <a:extLst>
-                <a:ext uri="{FF2B5EF4-FFF2-40B4-BE49-F238E27FC236}">
-                  <a16:creationId xmlns:a16="http://schemas.microsoft.com/office/drawing/2014/main" id="{73B7E875-7E2C-D48A-0527-433B069D6BCF}"/>
-                </a:ext>
-              </a:extLst>
-            </p:cNvPr>
-            <p:cNvPicPr>
-              <a:picLocks noChangeAspect="1"/>
-            </p:cNvPicPr>
-            <p:nvPr/>
-          </p:nvPicPr>
-          <p:blipFill rotWithShape="1">
-            <a:blip r:embed="rId2"/>
-            <a:srcRect l="2506" t="23560" r="86692" b="20347"/>
-            <a:stretch/>
-          </p:blipFill>
-          <p:spPr>
-            <a:xfrm>
-              <a:off x="2720224" y="4921614"/>
-              <a:ext cx="294833" cy="123033"/>
-            </a:xfrm>
-            <a:prstGeom prst="rect">
-              <a:avLst/>
-            </a:prstGeom>
-          </p:spPr>
-        </p:pic>
-      </p:grpSp>
+          <a:prstGeom prst="rect">
+            <a:avLst/>
+          </a:prstGeom>
+          <a:noFill/>
+        </p:spPr>
+        <p:txBody>
+          <a:bodyPr wrap="none" rtlCol="0">
+            <a:spAutoFit/>
+          </a:bodyPr>
+          <a:lstStyle/>
+          <a:p>
+            <a:r>
+              <a:rPr lang="en-SG" sz="1200">
+                <a:latin typeface="LM Roman 10" panose="00000500000000000000" pitchFamily="50" charset="0"/>
+                <a:ea typeface="CMU Serif Upright Italic" panose="02000603000000000000" pitchFamily="2" charset="0"/>
+                <a:cs typeface="CMU Serif Upright Italic" panose="02000603000000000000" pitchFamily="2" charset="0"/>
+              </a:rPr>
+              <a:t>1</a:t>
+            </a:r>
+            <a:r>
+              <a:rPr lang="en-SG" sz="1200" baseline="-25000">
+                <a:latin typeface="LM Roman 10" panose="00000500000000000000" pitchFamily="50" charset="0"/>
+                <a:ea typeface="CMU Serif Upright Italic" panose="02000603000000000000" pitchFamily="2" charset="0"/>
+                <a:cs typeface="CMU Serif Upright Italic" panose="02000603000000000000" pitchFamily="2" charset="0"/>
+              </a:rPr>
+              <a:t> </a:t>
+            </a:r>
+          </a:p>
+          <a:p>
+            <a:r>
+              <a:rPr lang="en-SG" sz="1200">
+                <a:latin typeface="LM Roman 10" panose="00000500000000000000" pitchFamily="50" charset="0"/>
+                <a:ea typeface="CMU Serif Upright Italic" panose="02000603000000000000" pitchFamily="2" charset="0"/>
+                <a:cs typeface="CMU Serif Upright Italic" panose="02000603000000000000" pitchFamily="2" charset="0"/>
+              </a:rPr>
+              <a:t>≅ </a:t>
+            </a:r>
+            <a:r>
+              <a:rPr lang="en-SG" sz="1200" i="1">
+                <a:latin typeface="LM Roman 10" panose="00000500000000000000" pitchFamily="50" charset="0"/>
+                <a:ea typeface="CMU Serif Upright Italic" panose="02000603000000000000" pitchFamily="2" charset="0"/>
+                <a:cs typeface="CMU Serif Upright Italic" panose="02000603000000000000" pitchFamily="2" charset="0"/>
+              </a:rPr>
+              <a:t>X</a:t>
+            </a:r>
+            <a:r>
+              <a:rPr lang="en-SG" sz="1200" baseline="-25000">
+                <a:latin typeface="LM Roman 10" panose="00000500000000000000" pitchFamily="50" charset="0"/>
+                <a:ea typeface="CMU Serif Upright Italic" panose="02000603000000000000" pitchFamily="2" charset="0"/>
+                <a:cs typeface="CMU Serif Upright Italic" panose="02000603000000000000" pitchFamily="2" charset="0"/>
+              </a:rPr>
+              <a:t>3,1</a:t>
+            </a:r>
+          </a:p>
+        </p:txBody>
+      </p:sp>
       <p:cxnSp>
         <p:nvCxnSpPr>
           <p:cNvPr id="1169" name="Straight Connector 1168">
@@ -41889,35 +41785,6 @@
           </a:p>
         </p:txBody>
       </p:sp>
-      <p:pic>
-        <p:nvPicPr>
-          <p:cNvPr id="1175" name="Picture 1174">
-            <a:extLst>
-              <a:ext uri="{FF2B5EF4-FFF2-40B4-BE49-F238E27FC236}">
-                <a16:creationId xmlns:a16="http://schemas.microsoft.com/office/drawing/2014/main" id="{4AC9F139-06C4-6964-F022-A9272426F3FA}"/>
-              </a:ext>
-            </a:extLst>
-          </p:cNvPr>
-          <p:cNvPicPr>
-            <a:picLocks noChangeAspect="1"/>
-          </p:cNvPicPr>
-          <p:nvPr/>
-        </p:nvPicPr>
-        <p:blipFill rotWithShape="1">
-          <a:blip r:embed="rId2"/>
-          <a:srcRect l="2506" t="23560" r="86692" b="20347"/>
-          <a:stretch/>
-        </p:blipFill>
-        <p:spPr>
-          <a:xfrm>
-            <a:off x="2702787" y="3371627"/>
-            <a:ext cx="294833" cy="123033"/>
-          </a:xfrm>
-          <a:prstGeom prst="rect">
-            <a:avLst/>
-          </a:prstGeom>
-        </p:spPr>
-      </p:pic>
       <p:sp>
         <p:nvSpPr>
           <p:cNvPr id="1178" name="TextBox 1177">
@@ -41994,7 +41861,7 @@
                 <a:ea typeface="CMU Serif Upright Italic" panose="02000603000000000000" pitchFamily="2" charset="0"/>
                 <a:cs typeface="CMU Serif Upright Italic" panose="02000603000000000000" pitchFamily="2" charset="0"/>
               </a:rPr>
-              <a:t>= </a:t>
+              <a:t>≅ </a:t>
             </a:r>
             <a:r>
               <a:rPr lang="en-SG" sz="1200" i="1">
@@ -42168,6 +42035,60 @@
               <a:ea typeface="CMU Serif Upright Italic" panose="02000603000000000000" pitchFamily="2" charset="0"/>
               <a:cs typeface="CMU Serif Upright Italic" panose="02000603000000000000" pitchFamily="2" charset="0"/>
             </a:endParaRPr>
+          </a:p>
+        </p:txBody>
+      </p:sp>
+      <p:sp>
+        <p:nvSpPr>
+          <p:cNvPr id="1141" name="Oval 1140">
+            <a:extLst>
+              <a:ext uri="{FF2B5EF4-FFF2-40B4-BE49-F238E27FC236}">
+                <a16:creationId xmlns:a16="http://schemas.microsoft.com/office/drawing/2014/main" id="{367B4125-7431-6E6B-0A3C-B2EA97A8B2AB}"/>
+              </a:ext>
+            </a:extLst>
+          </p:cNvPr>
+          <p:cNvSpPr/>
+          <p:nvPr/>
+        </p:nvSpPr>
+        <p:spPr>
+          <a:xfrm>
+            <a:off x="537805" y="4983504"/>
+            <a:ext cx="53718" cy="54000"/>
+          </a:xfrm>
+          <a:prstGeom prst="ellipse">
+            <a:avLst/>
+          </a:prstGeom>
+          <a:solidFill>
+            <a:schemeClr val="bg1"/>
+          </a:solidFill>
+          <a:ln>
+            <a:solidFill>
+              <a:schemeClr val="tx1"/>
+            </a:solidFill>
+          </a:ln>
+        </p:spPr>
+        <p:style>
+          <a:lnRef idx="2">
+            <a:schemeClr val="accent1">
+              <a:shade val="50000"/>
+            </a:schemeClr>
+          </a:lnRef>
+          <a:fillRef idx="1">
+            <a:schemeClr val="accent1"/>
+          </a:fillRef>
+          <a:effectRef idx="0">
+            <a:schemeClr val="accent1"/>
+          </a:effectRef>
+          <a:fontRef idx="minor">
+            <a:schemeClr val="lt1"/>
+          </a:fontRef>
+        </p:style>
+        <p:txBody>
+          <a:bodyPr rtlCol="0" anchor="ctr"/>
+          <a:lstStyle/>
+          <a:p>
+            <a:pPr algn="ctr"/>
+            <a:endParaRPr lang="en-SG"/>
           </a:p>
         </p:txBody>
       </p:sp>

--- a/assets/posts/2022-12-15-homomorphism-illustrated/canvas.pptx
+++ b/assets/posts/2022-12-15-homomorphism-illustrated/canvas.pptx
@@ -231,7 +231,7 @@
           <a:p>
             <a:fld id="{15F118F1-182E-490B-9E94-83767F72AB09}" type="datetimeFigureOut">
               <a:rPr lang="en-SG" smtClean="0"/>
-              <a:t>22/12/2022</a:t>
+              <a:t>18/1/2023</a:t>
             </a:fld>
             <a:endParaRPr lang="en-SG"/>
           </a:p>
@@ -401,7 +401,7 @@
           <a:p>
             <a:fld id="{15F118F1-182E-490B-9E94-83767F72AB09}" type="datetimeFigureOut">
               <a:rPr lang="en-SG" smtClean="0"/>
-              <a:t>22/12/2022</a:t>
+              <a:t>18/1/2023</a:t>
             </a:fld>
             <a:endParaRPr lang="en-SG"/>
           </a:p>
@@ -657,7 +657,7 @@
           <a:p>
             <a:fld id="{15F118F1-182E-490B-9E94-83767F72AB09}" type="datetimeFigureOut">
               <a:rPr lang="en-SG" smtClean="0"/>
-              <a:t>22/12/2022</a:t>
+              <a:t>18/1/2023</a:t>
             </a:fld>
             <a:endParaRPr lang="en-SG"/>
           </a:p>
@@ -827,7 +827,7 @@
           <a:p>
             <a:fld id="{15F118F1-182E-490B-9E94-83767F72AB09}" type="datetimeFigureOut">
               <a:rPr lang="en-SG" smtClean="0"/>
-              <a:t>22/12/2022</a:t>
+              <a:t>18/1/2023</a:t>
             </a:fld>
             <a:endParaRPr lang="en-SG"/>
           </a:p>
@@ -1170,7 +1170,7 @@
           <a:p>
             <a:fld id="{15F118F1-182E-490B-9E94-83767F72AB09}" type="datetimeFigureOut">
               <a:rPr lang="en-SG" smtClean="0"/>
-              <a:t>22/12/2022</a:t>
+              <a:t>18/1/2023</a:t>
             </a:fld>
             <a:endParaRPr lang="en-SG"/>
           </a:p>
@@ -1445,7 +1445,7 @@
           <a:p>
             <a:fld id="{15F118F1-182E-490B-9E94-83767F72AB09}" type="datetimeFigureOut">
               <a:rPr lang="en-SG" smtClean="0"/>
-              <a:t>22/12/2022</a:t>
+              <a:t>18/1/2023</a:t>
             </a:fld>
             <a:endParaRPr lang="en-SG"/>
           </a:p>
@@ -1824,7 +1824,7 @@
           <a:p>
             <a:fld id="{15F118F1-182E-490B-9E94-83767F72AB09}" type="datetimeFigureOut">
               <a:rPr lang="en-SG" smtClean="0"/>
-              <a:t>22/12/2022</a:t>
+              <a:t>18/1/2023</a:t>
             </a:fld>
             <a:endParaRPr lang="en-SG"/>
           </a:p>
@@ -1942,7 +1942,7 @@
           <a:p>
             <a:fld id="{15F118F1-182E-490B-9E94-83767F72AB09}" type="datetimeFigureOut">
               <a:rPr lang="en-SG" smtClean="0"/>
-              <a:t>22/12/2022</a:t>
+              <a:t>18/1/2023</a:t>
             </a:fld>
             <a:endParaRPr lang="en-SG"/>
           </a:p>
@@ -2113,7 +2113,7 @@
           <a:p>
             <a:fld id="{15F118F1-182E-490B-9E94-83767F72AB09}" type="datetimeFigureOut">
               <a:rPr lang="en-SG" smtClean="0"/>
-              <a:t>22/12/2022</a:t>
+              <a:t>18/1/2023</a:t>
             </a:fld>
             <a:endParaRPr lang="en-SG"/>
           </a:p>
@@ -2467,7 +2467,7 @@
           <a:p>
             <a:fld id="{15F118F1-182E-490B-9E94-83767F72AB09}" type="datetimeFigureOut">
               <a:rPr lang="en-SG" smtClean="0"/>
-              <a:t>22/12/2022</a:t>
+              <a:t>18/1/2023</a:t>
             </a:fld>
             <a:endParaRPr lang="en-SG"/>
           </a:p>
@@ -2844,7 +2844,7 @@
           <a:p>
             <a:fld id="{15F118F1-182E-490B-9E94-83767F72AB09}" type="datetimeFigureOut">
               <a:rPr lang="en-SG" smtClean="0"/>
-              <a:t>22/12/2022</a:t>
+              <a:t>18/1/2023</a:t>
             </a:fld>
             <a:endParaRPr lang="en-SG"/>
           </a:p>
@@ -3131,7 +3131,7 @@
           <a:p>
             <a:fld id="{15F118F1-182E-490B-9E94-83767F72AB09}" type="datetimeFigureOut">
               <a:rPr lang="en-SG" smtClean="0"/>
-              <a:t>22/12/2022</a:t>
+              <a:t>18/1/2023</a:t>
             </a:fld>
             <a:endParaRPr lang="en-SG"/>
           </a:p>
@@ -7811,6 +7811,2132 @@
           </p:spPr>
         </p:pic>
       </p:grpSp>
+      <p:grpSp>
+        <p:nvGrpSpPr>
+          <p:cNvPr id="1275" name="Group 1274">
+            <a:extLst>
+              <a:ext uri="{FF2B5EF4-FFF2-40B4-BE49-F238E27FC236}">
+                <a16:creationId xmlns:a16="http://schemas.microsoft.com/office/drawing/2014/main" id="{63D6B495-CB9B-4F6F-C5CD-DC951F7436B8}"/>
+              </a:ext>
+            </a:extLst>
+          </p:cNvPr>
+          <p:cNvGrpSpPr/>
+          <p:nvPr/>
+        </p:nvGrpSpPr>
+        <p:grpSpPr>
+          <a:xfrm>
+            <a:off x="5886058" y="2861143"/>
+            <a:ext cx="6074105" cy="3226078"/>
+            <a:chOff x="5779509" y="2695779"/>
+            <a:chExt cx="6074105" cy="3226078"/>
+          </a:xfrm>
+        </p:grpSpPr>
+        <p:sp>
+          <p:nvSpPr>
+            <p:cNvPr id="31" name="Oval 30">
+              <a:extLst>
+                <a:ext uri="{FF2B5EF4-FFF2-40B4-BE49-F238E27FC236}">
+                  <a16:creationId xmlns:a16="http://schemas.microsoft.com/office/drawing/2014/main" id="{F974EA18-36FA-23F9-2314-5DC4C74D7491}"/>
+                </a:ext>
+              </a:extLst>
+            </p:cNvPr>
+            <p:cNvSpPr>
+              <a:spLocks noChangeAspect="1"/>
+            </p:cNvSpPr>
+            <p:nvPr/>
+          </p:nvSpPr>
+          <p:spPr>
+            <a:xfrm>
+              <a:off x="6214022" y="4387943"/>
+              <a:ext cx="1533327" cy="1533914"/>
+            </a:xfrm>
+            <a:prstGeom prst="ellipse">
+              <a:avLst/>
+            </a:prstGeom>
+            <a:noFill/>
+            <a:ln>
+              <a:solidFill>
+                <a:schemeClr val="bg1">
+                  <a:lumMod val="65000"/>
+                </a:schemeClr>
+              </a:solidFill>
+              <a:prstDash val="dash"/>
+            </a:ln>
+          </p:spPr>
+          <p:style>
+            <a:lnRef idx="2">
+              <a:schemeClr val="accent1">
+                <a:shade val="50000"/>
+              </a:schemeClr>
+            </a:lnRef>
+            <a:fillRef idx="1">
+              <a:schemeClr val="accent1"/>
+            </a:fillRef>
+            <a:effectRef idx="0">
+              <a:schemeClr val="accent1"/>
+            </a:effectRef>
+            <a:fontRef idx="minor">
+              <a:schemeClr val="lt1"/>
+            </a:fontRef>
+          </p:style>
+          <p:txBody>
+            <a:bodyPr rtlCol="0" anchor="ctr"/>
+            <a:lstStyle/>
+            <a:p>
+              <a:pPr algn="ctr"/>
+              <a:endParaRPr lang="en-SG"/>
+            </a:p>
+          </p:txBody>
+        </p:sp>
+        <p:sp>
+          <p:nvSpPr>
+            <p:cNvPr id="28" name="Oval 27">
+              <a:extLst>
+                <a:ext uri="{FF2B5EF4-FFF2-40B4-BE49-F238E27FC236}">
+                  <a16:creationId xmlns:a16="http://schemas.microsoft.com/office/drawing/2014/main" id="{FBF375B8-4522-73C5-972F-D55803DB9DF2}"/>
+                </a:ext>
+              </a:extLst>
+            </p:cNvPr>
+            <p:cNvSpPr>
+              <a:spLocks noChangeAspect="1"/>
+            </p:cNvSpPr>
+            <p:nvPr/>
+          </p:nvSpPr>
+          <p:spPr>
+            <a:xfrm>
+              <a:off x="6214022" y="2695779"/>
+              <a:ext cx="1533327" cy="1533914"/>
+            </a:xfrm>
+            <a:prstGeom prst="ellipse">
+              <a:avLst/>
+            </a:prstGeom>
+            <a:noFill/>
+            <a:ln>
+              <a:solidFill>
+                <a:schemeClr val="bg1">
+                  <a:lumMod val="65000"/>
+                </a:schemeClr>
+              </a:solidFill>
+              <a:prstDash val="dash"/>
+            </a:ln>
+          </p:spPr>
+          <p:style>
+            <a:lnRef idx="2">
+              <a:schemeClr val="accent1">
+                <a:shade val="50000"/>
+              </a:schemeClr>
+            </a:lnRef>
+            <a:fillRef idx="1">
+              <a:schemeClr val="accent1"/>
+            </a:fillRef>
+            <a:effectRef idx="0">
+              <a:schemeClr val="accent1"/>
+            </a:effectRef>
+            <a:fontRef idx="minor">
+              <a:schemeClr val="lt1"/>
+            </a:fontRef>
+          </p:style>
+          <p:txBody>
+            <a:bodyPr rtlCol="0" anchor="ctr"/>
+            <a:lstStyle/>
+            <a:p>
+              <a:pPr algn="ctr"/>
+              <a:endParaRPr lang="en-SG"/>
+            </a:p>
+          </p:txBody>
+        </p:sp>
+        <p:sp>
+          <p:nvSpPr>
+            <p:cNvPr id="5" name="TextBox 4">
+              <a:extLst>
+                <a:ext uri="{FF2B5EF4-FFF2-40B4-BE49-F238E27FC236}">
+                  <a16:creationId xmlns:a16="http://schemas.microsoft.com/office/drawing/2014/main" id="{B55E0EE9-4F21-418B-2F61-18A58DE3289B}"/>
+                </a:ext>
+              </a:extLst>
+            </p:cNvPr>
+            <p:cNvSpPr txBox="1"/>
+            <p:nvPr/>
+          </p:nvSpPr>
+          <p:spPr>
+            <a:xfrm>
+              <a:off x="6676756" y="2791934"/>
+              <a:ext cx="607859" cy="338554"/>
+            </a:xfrm>
+            <a:prstGeom prst="rect">
+              <a:avLst/>
+            </a:prstGeom>
+            <a:noFill/>
+          </p:spPr>
+          <p:txBody>
+            <a:bodyPr wrap="none" rtlCol="0">
+              <a:spAutoFit/>
+            </a:bodyPr>
+            <a:lstStyle/>
+            <a:p>
+              <a:r>
+                <a:rPr lang="en-SG" sz="1600">
+                  <a:latin typeface="LM Roman 10" panose="00000500000000000000" pitchFamily="50" charset="0"/>
+                  <a:ea typeface="CMU Serif Upright Italic" panose="02000603000000000000" pitchFamily="2" charset="0"/>
+                  <a:cs typeface="CMU Serif Upright Italic" panose="02000603000000000000" pitchFamily="2" charset="0"/>
+                </a:rPr>
+                <a:t>(0,0)</a:t>
+              </a:r>
+            </a:p>
+          </p:txBody>
+        </p:sp>
+        <p:sp>
+          <p:nvSpPr>
+            <p:cNvPr id="6" name="TextBox 5">
+              <a:extLst>
+                <a:ext uri="{FF2B5EF4-FFF2-40B4-BE49-F238E27FC236}">
+                  <a16:creationId xmlns:a16="http://schemas.microsoft.com/office/drawing/2014/main" id="{63160DB1-71A5-0BE6-127C-C99831D73E6E}"/>
+                </a:ext>
+              </a:extLst>
+            </p:cNvPr>
+            <p:cNvSpPr txBox="1"/>
+            <p:nvPr/>
+          </p:nvSpPr>
+          <p:spPr>
+            <a:xfrm>
+              <a:off x="7131458" y="3497407"/>
+              <a:ext cx="607859" cy="338554"/>
+            </a:xfrm>
+            <a:prstGeom prst="rect">
+              <a:avLst/>
+            </a:prstGeom>
+            <a:noFill/>
+          </p:spPr>
+          <p:txBody>
+            <a:bodyPr wrap="none" rtlCol="0">
+              <a:spAutoFit/>
+            </a:bodyPr>
+            <a:lstStyle/>
+            <a:p>
+              <a:r>
+                <a:rPr lang="en-SG" sz="1600">
+                  <a:latin typeface="LM Roman 10" panose="00000500000000000000" pitchFamily="50" charset="0"/>
+                  <a:ea typeface="CMU Serif Upright Italic" panose="02000603000000000000" pitchFamily="2" charset="0"/>
+                  <a:cs typeface="CMU Serif Upright Italic" panose="02000603000000000000" pitchFamily="2" charset="0"/>
+                </a:rPr>
+                <a:t>(0,1)</a:t>
+              </a:r>
+            </a:p>
+          </p:txBody>
+        </p:sp>
+        <p:sp>
+          <p:nvSpPr>
+            <p:cNvPr id="7" name="TextBox 6">
+              <a:extLst>
+                <a:ext uri="{FF2B5EF4-FFF2-40B4-BE49-F238E27FC236}">
+                  <a16:creationId xmlns:a16="http://schemas.microsoft.com/office/drawing/2014/main" id="{3247DAE5-A98A-40E7-694D-4353B48B5D19}"/>
+                </a:ext>
+              </a:extLst>
+            </p:cNvPr>
+            <p:cNvSpPr txBox="1"/>
+            <p:nvPr/>
+          </p:nvSpPr>
+          <p:spPr>
+            <a:xfrm>
+              <a:off x="6253030" y="3497407"/>
+              <a:ext cx="607859" cy="338554"/>
+            </a:xfrm>
+            <a:prstGeom prst="rect">
+              <a:avLst/>
+            </a:prstGeom>
+            <a:noFill/>
+          </p:spPr>
+          <p:txBody>
+            <a:bodyPr wrap="none" rtlCol="0">
+              <a:spAutoFit/>
+            </a:bodyPr>
+            <a:lstStyle/>
+            <a:p>
+              <a:r>
+                <a:rPr lang="en-SG" sz="1600">
+                  <a:latin typeface="LM Roman 10" panose="00000500000000000000" pitchFamily="50" charset="0"/>
+                  <a:ea typeface="CMU Serif Upright Italic" panose="02000603000000000000" pitchFamily="2" charset="0"/>
+                  <a:cs typeface="CMU Serif Upright Italic" panose="02000603000000000000" pitchFamily="2" charset="0"/>
+                </a:rPr>
+                <a:t>(0,2)</a:t>
+              </a:r>
+            </a:p>
+          </p:txBody>
+        </p:sp>
+        <p:sp>
+          <p:nvSpPr>
+            <p:cNvPr id="12" name="Oval 11">
+              <a:extLst>
+                <a:ext uri="{FF2B5EF4-FFF2-40B4-BE49-F238E27FC236}">
+                  <a16:creationId xmlns:a16="http://schemas.microsoft.com/office/drawing/2014/main" id="{E3246238-3C18-A9C8-63B0-F67DFA07D8F4}"/>
+                </a:ext>
+              </a:extLst>
+            </p:cNvPr>
+            <p:cNvSpPr>
+              <a:spLocks noChangeAspect="1"/>
+            </p:cNvSpPr>
+            <p:nvPr/>
+          </p:nvSpPr>
+          <p:spPr>
+            <a:xfrm rot="900000">
+              <a:off x="7137923" y="3056957"/>
+              <a:ext cx="449081" cy="448380"/>
+            </a:xfrm>
+            <a:custGeom>
+              <a:avLst/>
+              <a:gdLst>
+                <a:gd name="connsiteX0" fmla="*/ 0 w 643171"/>
+                <a:gd name="connsiteY0" fmla="*/ 321084 h 642168"/>
+                <a:gd name="connsiteX1" fmla="*/ 321586 w 643171"/>
+                <a:gd name="connsiteY1" fmla="*/ 0 h 642168"/>
+                <a:gd name="connsiteX2" fmla="*/ 643172 w 643171"/>
+                <a:gd name="connsiteY2" fmla="*/ 321084 h 642168"/>
+                <a:gd name="connsiteX3" fmla="*/ 321586 w 643171"/>
+                <a:gd name="connsiteY3" fmla="*/ 642168 h 642168"/>
+                <a:gd name="connsiteX4" fmla="*/ 0 w 643171"/>
+                <a:gd name="connsiteY4" fmla="*/ 321084 h 642168"/>
+                <a:gd name="connsiteX0" fmla="*/ 0 w 643172"/>
+                <a:gd name="connsiteY0" fmla="*/ 321084 h 642168"/>
+                <a:gd name="connsiteX1" fmla="*/ 321586 w 643172"/>
+                <a:gd name="connsiteY1" fmla="*/ 0 h 642168"/>
+                <a:gd name="connsiteX2" fmla="*/ 643172 w 643172"/>
+                <a:gd name="connsiteY2" fmla="*/ 321084 h 642168"/>
+                <a:gd name="connsiteX3" fmla="*/ 321586 w 643172"/>
+                <a:gd name="connsiteY3" fmla="*/ 642168 h 642168"/>
+                <a:gd name="connsiteX4" fmla="*/ 91440 w 643172"/>
+                <a:gd name="connsiteY4" fmla="*/ 412524 h 642168"/>
+                <a:gd name="connsiteX0" fmla="*/ 258485 w 580071"/>
+                <a:gd name="connsiteY0" fmla="*/ 0 h 642168"/>
+                <a:gd name="connsiteX1" fmla="*/ 580071 w 580071"/>
+                <a:gd name="connsiteY1" fmla="*/ 321084 h 642168"/>
+                <a:gd name="connsiteX2" fmla="*/ 258485 w 580071"/>
+                <a:gd name="connsiteY2" fmla="*/ 642168 h 642168"/>
+                <a:gd name="connsiteX3" fmla="*/ 28339 w 580071"/>
+                <a:gd name="connsiteY3" fmla="*/ 412524 h 642168"/>
+                <a:gd name="connsiteX0" fmla="*/ 0 w 321586"/>
+                <a:gd name="connsiteY0" fmla="*/ 0 h 642168"/>
+                <a:gd name="connsiteX1" fmla="*/ 321586 w 321586"/>
+                <a:gd name="connsiteY1" fmla="*/ 321084 h 642168"/>
+                <a:gd name="connsiteX2" fmla="*/ 0 w 321586"/>
+                <a:gd name="connsiteY2" fmla="*/ 642168 h 642168"/>
+                <a:gd name="connsiteX0" fmla="*/ 0 w 321586"/>
+                <a:gd name="connsiteY0" fmla="*/ 0 h 321084"/>
+                <a:gd name="connsiteX1" fmla="*/ 321586 w 321586"/>
+                <a:gd name="connsiteY1" fmla="*/ 321084 h 321084"/>
+              </a:gdLst>
+              <a:ahLst/>
+              <a:cxnLst>
+                <a:cxn ang="0">
+                  <a:pos x="connsiteX0" y="connsiteY0"/>
+                </a:cxn>
+                <a:cxn ang="0">
+                  <a:pos x="connsiteX1" y="connsiteY1"/>
+                </a:cxn>
+              </a:cxnLst>
+              <a:rect l="l" t="t" r="r" b="b"/>
+              <a:pathLst>
+                <a:path w="321586" h="321084">
+                  <a:moveTo>
+                    <a:pt x="0" y="0"/>
+                  </a:moveTo>
+                  <a:cubicBezTo>
+                    <a:pt x="177607" y="0"/>
+                    <a:pt x="321586" y="143754"/>
+                    <a:pt x="321586" y="321084"/>
+                  </a:cubicBezTo>
+                </a:path>
+              </a:pathLst>
+            </a:custGeom>
+            <a:noFill/>
+            <a:ln>
+              <a:solidFill>
+                <a:schemeClr val="accent6">
+                  <a:lumMod val="75000"/>
+                </a:schemeClr>
+              </a:solidFill>
+              <a:tailEnd type="triangle"/>
+            </a:ln>
+          </p:spPr>
+          <p:style>
+            <a:lnRef idx="2">
+              <a:schemeClr val="accent1">
+                <a:shade val="50000"/>
+              </a:schemeClr>
+            </a:lnRef>
+            <a:fillRef idx="1">
+              <a:schemeClr val="accent1"/>
+            </a:fillRef>
+            <a:effectRef idx="0">
+              <a:schemeClr val="accent1"/>
+            </a:effectRef>
+            <a:fontRef idx="minor">
+              <a:schemeClr val="lt1"/>
+            </a:fontRef>
+          </p:style>
+          <p:txBody>
+            <a:bodyPr rtlCol="0" anchor="ctr"/>
+            <a:lstStyle/>
+            <a:p>
+              <a:pPr algn="ctr"/>
+              <a:endParaRPr lang="en-SG"/>
+            </a:p>
+          </p:txBody>
+        </p:sp>
+        <p:sp>
+          <p:nvSpPr>
+            <p:cNvPr id="15" name="Oval 11">
+              <a:extLst>
+                <a:ext uri="{FF2B5EF4-FFF2-40B4-BE49-F238E27FC236}">
+                  <a16:creationId xmlns:a16="http://schemas.microsoft.com/office/drawing/2014/main" id="{3B12CAE9-4D3E-9735-ADEF-9BD68B756373}"/>
+                </a:ext>
+              </a:extLst>
+            </p:cNvPr>
+            <p:cNvSpPr>
+              <a:spLocks noChangeAspect="1"/>
+            </p:cNvSpPr>
+            <p:nvPr/>
+          </p:nvSpPr>
+          <p:spPr>
+            <a:xfrm rot="8100000">
+              <a:off x="6761909" y="3615577"/>
+              <a:ext cx="449081" cy="448380"/>
+            </a:xfrm>
+            <a:custGeom>
+              <a:avLst/>
+              <a:gdLst>
+                <a:gd name="connsiteX0" fmla="*/ 0 w 643171"/>
+                <a:gd name="connsiteY0" fmla="*/ 321084 h 642168"/>
+                <a:gd name="connsiteX1" fmla="*/ 321586 w 643171"/>
+                <a:gd name="connsiteY1" fmla="*/ 0 h 642168"/>
+                <a:gd name="connsiteX2" fmla="*/ 643172 w 643171"/>
+                <a:gd name="connsiteY2" fmla="*/ 321084 h 642168"/>
+                <a:gd name="connsiteX3" fmla="*/ 321586 w 643171"/>
+                <a:gd name="connsiteY3" fmla="*/ 642168 h 642168"/>
+                <a:gd name="connsiteX4" fmla="*/ 0 w 643171"/>
+                <a:gd name="connsiteY4" fmla="*/ 321084 h 642168"/>
+                <a:gd name="connsiteX0" fmla="*/ 0 w 643172"/>
+                <a:gd name="connsiteY0" fmla="*/ 321084 h 642168"/>
+                <a:gd name="connsiteX1" fmla="*/ 321586 w 643172"/>
+                <a:gd name="connsiteY1" fmla="*/ 0 h 642168"/>
+                <a:gd name="connsiteX2" fmla="*/ 643172 w 643172"/>
+                <a:gd name="connsiteY2" fmla="*/ 321084 h 642168"/>
+                <a:gd name="connsiteX3" fmla="*/ 321586 w 643172"/>
+                <a:gd name="connsiteY3" fmla="*/ 642168 h 642168"/>
+                <a:gd name="connsiteX4" fmla="*/ 91440 w 643172"/>
+                <a:gd name="connsiteY4" fmla="*/ 412524 h 642168"/>
+                <a:gd name="connsiteX0" fmla="*/ 258485 w 580071"/>
+                <a:gd name="connsiteY0" fmla="*/ 0 h 642168"/>
+                <a:gd name="connsiteX1" fmla="*/ 580071 w 580071"/>
+                <a:gd name="connsiteY1" fmla="*/ 321084 h 642168"/>
+                <a:gd name="connsiteX2" fmla="*/ 258485 w 580071"/>
+                <a:gd name="connsiteY2" fmla="*/ 642168 h 642168"/>
+                <a:gd name="connsiteX3" fmla="*/ 28339 w 580071"/>
+                <a:gd name="connsiteY3" fmla="*/ 412524 h 642168"/>
+                <a:gd name="connsiteX0" fmla="*/ 0 w 321586"/>
+                <a:gd name="connsiteY0" fmla="*/ 0 h 642168"/>
+                <a:gd name="connsiteX1" fmla="*/ 321586 w 321586"/>
+                <a:gd name="connsiteY1" fmla="*/ 321084 h 642168"/>
+                <a:gd name="connsiteX2" fmla="*/ 0 w 321586"/>
+                <a:gd name="connsiteY2" fmla="*/ 642168 h 642168"/>
+                <a:gd name="connsiteX0" fmla="*/ 0 w 321586"/>
+                <a:gd name="connsiteY0" fmla="*/ 0 h 321084"/>
+                <a:gd name="connsiteX1" fmla="*/ 321586 w 321586"/>
+                <a:gd name="connsiteY1" fmla="*/ 321084 h 321084"/>
+              </a:gdLst>
+              <a:ahLst/>
+              <a:cxnLst>
+                <a:cxn ang="0">
+                  <a:pos x="connsiteX0" y="connsiteY0"/>
+                </a:cxn>
+                <a:cxn ang="0">
+                  <a:pos x="connsiteX1" y="connsiteY1"/>
+                </a:cxn>
+              </a:cxnLst>
+              <a:rect l="l" t="t" r="r" b="b"/>
+              <a:pathLst>
+                <a:path w="321586" h="321084">
+                  <a:moveTo>
+                    <a:pt x="0" y="0"/>
+                  </a:moveTo>
+                  <a:cubicBezTo>
+                    <a:pt x="177607" y="0"/>
+                    <a:pt x="321586" y="143754"/>
+                    <a:pt x="321586" y="321084"/>
+                  </a:cubicBezTo>
+                </a:path>
+              </a:pathLst>
+            </a:custGeom>
+            <a:noFill/>
+            <a:ln>
+              <a:solidFill>
+                <a:schemeClr val="accent6">
+                  <a:lumMod val="75000"/>
+                </a:schemeClr>
+              </a:solidFill>
+              <a:tailEnd type="triangle"/>
+            </a:ln>
+          </p:spPr>
+          <p:style>
+            <a:lnRef idx="2">
+              <a:schemeClr val="accent1">
+                <a:shade val="50000"/>
+              </a:schemeClr>
+            </a:lnRef>
+            <a:fillRef idx="1">
+              <a:schemeClr val="accent1"/>
+            </a:fillRef>
+            <a:effectRef idx="0">
+              <a:schemeClr val="accent1"/>
+            </a:effectRef>
+            <a:fontRef idx="minor">
+              <a:schemeClr val="lt1"/>
+            </a:fontRef>
+          </p:style>
+          <p:txBody>
+            <a:bodyPr rtlCol="0" anchor="ctr"/>
+            <a:lstStyle/>
+            <a:p>
+              <a:pPr algn="ctr"/>
+              <a:endParaRPr lang="en-SG"/>
+            </a:p>
+          </p:txBody>
+        </p:sp>
+        <p:sp>
+          <p:nvSpPr>
+            <p:cNvPr id="16" name="Oval 11">
+              <a:extLst>
+                <a:ext uri="{FF2B5EF4-FFF2-40B4-BE49-F238E27FC236}">
+                  <a16:creationId xmlns:a16="http://schemas.microsoft.com/office/drawing/2014/main" id="{E1DEA1A6-DB94-EEBF-BC65-A54216F39549}"/>
+                </a:ext>
+              </a:extLst>
+            </p:cNvPr>
+            <p:cNvSpPr>
+              <a:spLocks noChangeAspect="1"/>
+            </p:cNvSpPr>
+            <p:nvPr/>
+          </p:nvSpPr>
+          <p:spPr>
+            <a:xfrm rot="15300000">
+              <a:off x="6381019" y="3068832"/>
+              <a:ext cx="449081" cy="448380"/>
+            </a:xfrm>
+            <a:custGeom>
+              <a:avLst/>
+              <a:gdLst>
+                <a:gd name="connsiteX0" fmla="*/ 0 w 643171"/>
+                <a:gd name="connsiteY0" fmla="*/ 321084 h 642168"/>
+                <a:gd name="connsiteX1" fmla="*/ 321586 w 643171"/>
+                <a:gd name="connsiteY1" fmla="*/ 0 h 642168"/>
+                <a:gd name="connsiteX2" fmla="*/ 643172 w 643171"/>
+                <a:gd name="connsiteY2" fmla="*/ 321084 h 642168"/>
+                <a:gd name="connsiteX3" fmla="*/ 321586 w 643171"/>
+                <a:gd name="connsiteY3" fmla="*/ 642168 h 642168"/>
+                <a:gd name="connsiteX4" fmla="*/ 0 w 643171"/>
+                <a:gd name="connsiteY4" fmla="*/ 321084 h 642168"/>
+                <a:gd name="connsiteX0" fmla="*/ 0 w 643172"/>
+                <a:gd name="connsiteY0" fmla="*/ 321084 h 642168"/>
+                <a:gd name="connsiteX1" fmla="*/ 321586 w 643172"/>
+                <a:gd name="connsiteY1" fmla="*/ 0 h 642168"/>
+                <a:gd name="connsiteX2" fmla="*/ 643172 w 643172"/>
+                <a:gd name="connsiteY2" fmla="*/ 321084 h 642168"/>
+                <a:gd name="connsiteX3" fmla="*/ 321586 w 643172"/>
+                <a:gd name="connsiteY3" fmla="*/ 642168 h 642168"/>
+                <a:gd name="connsiteX4" fmla="*/ 91440 w 643172"/>
+                <a:gd name="connsiteY4" fmla="*/ 412524 h 642168"/>
+                <a:gd name="connsiteX0" fmla="*/ 258485 w 580071"/>
+                <a:gd name="connsiteY0" fmla="*/ 0 h 642168"/>
+                <a:gd name="connsiteX1" fmla="*/ 580071 w 580071"/>
+                <a:gd name="connsiteY1" fmla="*/ 321084 h 642168"/>
+                <a:gd name="connsiteX2" fmla="*/ 258485 w 580071"/>
+                <a:gd name="connsiteY2" fmla="*/ 642168 h 642168"/>
+                <a:gd name="connsiteX3" fmla="*/ 28339 w 580071"/>
+                <a:gd name="connsiteY3" fmla="*/ 412524 h 642168"/>
+                <a:gd name="connsiteX0" fmla="*/ 0 w 321586"/>
+                <a:gd name="connsiteY0" fmla="*/ 0 h 642168"/>
+                <a:gd name="connsiteX1" fmla="*/ 321586 w 321586"/>
+                <a:gd name="connsiteY1" fmla="*/ 321084 h 642168"/>
+                <a:gd name="connsiteX2" fmla="*/ 0 w 321586"/>
+                <a:gd name="connsiteY2" fmla="*/ 642168 h 642168"/>
+                <a:gd name="connsiteX0" fmla="*/ 0 w 321586"/>
+                <a:gd name="connsiteY0" fmla="*/ 0 h 321084"/>
+                <a:gd name="connsiteX1" fmla="*/ 321586 w 321586"/>
+                <a:gd name="connsiteY1" fmla="*/ 321084 h 321084"/>
+              </a:gdLst>
+              <a:ahLst/>
+              <a:cxnLst>
+                <a:cxn ang="0">
+                  <a:pos x="connsiteX0" y="connsiteY0"/>
+                </a:cxn>
+                <a:cxn ang="0">
+                  <a:pos x="connsiteX1" y="connsiteY1"/>
+                </a:cxn>
+              </a:cxnLst>
+              <a:rect l="l" t="t" r="r" b="b"/>
+              <a:pathLst>
+                <a:path w="321586" h="321084">
+                  <a:moveTo>
+                    <a:pt x="0" y="0"/>
+                  </a:moveTo>
+                  <a:cubicBezTo>
+                    <a:pt x="177607" y="0"/>
+                    <a:pt x="321586" y="143754"/>
+                    <a:pt x="321586" y="321084"/>
+                  </a:cubicBezTo>
+                </a:path>
+              </a:pathLst>
+            </a:custGeom>
+            <a:noFill/>
+            <a:ln>
+              <a:solidFill>
+                <a:schemeClr val="accent6">
+                  <a:lumMod val="75000"/>
+                </a:schemeClr>
+              </a:solidFill>
+              <a:tailEnd type="triangle"/>
+            </a:ln>
+          </p:spPr>
+          <p:style>
+            <a:lnRef idx="2">
+              <a:schemeClr val="accent1">
+                <a:shade val="50000"/>
+              </a:schemeClr>
+            </a:lnRef>
+            <a:fillRef idx="1">
+              <a:schemeClr val="accent1"/>
+            </a:fillRef>
+            <a:effectRef idx="0">
+              <a:schemeClr val="accent1"/>
+            </a:effectRef>
+            <a:fontRef idx="minor">
+              <a:schemeClr val="lt1"/>
+            </a:fontRef>
+          </p:style>
+          <p:txBody>
+            <a:bodyPr rtlCol="0" anchor="ctr"/>
+            <a:lstStyle/>
+            <a:p>
+              <a:pPr algn="ctr"/>
+              <a:endParaRPr lang="en-SG"/>
+            </a:p>
+          </p:txBody>
+        </p:sp>
+        <p:sp>
+          <p:nvSpPr>
+            <p:cNvPr id="17" name="TextBox 16">
+              <a:extLst>
+                <a:ext uri="{FF2B5EF4-FFF2-40B4-BE49-F238E27FC236}">
+                  <a16:creationId xmlns:a16="http://schemas.microsoft.com/office/drawing/2014/main" id="{46910F62-4256-2442-ABBF-876773D68DB2}"/>
+                </a:ext>
+              </a:extLst>
+            </p:cNvPr>
+            <p:cNvSpPr txBox="1"/>
+            <p:nvPr/>
+          </p:nvSpPr>
+          <p:spPr>
+            <a:xfrm>
+              <a:off x="6676756" y="4495275"/>
+              <a:ext cx="607859" cy="338554"/>
+            </a:xfrm>
+            <a:prstGeom prst="rect">
+              <a:avLst/>
+            </a:prstGeom>
+            <a:noFill/>
+          </p:spPr>
+          <p:txBody>
+            <a:bodyPr wrap="none" rtlCol="0">
+              <a:spAutoFit/>
+            </a:bodyPr>
+            <a:lstStyle/>
+            <a:p>
+              <a:r>
+                <a:rPr lang="en-SG" sz="1600">
+                  <a:latin typeface="LM Roman 10" panose="00000500000000000000" pitchFamily="50" charset="0"/>
+                  <a:ea typeface="CMU Serif Upright Italic" panose="02000603000000000000" pitchFamily="2" charset="0"/>
+                  <a:cs typeface="CMU Serif Upright Italic" panose="02000603000000000000" pitchFamily="2" charset="0"/>
+                </a:rPr>
+                <a:t>(1,0)</a:t>
+              </a:r>
+            </a:p>
+          </p:txBody>
+        </p:sp>
+        <p:sp>
+          <p:nvSpPr>
+            <p:cNvPr id="19" name="TextBox 18">
+              <a:extLst>
+                <a:ext uri="{FF2B5EF4-FFF2-40B4-BE49-F238E27FC236}">
+                  <a16:creationId xmlns:a16="http://schemas.microsoft.com/office/drawing/2014/main" id="{5C55C972-91A1-98B3-77BC-ABCD718F0A78}"/>
+                </a:ext>
+              </a:extLst>
+            </p:cNvPr>
+            <p:cNvSpPr txBox="1"/>
+            <p:nvPr/>
+          </p:nvSpPr>
+          <p:spPr>
+            <a:xfrm>
+              <a:off x="6253030" y="5200748"/>
+              <a:ext cx="607859" cy="338554"/>
+            </a:xfrm>
+            <a:prstGeom prst="rect">
+              <a:avLst/>
+            </a:prstGeom>
+            <a:noFill/>
+          </p:spPr>
+          <p:txBody>
+            <a:bodyPr wrap="none" rtlCol="0">
+              <a:spAutoFit/>
+            </a:bodyPr>
+            <a:lstStyle/>
+            <a:p>
+              <a:r>
+                <a:rPr lang="en-SG" sz="1600">
+                  <a:latin typeface="LM Roman 10" panose="00000500000000000000" pitchFamily="50" charset="0"/>
+                  <a:ea typeface="CMU Serif Upright Italic" panose="02000603000000000000" pitchFamily="2" charset="0"/>
+                  <a:cs typeface="CMU Serif Upright Italic" panose="02000603000000000000" pitchFamily="2" charset="0"/>
+                </a:rPr>
+                <a:t>(1,2)</a:t>
+              </a:r>
+            </a:p>
+          </p:txBody>
+        </p:sp>
+        <p:sp>
+          <p:nvSpPr>
+            <p:cNvPr id="20" name="Oval 11">
+              <a:extLst>
+                <a:ext uri="{FF2B5EF4-FFF2-40B4-BE49-F238E27FC236}">
+                  <a16:creationId xmlns:a16="http://schemas.microsoft.com/office/drawing/2014/main" id="{3FD9CAEA-8FE7-83DC-AECD-D6C71800F2A0}"/>
+                </a:ext>
+              </a:extLst>
+            </p:cNvPr>
+            <p:cNvSpPr>
+              <a:spLocks noChangeAspect="1"/>
+            </p:cNvSpPr>
+            <p:nvPr/>
+          </p:nvSpPr>
+          <p:spPr>
+            <a:xfrm rot="900000">
+              <a:off x="7137923" y="4760298"/>
+              <a:ext cx="449081" cy="448380"/>
+            </a:xfrm>
+            <a:custGeom>
+              <a:avLst/>
+              <a:gdLst>
+                <a:gd name="connsiteX0" fmla="*/ 0 w 643171"/>
+                <a:gd name="connsiteY0" fmla="*/ 321084 h 642168"/>
+                <a:gd name="connsiteX1" fmla="*/ 321586 w 643171"/>
+                <a:gd name="connsiteY1" fmla="*/ 0 h 642168"/>
+                <a:gd name="connsiteX2" fmla="*/ 643172 w 643171"/>
+                <a:gd name="connsiteY2" fmla="*/ 321084 h 642168"/>
+                <a:gd name="connsiteX3" fmla="*/ 321586 w 643171"/>
+                <a:gd name="connsiteY3" fmla="*/ 642168 h 642168"/>
+                <a:gd name="connsiteX4" fmla="*/ 0 w 643171"/>
+                <a:gd name="connsiteY4" fmla="*/ 321084 h 642168"/>
+                <a:gd name="connsiteX0" fmla="*/ 0 w 643172"/>
+                <a:gd name="connsiteY0" fmla="*/ 321084 h 642168"/>
+                <a:gd name="connsiteX1" fmla="*/ 321586 w 643172"/>
+                <a:gd name="connsiteY1" fmla="*/ 0 h 642168"/>
+                <a:gd name="connsiteX2" fmla="*/ 643172 w 643172"/>
+                <a:gd name="connsiteY2" fmla="*/ 321084 h 642168"/>
+                <a:gd name="connsiteX3" fmla="*/ 321586 w 643172"/>
+                <a:gd name="connsiteY3" fmla="*/ 642168 h 642168"/>
+                <a:gd name="connsiteX4" fmla="*/ 91440 w 643172"/>
+                <a:gd name="connsiteY4" fmla="*/ 412524 h 642168"/>
+                <a:gd name="connsiteX0" fmla="*/ 258485 w 580071"/>
+                <a:gd name="connsiteY0" fmla="*/ 0 h 642168"/>
+                <a:gd name="connsiteX1" fmla="*/ 580071 w 580071"/>
+                <a:gd name="connsiteY1" fmla="*/ 321084 h 642168"/>
+                <a:gd name="connsiteX2" fmla="*/ 258485 w 580071"/>
+                <a:gd name="connsiteY2" fmla="*/ 642168 h 642168"/>
+                <a:gd name="connsiteX3" fmla="*/ 28339 w 580071"/>
+                <a:gd name="connsiteY3" fmla="*/ 412524 h 642168"/>
+                <a:gd name="connsiteX0" fmla="*/ 0 w 321586"/>
+                <a:gd name="connsiteY0" fmla="*/ 0 h 642168"/>
+                <a:gd name="connsiteX1" fmla="*/ 321586 w 321586"/>
+                <a:gd name="connsiteY1" fmla="*/ 321084 h 642168"/>
+                <a:gd name="connsiteX2" fmla="*/ 0 w 321586"/>
+                <a:gd name="connsiteY2" fmla="*/ 642168 h 642168"/>
+                <a:gd name="connsiteX0" fmla="*/ 0 w 321586"/>
+                <a:gd name="connsiteY0" fmla="*/ 0 h 321084"/>
+                <a:gd name="connsiteX1" fmla="*/ 321586 w 321586"/>
+                <a:gd name="connsiteY1" fmla="*/ 321084 h 321084"/>
+              </a:gdLst>
+              <a:ahLst/>
+              <a:cxnLst>
+                <a:cxn ang="0">
+                  <a:pos x="connsiteX0" y="connsiteY0"/>
+                </a:cxn>
+                <a:cxn ang="0">
+                  <a:pos x="connsiteX1" y="connsiteY1"/>
+                </a:cxn>
+              </a:cxnLst>
+              <a:rect l="l" t="t" r="r" b="b"/>
+              <a:pathLst>
+                <a:path w="321586" h="321084">
+                  <a:moveTo>
+                    <a:pt x="0" y="0"/>
+                  </a:moveTo>
+                  <a:cubicBezTo>
+                    <a:pt x="177607" y="0"/>
+                    <a:pt x="321586" y="143754"/>
+                    <a:pt x="321586" y="321084"/>
+                  </a:cubicBezTo>
+                </a:path>
+              </a:pathLst>
+            </a:custGeom>
+            <a:noFill/>
+            <a:ln>
+              <a:solidFill>
+                <a:schemeClr val="accent6">
+                  <a:lumMod val="75000"/>
+                </a:schemeClr>
+              </a:solidFill>
+              <a:tailEnd type="triangle"/>
+            </a:ln>
+          </p:spPr>
+          <p:style>
+            <a:lnRef idx="2">
+              <a:schemeClr val="accent1">
+                <a:shade val="50000"/>
+              </a:schemeClr>
+            </a:lnRef>
+            <a:fillRef idx="1">
+              <a:schemeClr val="accent1"/>
+            </a:fillRef>
+            <a:effectRef idx="0">
+              <a:schemeClr val="accent1"/>
+            </a:effectRef>
+            <a:fontRef idx="minor">
+              <a:schemeClr val="lt1"/>
+            </a:fontRef>
+          </p:style>
+          <p:txBody>
+            <a:bodyPr rtlCol="0" anchor="ctr"/>
+            <a:lstStyle/>
+            <a:p>
+              <a:pPr algn="ctr"/>
+              <a:endParaRPr lang="en-SG"/>
+            </a:p>
+          </p:txBody>
+        </p:sp>
+        <p:sp>
+          <p:nvSpPr>
+            <p:cNvPr id="21" name="Oval 11">
+              <a:extLst>
+                <a:ext uri="{FF2B5EF4-FFF2-40B4-BE49-F238E27FC236}">
+                  <a16:creationId xmlns:a16="http://schemas.microsoft.com/office/drawing/2014/main" id="{B0CAFAC5-8006-78A1-B6DA-14C37D359F17}"/>
+                </a:ext>
+              </a:extLst>
+            </p:cNvPr>
+            <p:cNvSpPr>
+              <a:spLocks noChangeAspect="1"/>
+            </p:cNvSpPr>
+            <p:nvPr/>
+          </p:nvSpPr>
+          <p:spPr>
+            <a:xfrm rot="8100000">
+              <a:off x="6761909" y="5318918"/>
+              <a:ext cx="449081" cy="448380"/>
+            </a:xfrm>
+            <a:custGeom>
+              <a:avLst/>
+              <a:gdLst>
+                <a:gd name="connsiteX0" fmla="*/ 0 w 643171"/>
+                <a:gd name="connsiteY0" fmla="*/ 321084 h 642168"/>
+                <a:gd name="connsiteX1" fmla="*/ 321586 w 643171"/>
+                <a:gd name="connsiteY1" fmla="*/ 0 h 642168"/>
+                <a:gd name="connsiteX2" fmla="*/ 643172 w 643171"/>
+                <a:gd name="connsiteY2" fmla="*/ 321084 h 642168"/>
+                <a:gd name="connsiteX3" fmla="*/ 321586 w 643171"/>
+                <a:gd name="connsiteY3" fmla="*/ 642168 h 642168"/>
+                <a:gd name="connsiteX4" fmla="*/ 0 w 643171"/>
+                <a:gd name="connsiteY4" fmla="*/ 321084 h 642168"/>
+                <a:gd name="connsiteX0" fmla="*/ 0 w 643172"/>
+                <a:gd name="connsiteY0" fmla="*/ 321084 h 642168"/>
+                <a:gd name="connsiteX1" fmla="*/ 321586 w 643172"/>
+                <a:gd name="connsiteY1" fmla="*/ 0 h 642168"/>
+                <a:gd name="connsiteX2" fmla="*/ 643172 w 643172"/>
+                <a:gd name="connsiteY2" fmla="*/ 321084 h 642168"/>
+                <a:gd name="connsiteX3" fmla="*/ 321586 w 643172"/>
+                <a:gd name="connsiteY3" fmla="*/ 642168 h 642168"/>
+                <a:gd name="connsiteX4" fmla="*/ 91440 w 643172"/>
+                <a:gd name="connsiteY4" fmla="*/ 412524 h 642168"/>
+                <a:gd name="connsiteX0" fmla="*/ 258485 w 580071"/>
+                <a:gd name="connsiteY0" fmla="*/ 0 h 642168"/>
+                <a:gd name="connsiteX1" fmla="*/ 580071 w 580071"/>
+                <a:gd name="connsiteY1" fmla="*/ 321084 h 642168"/>
+                <a:gd name="connsiteX2" fmla="*/ 258485 w 580071"/>
+                <a:gd name="connsiteY2" fmla="*/ 642168 h 642168"/>
+                <a:gd name="connsiteX3" fmla="*/ 28339 w 580071"/>
+                <a:gd name="connsiteY3" fmla="*/ 412524 h 642168"/>
+                <a:gd name="connsiteX0" fmla="*/ 0 w 321586"/>
+                <a:gd name="connsiteY0" fmla="*/ 0 h 642168"/>
+                <a:gd name="connsiteX1" fmla="*/ 321586 w 321586"/>
+                <a:gd name="connsiteY1" fmla="*/ 321084 h 642168"/>
+                <a:gd name="connsiteX2" fmla="*/ 0 w 321586"/>
+                <a:gd name="connsiteY2" fmla="*/ 642168 h 642168"/>
+                <a:gd name="connsiteX0" fmla="*/ 0 w 321586"/>
+                <a:gd name="connsiteY0" fmla="*/ 0 h 321084"/>
+                <a:gd name="connsiteX1" fmla="*/ 321586 w 321586"/>
+                <a:gd name="connsiteY1" fmla="*/ 321084 h 321084"/>
+              </a:gdLst>
+              <a:ahLst/>
+              <a:cxnLst>
+                <a:cxn ang="0">
+                  <a:pos x="connsiteX0" y="connsiteY0"/>
+                </a:cxn>
+                <a:cxn ang="0">
+                  <a:pos x="connsiteX1" y="connsiteY1"/>
+                </a:cxn>
+              </a:cxnLst>
+              <a:rect l="l" t="t" r="r" b="b"/>
+              <a:pathLst>
+                <a:path w="321586" h="321084">
+                  <a:moveTo>
+                    <a:pt x="0" y="0"/>
+                  </a:moveTo>
+                  <a:cubicBezTo>
+                    <a:pt x="177607" y="0"/>
+                    <a:pt x="321586" y="143754"/>
+                    <a:pt x="321586" y="321084"/>
+                  </a:cubicBezTo>
+                </a:path>
+              </a:pathLst>
+            </a:custGeom>
+            <a:noFill/>
+            <a:ln>
+              <a:solidFill>
+                <a:schemeClr val="accent6">
+                  <a:lumMod val="75000"/>
+                </a:schemeClr>
+              </a:solidFill>
+              <a:tailEnd type="triangle"/>
+            </a:ln>
+          </p:spPr>
+          <p:style>
+            <a:lnRef idx="2">
+              <a:schemeClr val="accent1">
+                <a:shade val="50000"/>
+              </a:schemeClr>
+            </a:lnRef>
+            <a:fillRef idx="1">
+              <a:schemeClr val="accent1"/>
+            </a:fillRef>
+            <a:effectRef idx="0">
+              <a:schemeClr val="accent1"/>
+            </a:effectRef>
+            <a:fontRef idx="minor">
+              <a:schemeClr val="lt1"/>
+            </a:fontRef>
+          </p:style>
+          <p:txBody>
+            <a:bodyPr rtlCol="0" anchor="ctr"/>
+            <a:lstStyle/>
+            <a:p>
+              <a:pPr algn="ctr"/>
+              <a:endParaRPr lang="en-SG"/>
+            </a:p>
+          </p:txBody>
+        </p:sp>
+        <p:sp>
+          <p:nvSpPr>
+            <p:cNvPr id="22" name="Oval 11">
+              <a:extLst>
+                <a:ext uri="{FF2B5EF4-FFF2-40B4-BE49-F238E27FC236}">
+                  <a16:creationId xmlns:a16="http://schemas.microsoft.com/office/drawing/2014/main" id="{1178B332-B81C-90E1-6895-1F5A0FC936A5}"/>
+                </a:ext>
+              </a:extLst>
+            </p:cNvPr>
+            <p:cNvSpPr>
+              <a:spLocks noChangeAspect="1"/>
+            </p:cNvSpPr>
+            <p:nvPr/>
+          </p:nvSpPr>
+          <p:spPr>
+            <a:xfrm rot="15300000">
+              <a:off x="6381019" y="4772173"/>
+              <a:ext cx="449081" cy="448380"/>
+            </a:xfrm>
+            <a:custGeom>
+              <a:avLst/>
+              <a:gdLst>
+                <a:gd name="connsiteX0" fmla="*/ 0 w 643171"/>
+                <a:gd name="connsiteY0" fmla="*/ 321084 h 642168"/>
+                <a:gd name="connsiteX1" fmla="*/ 321586 w 643171"/>
+                <a:gd name="connsiteY1" fmla="*/ 0 h 642168"/>
+                <a:gd name="connsiteX2" fmla="*/ 643172 w 643171"/>
+                <a:gd name="connsiteY2" fmla="*/ 321084 h 642168"/>
+                <a:gd name="connsiteX3" fmla="*/ 321586 w 643171"/>
+                <a:gd name="connsiteY3" fmla="*/ 642168 h 642168"/>
+                <a:gd name="connsiteX4" fmla="*/ 0 w 643171"/>
+                <a:gd name="connsiteY4" fmla="*/ 321084 h 642168"/>
+                <a:gd name="connsiteX0" fmla="*/ 0 w 643172"/>
+                <a:gd name="connsiteY0" fmla="*/ 321084 h 642168"/>
+                <a:gd name="connsiteX1" fmla="*/ 321586 w 643172"/>
+                <a:gd name="connsiteY1" fmla="*/ 0 h 642168"/>
+                <a:gd name="connsiteX2" fmla="*/ 643172 w 643172"/>
+                <a:gd name="connsiteY2" fmla="*/ 321084 h 642168"/>
+                <a:gd name="connsiteX3" fmla="*/ 321586 w 643172"/>
+                <a:gd name="connsiteY3" fmla="*/ 642168 h 642168"/>
+                <a:gd name="connsiteX4" fmla="*/ 91440 w 643172"/>
+                <a:gd name="connsiteY4" fmla="*/ 412524 h 642168"/>
+                <a:gd name="connsiteX0" fmla="*/ 258485 w 580071"/>
+                <a:gd name="connsiteY0" fmla="*/ 0 h 642168"/>
+                <a:gd name="connsiteX1" fmla="*/ 580071 w 580071"/>
+                <a:gd name="connsiteY1" fmla="*/ 321084 h 642168"/>
+                <a:gd name="connsiteX2" fmla="*/ 258485 w 580071"/>
+                <a:gd name="connsiteY2" fmla="*/ 642168 h 642168"/>
+                <a:gd name="connsiteX3" fmla="*/ 28339 w 580071"/>
+                <a:gd name="connsiteY3" fmla="*/ 412524 h 642168"/>
+                <a:gd name="connsiteX0" fmla="*/ 0 w 321586"/>
+                <a:gd name="connsiteY0" fmla="*/ 0 h 642168"/>
+                <a:gd name="connsiteX1" fmla="*/ 321586 w 321586"/>
+                <a:gd name="connsiteY1" fmla="*/ 321084 h 642168"/>
+                <a:gd name="connsiteX2" fmla="*/ 0 w 321586"/>
+                <a:gd name="connsiteY2" fmla="*/ 642168 h 642168"/>
+                <a:gd name="connsiteX0" fmla="*/ 0 w 321586"/>
+                <a:gd name="connsiteY0" fmla="*/ 0 h 321084"/>
+                <a:gd name="connsiteX1" fmla="*/ 321586 w 321586"/>
+                <a:gd name="connsiteY1" fmla="*/ 321084 h 321084"/>
+              </a:gdLst>
+              <a:ahLst/>
+              <a:cxnLst>
+                <a:cxn ang="0">
+                  <a:pos x="connsiteX0" y="connsiteY0"/>
+                </a:cxn>
+                <a:cxn ang="0">
+                  <a:pos x="connsiteX1" y="connsiteY1"/>
+                </a:cxn>
+              </a:cxnLst>
+              <a:rect l="l" t="t" r="r" b="b"/>
+              <a:pathLst>
+                <a:path w="321586" h="321084">
+                  <a:moveTo>
+                    <a:pt x="0" y="0"/>
+                  </a:moveTo>
+                  <a:cubicBezTo>
+                    <a:pt x="177607" y="0"/>
+                    <a:pt x="321586" y="143754"/>
+                    <a:pt x="321586" y="321084"/>
+                  </a:cubicBezTo>
+                </a:path>
+              </a:pathLst>
+            </a:custGeom>
+            <a:noFill/>
+            <a:ln>
+              <a:solidFill>
+                <a:schemeClr val="accent6">
+                  <a:lumMod val="75000"/>
+                </a:schemeClr>
+              </a:solidFill>
+              <a:tailEnd type="triangle"/>
+            </a:ln>
+          </p:spPr>
+          <p:style>
+            <a:lnRef idx="2">
+              <a:schemeClr val="accent1">
+                <a:shade val="50000"/>
+              </a:schemeClr>
+            </a:lnRef>
+            <a:fillRef idx="1">
+              <a:schemeClr val="accent1"/>
+            </a:fillRef>
+            <a:effectRef idx="0">
+              <a:schemeClr val="accent1"/>
+            </a:effectRef>
+            <a:fontRef idx="minor">
+              <a:schemeClr val="lt1"/>
+            </a:fontRef>
+          </p:style>
+          <p:txBody>
+            <a:bodyPr rtlCol="0" anchor="ctr"/>
+            <a:lstStyle/>
+            <a:p>
+              <a:pPr algn="ctr"/>
+              <a:endParaRPr lang="en-SG"/>
+            </a:p>
+          </p:txBody>
+        </p:sp>
+        <p:cxnSp>
+          <p:nvCxnSpPr>
+            <p:cNvPr id="24" name="Straight Arrow Connector 23">
+              <a:extLst>
+                <a:ext uri="{FF2B5EF4-FFF2-40B4-BE49-F238E27FC236}">
+                  <a16:creationId xmlns:a16="http://schemas.microsoft.com/office/drawing/2014/main" id="{6A4D9EE7-40F0-FADF-6151-538B4629067D}"/>
+                </a:ext>
+              </a:extLst>
+            </p:cNvPr>
+            <p:cNvCxnSpPr>
+              <a:cxnSpLocks/>
+              <a:stCxn id="5" idx="2"/>
+              <a:endCxn id="17" idx="0"/>
+            </p:cNvCxnSpPr>
+            <p:nvPr/>
+          </p:nvCxnSpPr>
+          <p:spPr>
+            <a:xfrm>
+              <a:off x="6980686" y="3130488"/>
+              <a:ext cx="0" cy="1364787"/>
+            </a:xfrm>
+            <a:prstGeom prst="straightConnector1">
+              <a:avLst/>
+            </a:prstGeom>
+            <a:ln>
+              <a:solidFill>
+                <a:schemeClr val="accent3">
+                  <a:lumMod val="75000"/>
+                </a:schemeClr>
+              </a:solidFill>
+              <a:headEnd type="triangle"/>
+              <a:tailEnd type="triangle"/>
+            </a:ln>
+          </p:spPr>
+          <p:style>
+            <a:lnRef idx="1">
+              <a:schemeClr val="accent1"/>
+            </a:lnRef>
+            <a:fillRef idx="0">
+              <a:schemeClr val="accent1"/>
+            </a:fillRef>
+            <a:effectRef idx="0">
+              <a:schemeClr val="accent1"/>
+            </a:effectRef>
+            <a:fontRef idx="minor">
+              <a:schemeClr val="tx1"/>
+            </a:fontRef>
+          </p:style>
+        </p:cxnSp>
+        <p:sp>
+          <p:nvSpPr>
+            <p:cNvPr id="26" name="Oval 11">
+              <a:extLst>
+                <a:ext uri="{FF2B5EF4-FFF2-40B4-BE49-F238E27FC236}">
+                  <a16:creationId xmlns:a16="http://schemas.microsoft.com/office/drawing/2014/main" id="{5EC35E94-F3E6-FC63-068E-6ABCCB7F86CD}"/>
+                </a:ext>
+              </a:extLst>
+            </p:cNvPr>
+            <p:cNvSpPr>
+              <a:spLocks noChangeAspect="1"/>
+            </p:cNvSpPr>
+            <p:nvPr/>
+          </p:nvSpPr>
+          <p:spPr>
+            <a:xfrm rot="2645410">
+              <a:off x="7108232" y="3942855"/>
+              <a:ext cx="1100929" cy="1099210"/>
+            </a:xfrm>
+            <a:custGeom>
+              <a:avLst/>
+              <a:gdLst>
+                <a:gd name="connsiteX0" fmla="*/ 0 w 643171"/>
+                <a:gd name="connsiteY0" fmla="*/ 321084 h 642168"/>
+                <a:gd name="connsiteX1" fmla="*/ 321586 w 643171"/>
+                <a:gd name="connsiteY1" fmla="*/ 0 h 642168"/>
+                <a:gd name="connsiteX2" fmla="*/ 643172 w 643171"/>
+                <a:gd name="connsiteY2" fmla="*/ 321084 h 642168"/>
+                <a:gd name="connsiteX3" fmla="*/ 321586 w 643171"/>
+                <a:gd name="connsiteY3" fmla="*/ 642168 h 642168"/>
+                <a:gd name="connsiteX4" fmla="*/ 0 w 643171"/>
+                <a:gd name="connsiteY4" fmla="*/ 321084 h 642168"/>
+                <a:gd name="connsiteX0" fmla="*/ 0 w 643172"/>
+                <a:gd name="connsiteY0" fmla="*/ 321084 h 642168"/>
+                <a:gd name="connsiteX1" fmla="*/ 321586 w 643172"/>
+                <a:gd name="connsiteY1" fmla="*/ 0 h 642168"/>
+                <a:gd name="connsiteX2" fmla="*/ 643172 w 643172"/>
+                <a:gd name="connsiteY2" fmla="*/ 321084 h 642168"/>
+                <a:gd name="connsiteX3" fmla="*/ 321586 w 643172"/>
+                <a:gd name="connsiteY3" fmla="*/ 642168 h 642168"/>
+                <a:gd name="connsiteX4" fmla="*/ 91440 w 643172"/>
+                <a:gd name="connsiteY4" fmla="*/ 412524 h 642168"/>
+                <a:gd name="connsiteX0" fmla="*/ 258485 w 580071"/>
+                <a:gd name="connsiteY0" fmla="*/ 0 h 642168"/>
+                <a:gd name="connsiteX1" fmla="*/ 580071 w 580071"/>
+                <a:gd name="connsiteY1" fmla="*/ 321084 h 642168"/>
+                <a:gd name="connsiteX2" fmla="*/ 258485 w 580071"/>
+                <a:gd name="connsiteY2" fmla="*/ 642168 h 642168"/>
+                <a:gd name="connsiteX3" fmla="*/ 28339 w 580071"/>
+                <a:gd name="connsiteY3" fmla="*/ 412524 h 642168"/>
+                <a:gd name="connsiteX0" fmla="*/ 0 w 321586"/>
+                <a:gd name="connsiteY0" fmla="*/ 0 h 642168"/>
+                <a:gd name="connsiteX1" fmla="*/ 321586 w 321586"/>
+                <a:gd name="connsiteY1" fmla="*/ 321084 h 642168"/>
+                <a:gd name="connsiteX2" fmla="*/ 0 w 321586"/>
+                <a:gd name="connsiteY2" fmla="*/ 642168 h 642168"/>
+                <a:gd name="connsiteX0" fmla="*/ 0 w 321586"/>
+                <a:gd name="connsiteY0" fmla="*/ 0 h 321084"/>
+                <a:gd name="connsiteX1" fmla="*/ 321586 w 321586"/>
+                <a:gd name="connsiteY1" fmla="*/ 321084 h 321084"/>
+              </a:gdLst>
+              <a:ahLst/>
+              <a:cxnLst>
+                <a:cxn ang="0">
+                  <a:pos x="connsiteX0" y="connsiteY0"/>
+                </a:cxn>
+                <a:cxn ang="0">
+                  <a:pos x="connsiteX1" y="connsiteY1"/>
+                </a:cxn>
+              </a:cxnLst>
+              <a:rect l="l" t="t" r="r" b="b"/>
+              <a:pathLst>
+                <a:path w="321586" h="321084">
+                  <a:moveTo>
+                    <a:pt x="0" y="0"/>
+                  </a:moveTo>
+                  <a:cubicBezTo>
+                    <a:pt x="177607" y="0"/>
+                    <a:pt x="321586" y="143754"/>
+                    <a:pt x="321586" y="321084"/>
+                  </a:cubicBezTo>
+                </a:path>
+              </a:pathLst>
+            </a:custGeom>
+            <a:noFill/>
+            <a:ln>
+              <a:solidFill>
+                <a:schemeClr val="accent3">
+                  <a:lumMod val="75000"/>
+                </a:schemeClr>
+              </a:solidFill>
+              <a:headEnd type="triangle"/>
+              <a:tailEnd type="triangle"/>
+            </a:ln>
+          </p:spPr>
+          <p:style>
+            <a:lnRef idx="2">
+              <a:schemeClr val="accent1">
+                <a:shade val="50000"/>
+              </a:schemeClr>
+            </a:lnRef>
+            <a:fillRef idx="1">
+              <a:schemeClr val="accent1"/>
+            </a:fillRef>
+            <a:effectRef idx="0">
+              <a:schemeClr val="accent1"/>
+            </a:effectRef>
+            <a:fontRef idx="minor">
+              <a:schemeClr val="lt1"/>
+            </a:fontRef>
+          </p:style>
+          <p:txBody>
+            <a:bodyPr rtlCol="0" anchor="ctr"/>
+            <a:lstStyle/>
+            <a:p>
+              <a:pPr algn="ctr"/>
+              <a:endParaRPr lang="en-SG"/>
+            </a:p>
+          </p:txBody>
+        </p:sp>
+        <p:sp>
+          <p:nvSpPr>
+            <p:cNvPr id="27" name="Oval 11">
+              <a:extLst>
+                <a:ext uri="{FF2B5EF4-FFF2-40B4-BE49-F238E27FC236}">
+                  <a16:creationId xmlns:a16="http://schemas.microsoft.com/office/drawing/2014/main" id="{C36A5A2A-2699-D3AA-8B25-C0F4760E3517}"/>
+                </a:ext>
+              </a:extLst>
+            </p:cNvPr>
+            <p:cNvSpPr>
+              <a:spLocks noChangeAspect="1"/>
+            </p:cNvSpPr>
+            <p:nvPr/>
+          </p:nvSpPr>
+          <p:spPr>
+            <a:xfrm rot="13534588">
+              <a:off x="5778650" y="3958552"/>
+              <a:ext cx="1100311" cy="1098593"/>
+            </a:xfrm>
+            <a:custGeom>
+              <a:avLst/>
+              <a:gdLst>
+                <a:gd name="connsiteX0" fmla="*/ 0 w 643171"/>
+                <a:gd name="connsiteY0" fmla="*/ 321084 h 642168"/>
+                <a:gd name="connsiteX1" fmla="*/ 321586 w 643171"/>
+                <a:gd name="connsiteY1" fmla="*/ 0 h 642168"/>
+                <a:gd name="connsiteX2" fmla="*/ 643172 w 643171"/>
+                <a:gd name="connsiteY2" fmla="*/ 321084 h 642168"/>
+                <a:gd name="connsiteX3" fmla="*/ 321586 w 643171"/>
+                <a:gd name="connsiteY3" fmla="*/ 642168 h 642168"/>
+                <a:gd name="connsiteX4" fmla="*/ 0 w 643171"/>
+                <a:gd name="connsiteY4" fmla="*/ 321084 h 642168"/>
+                <a:gd name="connsiteX0" fmla="*/ 0 w 643172"/>
+                <a:gd name="connsiteY0" fmla="*/ 321084 h 642168"/>
+                <a:gd name="connsiteX1" fmla="*/ 321586 w 643172"/>
+                <a:gd name="connsiteY1" fmla="*/ 0 h 642168"/>
+                <a:gd name="connsiteX2" fmla="*/ 643172 w 643172"/>
+                <a:gd name="connsiteY2" fmla="*/ 321084 h 642168"/>
+                <a:gd name="connsiteX3" fmla="*/ 321586 w 643172"/>
+                <a:gd name="connsiteY3" fmla="*/ 642168 h 642168"/>
+                <a:gd name="connsiteX4" fmla="*/ 91440 w 643172"/>
+                <a:gd name="connsiteY4" fmla="*/ 412524 h 642168"/>
+                <a:gd name="connsiteX0" fmla="*/ 258485 w 580071"/>
+                <a:gd name="connsiteY0" fmla="*/ 0 h 642168"/>
+                <a:gd name="connsiteX1" fmla="*/ 580071 w 580071"/>
+                <a:gd name="connsiteY1" fmla="*/ 321084 h 642168"/>
+                <a:gd name="connsiteX2" fmla="*/ 258485 w 580071"/>
+                <a:gd name="connsiteY2" fmla="*/ 642168 h 642168"/>
+                <a:gd name="connsiteX3" fmla="*/ 28339 w 580071"/>
+                <a:gd name="connsiteY3" fmla="*/ 412524 h 642168"/>
+                <a:gd name="connsiteX0" fmla="*/ 0 w 321586"/>
+                <a:gd name="connsiteY0" fmla="*/ 0 h 642168"/>
+                <a:gd name="connsiteX1" fmla="*/ 321586 w 321586"/>
+                <a:gd name="connsiteY1" fmla="*/ 321084 h 642168"/>
+                <a:gd name="connsiteX2" fmla="*/ 0 w 321586"/>
+                <a:gd name="connsiteY2" fmla="*/ 642168 h 642168"/>
+                <a:gd name="connsiteX0" fmla="*/ 0 w 321586"/>
+                <a:gd name="connsiteY0" fmla="*/ 0 h 321084"/>
+                <a:gd name="connsiteX1" fmla="*/ 321586 w 321586"/>
+                <a:gd name="connsiteY1" fmla="*/ 321084 h 321084"/>
+              </a:gdLst>
+              <a:ahLst/>
+              <a:cxnLst>
+                <a:cxn ang="0">
+                  <a:pos x="connsiteX0" y="connsiteY0"/>
+                </a:cxn>
+                <a:cxn ang="0">
+                  <a:pos x="connsiteX1" y="connsiteY1"/>
+                </a:cxn>
+              </a:cxnLst>
+              <a:rect l="l" t="t" r="r" b="b"/>
+              <a:pathLst>
+                <a:path w="321586" h="321084">
+                  <a:moveTo>
+                    <a:pt x="0" y="0"/>
+                  </a:moveTo>
+                  <a:cubicBezTo>
+                    <a:pt x="177607" y="0"/>
+                    <a:pt x="321586" y="143754"/>
+                    <a:pt x="321586" y="321084"/>
+                  </a:cubicBezTo>
+                </a:path>
+              </a:pathLst>
+            </a:custGeom>
+            <a:noFill/>
+            <a:ln>
+              <a:solidFill>
+                <a:schemeClr val="accent3">
+                  <a:lumMod val="75000"/>
+                </a:schemeClr>
+              </a:solidFill>
+              <a:headEnd type="triangle"/>
+              <a:tailEnd type="triangle" w="med" len="med"/>
+            </a:ln>
+          </p:spPr>
+          <p:style>
+            <a:lnRef idx="2">
+              <a:schemeClr val="accent1">
+                <a:shade val="50000"/>
+              </a:schemeClr>
+            </a:lnRef>
+            <a:fillRef idx="1">
+              <a:schemeClr val="accent1"/>
+            </a:fillRef>
+            <a:effectRef idx="0">
+              <a:schemeClr val="accent1"/>
+            </a:effectRef>
+            <a:fontRef idx="minor">
+              <a:schemeClr val="lt1"/>
+            </a:fontRef>
+          </p:style>
+          <p:txBody>
+            <a:bodyPr rtlCol="0" anchor="ctr"/>
+            <a:lstStyle/>
+            <a:p>
+              <a:pPr algn="ctr"/>
+              <a:endParaRPr lang="en-SG"/>
+            </a:p>
+          </p:txBody>
+        </p:sp>
+        <p:sp>
+          <p:nvSpPr>
+            <p:cNvPr id="64" name="TextBox 63">
+              <a:extLst>
+                <a:ext uri="{FF2B5EF4-FFF2-40B4-BE49-F238E27FC236}">
+                  <a16:creationId xmlns:a16="http://schemas.microsoft.com/office/drawing/2014/main" id="{378F8F54-B118-F1A6-23BE-56D144C244EF}"/>
+                </a:ext>
+              </a:extLst>
+            </p:cNvPr>
+            <p:cNvSpPr txBox="1"/>
+            <p:nvPr/>
+          </p:nvSpPr>
+          <p:spPr>
+            <a:xfrm>
+              <a:off x="7658696" y="2731599"/>
+              <a:ext cx="768159" cy="338554"/>
+            </a:xfrm>
+            <a:prstGeom prst="rect">
+              <a:avLst/>
+            </a:prstGeom>
+            <a:noFill/>
+          </p:spPr>
+          <p:txBody>
+            <a:bodyPr wrap="none" rtlCol="0">
+              <a:spAutoFit/>
+            </a:bodyPr>
+            <a:lstStyle/>
+            <a:p>
+              <a:r>
+                <a:rPr lang="en-SG" sz="1600">
+                  <a:solidFill>
+                    <a:srgbClr val="08A5EF"/>
+                  </a:solidFill>
+                  <a:latin typeface="LM Roman 10" panose="00000500000000000000" pitchFamily="50" charset="0"/>
+                  <a:ea typeface="CMU Serif Upright Italic" panose="02000603000000000000" pitchFamily="2" charset="0"/>
+                  <a:cs typeface="CMU Serif Upright Italic" panose="02000603000000000000" pitchFamily="2" charset="0"/>
+                </a:rPr>
+                <a:t>+(0,1)</a:t>
+              </a:r>
+            </a:p>
+          </p:txBody>
+        </p:sp>
+        <p:cxnSp>
+          <p:nvCxnSpPr>
+            <p:cNvPr id="66" name="Straight Connector 65">
+              <a:extLst>
+                <a:ext uri="{FF2B5EF4-FFF2-40B4-BE49-F238E27FC236}">
+                  <a16:creationId xmlns:a16="http://schemas.microsoft.com/office/drawing/2014/main" id="{02545D2B-51CF-3C23-52E4-D757BC0739B8}"/>
+                </a:ext>
+              </a:extLst>
+            </p:cNvPr>
+            <p:cNvCxnSpPr>
+              <a:cxnSpLocks/>
+            </p:cNvCxnSpPr>
+            <p:nvPr/>
+          </p:nvCxnSpPr>
+          <p:spPr>
+            <a:xfrm flipH="1">
+              <a:off x="7462914" y="2991453"/>
+              <a:ext cx="317500" cy="201304"/>
+            </a:xfrm>
+            <a:prstGeom prst="line">
+              <a:avLst/>
+            </a:prstGeom>
+            <a:ln w="9525">
+              <a:solidFill>
+                <a:schemeClr val="tx1"/>
+              </a:solidFill>
+            </a:ln>
+          </p:spPr>
+          <p:style>
+            <a:lnRef idx="1">
+              <a:schemeClr val="accent1"/>
+            </a:lnRef>
+            <a:fillRef idx="0">
+              <a:schemeClr val="accent1"/>
+            </a:fillRef>
+            <a:effectRef idx="0">
+              <a:schemeClr val="accent1"/>
+            </a:effectRef>
+            <a:fontRef idx="minor">
+              <a:schemeClr val="tx1"/>
+            </a:fontRef>
+          </p:style>
+        </p:cxnSp>
+        <p:sp>
+          <p:nvSpPr>
+            <p:cNvPr id="69" name="TextBox 68">
+              <a:extLst>
+                <a:ext uri="{FF2B5EF4-FFF2-40B4-BE49-F238E27FC236}">
+                  <a16:creationId xmlns:a16="http://schemas.microsoft.com/office/drawing/2014/main" id="{104160E6-CA19-3131-7029-71EA91C88296}"/>
+                </a:ext>
+              </a:extLst>
+            </p:cNvPr>
+            <p:cNvSpPr txBox="1"/>
+            <p:nvPr/>
+          </p:nvSpPr>
+          <p:spPr>
+            <a:xfrm>
+              <a:off x="7712225" y="3548043"/>
+              <a:ext cx="768159" cy="338554"/>
+            </a:xfrm>
+            <a:prstGeom prst="rect">
+              <a:avLst/>
+            </a:prstGeom>
+            <a:noFill/>
+          </p:spPr>
+          <p:txBody>
+            <a:bodyPr wrap="none" rtlCol="0">
+              <a:spAutoFit/>
+            </a:bodyPr>
+            <a:lstStyle/>
+            <a:p>
+              <a:r>
+                <a:rPr lang="en-SG" sz="1600">
+                  <a:solidFill>
+                    <a:schemeClr val="accent3">
+                      <a:lumMod val="75000"/>
+                    </a:schemeClr>
+                  </a:solidFill>
+                  <a:latin typeface="LM Roman 10" panose="00000500000000000000" pitchFamily="50" charset="0"/>
+                  <a:ea typeface="CMU Serif Upright Italic" panose="02000603000000000000" pitchFamily="2" charset="0"/>
+                  <a:cs typeface="CMU Serif Upright Italic" panose="02000603000000000000" pitchFamily="2" charset="0"/>
+                </a:rPr>
+                <a:t>+(1,0)</a:t>
+              </a:r>
+            </a:p>
+          </p:txBody>
+        </p:sp>
+        <p:sp>
+          <p:nvSpPr>
+            <p:cNvPr id="87" name="TextBox 86">
+              <a:extLst>
+                <a:ext uri="{FF2B5EF4-FFF2-40B4-BE49-F238E27FC236}">
+                  <a16:creationId xmlns:a16="http://schemas.microsoft.com/office/drawing/2014/main" id="{3B9ED88C-16DE-F97F-F80E-B3AC05C8CB88}"/>
+                </a:ext>
+              </a:extLst>
+            </p:cNvPr>
+            <p:cNvSpPr txBox="1"/>
+            <p:nvPr/>
+          </p:nvSpPr>
+          <p:spPr>
+            <a:xfrm>
+              <a:off x="7283858" y="5353148"/>
+              <a:ext cx="607859" cy="338554"/>
+            </a:xfrm>
+            <a:prstGeom prst="rect">
+              <a:avLst/>
+            </a:prstGeom>
+            <a:noFill/>
+          </p:spPr>
+          <p:txBody>
+            <a:bodyPr wrap="none" rtlCol="0">
+              <a:spAutoFit/>
+            </a:bodyPr>
+            <a:lstStyle/>
+            <a:p>
+              <a:r>
+                <a:rPr lang="en-SG" sz="1600">
+                  <a:latin typeface="LM Roman 10" panose="00000500000000000000" pitchFamily="50" charset="0"/>
+                  <a:ea typeface="CMU Serif Upright Italic" panose="02000603000000000000" pitchFamily="2" charset="0"/>
+                  <a:cs typeface="CMU Serif Upright Italic" panose="02000603000000000000" pitchFamily="2" charset="0"/>
+                </a:rPr>
+                <a:t>(1,1)</a:t>
+              </a:r>
+            </a:p>
+          </p:txBody>
+        </p:sp>
+        <p:grpSp>
+          <p:nvGrpSpPr>
+            <p:cNvPr id="1260" name="Group 1259">
+              <a:extLst>
+                <a:ext uri="{FF2B5EF4-FFF2-40B4-BE49-F238E27FC236}">
+                  <a16:creationId xmlns:a16="http://schemas.microsoft.com/office/drawing/2014/main" id="{572D98D2-47DA-7C96-7E19-81D2F6A1DAFE}"/>
+                </a:ext>
+              </a:extLst>
+            </p:cNvPr>
+            <p:cNvGrpSpPr/>
+            <p:nvPr/>
+          </p:nvGrpSpPr>
+          <p:grpSpPr>
+            <a:xfrm>
+              <a:off x="8129302" y="3935752"/>
+              <a:ext cx="1702710" cy="1179186"/>
+              <a:chOff x="7945152" y="3935752"/>
+              <a:chExt cx="1702710" cy="1179186"/>
+            </a:xfrm>
+          </p:grpSpPr>
+          <p:sp>
+            <p:nvSpPr>
+              <p:cNvPr id="18" name="TextBox 17">
+                <a:extLst>
+                  <a:ext uri="{FF2B5EF4-FFF2-40B4-BE49-F238E27FC236}">
+                    <a16:creationId xmlns:a16="http://schemas.microsoft.com/office/drawing/2014/main" id="{2AF043EA-7CCC-2F02-B6DE-90F93E083929}"/>
+                  </a:ext>
+                </a:extLst>
+              </p:cNvPr>
+              <p:cNvSpPr txBox="1"/>
+              <p:nvPr/>
+            </p:nvSpPr>
+            <p:spPr>
+              <a:xfrm>
+                <a:off x="7945152" y="3935752"/>
+                <a:ext cx="1702710" cy="338554"/>
+              </a:xfrm>
+              <a:prstGeom prst="rect">
+                <a:avLst/>
+              </a:prstGeom>
+              <a:noFill/>
+            </p:spPr>
+            <p:txBody>
+              <a:bodyPr wrap="none" rtlCol="0">
+                <a:spAutoFit/>
+              </a:bodyPr>
+              <a:lstStyle/>
+              <a:p>
+                <a:r>
+                  <a:rPr lang="en-SG" sz="1600">
+                    <a:latin typeface="LM Roman 10" panose="00000500000000000000" pitchFamily="50" charset="0"/>
+                    <a:ea typeface="CMU Serif Upright Italic" panose="02000603000000000000" pitchFamily="2" charset="0"/>
+                    <a:cs typeface="CMU Serif Upright Italic" panose="02000603000000000000" pitchFamily="2" charset="0"/>
+                  </a:rPr>
+                  <a:t>homomorphism</a:t>
+                </a:r>
+                <a:r>
+                  <a:rPr lang="en-SG" sz="1600" i="1">
+                    <a:latin typeface="LM Roman 10" panose="00000500000000000000" pitchFamily="50" charset="0"/>
+                    <a:ea typeface="CMU Serif Upright Italic" panose="02000603000000000000" pitchFamily="2" charset="0"/>
+                    <a:cs typeface="CMU Serif Upright Italic" panose="02000603000000000000" pitchFamily="2" charset="0"/>
+                  </a:rPr>
+                  <a:t> f</a:t>
+                </a:r>
+              </a:p>
+            </p:txBody>
+          </p:sp>
+          <p:cxnSp>
+            <p:nvCxnSpPr>
+              <p:cNvPr id="71" name="Straight Arrow Connector 70">
+                <a:extLst>
+                  <a:ext uri="{FF2B5EF4-FFF2-40B4-BE49-F238E27FC236}">
+                    <a16:creationId xmlns:a16="http://schemas.microsoft.com/office/drawing/2014/main" id="{24E51F50-845A-4FC6-0D19-53E2DC08D54E}"/>
+                  </a:ext>
+                </a:extLst>
+              </p:cNvPr>
+              <p:cNvCxnSpPr>
+                <a:cxnSpLocks/>
+              </p:cNvCxnSpPr>
+              <p:nvPr/>
+            </p:nvCxnSpPr>
+            <p:spPr>
+              <a:xfrm>
+                <a:off x="8224914" y="4280493"/>
+                <a:ext cx="1123950" cy="0"/>
+              </a:xfrm>
+              <a:prstGeom prst="straightConnector1">
+                <a:avLst/>
+              </a:prstGeom>
+              <a:ln>
+                <a:solidFill>
+                  <a:schemeClr val="tx1"/>
+                </a:solidFill>
+                <a:tailEnd type="triangle"/>
+              </a:ln>
+            </p:spPr>
+            <p:style>
+              <a:lnRef idx="1">
+                <a:schemeClr val="accent1"/>
+              </a:lnRef>
+              <a:fillRef idx="0">
+                <a:schemeClr val="accent1"/>
+              </a:fillRef>
+              <a:effectRef idx="0">
+                <a:schemeClr val="accent1"/>
+              </a:effectRef>
+              <a:fontRef idx="minor">
+                <a:schemeClr val="tx1"/>
+              </a:fontRef>
+            </p:style>
+          </p:cxnSp>
+          <p:sp>
+            <p:nvSpPr>
+              <p:cNvPr id="90" name="TextBox 89">
+                <a:extLst>
+                  <a:ext uri="{FF2B5EF4-FFF2-40B4-BE49-F238E27FC236}">
+                    <a16:creationId xmlns:a16="http://schemas.microsoft.com/office/drawing/2014/main" id="{E8853151-00DE-86CA-50C2-0913D2E5B623}"/>
+                  </a:ext>
+                </a:extLst>
+              </p:cNvPr>
+              <p:cNvSpPr txBox="1"/>
+              <p:nvPr/>
+            </p:nvSpPr>
+            <p:spPr>
+              <a:xfrm>
+                <a:off x="8123576" y="4266303"/>
+                <a:ext cx="1249060" cy="584775"/>
+              </a:xfrm>
+              <a:prstGeom prst="rect">
+                <a:avLst/>
+              </a:prstGeom>
+              <a:noFill/>
+            </p:spPr>
+            <p:txBody>
+              <a:bodyPr wrap="none" rtlCol="0">
+                <a:spAutoFit/>
+              </a:bodyPr>
+              <a:lstStyle/>
+              <a:p>
+                <a:pPr algn="ctr"/>
+                <a:r>
+                  <a:rPr lang="en-SG" sz="1600">
+                    <a:latin typeface="LM Roman 10" panose="00000500000000000000" pitchFamily="50" charset="0"/>
+                    <a:ea typeface="CMU Serif Upright Italic" panose="02000603000000000000" pitchFamily="2" charset="0"/>
+                    <a:cs typeface="CMU Serif Upright Italic" panose="02000603000000000000" pitchFamily="2" charset="0"/>
+                  </a:rPr>
+                  <a:t>from </a:t>
+                </a:r>
+                <a:r>
+                  <a:rPr lang="en-SG" sz="1600" b="0" i="0">
+                    <a:solidFill>
+                      <a:srgbClr val="404040"/>
+                    </a:solidFill>
+                    <a:effectLst/>
+                    <a:latin typeface="-apple-system"/>
+                  </a:rPr>
+                  <a:t>ℤ</a:t>
+                </a:r>
+                <a:r>
+                  <a:rPr lang="en-SG" sz="1600" b="0" baseline="-25000">
+                    <a:solidFill>
+                      <a:srgbClr val="404040"/>
+                    </a:solidFill>
+                    <a:effectLst/>
+                    <a:latin typeface="LM Roman 10" panose="00000500000000000000" pitchFamily="50" charset="0"/>
+                    <a:ea typeface="CMU Serif Upright Italic" panose="02000603000000000000" pitchFamily="2" charset="0"/>
+                    <a:cs typeface="CMU Serif Upright Italic" panose="02000603000000000000" pitchFamily="2" charset="0"/>
+                  </a:rPr>
+                  <a:t>2</a:t>
+                </a:r>
+                <a:r>
+                  <a:rPr lang="en-SG" sz="1600" b="0" i="0">
+                    <a:solidFill>
+                      <a:srgbClr val="FFFFFF"/>
+                    </a:solidFill>
+                    <a:effectLst/>
+                    <a:latin typeface="MathJax_Main"/>
+                  </a:rPr>
+                  <a:t> </a:t>
+                </a:r>
+                <a:r>
+                  <a:rPr lang="en-SG" sz="1600" b="0" i="0">
+                    <a:effectLst/>
+                    <a:latin typeface="MathJax_Main"/>
+                  </a:rPr>
+                  <a:t>×</a:t>
+                </a:r>
+                <a:r>
+                  <a:rPr lang="en-SG" sz="1600" b="0" baseline="-25000">
+                    <a:solidFill>
+                      <a:srgbClr val="404040"/>
+                    </a:solidFill>
+                    <a:effectLst/>
+                    <a:latin typeface="LM Roman 10" panose="00000500000000000000" pitchFamily="50" charset="0"/>
+                    <a:ea typeface="CMU Serif Upright Italic" panose="02000603000000000000" pitchFamily="2" charset="0"/>
+                    <a:cs typeface="CMU Serif Upright Italic" panose="02000603000000000000" pitchFamily="2" charset="0"/>
+                  </a:rPr>
+                  <a:t> </a:t>
+                </a:r>
+                <a:r>
+                  <a:rPr lang="en-SG" sz="1600" b="0" i="0">
+                    <a:solidFill>
+                      <a:srgbClr val="404040"/>
+                    </a:solidFill>
+                    <a:effectLst/>
+                    <a:latin typeface="-apple-system"/>
+                  </a:rPr>
+                  <a:t>ℤ</a:t>
+                </a:r>
+                <a:r>
+                  <a:rPr lang="en-SG" sz="1600" b="0" baseline="-25000">
+                    <a:solidFill>
+                      <a:srgbClr val="404040"/>
+                    </a:solidFill>
+                    <a:effectLst/>
+                    <a:latin typeface="LM Roman 10" panose="00000500000000000000" pitchFamily="50" charset="0"/>
+                    <a:ea typeface="CMU Serif Upright Italic" panose="02000603000000000000" pitchFamily="2" charset="0"/>
+                    <a:cs typeface="CMU Serif Upright Italic" panose="02000603000000000000" pitchFamily="2" charset="0"/>
+                  </a:rPr>
+                  <a:t>3</a:t>
+                </a:r>
+                <a:endParaRPr lang="en-SG" sz="1600">
+                  <a:latin typeface="LM Roman 10" panose="00000500000000000000" pitchFamily="50" charset="0"/>
+                  <a:ea typeface="CMU Serif Upright Italic" panose="02000603000000000000" pitchFamily="2" charset="0"/>
+                  <a:cs typeface="CMU Serif Upright Italic" panose="02000603000000000000" pitchFamily="2" charset="0"/>
+                </a:endParaRPr>
+              </a:p>
+              <a:p>
+                <a:pPr algn="ctr"/>
+                <a:r>
+                  <a:rPr lang="en-SG" sz="1600">
+                    <a:latin typeface="LM Roman 10" panose="00000500000000000000" pitchFamily="50" charset="0"/>
+                    <a:ea typeface="CMU Serif Upright Italic" panose="02000603000000000000" pitchFamily="2" charset="0"/>
+                    <a:cs typeface="CMU Serif Upright Italic" panose="02000603000000000000" pitchFamily="2" charset="0"/>
+                  </a:rPr>
+                  <a:t>into </a:t>
+                </a:r>
+                <a:r>
+                  <a:rPr lang="en-SG" sz="1600" b="0" i="0">
+                    <a:solidFill>
+                      <a:srgbClr val="404040"/>
+                    </a:solidFill>
+                    <a:effectLst/>
+                    <a:latin typeface="-apple-system"/>
+                  </a:rPr>
+                  <a:t>ℤ</a:t>
+                </a:r>
+                <a:r>
+                  <a:rPr lang="en-SG" sz="1600" b="0" baseline="-25000">
+                    <a:solidFill>
+                      <a:srgbClr val="404040"/>
+                    </a:solidFill>
+                    <a:effectLst/>
+                    <a:latin typeface="LM Roman 10" panose="00000500000000000000" pitchFamily="50" charset="0"/>
+                    <a:ea typeface="CMU Serif Upright Italic" panose="02000603000000000000" pitchFamily="2" charset="0"/>
+                    <a:cs typeface="CMU Serif Upright Italic" panose="02000603000000000000" pitchFamily="2" charset="0"/>
+                  </a:rPr>
+                  <a:t>2</a:t>
+                </a:r>
+                <a:r>
+                  <a:rPr lang="en-SG" sz="1600" baseline="-25000">
+                    <a:solidFill>
+                      <a:srgbClr val="404040"/>
+                    </a:solidFill>
+                    <a:latin typeface="LM Roman 10" panose="00000500000000000000" pitchFamily="50" charset="0"/>
+                    <a:ea typeface="CMU Serif Upright Italic" panose="02000603000000000000" pitchFamily="2" charset="0"/>
+                    <a:cs typeface="CMU Serif Upright Italic" panose="02000603000000000000" pitchFamily="2" charset="0"/>
+                  </a:rPr>
+                  <a:t> </a:t>
+                </a:r>
+                <a:endParaRPr lang="en-SG" sz="1600">
+                  <a:latin typeface="LM Roman 10" panose="00000500000000000000" pitchFamily="50" charset="0"/>
+                  <a:ea typeface="CMU Serif Upright Italic" panose="02000603000000000000" pitchFamily="2" charset="0"/>
+                  <a:cs typeface="CMU Serif Upright Italic" panose="02000603000000000000" pitchFamily="2" charset="0"/>
+                </a:endParaRPr>
+              </a:p>
+            </p:txBody>
+          </p:sp>
+          <p:sp>
+            <p:nvSpPr>
+              <p:cNvPr id="94" name="TextBox 93">
+                <a:extLst>
+                  <a:ext uri="{FF2B5EF4-FFF2-40B4-BE49-F238E27FC236}">
+                    <a16:creationId xmlns:a16="http://schemas.microsoft.com/office/drawing/2014/main" id="{EF00A29A-B23F-B4C5-7F1C-BA001D2603F3}"/>
+                  </a:ext>
+                </a:extLst>
+              </p:cNvPr>
+              <p:cNvSpPr txBox="1"/>
+              <p:nvPr/>
+            </p:nvSpPr>
+            <p:spPr>
+              <a:xfrm>
+                <a:off x="8184657" y="4776384"/>
+                <a:ext cx="1086195" cy="338554"/>
+              </a:xfrm>
+              <a:prstGeom prst="rect">
+                <a:avLst/>
+              </a:prstGeom>
+              <a:noFill/>
+            </p:spPr>
+            <p:txBody>
+              <a:bodyPr wrap="none" rtlCol="0">
+                <a:spAutoFit/>
+              </a:bodyPr>
+              <a:lstStyle/>
+              <a:p>
+                <a:pPr algn="ctr"/>
+                <a:r>
+                  <a:rPr lang="en-SG" sz="1600">
+                    <a:latin typeface="LM Roman 10" panose="00000500000000000000" pitchFamily="50" charset="0"/>
+                    <a:ea typeface="CMU Serif Upright Italic" panose="02000603000000000000" pitchFamily="2" charset="0"/>
+                    <a:cs typeface="CMU Serif Upright Italic" panose="02000603000000000000" pitchFamily="2" charset="0"/>
+                  </a:rPr>
+                  <a:t>ker </a:t>
+                </a:r>
+                <a:r>
+                  <a:rPr lang="en-SG" sz="1600" i="1">
+                    <a:latin typeface="LM Roman 10" panose="00000500000000000000" pitchFamily="50" charset="0"/>
+                    <a:ea typeface="CMU Serif Upright Italic" panose="02000603000000000000" pitchFamily="2" charset="0"/>
+                    <a:cs typeface="CMU Serif Upright Italic" panose="02000603000000000000" pitchFamily="2" charset="0"/>
+                  </a:rPr>
+                  <a:t>f </a:t>
+                </a:r>
+                <a:r>
+                  <a:rPr lang="en-SG" sz="1600">
+                    <a:latin typeface="LM Roman 10" panose="00000500000000000000" pitchFamily="50" charset="0"/>
+                    <a:ea typeface="CMU Serif Upright Italic" panose="02000603000000000000" pitchFamily="2" charset="0"/>
+                    <a:cs typeface="CMU Serif Upright Italic" panose="02000603000000000000" pitchFamily="2" charset="0"/>
+                  </a:rPr>
+                  <a:t>= </a:t>
+                </a:r>
+                <a:r>
+                  <a:rPr lang="en-SG" sz="1600" b="0" i="0">
+                    <a:solidFill>
+                      <a:srgbClr val="404040"/>
+                    </a:solidFill>
+                    <a:effectLst/>
+                    <a:latin typeface="-apple-system"/>
+                  </a:rPr>
+                  <a:t>ℤ</a:t>
+                </a:r>
+                <a:r>
+                  <a:rPr lang="en-SG" sz="1600" b="0" baseline="-25000">
+                    <a:solidFill>
+                      <a:srgbClr val="404040"/>
+                    </a:solidFill>
+                    <a:effectLst/>
+                    <a:latin typeface="LM Roman 10" panose="00000500000000000000" pitchFamily="50" charset="0"/>
+                    <a:ea typeface="CMU Serif Upright Italic" panose="02000603000000000000" pitchFamily="2" charset="0"/>
+                    <a:cs typeface="CMU Serif Upright Italic" panose="02000603000000000000" pitchFamily="2" charset="0"/>
+                  </a:rPr>
+                  <a:t>3</a:t>
+                </a:r>
+                <a:endParaRPr lang="en-SG" sz="1600">
+                  <a:latin typeface="LM Roman 10" panose="00000500000000000000" pitchFamily="50" charset="0"/>
+                  <a:ea typeface="CMU Serif Upright Italic" panose="02000603000000000000" pitchFamily="2" charset="0"/>
+                  <a:cs typeface="CMU Serif Upright Italic" panose="02000603000000000000" pitchFamily="2" charset="0"/>
+                </a:endParaRPr>
+              </a:p>
+            </p:txBody>
+          </p:sp>
+        </p:grpSp>
+        <p:sp>
+          <p:nvSpPr>
+            <p:cNvPr id="1252" name="TextBox 1251">
+              <a:extLst>
+                <a:ext uri="{FF2B5EF4-FFF2-40B4-BE49-F238E27FC236}">
+                  <a16:creationId xmlns:a16="http://schemas.microsoft.com/office/drawing/2014/main" id="{C4692F8B-2E4E-2A53-9615-7512AD0081E5}"/>
+                </a:ext>
+              </a:extLst>
+            </p:cNvPr>
+            <p:cNvSpPr txBox="1"/>
+            <p:nvPr/>
+          </p:nvSpPr>
+          <p:spPr>
+            <a:xfrm>
+              <a:off x="9711681" y="3217492"/>
+              <a:ext cx="2141933" cy="338554"/>
+            </a:xfrm>
+            <a:prstGeom prst="rect">
+              <a:avLst/>
+            </a:prstGeom>
+            <a:noFill/>
+          </p:spPr>
+          <p:txBody>
+            <a:bodyPr wrap="none" rtlCol="0">
+              <a:spAutoFit/>
+            </a:bodyPr>
+            <a:lstStyle/>
+            <a:p>
+              <a:r>
+                <a:rPr lang="en-SG" sz="1600">
+                  <a:latin typeface="LM Roman 10" panose="00000500000000000000" pitchFamily="50" charset="0"/>
+                  <a:ea typeface="CMU Serif Upright Italic" panose="02000603000000000000" pitchFamily="2" charset="0"/>
+                  <a:cs typeface="CMU Serif Upright Italic" panose="02000603000000000000" pitchFamily="2" charset="0"/>
+                </a:rPr>
+                <a:t>0: {(0,0), (0,1), (0,2)}</a:t>
+              </a:r>
+            </a:p>
+          </p:txBody>
+        </p:sp>
+        <p:sp>
+          <p:nvSpPr>
+            <p:cNvPr id="1254" name="TextBox 1253">
+              <a:extLst>
+                <a:ext uri="{FF2B5EF4-FFF2-40B4-BE49-F238E27FC236}">
+                  <a16:creationId xmlns:a16="http://schemas.microsoft.com/office/drawing/2014/main" id="{78A37B11-012E-1207-083B-138A11A59E41}"/>
+                </a:ext>
+              </a:extLst>
+            </p:cNvPr>
+            <p:cNvSpPr txBox="1"/>
+            <p:nvPr/>
+          </p:nvSpPr>
+          <p:spPr>
+            <a:xfrm>
+              <a:off x="9711680" y="5089878"/>
+              <a:ext cx="2141933" cy="338554"/>
+            </a:xfrm>
+            <a:prstGeom prst="rect">
+              <a:avLst/>
+            </a:prstGeom>
+            <a:noFill/>
+          </p:spPr>
+          <p:txBody>
+            <a:bodyPr wrap="none" rtlCol="0">
+              <a:spAutoFit/>
+            </a:bodyPr>
+            <a:lstStyle/>
+            <a:p>
+              <a:r>
+                <a:rPr lang="en-SG" sz="1600">
+                  <a:latin typeface="LM Roman 10" panose="00000500000000000000" pitchFamily="50" charset="0"/>
+                  <a:ea typeface="CMU Serif Upright Italic" panose="02000603000000000000" pitchFamily="2" charset="0"/>
+                  <a:cs typeface="CMU Serif Upright Italic" panose="02000603000000000000" pitchFamily="2" charset="0"/>
+                </a:rPr>
+                <a:t>1: {(1,0), (1,1), (1,2)}</a:t>
+              </a:r>
+            </a:p>
+          </p:txBody>
+        </p:sp>
+        <p:cxnSp>
+          <p:nvCxnSpPr>
+            <p:cNvPr id="1257" name="Straight Arrow Connector 1256">
+              <a:extLst>
+                <a:ext uri="{FF2B5EF4-FFF2-40B4-BE49-F238E27FC236}">
+                  <a16:creationId xmlns:a16="http://schemas.microsoft.com/office/drawing/2014/main" id="{EEE6014E-3B34-7746-2DBC-CE548B524E7D}"/>
+                </a:ext>
+              </a:extLst>
+            </p:cNvPr>
+            <p:cNvCxnSpPr>
+              <a:cxnSpLocks/>
+            </p:cNvCxnSpPr>
+            <p:nvPr/>
+          </p:nvCxnSpPr>
+          <p:spPr>
+            <a:xfrm>
+              <a:off x="10070141" y="3595332"/>
+              <a:ext cx="0" cy="1494546"/>
+            </a:xfrm>
+            <a:prstGeom prst="straightConnector1">
+              <a:avLst/>
+            </a:prstGeom>
+            <a:ln>
+              <a:solidFill>
+                <a:schemeClr val="accent3">
+                  <a:lumMod val="75000"/>
+                </a:schemeClr>
+              </a:solidFill>
+              <a:headEnd type="triangle"/>
+              <a:tailEnd type="triangle"/>
+            </a:ln>
+          </p:spPr>
+          <p:style>
+            <a:lnRef idx="1">
+              <a:schemeClr val="accent1"/>
+            </a:lnRef>
+            <a:fillRef idx="0">
+              <a:schemeClr val="accent1"/>
+            </a:fillRef>
+            <a:effectRef idx="0">
+              <a:schemeClr val="accent1"/>
+            </a:effectRef>
+            <a:fontRef idx="minor">
+              <a:schemeClr val="tx1"/>
+            </a:fontRef>
+          </p:style>
+        </p:cxnSp>
+        <p:sp>
+          <p:nvSpPr>
+            <p:cNvPr id="1259" name="TextBox 1258">
+              <a:extLst>
+                <a:ext uri="{FF2B5EF4-FFF2-40B4-BE49-F238E27FC236}">
+                  <a16:creationId xmlns:a16="http://schemas.microsoft.com/office/drawing/2014/main" id="{53042204-6CAA-6432-34B6-ADB6E76E0D27}"/>
+                </a:ext>
+              </a:extLst>
+            </p:cNvPr>
+            <p:cNvSpPr txBox="1"/>
+            <p:nvPr/>
+          </p:nvSpPr>
+          <p:spPr>
+            <a:xfrm>
+              <a:off x="10026854" y="4169294"/>
+              <a:ext cx="447558" cy="338554"/>
+            </a:xfrm>
+            <a:prstGeom prst="rect">
+              <a:avLst/>
+            </a:prstGeom>
+            <a:noFill/>
+          </p:spPr>
+          <p:txBody>
+            <a:bodyPr wrap="none" rtlCol="0">
+              <a:spAutoFit/>
+            </a:bodyPr>
+            <a:lstStyle/>
+            <a:p>
+              <a:r>
+                <a:rPr lang="en-SG" sz="1600">
+                  <a:solidFill>
+                    <a:schemeClr val="accent3">
+                      <a:lumMod val="75000"/>
+                    </a:schemeClr>
+                  </a:solidFill>
+                  <a:latin typeface="LM Roman 10" panose="00000500000000000000" pitchFamily="50" charset="0"/>
+                  <a:ea typeface="CMU Serif Upright Italic" panose="02000603000000000000" pitchFamily="2" charset="0"/>
+                  <a:cs typeface="CMU Serif Upright Italic" panose="02000603000000000000" pitchFamily="2" charset="0"/>
+                </a:rPr>
+                <a:t>+1</a:t>
+              </a:r>
+            </a:p>
+          </p:txBody>
+        </p:sp>
+        <p:cxnSp>
+          <p:nvCxnSpPr>
+            <p:cNvPr id="1268" name="Straight Arrow Connector 1267">
+              <a:extLst>
+                <a:ext uri="{FF2B5EF4-FFF2-40B4-BE49-F238E27FC236}">
+                  <a16:creationId xmlns:a16="http://schemas.microsoft.com/office/drawing/2014/main" id="{6497BD5C-E264-ACC7-2299-1210F24E4A27}"/>
+                </a:ext>
+              </a:extLst>
+            </p:cNvPr>
+            <p:cNvCxnSpPr>
+              <a:cxnSpLocks/>
+            </p:cNvCxnSpPr>
+            <p:nvPr/>
+          </p:nvCxnSpPr>
+          <p:spPr>
+            <a:xfrm>
+              <a:off x="7780414" y="3407573"/>
+              <a:ext cx="1931267" cy="0"/>
+            </a:xfrm>
+            <a:prstGeom prst="straightConnector1">
+              <a:avLst/>
+            </a:prstGeom>
+            <a:ln>
+              <a:solidFill>
+                <a:schemeClr val="bg1">
+                  <a:lumMod val="75000"/>
+                </a:schemeClr>
+              </a:solidFill>
+              <a:prstDash val="dash"/>
+              <a:tailEnd type="triangle"/>
+            </a:ln>
+          </p:spPr>
+          <p:style>
+            <a:lnRef idx="1">
+              <a:schemeClr val="accent1"/>
+            </a:lnRef>
+            <a:fillRef idx="0">
+              <a:schemeClr val="accent1"/>
+            </a:fillRef>
+            <a:effectRef idx="0">
+              <a:schemeClr val="accent1"/>
+            </a:effectRef>
+            <a:fontRef idx="minor">
+              <a:schemeClr val="tx1"/>
+            </a:fontRef>
+          </p:style>
+        </p:cxnSp>
+        <p:cxnSp>
+          <p:nvCxnSpPr>
+            <p:cNvPr id="1273" name="Straight Arrow Connector 1272">
+              <a:extLst>
+                <a:ext uri="{FF2B5EF4-FFF2-40B4-BE49-F238E27FC236}">
+                  <a16:creationId xmlns:a16="http://schemas.microsoft.com/office/drawing/2014/main" id="{A05BE2D3-86B8-024F-B6AC-CF9775BCE340}"/>
+                </a:ext>
+              </a:extLst>
+            </p:cNvPr>
+            <p:cNvCxnSpPr>
+              <a:cxnSpLocks/>
+            </p:cNvCxnSpPr>
+            <p:nvPr/>
+          </p:nvCxnSpPr>
+          <p:spPr>
+            <a:xfrm>
+              <a:off x="7780414" y="5285246"/>
+              <a:ext cx="1931267" cy="0"/>
+            </a:xfrm>
+            <a:prstGeom prst="straightConnector1">
+              <a:avLst/>
+            </a:prstGeom>
+            <a:ln>
+              <a:solidFill>
+                <a:schemeClr val="bg1">
+                  <a:lumMod val="75000"/>
+                </a:schemeClr>
+              </a:solidFill>
+              <a:prstDash val="dash"/>
+              <a:tailEnd type="triangle"/>
+            </a:ln>
+          </p:spPr>
+          <p:style>
+            <a:lnRef idx="1">
+              <a:schemeClr val="accent1"/>
+            </a:lnRef>
+            <a:fillRef idx="0">
+              <a:schemeClr val="accent1"/>
+            </a:fillRef>
+            <a:effectRef idx="0">
+              <a:schemeClr val="accent1"/>
+            </a:effectRef>
+            <a:fontRef idx="minor">
+              <a:schemeClr val="tx1"/>
+            </a:fontRef>
+          </p:style>
+        </p:cxnSp>
+      </p:grpSp>
     </p:spTree>
     <p:extLst>
       <p:ext uri="{BB962C8B-B14F-4D97-AF65-F5344CB8AC3E}">

--- a/assets/posts/2022-12-15-homomorphism-illustrated/canvas.pptx
+++ b/assets/posts/2022-12-15-homomorphism-illustrated/canvas.pptx
@@ -231,7 +231,7 @@
           <a:p>
             <a:fld id="{15F118F1-182E-490B-9E94-83767F72AB09}" type="datetimeFigureOut">
               <a:rPr lang="en-SG" smtClean="0"/>
-              <a:t>18/1/2023</a:t>
+              <a:t>19/1/2023</a:t>
             </a:fld>
             <a:endParaRPr lang="en-SG"/>
           </a:p>
@@ -401,7 +401,7 @@
           <a:p>
             <a:fld id="{15F118F1-182E-490B-9E94-83767F72AB09}" type="datetimeFigureOut">
               <a:rPr lang="en-SG" smtClean="0"/>
-              <a:t>18/1/2023</a:t>
+              <a:t>19/1/2023</a:t>
             </a:fld>
             <a:endParaRPr lang="en-SG"/>
           </a:p>
@@ -657,7 +657,7 @@
           <a:p>
             <a:fld id="{15F118F1-182E-490B-9E94-83767F72AB09}" type="datetimeFigureOut">
               <a:rPr lang="en-SG" smtClean="0"/>
-              <a:t>18/1/2023</a:t>
+              <a:t>19/1/2023</a:t>
             </a:fld>
             <a:endParaRPr lang="en-SG"/>
           </a:p>
@@ -827,7 +827,7 @@
           <a:p>
             <a:fld id="{15F118F1-182E-490B-9E94-83767F72AB09}" type="datetimeFigureOut">
               <a:rPr lang="en-SG" smtClean="0"/>
-              <a:t>18/1/2023</a:t>
+              <a:t>19/1/2023</a:t>
             </a:fld>
             <a:endParaRPr lang="en-SG"/>
           </a:p>
@@ -1170,7 +1170,7 @@
           <a:p>
             <a:fld id="{15F118F1-182E-490B-9E94-83767F72AB09}" type="datetimeFigureOut">
               <a:rPr lang="en-SG" smtClean="0"/>
-              <a:t>18/1/2023</a:t>
+              <a:t>19/1/2023</a:t>
             </a:fld>
             <a:endParaRPr lang="en-SG"/>
           </a:p>
@@ -1445,7 +1445,7 @@
           <a:p>
             <a:fld id="{15F118F1-182E-490B-9E94-83767F72AB09}" type="datetimeFigureOut">
               <a:rPr lang="en-SG" smtClean="0"/>
-              <a:t>18/1/2023</a:t>
+              <a:t>19/1/2023</a:t>
             </a:fld>
             <a:endParaRPr lang="en-SG"/>
           </a:p>
@@ -1824,7 +1824,7 @@
           <a:p>
             <a:fld id="{15F118F1-182E-490B-9E94-83767F72AB09}" type="datetimeFigureOut">
               <a:rPr lang="en-SG" smtClean="0"/>
-              <a:t>18/1/2023</a:t>
+              <a:t>19/1/2023</a:t>
             </a:fld>
             <a:endParaRPr lang="en-SG"/>
           </a:p>
@@ -1942,7 +1942,7 @@
           <a:p>
             <a:fld id="{15F118F1-182E-490B-9E94-83767F72AB09}" type="datetimeFigureOut">
               <a:rPr lang="en-SG" smtClean="0"/>
-              <a:t>18/1/2023</a:t>
+              <a:t>19/1/2023</a:t>
             </a:fld>
             <a:endParaRPr lang="en-SG"/>
           </a:p>
@@ -2113,7 +2113,7 @@
           <a:p>
             <a:fld id="{15F118F1-182E-490B-9E94-83767F72AB09}" type="datetimeFigureOut">
               <a:rPr lang="en-SG" smtClean="0"/>
-              <a:t>18/1/2023</a:t>
+              <a:t>19/1/2023</a:t>
             </a:fld>
             <a:endParaRPr lang="en-SG"/>
           </a:p>
@@ -2467,7 +2467,7 @@
           <a:p>
             <a:fld id="{15F118F1-182E-490B-9E94-83767F72AB09}" type="datetimeFigureOut">
               <a:rPr lang="en-SG" smtClean="0"/>
-              <a:t>18/1/2023</a:t>
+              <a:t>19/1/2023</a:t>
             </a:fld>
             <a:endParaRPr lang="en-SG"/>
           </a:p>
@@ -2844,7 +2844,7 @@
           <a:p>
             <a:fld id="{15F118F1-182E-490B-9E94-83767F72AB09}" type="datetimeFigureOut">
               <a:rPr lang="en-SG" smtClean="0"/>
-              <a:t>18/1/2023</a:t>
+              <a:t>19/1/2023</a:t>
             </a:fld>
             <a:endParaRPr lang="en-SG"/>
           </a:p>
@@ -3131,7 +3131,7 @@
           <a:p>
             <a:fld id="{15F118F1-182E-490B-9E94-83767F72AB09}" type="datetimeFigureOut">
               <a:rPr lang="en-SG" smtClean="0"/>
-              <a:t>18/1/2023</a:t>
+              <a:t>19/1/2023</a:t>
             </a:fld>
             <a:endParaRPr lang="en-SG"/>
           </a:p>
@@ -7854,7 +7854,7 @@
               <a:avLst/>
             </a:prstGeom>
             <a:noFill/>
-            <a:ln>
+            <a:ln w="19050">
               <a:solidFill>
                 <a:schemeClr val="bg1">
                   <a:lumMod val="65000"/>
@@ -7911,7 +7911,7 @@
               <a:avLst/>
             </a:prstGeom>
             <a:noFill/>
-            <a:ln>
+            <a:ln w="19050">
               <a:solidFill>
                 <a:schemeClr val="bg1">
                   <a:lumMod val="65000"/>
@@ -9286,7 +9286,7 @@
           </p:nvSpPr>
           <p:spPr>
             <a:xfrm>
-              <a:off x="7283858" y="5353148"/>
+              <a:off x="7112010" y="5205511"/>
               <a:ext cx="607859" cy="338554"/>
             </a:xfrm>
             <a:prstGeom prst="rect">
@@ -9864,10 +9864,10 @@
             <a:prstGeom prst="straightConnector1">
               <a:avLst/>
             </a:prstGeom>
-            <a:ln>
+            <a:ln w="19050">
               <a:solidFill>
                 <a:schemeClr val="bg1">
-                  <a:lumMod val="75000"/>
+                  <a:lumMod val="65000"/>
                 </a:schemeClr>
               </a:solidFill>
               <a:prstDash val="dash"/>
@@ -9911,10 +9911,10 @@
             <a:prstGeom prst="straightConnector1">
               <a:avLst/>
             </a:prstGeom>
-            <a:ln>
+            <a:ln w="19050">
               <a:solidFill>
                 <a:schemeClr val="bg1">
-                  <a:lumMod val="75000"/>
+                  <a:lumMod val="65000"/>
                 </a:schemeClr>
               </a:solidFill>
               <a:prstDash val="dash"/>
